--- a/Dagger2-Report.pptx
+++ b/Dagger2-Report.pptx
@@ -1,46 +1,46 @@
 
 <file path=ppt/presentation.xml><?xml version="1.0" encoding="utf-8"?>
-<p:presentation xmlns:a="http://schemas.openxmlformats.org/drawingml/2006/main" xmlns:r="http://schemas.openxmlformats.org/officeDocument/2006/relationships" xmlns:p="http://schemas.openxmlformats.org/presentationml/2006/main" saveSubsetFonts="1">
+<p:presentation xmlns:a="http://schemas.openxmlformats.org/drawingml/2006/main" xmlns:r="http://schemas.openxmlformats.org/officeDocument/2006/relationships" xmlns:p="http://schemas.openxmlformats.org/presentationml/2006/main">
   <p:sldMasterIdLst>
-    <p:sldMasterId id="2147483846" r:id="rId1"/>
-    <p:sldMasterId id="2147484087" r:id="rId2"/>
+    <p:sldMasterId id="2147483648" r:id="rId1"/>
+    <p:sldMasterId id="2147483665" r:id="rId3"/>
   </p:sldMasterIdLst>
   <p:sldIdLst>
-    <p:sldId id="256" r:id="rId3"/>
-    <p:sldId id="257" r:id="rId4"/>
-    <p:sldId id="258" r:id="rId5"/>
-    <p:sldId id="259" r:id="rId6"/>
-    <p:sldId id="260" r:id="rId7"/>
-    <p:sldId id="261" r:id="rId8"/>
-    <p:sldId id="262" r:id="rId9"/>
-    <p:sldId id="263" r:id="rId10"/>
-    <p:sldId id="264" r:id="rId11"/>
-    <p:sldId id="265" r:id="rId12"/>
-    <p:sldId id="266" r:id="rId13"/>
-    <p:sldId id="267" r:id="rId14"/>
-    <p:sldId id="268" r:id="rId15"/>
-    <p:sldId id="269" r:id="rId16"/>
-    <p:sldId id="270" r:id="rId17"/>
-    <p:sldId id="271" r:id="rId18"/>
-    <p:sldId id="272" r:id="rId19"/>
-    <p:sldId id="273" r:id="rId20"/>
-    <p:sldId id="274" r:id="rId21"/>
-    <p:sldId id="275" r:id="rId22"/>
-    <p:sldId id="276" r:id="rId23"/>
-    <p:sldId id="277" r:id="rId24"/>
-    <p:sldId id="278" r:id="rId25"/>
-    <p:sldId id="279" r:id="rId26"/>
-    <p:sldId id="280" r:id="rId27"/>
-    <p:sldId id="281" r:id="rId28"/>
-    <p:sldId id="282" r:id="rId29"/>
-    <p:sldId id="283" r:id="rId30"/>
-    <p:sldId id="284" r:id="rId31"/>
-    <p:sldId id="285" r:id="rId32"/>
-    <p:sldId id="286" r:id="rId33"/>
-    <p:sldId id="287" r:id="rId34"/>
-    <p:sldId id="288" r:id="rId35"/>
-    <p:sldId id="289" r:id="rId36"/>
-    <p:sldId id="290" r:id="rId37"/>
+    <p:sldId id="256" r:id="rId4"/>
+    <p:sldId id="257" r:id="rId5"/>
+    <p:sldId id="258" r:id="rId6"/>
+    <p:sldId id="259" r:id="rId7"/>
+    <p:sldId id="260" r:id="rId8"/>
+    <p:sldId id="261" r:id="rId9"/>
+    <p:sldId id="262" r:id="rId10"/>
+    <p:sldId id="263" r:id="rId11"/>
+    <p:sldId id="264" r:id="rId12"/>
+    <p:sldId id="265" r:id="rId13"/>
+    <p:sldId id="266" r:id="rId14"/>
+    <p:sldId id="267" r:id="rId15"/>
+    <p:sldId id="268" r:id="rId16"/>
+    <p:sldId id="269" r:id="rId17"/>
+    <p:sldId id="270" r:id="rId18"/>
+    <p:sldId id="271" r:id="rId19"/>
+    <p:sldId id="272" r:id="rId20"/>
+    <p:sldId id="273" r:id="rId21"/>
+    <p:sldId id="274" r:id="rId22"/>
+    <p:sldId id="275" r:id="rId23"/>
+    <p:sldId id="276" r:id="rId24"/>
+    <p:sldId id="277" r:id="rId25"/>
+    <p:sldId id="278" r:id="rId26"/>
+    <p:sldId id="279" r:id="rId27"/>
+    <p:sldId id="280" r:id="rId28"/>
+    <p:sldId id="281" r:id="rId29"/>
+    <p:sldId id="282" r:id="rId30"/>
+    <p:sldId id="283" r:id="rId31"/>
+    <p:sldId id="284" r:id="rId32"/>
+    <p:sldId id="285" r:id="rId33"/>
+    <p:sldId id="286" r:id="rId34"/>
+    <p:sldId id="287" r:id="rId35"/>
+    <p:sldId id="288" r:id="rId36"/>
+    <p:sldId id="289" r:id="rId37"/>
+    <p:sldId id="290" r:id="rId38"/>
   </p:sldIdLst>
   <p:sldSz cx="12192000" cy="6858000"/>
   <p:notesSz cx="6858000" cy="9144000"/>
@@ -139,16 +139,11 @@
       </a:defRPr>
     </a:lvl9pPr>
   </p:defaultTextStyle>
-  <p:extLst>
-    <p:ext uri="{EFAFB233-063F-42B5-8137-9DF3F51BA10A}">
-      <p15:sldGuideLst xmlns:p15="http://schemas.microsoft.com/office/powerpoint/2012/main"/>
-    </p:ext>
-  </p:extLst>
 </p:presentation>
 </file>
 
 <file path=ppt/slideLayouts/slideLayout1.xml><?xml version="1.0" encoding="utf-8"?>
-<p:sldLayout xmlns:a="http://schemas.openxmlformats.org/drawingml/2006/main" xmlns:r="http://schemas.openxmlformats.org/officeDocument/2006/relationships" xmlns:p="http://schemas.openxmlformats.org/presentationml/2006/main" showMasterSp="0" type="title" preserve="1">
+<p:sldLayout xmlns:a="http://schemas.openxmlformats.org/drawingml/2006/main" xmlns:r="http://schemas.openxmlformats.org/officeDocument/2006/relationships" xmlns:p="http://schemas.openxmlformats.org/presentationml/2006/main" type="title" preserve="1" showMasterSp="0">
   <p:cSld name="Title Slide">
     <p:spTree>
       <p:nvGrpSpPr>
@@ -892,7 +887,6 @@
           <a:p>
             <a:fld id="{25D01E33-0C9A-4836-B7F9-A2F0AFEB4BDE}" type="datetimeFigureOut">
               <a:rPr lang="en-US" smtClean="0"/>
-              <a:t>7/13/2018</a:t>
             </a:fld>
             <a:endParaRPr lang="en-US"/>
           </a:p>
@@ -934,18 +928,12 @@
           <a:p>
             <a:fld id="{A77B91C3-F7AF-4B70-A6AF-414F720DAC36}" type="slidenum">
               <a:rPr lang="en-US" smtClean="0"/>
-              <a:t>‹#›</a:t>
             </a:fld>
             <a:endParaRPr lang="en-US"/>
           </a:p>
         </p:txBody>
       </p:sp>
     </p:spTree>
-    <p:extLst>
-      <p:ext uri="{BB962C8B-B14F-4D97-AF65-F5344CB8AC3E}">
-        <p14:creationId xmlns:p14="http://schemas.microsoft.com/office/powerpoint/2010/main" val="1004499057"/>
-      </p:ext>
-    </p:extLst>
   </p:cSld>
   <p:clrMapOvr>
     <a:masterClrMapping/>
@@ -1123,6 +1111,7 @@
               <a:rPr lang="en-US" smtClean="0"/>
               <a:t>Click to edit Master text styles</a:t>
             </a:r>
+            <a:endParaRPr lang="en-US" smtClean="0"/>
           </a:p>
         </p:txBody>
       </p:sp>
@@ -1143,7 +1132,6 @@
           <a:p>
             <a:fld id="{25D01E33-0C9A-4836-B7F9-A2F0AFEB4BDE}" type="datetimeFigureOut">
               <a:rPr lang="en-US" smtClean="0"/>
-              <a:t>7/13/2018</a:t>
             </a:fld>
             <a:endParaRPr lang="en-US"/>
           </a:p>
@@ -1185,18 +1173,12 @@
           <a:p>
             <a:fld id="{A77B91C3-F7AF-4B70-A6AF-414F720DAC36}" type="slidenum">
               <a:rPr lang="en-US" smtClean="0"/>
-              <a:t>‹#›</a:t>
             </a:fld>
             <a:endParaRPr lang="en-US"/>
           </a:p>
         </p:txBody>
       </p:sp>
     </p:spTree>
-    <p:extLst>
-      <p:ext uri="{BB962C8B-B14F-4D97-AF65-F5344CB8AC3E}">
-        <p14:creationId xmlns:p14="http://schemas.microsoft.com/office/powerpoint/2010/main" val="855214214"/>
-      </p:ext>
-    </p:extLst>
   </p:cSld>
   <p:clrMapOvr>
     <a:masterClrMapping/>
@@ -1315,6 +1297,7 @@
               <a:rPr lang="en-US" smtClean="0"/>
               <a:t>Click to edit Master text styles</a:t>
             </a:r>
+            <a:endParaRPr lang="en-US" smtClean="0"/>
           </a:p>
         </p:txBody>
       </p:sp>
@@ -1437,6 +1420,7 @@
               <a:rPr lang="en-US" smtClean="0"/>
               <a:t>Click to edit Master text styles</a:t>
             </a:r>
+            <a:endParaRPr lang="en-US" smtClean="0"/>
           </a:p>
         </p:txBody>
       </p:sp>
@@ -1457,7 +1441,6 @@
           <a:p>
             <a:fld id="{25D01E33-0C9A-4836-B7F9-A2F0AFEB4BDE}" type="datetimeFigureOut">
               <a:rPr lang="en-US" smtClean="0"/>
-              <a:t>7/13/2018</a:t>
             </a:fld>
             <a:endParaRPr lang="en-US"/>
           </a:p>
@@ -1499,7 +1482,6 @@
           <a:p>
             <a:fld id="{A77B91C3-F7AF-4B70-A6AF-414F720DAC36}" type="slidenum">
               <a:rPr lang="en-US" smtClean="0"/>
-              <a:t>‹#›</a:t>
             </a:fld>
             <a:endParaRPr lang="en-US"/>
           </a:p>
@@ -1539,10 +1521,23 @@
                   </a:schemeClr>
                 </a:solidFill>
                 <a:effectLst/>
-                <a:latin typeface="Arial"/>
+                <a:latin typeface="Arial" panose="020B0604020202020204"/>
               </a:rPr>
               <a:t>“</a:t>
             </a:r>
+            <a:endParaRPr lang="en-US" sz="8000" baseline="0" dirty="0">
+              <a:ln w="3175" cmpd="sng">
+                <a:noFill/>
+              </a:ln>
+              <a:solidFill>
+                <a:schemeClr val="accent1">
+                  <a:lumMod val="60000"/>
+                  <a:lumOff val="40000"/>
+                </a:schemeClr>
+              </a:solidFill>
+              <a:effectLst/>
+              <a:latin typeface="Arial" panose="020B0604020202020204"/>
+            </a:endParaRPr>
           </a:p>
         </p:txBody>
       </p:sp>
@@ -1580,19 +1575,27 @@
                   </a:schemeClr>
                 </a:solidFill>
                 <a:effectLst/>
-                <a:latin typeface="Arial"/>
+                <a:latin typeface="Arial" panose="020B0604020202020204"/>
               </a:rPr>
               <a:t>”</a:t>
             </a:r>
+            <a:endParaRPr lang="en-US" sz="8000" baseline="0" dirty="0">
+              <a:ln w="3175" cmpd="sng">
+                <a:noFill/>
+              </a:ln>
+              <a:solidFill>
+                <a:schemeClr val="accent1">
+                  <a:lumMod val="60000"/>
+                  <a:lumOff val="40000"/>
+                </a:schemeClr>
+              </a:solidFill>
+              <a:effectLst/>
+              <a:latin typeface="Arial" panose="020B0604020202020204"/>
+            </a:endParaRPr>
           </a:p>
         </p:txBody>
       </p:sp>
     </p:spTree>
-    <p:extLst>
-      <p:ext uri="{BB962C8B-B14F-4D97-AF65-F5344CB8AC3E}">
-        <p14:creationId xmlns:p14="http://schemas.microsoft.com/office/powerpoint/2010/main" val="2465122734"/>
-      </p:ext>
-    </p:extLst>
   </p:cSld>
   <p:clrMapOvr>
     <a:masterClrMapping/>
@@ -1770,6 +1773,7 @@
               <a:rPr lang="en-US" smtClean="0"/>
               <a:t>Click to edit Master text styles</a:t>
             </a:r>
+            <a:endParaRPr lang="en-US" smtClean="0"/>
           </a:p>
         </p:txBody>
       </p:sp>
@@ -1790,7 +1794,6 @@
           <a:p>
             <a:fld id="{25D01E33-0C9A-4836-B7F9-A2F0AFEB4BDE}" type="datetimeFigureOut">
               <a:rPr lang="en-US" smtClean="0"/>
-              <a:t>7/13/2018</a:t>
             </a:fld>
             <a:endParaRPr lang="en-US"/>
           </a:p>
@@ -1832,18 +1835,12 @@
           <a:p>
             <a:fld id="{A77B91C3-F7AF-4B70-A6AF-414F720DAC36}" type="slidenum">
               <a:rPr lang="en-US" smtClean="0"/>
-              <a:t>‹#›</a:t>
             </a:fld>
             <a:endParaRPr lang="en-US"/>
           </a:p>
         </p:txBody>
       </p:sp>
     </p:spTree>
-    <p:extLst>
-      <p:ext uri="{BB962C8B-B14F-4D97-AF65-F5344CB8AC3E}">
-        <p14:creationId xmlns:p14="http://schemas.microsoft.com/office/powerpoint/2010/main" val="4174000249"/>
-      </p:ext>
-    </p:extLst>
   </p:cSld>
   <p:clrMapOvr>
     <a:masterClrMapping/>
@@ -1962,6 +1959,7 @@
               <a:rPr lang="en-US" smtClean="0"/>
               <a:t>Click to edit Master text styles</a:t>
             </a:r>
+            <a:endParaRPr lang="en-US" smtClean="0"/>
           </a:p>
         </p:txBody>
       </p:sp>
@@ -2084,6 +2082,7 @@
               <a:rPr lang="en-US" smtClean="0"/>
               <a:t>Click to edit Master text styles</a:t>
             </a:r>
+            <a:endParaRPr lang="en-US" smtClean="0"/>
           </a:p>
         </p:txBody>
       </p:sp>
@@ -2104,7 +2103,6 @@
           <a:p>
             <a:fld id="{25D01E33-0C9A-4836-B7F9-A2F0AFEB4BDE}" type="datetimeFigureOut">
               <a:rPr lang="en-US" smtClean="0"/>
-              <a:t>7/13/2018</a:t>
             </a:fld>
             <a:endParaRPr lang="en-US"/>
           </a:p>
@@ -2146,7 +2144,6 @@
           <a:p>
             <a:fld id="{A77B91C3-F7AF-4B70-A6AF-414F720DAC36}" type="slidenum">
               <a:rPr lang="en-US" smtClean="0"/>
-              <a:t>‹#›</a:t>
             </a:fld>
             <a:endParaRPr lang="en-US"/>
           </a:p>
@@ -2186,10 +2183,23 @@
                   </a:schemeClr>
                 </a:solidFill>
                 <a:effectLst/>
-                <a:latin typeface="Arial"/>
+                <a:latin typeface="Arial" panose="020B0604020202020204"/>
               </a:rPr>
               <a:t>“</a:t>
             </a:r>
+            <a:endParaRPr lang="en-US" sz="8000" baseline="0" dirty="0">
+              <a:ln w="3175" cmpd="sng">
+                <a:noFill/>
+              </a:ln>
+              <a:solidFill>
+                <a:schemeClr val="accent1">
+                  <a:lumMod val="60000"/>
+                  <a:lumOff val="40000"/>
+                </a:schemeClr>
+              </a:solidFill>
+              <a:effectLst/>
+              <a:latin typeface="Arial" panose="020B0604020202020204"/>
+            </a:endParaRPr>
           </a:p>
         </p:txBody>
       </p:sp>
@@ -2227,19 +2237,27 @@
                   </a:schemeClr>
                 </a:solidFill>
                 <a:effectLst/>
-                <a:latin typeface="Arial"/>
+                <a:latin typeface="Arial" panose="020B0604020202020204"/>
               </a:rPr>
               <a:t>”</a:t>
             </a:r>
+            <a:endParaRPr lang="en-US" sz="8000" baseline="0" dirty="0">
+              <a:ln w="3175" cmpd="sng">
+                <a:noFill/>
+              </a:ln>
+              <a:solidFill>
+                <a:schemeClr val="accent1">
+                  <a:lumMod val="60000"/>
+                  <a:lumOff val="40000"/>
+                </a:schemeClr>
+              </a:solidFill>
+              <a:effectLst/>
+              <a:latin typeface="Arial" panose="020B0604020202020204"/>
+            </a:endParaRPr>
           </a:p>
         </p:txBody>
       </p:sp>
     </p:spTree>
-    <p:extLst>
-      <p:ext uri="{BB962C8B-B14F-4D97-AF65-F5344CB8AC3E}">
-        <p14:creationId xmlns:p14="http://schemas.microsoft.com/office/powerpoint/2010/main" val="428299091"/>
-      </p:ext>
-    </p:extLst>
   </p:cSld>
   <p:clrMapOvr>
     <a:masterClrMapping/>
@@ -2355,6 +2373,7 @@
               <a:rPr lang="en-US" smtClean="0"/>
               <a:t>Click to edit Master text styles</a:t>
             </a:r>
+            <a:endParaRPr lang="en-US" smtClean="0"/>
           </a:p>
         </p:txBody>
       </p:sp>
@@ -2477,6 +2496,7 @@
               <a:rPr lang="en-US" smtClean="0"/>
               <a:t>Click to edit Master text styles</a:t>
             </a:r>
+            <a:endParaRPr lang="en-US" smtClean="0"/>
           </a:p>
         </p:txBody>
       </p:sp>
@@ -2497,7 +2517,6 @@
           <a:p>
             <a:fld id="{25D01E33-0C9A-4836-B7F9-A2F0AFEB4BDE}" type="datetimeFigureOut">
               <a:rPr lang="en-US" smtClean="0"/>
-              <a:t>7/13/2018</a:t>
             </a:fld>
             <a:endParaRPr lang="en-US"/>
           </a:p>
@@ -2539,18 +2558,12 @@
           <a:p>
             <a:fld id="{A77B91C3-F7AF-4B70-A6AF-414F720DAC36}" type="slidenum">
               <a:rPr lang="en-US" smtClean="0"/>
-              <a:t>‹#›</a:t>
             </a:fld>
             <a:endParaRPr lang="en-US"/>
           </a:p>
         </p:txBody>
       </p:sp>
     </p:spTree>
-    <p:extLst>
-      <p:ext uri="{BB962C8B-B14F-4D97-AF65-F5344CB8AC3E}">
-        <p14:creationId xmlns:p14="http://schemas.microsoft.com/office/powerpoint/2010/main" val="2254864867"/>
-      </p:ext>
-    </p:extLst>
   </p:cSld>
   <p:clrMapOvr>
     <a:masterClrMapping/>
@@ -2618,6 +2631,7 @@
               <a:rPr lang="en-US" smtClean="0"/>
               <a:t>Click to edit Master text styles</a:t>
             </a:r>
+            <a:endParaRPr lang="en-US" smtClean="0"/>
           </a:p>
           <a:p>
             <a:pPr lvl="1"/>
@@ -2625,6 +2639,7 @@
               <a:rPr lang="en-US" smtClean="0"/>
               <a:t>Second level</a:t>
             </a:r>
+            <a:endParaRPr lang="en-US" smtClean="0"/>
           </a:p>
           <a:p>
             <a:pPr lvl="2"/>
@@ -2632,6 +2647,7 @@
               <a:rPr lang="en-US" smtClean="0"/>
               <a:t>Third level</a:t>
             </a:r>
+            <a:endParaRPr lang="en-US" smtClean="0"/>
           </a:p>
           <a:p>
             <a:pPr lvl="3"/>
@@ -2639,6 +2655,7 @@
               <a:rPr lang="en-US" smtClean="0"/>
               <a:t>Fourth level</a:t>
             </a:r>
+            <a:endParaRPr lang="en-US" smtClean="0"/>
           </a:p>
           <a:p>
             <a:pPr lvl="4"/>
@@ -2667,7 +2684,6 @@
           <a:p>
             <a:fld id="{25D01E33-0C9A-4836-B7F9-A2F0AFEB4BDE}" type="datetimeFigureOut">
               <a:rPr lang="en-US" smtClean="0"/>
-              <a:t>7/13/2018</a:t>
             </a:fld>
             <a:endParaRPr lang="en-US"/>
           </a:p>
@@ -2709,18 +2725,12 @@
           <a:p>
             <a:fld id="{A77B91C3-F7AF-4B70-A6AF-414F720DAC36}" type="slidenum">
               <a:rPr lang="en-US" smtClean="0"/>
-              <a:t>‹#›</a:t>
             </a:fld>
             <a:endParaRPr lang="en-US"/>
           </a:p>
         </p:txBody>
       </p:sp>
     </p:spTree>
-    <p:extLst>
-      <p:ext uri="{BB962C8B-B14F-4D97-AF65-F5344CB8AC3E}">
-        <p14:creationId xmlns:p14="http://schemas.microsoft.com/office/powerpoint/2010/main" val="1146860030"/>
-      </p:ext>
-    </p:extLst>
   </p:cSld>
   <p:clrMapOvr>
     <a:masterClrMapping/>
@@ -2798,6 +2808,7 @@
               <a:rPr lang="en-US" smtClean="0"/>
               <a:t>Click to edit Master text styles</a:t>
             </a:r>
+            <a:endParaRPr lang="en-US" smtClean="0"/>
           </a:p>
           <a:p>
             <a:pPr lvl="1"/>
@@ -2805,6 +2816,7 @@
               <a:rPr lang="en-US" smtClean="0"/>
               <a:t>Second level</a:t>
             </a:r>
+            <a:endParaRPr lang="en-US" smtClean="0"/>
           </a:p>
           <a:p>
             <a:pPr lvl="2"/>
@@ -2812,6 +2824,7 @@
               <a:rPr lang="en-US" smtClean="0"/>
               <a:t>Third level</a:t>
             </a:r>
+            <a:endParaRPr lang="en-US" smtClean="0"/>
           </a:p>
           <a:p>
             <a:pPr lvl="3"/>
@@ -2819,6 +2832,7 @@
               <a:rPr lang="en-US" smtClean="0"/>
               <a:t>Fourth level</a:t>
             </a:r>
+            <a:endParaRPr lang="en-US" smtClean="0"/>
           </a:p>
           <a:p>
             <a:pPr lvl="4"/>
@@ -2847,7 +2861,6 @@
           <a:p>
             <a:fld id="{25D01E33-0C9A-4836-B7F9-A2F0AFEB4BDE}" type="datetimeFigureOut">
               <a:rPr lang="en-US" smtClean="0"/>
-              <a:t>7/13/2018</a:t>
             </a:fld>
             <a:endParaRPr lang="en-US"/>
           </a:p>
@@ -2889,18 +2902,12 @@
           <a:p>
             <a:fld id="{A77B91C3-F7AF-4B70-A6AF-414F720DAC36}" type="slidenum">
               <a:rPr lang="en-US" smtClean="0"/>
-              <a:t>‹#›</a:t>
             </a:fld>
             <a:endParaRPr lang="en-US"/>
           </a:p>
         </p:txBody>
       </p:sp>
     </p:spTree>
-    <p:extLst>
-      <p:ext uri="{BB962C8B-B14F-4D97-AF65-F5344CB8AC3E}">
-        <p14:creationId xmlns:p14="http://schemas.microsoft.com/office/powerpoint/2010/main" val="1297232121"/>
-      </p:ext>
-    </p:extLst>
   </p:cSld>
   <p:clrMapOvr>
     <a:masterClrMapping/>
@@ -2909,7 +2916,7 @@
 </file>
 
 <file path=ppt/slideLayouts/slideLayout17.xml><?xml version="1.0" encoding="utf-8"?>
-<p:sldLayout xmlns:a="http://schemas.openxmlformats.org/drawingml/2006/main" xmlns:r="http://schemas.openxmlformats.org/officeDocument/2006/relationships" xmlns:p="http://schemas.openxmlformats.org/presentationml/2006/main" showMasterSp="0" type="title" preserve="1">
+<p:sldLayout xmlns:a="http://schemas.openxmlformats.org/drawingml/2006/main" xmlns:r="http://schemas.openxmlformats.org/officeDocument/2006/relationships" xmlns:p="http://schemas.openxmlformats.org/presentationml/2006/main" type="title" preserve="1" showMasterSp="0">
   <p:cSld name="Title Slide">
     <p:spTree>
       <p:nvGrpSpPr>
@@ -3653,7 +3660,6 @@
           <a:p>
             <a:fld id="{25D01E33-0C9A-4836-B7F9-A2F0AFEB4BDE}" type="datetimeFigureOut">
               <a:rPr lang="en-US" smtClean="0"/>
-              <a:t>7/13/2018</a:t>
             </a:fld>
             <a:endParaRPr lang="en-US"/>
           </a:p>
@@ -3695,18 +3701,12 @@
           <a:p>
             <a:fld id="{A77B91C3-F7AF-4B70-A6AF-414F720DAC36}" type="slidenum">
               <a:rPr lang="en-US" smtClean="0"/>
-              <a:t>‹#›</a:t>
             </a:fld>
             <a:endParaRPr lang="en-US"/>
           </a:p>
         </p:txBody>
       </p:sp>
     </p:spTree>
-    <p:extLst>
-      <p:ext uri="{BB962C8B-B14F-4D97-AF65-F5344CB8AC3E}">
-        <p14:creationId xmlns:p14="http://schemas.microsoft.com/office/powerpoint/2010/main" val="3375783387"/>
-      </p:ext>
-    </p:extLst>
   </p:cSld>
   <p:clrMapOvr>
     <a:masterClrMapping/>
@@ -3774,6 +3774,7 @@
               <a:rPr lang="en-US" smtClean="0"/>
               <a:t>Click to edit Master text styles</a:t>
             </a:r>
+            <a:endParaRPr lang="en-US" smtClean="0"/>
           </a:p>
           <a:p>
             <a:pPr lvl="1"/>
@@ -3781,6 +3782,7 @@
               <a:rPr lang="en-US" smtClean="0"/>
               <a:t>Second level</a:t>
             </a:r>
+            <a:endParaRPr lang="en-US" smtClean="0"/>
           </a:p>
           <a:p>
             <a:pPr lvl="2"/>
@@ -3788,6 +3790,7 @@
               <a:rPr lang="en-US" smtClean="0"/>
               <a:t>Third level</a:t>
             </a:r>
+            <a:endParaRPr lang="en-US" smtClean="0"/>
           </a:p>
           <a:p>
             <a:pPr lvl="3"/>
@@ -3795,6 +3798,7 @@
               <a:rPr lang="en-US" smtClean="0"/>
               <a:t>Fourth level</a:t>
             </a:r>
+            <a:endParaRPr lang="en-US" smtClean="0"/>
           </a:p>
           <a:p>
             <a:pPr lvl="4"/>
@@ -3823,7 +3827,6 @@
           <a:p>
             <a:fld id="{25D01E33-0C9A-4836-B7F9-A2F0AFEB4BDE}" type="datetimeFigureOut">
               <a:rPr lang="en-US" smtClean="0"/>
-              <a:t>7/13/2018</a:t>
             </a:fld>
             <a:endParaRPr lang="en-US"/>
           </a:p>
@@ -3865,18 +3868,12 @@
           <a:p>
             <a:fld id="{A77B91C3-F7AF-4B70-A6AF-414F720DAC36}" type="slidenum">
               <a:rPr lang="en-US" smtClean="0"/>
-              <a:t>‹#›</a:t>
             </a:fld>
             <a:endParaRPr lang="en-US"/>
           </a:p>
         </p:txBody>
       </p:sp>
     </p:spTree>
-    <p:extLst>
-      <p:ext uri="{BB962C8B-B14F-4D97-AF65-F5344CB8AC3E}">
-        <p14:creationId xmlns:p14="http://schemas.microsoft.com/office/powerpoint/2010/main" val="446150240"/>
-      </p:ext>
-    </p:extLst>
   </p:cSld>
   <p:clrMapOvr>
     <a:masterClrMapping/>
@@ -4050,6 +4047,7 @@
               <a:rPr lang="en-US" smtClean="0"/>
               <a:t>Click to edit Master text styles</a:t>
             </a:r>
+            <a:endParaRPr lang="en-US" smtClean="0"/>
           </a:p>
         </p:txBody>
       </p:sp>
@@ -4070,7 +4068,6 @@
           <a:p>
             <a:fld id="{25D01E33-0C9A-4836-B7F9-A2F0AFEB4BDE}" type="datetimeFigureOut">
               <a:rPr lang="en-US" smtClean="0"/>
-              <a:t>7/13/2018</a:t>
             </a:fld>
             <a:endParaRPr lang="en-US"/>
           </a:p>
@@ -4112,18 +4109,12 @@
           <a:p>
             <a:fld id="{A77B91C3-F7AF-4B70-A6AF-414F720DAC36}" type="slidenum">
               <a:rPr lang="en-US" smtClean="0"/>
-              <a:t>‹#›</a:t>
             </a:fld>
             <a:endParaRPr lang="en-US"/>
           </a:p>
         </p:txBody>
       </p:sp>
     </p:spTree>
-    <p:extLst>
-      <p:ext uri="{BB962C8B-B14F-4D97-AF65-F5344CB8AC3E}">
-        <p14:creationId xmlns:p14="http://schemas.microsoft.com/office/powerpoint/2010/main" val="2059240963"/>
-      </p:ext>
-    </p:extLst>
   </p:cSld>
   <p:clrMapOvr>
     <a:masterClrMapping/>
@@ -4191,6 +4182,7 @@
               <a:rPr lang="en-US" smtClean="0"/>
               <a:t>Click to edit Master text styles</a:t>
             </a:r>
+            <a:endParaRPr lang="en-US" smtClean="0"/>
           </a:p>
           <a:p>
             <a:pPr lvl="1"/>
@@ -4198,6 +4190,7 @@
               <a:rPr lang="en-US" smtClean="0"/>
               <a:t>Second level</a:t>
             </a:r>
+            <a:endParaRPr lang="en-US" smtClean="0"/>
           </a:p>
           <a:p>
             <a:pPr lvl="2"/>
@@ -4205,6 +4198,7 @@
               <a:rPr lang="en-US" smtClean="0"/>
               <a:t>Third level</a:t>
             </a:r>
+            <a:endParaRPr lang="en-US" smtClean="0"/>
           </a:p>
           <a:p>
             <a:pPr lvl="3"/>
@@ -4212,6 +4206,7 @@
               <a:rPr lang="en-US" smtClean="0"/>
               <a:t>Fourth level</a:t>
             </a:r>
+            <a:endParaRPr lang="en-US" smtClean="0"/>
           </a:p>
           <a:p>
             <a:pPr lvl="4"/>
@@ -4240,7 +4235,6 @@
           <a:p>
             <a:fld id="{25D01E33-0C9A-4836-B7F9-A2F0AFEB4BDE}" type="datetimeFigureOut">
               <a:rPr lang="en-US" smtClean="0"/>
-              <a:t>7/13/2018</a:t>
             </a:fld>
             <a:endParaRPr lang="en-US"/>
           </a:p>
@@ -4282,18 +4276,12 @@
           <a:p>
             <a:fld id="{A77B91C3-F7AF-4B70-A6AF-414F720DAC36}" type="slidenum">
               <a:rPr lang="en-US" smtClean="0"/>
-              <a:t>‹#›</a:t>
             </a:fld>
             <a:endParaRPr lang="en-US"/>
           </a:p>
         </p:txBody>
       </p:sp>
     </p:spTree>
-    <p:extLst>
-      <p:ext uri="{BB962C8B-B14F-4D97-AF65-F5344CB8AC3E}">
-        <p14:creationId xmlns:p14="http://schemas.microsoft.com/office/powerpoint/2010/main" val="1362772308"/>
-      </p:ext>
-    </p:extLst>
   </p:cSld>
   <p:clrMapOvr>
     <a:masterClrMapping/>
@@ -4366,6 +4354,7 @@
               <a:rPr lang="en-US" smtClean="0"/>
               <a:t>Click to edit Master text styles</a:t>
             </a:r>
+            <a:endParaRPr lang="en-US" smtClean="0"/>
           </a:p>
           <a:p>
             <a:pPr lvl="1"/>
@@ -4373,6 +4362,7 @@
               <a:rPr lang="en-US" smtClean="0"/>
               <a:t>Second level</a:t>
             </a:r>
+            <a:endParaRPr lang="en-US" smtClean="0"/>
           </a:p>
           <a:p>
             <a:pPr lvl="2"/>
@@ -4380,6 +4370,7 @@
               <a:rPr lang="en-US" smtClean="0"/>
               <a:t>Third level</a:t>
             </a:r>
+            <a:endParaRPr lang="en-US" smtClean="0"/>
           </a:p>
           <a:p>
             <a:pPr lvl="3"/>
@@ -4387,6 +4378,7 @@
               <a:rPr lang="en-US" smtClean="0"/>
               <a:t>Fourth level</a:t>
             </a:r>
+            <a:endParaRPr lang="en-US" smtClean="0"/>
           </a:p>
           <a:p>
             <a:pPr lvl="4"/>
@@ -4423,6 +4415,7 @@
               <a:rPr lang="en-US" smtClean="0"/>
               <a:t>Click to edit Master text styles</a:t>
             </a:r>
+            <a:endParaRPr lang="en-US" smtClean="0"/>
           </a:p>
           <a:p>
             <a:pPr lvl="1"/>
@@ -4430,6 +4423,7 @@
               <a:rPr lang="en-US" smtClean="0"/>
               <a:t>Second level</a:t>
             </a:r>
+            <a:endParaRPr lang="en-US" smtClean="0"/>
           </a:p>
           <a:p>
             <a:pPr lvl="2"/>
@@ -4437,6 +4431,7 @@
               <a:rPr lang="en-US" smtClean="0"/>
               <a:t>Third level</a:t>
             </a:r>
+            <a:endParaRPr lang="en-US" smtClean="0"/>
           </a:p>
           <a:p>
             <a:pPr lvl="3"/>
@@ -4444,6 +4439,7 @@
               <a:rPr lang="en-US" smtClean="0"/>
               <a:t>Fourth level</a:t>
             </a:r>
+            <a:endParaRPr lang="en-US" smtClean="0"/>
           </a:p>
           <a:p>
             <a:pPr lvl="4"/>
@@ -4472,7 +4468,6 @@
           <a:p>
             <a:fld id="{25D01E33-0C9A-4836-B7F9-A2F0AFEB4BDE}" type="datetimeFigureOut">
               <a:rPr lang="en-US" smtClean="0"/>
-              <a:t>7/13/2018</a:t>
             </a:fld>
             <a:endParaRPr lang="en-US"/>
           </a:p>
@@ -4514,27 +4509,16 @@
           <a:p>
             <a:fld id="{A77B91C3-F7AF-4B70-A6AF-414F720DAC36}" type="slidenum">
               <a:rPr lang="en-US" smtClean="0"/>
-              <a:t>‹#›</a:t>
             </a:fld>
             <a:endParaRPr lang="en-US"/>
           </a:p>
         </p:txBody>
       </p:sp>
     </p:spTree>
-    <p:extLst>
-      <p:ext uri="{BB962C8B-B14F-4D97-AF65-F5344CB8AC3E}">
-        <p14:creationId xmlns:p14="http://schemas.microsoft.com/office/powerpoint/2010/main" val="683689187"/>
-      </p:ext>
-    </p:extLst>
   </p:cSld>
   <p:clrMapOvr>
     <a:masterClrMapping/>
   </p:clrMapOvr>
-  <p:extLst>
-    <p:ext uri="{DCECCB84-F9BA-43D5-87BE-67443E8EF086}">
-      <p15:sldGuideLst xmlns:p15="http://schemas.microsoft.com/office/powerpoint/2012/main"/>
-    </p:ext>
-  </p:extLst>
 </p:sldLayout>
 </file>
 
@@ -4646,6 +4630,7 @@
               <a:rPr lang="en-US" smtClean="0"/>
               <a:t>Click to edit Master text styles</a:t>
             </a:r>
+            <a:endParaRPr lang="en-US" smtClean="0"/>
           </a:p>
         </p:txBody>
       </p:sp>
@@ -4676,6 +4661,7 @@
               <a:rPr lang="en-US" smtClean="0"/>
               <a:t>Click to edit Master text styles</a:t>
             </a:r>
+            <a:endParaRPr lang="en-US" smtClean="0"/>
           </a:p>
           <a:p>
             <a:pPr lvl="1"/>
@@ -4683,6 +4669,7 @@
               <a:rPr lang="en-US" smtClean="0"/>
               <a:t>Second level</a:t>
             </a:r>
+            <a:endParaRPr lang="en-US" smtClean="0"/>
           </a:p>
           <a:p>
             <a:pPr lvl="2"/>
@@ -4690,6 +4677,7 @@
               <a:rPr lang="en-US" smtClean="0"/>
               <a:t>Third level</a:t>
             </a:r>
+            <a:endParaRPr lang="en-US" smtClean="0"/>
           </a:p>
           <a:p>
             <a:pPr lvl="3"/>
@@ -4697,6 +4685,7 @@
               <a:rPr lang="en-US" smtClean="0"/>
               <a:t>Fourth level</a:t>
             </a:r>
+            <a:endParaRPr lang="en-US" smtClean="0"/>
           </a:p>
           <a:p>
             <a:pPr lvl="4"/>
@@ -4772,6 +4761,7 @@
               <a:rPr lang="en-US" smtClean="0"/>
               <a:t>Click to edit Master text styles</a:t>
             </a:r>
+            <a:endParaRPr lang="en-US" smtClean="0"/>
           </a:p>
         </p:txBody>
       </p:sp>
@@ -4802,6 +4792,7 @@
               <a:rPr lang="en-US" smtClean="0"/>
               <a:t>Click to edit Master text styles</a:t>
             </a:r>
+            <a:endParaRPr lang="en-US" smtClean="0"/>
           </a:p>
           <a:p>
             <a:pPr lvl="1"/>
@@ -4809,6 +4800,7 @@
               <a:rPr lang="en-US" smtClean="0"/>
               <a:t>Second level</a:t>
             </a:r>
+            <a:endParaRPr lang="en-US" smtClean="0"/>
           </a:p>
           <a:p>
             <a:pPr lvl="2"/>
@@ -4816,6 +4808,7 @@
               <a:rPr lang="en-US" smtClean="0"/>
               <a:t>Third level</a:t>
             </a:r>
+            <a:endParaRPr lang="en-US" smtClean="0"/>
           </a:p>
           <a:p>
             <a:pPr lvl="3"/>
@@ -4823,6 +4816,7 @@
               <a:rPr lang="en-US" smtClean="0"/>
               <a:t>Fourth level</a:t>
             </a:r>
+            <a:endParaRPr lang="en-US" smtClean="0"/>
           </a:p>
           <a:p>
             <a:pPr lvl="4"/>
@@ -4851,7 +4845,6 @@
           <a:p>
             <a:fld id="{25D01E33-0C9A-4836-B7F9-A2F0AFEB4BDE}" type="datetimeFigureOut">
               <a:rPr lang="en-US" smtClean="0"/>
-              <a:t>7/13/2018</a:t>
             </a:fld>
             <a:endParaRPr lang="en-US"/>
           </a:p>
@@ -4893,27 +4886,16 @@
           <a:p>
             <a:fld id="{A77B91C3-F7AF-4B70-A6AF-414F720DAC36}" type="slidenum">
               <a:rPr lang="en-US" smtClean="0"/>
-              <a:t>‹#›</a:t>
             </a:fld>
             <a:endParaRPr lang="en-US"/>
           </a:p>
         </p:txBody>
       </p:sp>
     </p:spTree>
-    <p:extLst>
-      <p:ext uri="{BB962C8B-B14F-4D97-AF65-F5344CB8AC3E}">
-        <p14:creationId xmlns:p14="http://schemas.microsoft.com/office/powerpoint/2010/main" val="2490717384"/>
-      </p:ext>
-    </p:extLst>
   </p:cSld>
   <p:clrMapOvr>
     <a:masterClrMapping/>
   </p:clrMapOvr>
-  <p:extLst>
-    <p:ext uri="{DCECCB84-F9BA-43D5-87BE-67443E8EF086}">
-      <p15:sldGuideLst xmlns:p15="http://schemas.microsoft.com/office/powerpoint/2012/main"/>
-    </p:ext>
-  </p:extLst>
 </p:sldLayout>
 </file>
 
@@ -4979,7 +4961,6 @@
           <a:p>
             <a:fld id="{25D01E33-0C9A-4836-B7F9-A2F0AFEB4BDE}" type="datetimeFigureOut">
               <a:rPr lang="en-US" smtClean="0"/>
-              <a:t>7/13/2018</a:t>
             </a:fld>
             <a:endParaRPr lang="en-US"/>
           </a:p>
@@ -5021,18 +5002,12 @@
           <a:p>
             <a:fld id="{A77B91C3-F7AF-4B70-A6AF-414F720DAC36}" type="slidenum">
               <a:rPr lang="en-US" smtClean="0"/>
-              <a:t>‹#›</a:t>
             </a:fld>
             <a:endParaRPr lang="en-US"/>
           </a:p>
         </p:txBody>
       </p:sp>
     </p:spTree>
-    <p:extLst>
-      <p:ext uri="{BB962C8B-B14F-4D97-AF65-F5344CB8AC3E}">
-        <p14:creationId xmlns:p14="http://schemas.microsoft.com/office/powerpoint/2010/main" val="423874552"/>
-      </p:ext>
-    </p:extLst>
   </p:cSld>
   <p:clrMapOvr>
     <a:masterClrMapping/>
@@ -5074,7 +5049,6 @@
           <a:p>
             <a:fld id="{25D01E33-0C9A-4836-B7F9-A2F0AFEB4BDE}" type="datetimeFigureOut">
               <a:rPr lang="en-US" smtClean="0"/>
-              <a:t>7/13/2018</a:t>
             </a:fld>
             <a:endParaRPr lang="en-US"/>
           </a:p>
@@ -5116,18 +5090,12 @@
           <a:p>
             <a:fld id="{A77B91C3-F7AF-4B70-A6AF-414F720DAC36}" type="slidenum">
               <a:rPr lang="en-US" smtClean="0"/>
-              <a:t>‹#›</a:t>
             </a:fld>
             <a:endParaRPr lang="en-US"/>
           </a:p>
         </p:txBody>
       </p:sp>
     </p:spTree>
-    <p:extLst>
-      <p:ext uri="{BB962C8B-B14F-4D97-AF65-F5344CB8AC3E}">
-        <p14:creationId xmlns:p14="http://schemas.microsoft.com/office/powerpoint/2010/main" val="701608789"/>
-      </p:ext>
-    </p:extLst>
   </p:cSld>
   <p:clrMapOvr>
     <a:masterClrMapping/>
@@ -5213,6 +5181,7 @@
               <a:rPr lang="en-US" smtClean="0"/>
               <a:t>Click to edit Master text styles</a:t>
             </a:r>
+            <a:endParaRPr lang="en-US" smtClean="0"/>
           </a:p>
           <a:p>
             <a:pPr lvl="1"/>
@@ -5220,6 +5189,7 @@
               <a:rPr lang="en-US" smtClean="0"/>
               <a:t>Second level</a:t>
             </a:r>
+            <a:endParaRPr lang="en-US" smtClean="0"/>
           </a:p>
           <a:p>
             <a:pPr lvl="2"/>
@@ -5227,6 +5197,7 @@
               <a:rPr lang="en-US" smtClean="0"/>
               <a:t>Third level</a:t>
             </a:r>
+            <a:endParaRPr lang="en-US" smtClean="0"/>
           </a:p>
           <a:p>
             <a:pPr lvl="3"/>
@@ -5234,6 +5205,7 @@
               <a:rPr lang="en-US" smtClean="0"/>
               <a:t>Fourth level</a:t>
             </a:r>
+            <a:endParaRPr lang="en-US" smtClean="0"/>
           </a:p>
           <a:p>
             <a:pPr lvl="4"/>
@@ -5270,35 +5242,35 @@
               <a:buNone/>
               <a:defRPr sz="1400"/>
             </a:lvl1pPr>
-            <a:lvl2pPr marL="457063" indent="0">
+            <a:lvl2pPr marL="457200" indent="0">
               <a:buNone/>
               <a:defRPr sz="1400"/>
             </a:lvl2pPr>
-            <a:lvl3pPr marL="914126" indent="0">
+            <a:lvl3pPr marL="914400" indent="0">
               <a:buNone/>
               <a:defRPr sz="1200"/>
             </a:lvl3pPr>
-            <a:lvl4pPr marL="1371189" indent="0">
+            <a:lvl4pPr marL="1370965" indent="0">
               <a:buNone/>
               <a:defRPr sz="1000"/>
             </a:lvl4pPr>
-            <a:lvl5pPr marL="1828251" indent="0">
+            <a:lvl5pPr marL="1828165" indent="0">
               <a:buNone/>
               <a:defRPr sz="1000"/>
             </a:lvl5pPr>
-            <a:lvl6pPr marL="2285314" indent="0">
+            <a:lvl6pPr marL="2285365" indent="0">
               <a:buNone/>
               <a:defRPr sz="1000"/>
             </a:lvl6pPr>
-            <a:lvl7pPr marL="2742377" indent="0">
+            <a:lvl7pPr marL="2742565" indent="0">
               <a:buNone/>
               <a:defRPr sz="1000"/>
             </a:lvl7pPr>
-            <a:lvl8pPr marL="3199440" indent="0">
+            <a:lvl8pPr marL="3199130" indent="0">
               <a:buNone/>
               <a:defRPr sz="1000"/>
             </a:lvl8pPr>
-            <a:lvl9pPr marL="3656503" indent="0">
+            <a:lvl9pPr marL="3656330" indent="0">
               <a:buNone/>
               <a:defRPr sz="1000"/>
             </a:lvl9pPr>
@@ -5309,6 +5281,7 @@
               <a:rPr lang="en-US" smtClean="0"/>
               <a:t>Click to edit Master text styles</a:t>
             </a:r>
+            <a:endParaRPr lang="en-US" smtClean="0"/>
           </a:p>
         </p:txBody>
       </p:sp>
@@ -5329,7 +5302,6 @@
           <a:p>
             <a:fld id="{25D01E33-0C9A-4836-B7F9-A2F0AFEB4BDE}" type="datetimeFigureOut">
               <a:rPr lang="en-US" smtClean="0"/>
-              <a:t>7/13/2018</a:t>
             </a:fld>
             <a:endParaRPr lang="en-US"/>
           </a:p>
@@ -5371,27 +5343,16 @@
           <a:p>
             <a:fld id="{A77B91C3-F7AF-4B70-A6AF-414F720DAC36}" type="slidenum">
               <a:rPr lang="en-US" smtClean="0"/>
-              <a:t>‹#›</a:t>
             </a:fld>
             <a:endParaRPr lang="en-US"/>
           </a:p>
         </p:txBody>
       </p:sp>
     </p:spTree>
-    <p:extLst>
-      <p:ext uri="{BB962C8B-B14F-4D97-AF65-F5344CB8AC3E}">
-        <p14:creationId xmlns:p14="http://schemas.microsoft.com/office/powerpoint/2010/main" val="3270388946"/>
-      </p:ext>
-    </p:extLst>
   </p:cSld>
   <p:clrMapOvr>
     <a:masterClrMapping/>
   </p:clrMapOvr>
-  <p:extLst>
-    <p:ext uri="{DCECCB84-F9BA-43D5-87BE-67443E8EF086}">
-      <p15:sldGuideLst xmlns:p15="http://schemas.microsoft.com/office/powerpoint/2012/main"/>
-    </p:ext>
-  </p:extLst>
 </p:sldLayout>
 </file>
 
@@ -5577,6 +5538,7 @@
               <a:rPr lang="en-US" smtClean="0"/>
               <a:t>Click to edit Master text styles</a:t>
             </a:r>
+            <a:endParaRPr lang="en-US" smtClean="0"/>
           </a:p>
         </p:txBody>
       </p:sp>
@@ -5616,7 +5578,6 @@
           <a:p>
             <a:fld id="{A77B91C3-F7AF-4B70-A6AF-414F720DAC36}" type="slidenum">
               <a:rPr lang="en-US" smtClean="0"/>
-              <a:t>‹#›</a:t>
             </a:fld>
             <a:endParaRPr lang="en-US"/>
           </a:p>
@@ -5639,18 +5600,12 @@
           <a:p>
             <a:fld id="{25D01E33-0C9A-4836-B7F9-A2F0AFEB4BDE}" type="datetimeFigureOut">
               <a:rPr lang="en-US" smtClean="0"/>
-              <a:t>7/13/2018</a:t>
             </a:fld>
             <a:endParaRPr lang="en-US"/>
           </a:p>
         </p:txBody>
       </p:sp>
     </p:spTree>
-    <p:extLst>
-      <p:ext uri="{BB962C8B-B14F-4D97-AF65-F5344CB8AC3E}">
-        <p14:creationId xmlns:p14="http://schemas.microsoft.com/office/powerpoint/2010/main" val="3390091513"/>
-      </p:ext>
-    </p:extLst>
   </p:cSld>
   <p:clrMapOvr>
     <a:masterClrMapping/>
@@ -5828,6 +5783,7 @@
               <a:rPr lang="en-US" smtClean="0"/>
               <a:t>Click to edit Master text styles</a:t>
             </a:r>
+            <a:endParaRPr lang="en-US" smtClean="0"/>
           </a:p>
         </p:txBody>
       </p:sp>
@@ -5848,7 +5804,6 @@
           <a:p>
             <a:fld id="{25D01E33-0C9A-4836-B7F9-A2F0AFEB4BDE}" type="datetimeFigureOut">
               <a:rPr lang="en-US" smtClean="0"/>
-              <a:t>7/13/2018</a:t>
             </a:fld>
             <a:endParaRPr lang="en-US"/>
           </a:p>
@@ -5890,18 +5845,12 @@
           <a:p>
             <a:fld id="{A77B91C3-F7AF-4B70-A6AF-414F720DAC36}" type="slidenum">
               <a:rPr lang="en-US" smtClean="0"/>
-              <a:t>‹#›</a:t>
             </a:fld>
             <a:endParaRPr lang="en-US"/>
           </a:p>
         </p:txBody>
       </p:sp>
     </p:spTree>
-    <p:extLst>
-      <p:ext uri="{BB962C8B-B14F-4D97-AF65-F5344CB8AC3E}">
-        <p14:creationId xmlns:p14="http://schemas.microsoft.com/office/powerpoint/2010/main" val="889314413"/>
-      </p:ext>
-    </p:extLst>
   </p:cSld>
   <p:clrMapOvr>
     <a:masterClrMapping/>
@@ -6020,6 +5969,7 @@
               <a:rPr lang="en-US" smtClean="0"/>
               <a:t>Click to edit Master text styles</a:t>
             </a:r>
+            <a:endParaRPr lang="en-US" smtClean="0"/>
           </a:p>
         </p:txBody>
       </p:sp>
@@ -6142,6 +6092,7 @@
               <a:rPr lang="en-US" smtClean="0"/>
               <a:t>Click to edit Master text styles</a:t>
             </a:r>
+            <a:endParaRPr lang="en-US" smtClean="0"/>
           </a:p>
         </p:txBody>
       </p:sp>
@@ -6162,7 +6113,6 @@
           <a:p>
             <a:fld id="{25D01E33-0C9A-4836-B7F9-A2F0AFEB4BDE}" type="datetimeFigureOut">
               <a:rPr lang="en-US" smtClean="0"/>
-              <a:t>7/13/2018</a:t>
             </a:fld>
             <a:endParaRPr lang="en-US"/>
           </a:p>
@@ -6204,7 +6154,6 @@
           <a:p>
             <a:fld id="{A77B91C3-F7AF-4B70-A6AF-414F720DAC36}" type="slidenum">
               <a:rPr lang="en-US" smtClean="0"/>
-              <a:t>‹#›</a:t>
             </a:fld>
             <a:endParaRPr lang="en-US"/>
           </a:p>
@@ -6244,10 +6193,23 @@
                   </a:schemeClr>
                 </a:solidFill>
                 <a:effectLst/>
-                <a:latin typeface="Arial"/>
+                <a:latin typeface="Arial" panose="020B0604020202020204"/>
               </a:rPr>
               <a:t>“</a:t>
             </a:r>
+            <a:endParaRPr lang="en-US" sz="8000" baseline="0" dirty="0">
+              <a:ln w="3175" cmpd="sng">
+                <a:noFill/>
+              </a:ln>
+              <a:solidFill>
+                <a:schemeClr val="accent1">
+                  <a:lumMod val="60000"/>
+                  <a:lumOff val="40000"/>
+                </a:schemeClr>
+              </a:solidFill>
+              <a:effectLst/>
+              <a:latin typeface="Arial" panose="020B0604020202020204"/>
+            </a:endParaRPr>
           </a:p>
         </p:txBody>
       </p:sp>
@@ -6285,19 +6247,27 @@
                   </a:schemeClr>
                 </a:solidFill>
                 <a:effectLst/>
-                <a:latin typeface="Arial"/>
+                <a:latin typeface="Arial" panose="020B0604020202020204"/>
               </a:rPr>
               <a:t>”</a:t>
             </a:r>
+            <a:endParaRPr lang="en-US" sz="8000" baseline="0" dirty="0">
+              <a:ln w="3175" cmpd="sng">
+                <a:noFill/>
+              </a:ln>
+              <a:solidFill>
+                <a:schemeClr val="accent1">
+                  <a:lumMod val="60000"/>
+                  <a:lumOff val="40000"/>
+                </a:schemeClr>
+              </a:solidFill>
+              <a:effectLst/>
+              <a:latin typeface="Arial" panose="020B0604020202020204"/>
+            </a:endParaRPr>
           </a:p>
         </p:txBody>
       </p:sp>
     </p:spTree>
-    <p:extLst>
-      <p:ext uri="{BB962C8B-B14F-4D97-AF65-F5344CB8AC3E}">
-        <p14:creationId xmlns:p14="http://schemas.microsoft.com/office/powerpoint/2010/main" val="3186482028"/>
-      </p:ext>
-    </p:extLst>
   </p:cSld>
   <p:clrMapOvr>
     <a:masterClrMapping/>
@@ -6475,6 +6445,7 @@
               <a:rPr lang="en-US" smtClean="0"/>
               <a:t>Click to edit Master text styles</a:t>
             </a:r>
+            <a:endParaRPr lang="en-US" smtClean="0"/>
           </a:p>
         </p:txBody>
       </p:sp>
@@ -6495,7 +6466,6 @@
           <a:p>
             <a:fld id="{25D01E33-0C9A-4836-B7F9-A2F0AFEB4BDE}" type="datetimeFigureOut">
               <a:rPr lang="en-US" smtClean="0"/>
-              <a:t>7/13/2018</a:t>
             </a:fld>
             <a:endParaRPr lang="en-US"/>
           </a:p>
@@ -6537,18 +6507,12 @@
           <a:p>
             <a:fld id="{A77B91C3-F7AF-4B70-A6AF-414F720DAC36}" type="slidenum">
               <a:rPr lang="en-US" smtClean="0"/>
-              <a:t>‹#›</a:t>
             </a:fld>
             <a:endParaRPr lang="en-US"/>
           </a:p>
         </p:txBody>
       </p:sp>
     </p:spTree>
-    <p:extLst>
-      <p:ext uri="{BB962C8B-B14F-4D97-AF65-F5344CB8AC3E}">
-        <p14:creationId xmlns:p14="http://schemas.microsoft.com/office/powerpoint/2010/main" val="4141718981"/>
-      </p:ext>
-    </p:extLst>
   </p:cSld>
   <p:clrMapOvr>
     <a:masterClrMapping/>
@@ -6667,6 +6631,7 @@
               <a:rPr lang="en-US" smtClean="0"/>
               <a:t>Click to edit Master text styles</a:t>
             </a:r>
+            <a:endParaRPr lang="en-US" smtClean="0"/>
           </a:p>
         </p:txBody>
       </p:sp>
@@ -6789,6 +6754,7 @@
               <a:rPr lang="en-US" smtClean="0"/>
               <a:t>Click to edit Master text styles</a:t>
             </a:r>
+            <a:endParaRPr lang="en-US" smtClean="0"/>
           </a:p>
         </p:txBody>
       </p:sp>
@@ -6809,7 +6775,6 @@
           <a:p>
             <a:fld id="{25D01E33-0C9A-4836-B7F9-A2F0AFEB4BDE}" type="datetimeFigureOut">
               <a:rPr lang="en-US" smtClean="0"/>
-              <a:t>7/13/2018</a:t>
             </a:fld>
             <a:endParaRPr lang="en-US"/>
           </a:p>
@@ -6851,7 +6816,6 @@
           <a:p>
             <a:fld id="{A77B91C3-F7AF-4B70-A6AF-414F720DAC36}" type="slidenum">
               <a:rPr lang="en-US" smtClean="0"/>
-              <a:t>‹#›</a:t>
             </a:fld>
             <a:endParaRPr lang="en-US"/>
           </a:p>
@@ -6891,10 +6855,23 @@
                   </a:schemeClr>
                 </a:solidFill>
                 <a:effectLst/>
-                <a:latin typeface="Arial"/>
+                <a:latin typeface="Arial" panose="020B0604020202020204"/>
               </a:rPr>
               <a:t>“</a:t>
             </a:r>
+            <a:endParaRPr lang="en-US" sz="8000" baseline="0" dirty="0">
+              <a:ln w="3175" cmpd="sng">
+                <a:noFill/>
+              </a:ln>
+              <a:solidFill>
+                <a:schemeClr val="accent1">
+                  <a:lumMod val="60000"/>
+                  <a:lumOff val="40000"/>
+                </a:schemeClr>
+              </a:solidFill>
+              <a:effectLst/>
+              <a:latin typeface="Arial" panose="020B0604020202020204"/>
+            </a:endParaRPr>
           </a:p>
         </p:txBody>
       </p:sp>
@@ -6932,19 +6909,27 @@
                   </a:schemeClr>
                 </a:solidFill>
                 <a:effectLst/>
-                <a:latin typeface="Arial"/>
+                <a:latin typeface="Arial" panose="020B0604020202020204"/>
               </a:rPr>
               <a:t>”</a:t>
             </a:r>
+            <a:endParaRPr lang="en-US" sz="8000" baseline="0" dirty="0">
+              <a:ln w="3175" cmpd="sng">
+                <a:noFill/>
+              </a:ln>
+              <a:solidFill>
+                <a:schemeClr val="accent1">
+                  <a:lumMod val="60000"/>
+                  <a:lumOff val="40000"/>
+                </a:schemeClr>
+              </a:solidFill>
+              <a:effectLst/>
+              <a:latin typeface="Arial" panose="020B0604020202020204"/>
+            </a:endParaRPr>
           </a:p>
         </p:txBody>
       </p:sp>
     </p:spTree>
-    <p:extLst>
-      <p:ext uri="{BB962C8B-B14F-4D97-AF65-F5344CB8AC3E}">
-        <p14:creationId xmlns:p14="http://schemas.microsoft.com/office/powerpoint/2010/main" val="2610595015"/>
-      </p:ext>
-    </p:extLst>
   </p:cSld>
   <p:clrMapOvr>
     <a:masterClrMapping/>
@@ -7118,6 +7103,7 @@
               <a:rPr lang="en-US" smtClean="0"/>
               <a:t>Click to edit Master text styles</a:t>
             </a:r>
+            <a:endParaRPr lang="en-US" smtClean="0"/>
           </a:p>
         </p:txBody>
       </p:sp>
@@ -7138,7 +7124,6 @@
           <a:p>
             <a:fld id="{25D01E33-0C9A-4836-B7F9-A2F0AFEB4BDE}" type="datetimeFigureOut">
               <a:rPr lang="en-US" smtClean="0"/>
-              <a:t>7/13/2018</a:t>
             </a:fld>
             <a:endParaRPr lang="en-US"/>
           </a:p>
@@ -7180,18 +7165,12 @@
           <a:p>
             <a:fld id="{A77B91C3-F7AF-4B70-A6AF-414F720DAC36}" type="slidenum">
               <a:rPr lang="en-US" smtClean="0"/>
-              <a:t>‹#›</a:t>
             </a:fld>
             <a:endParaRPr lang="en-US"/>
           </a:p>
         </p:txBody>
       </p:sp>
     </p:spTree>
-    <p:extLst>
-      <p:ext uri="{BB962C8B-B14F-4D97-AF65-F5344CB8AC3E}">
-        <p14:creationId xmlns:p14="http://schemas.microsoft.com/office/powerpoint/2010/main" val="121846713"/>
-      </p:ext>
-    </p:extLst>
   </p:cSld>
   <p:clrMapOvr>
     <a:masterClrMapping/>
@@ -7307,6 +7286,7 @@
               <a:rPr lang="en-US" smtClean="0"/>
               <a:t>Click to edit Master text styles</a:t>
             </a:r>
+            <a:endParaRPr lang="en-US" smtClean="0"/>
           </a:p>
         </p:txBody>
       </p:sp>
@@ -7429,6 +7409,7 @@
               <a:rPr lang="en-US" smtClean="0"/>
               <a:t>Click to edit Master text styles</a:t>
             </a:r>
+            <a:endParaRPr lang="en-US" smtClean="0"/>
           </a:p>
         </p:txBody>
       </p:sp>
@@ -7449,7 +7430,6 @@
           <a:p>
             <a:fld id="{25D01E33-0C9A-4836-B7F9-A2F0AFEB4BDE}" type="datetimeFigureOut">
               <a:rPr lang="en-US" smtClean="0"/>
-              <a:t>7/13/2018</a:t>
             </a:fld>
             <a:endParaRPr lang="en-US"/>
           </a:p>
@@ -7491,18 +7471,12 @@
           <a:p>
             <a:fld id="{A77B91C3-F7AF-4B70-A6AF-414F720DAC36}" type="slidenum">
               <a:rPr lang="en-US" smtClean="0"/>
-              <a:t>‹#›</a:t>
             </a:fld>
             <a:endParaRPr lang="en-US"/>
           </a:p>
         </p:txBody>
       </p:sp>
     </p:spTree>
-    <p:extLst>
-      <p:ext uri="{BB962C8B-B14F-4D97-AF65-F5344CB8AC3E}">
-        <p14:creationId xmlns:p14="http://schemas.microsoft.com/office/powerpoint/2010/main" val="1022272592"/>
-      </p:ext>
-    </p:extLst>
   </p:cSld>
   <p:clrMapOvr>
     <a:masterClrMapping/>
@@ -7570,6 +7544,7 @@
               <a:rPr lang="en-US" smtClean="0"/>
               <a:t>Click to edit Master text styles</a:t>
             </a:r>
+            <a:endParaRPr lang="en-US" smtClean="0"/>
           </a:p>
           <a:p>
             <a:pPr lvl="1"/>
@@ -7577,6 +7552,7 @@
               <a:rPr lang="en-US" smtClean="0"/>
               <a:t>Second level</a:t>
             </a:r>
+            <a:endParaRPr lang="en-US" smtClean="0"/>
           </a:p>
           <a:p>
             <a:pPr lvl="2"/>
@@ -7584,6 +7560,7 @@
               <a:rPr lang="en-US" smtClean="0"/>
               <a:t>Third level</a:t>
             </a:r>
+            <a:endParaRPr lang="en-US" smtClean="0"/>
           </a:p>
           <a:p>
             <a:pPr lvl="3"/>
@@ -7591,6 +7568,7 @@
               <a:rPr lang="en-US" smtClean="0"/>
               <a:t>Fourth level</a:t>
             </a:r>
+            <a:endParaRPr lang="en-US" smtClean="0"/>
           </a:p>
           <a:p>
             <a:pPr lvl="4"/>
@@ -7619,7 +7597,6 @@
           <a:p>
             <a:fld id="{25D01E33-0C9A-4836-B7F9-A2F0AFEB4BDE}" type="datetimeFigureOut">
               <a:rPr lang="en-US" smtClean="0"/>
-              <a:t>7/13/2018</a:t>
             </a:fld>
             <a:endParaRPr lang="en-US"/>
           </a:p>
@@ -7661,18 +7638,12 @@
           <a:p>
             <a:fld id="{A77B91C3-F7AF-4B70-A6AF-414F720DAC36}" type="slidenum">
               <a:rPr lang="en-US" smtClean="0"/>
-              <a:t>‹#›</a:t>
             </a:fld>
             <a:endParaRPr lang="en-US"/>
           </a:p>
         </p:txBody>
       </p:sp>
     </p:spTree>
-    <p:extLst>
-      <p:ext uri="{BB962C8B-B14F-4D97-AF65-F5344CB8AC3E}">
-        <p14:creationId xmlns:p14="http://schemas.microsoft.com/office/powerpoint/2010/main" val="2442533127"/>
-      </p:ext>
-    </p:extLst>
   </p:cSld>
   <p:clrMapOvr>
     <a:masterClrMapping/>
@@ -7750,6 +7721,7 @@
               <a:rPr lang="en-US" smtClean="0"/>
               <a:t>Click to edit Master text styles</a:t>
             </a:r>
+            <a:endParaRPr lang="en-US" smtClean="0"/>
           </a:p>
           <a:p>
             <a:pPr lvl="1"/>
@@ -7757,6 +7729,7 @@
               <a:rPr lang="en-US" smtClean="0"/>
               <a:t>Second level</a:t>
             </a:r>
+            <a:endParaRPr lang="en-US" smtClean="0"/>
           </a:p>
           <a:p>
             <a:pPr lvl="2"/>
@@ -7764,6 +7737,7 @@
               <a:rPr lang="en-US" smtClean="0"/>
               <a:t>Third level</a:t>
             </a:r>
+            <a:endParaRPr lang="en-US" smtClean="0"/>
           </a:p>
           <a:p>
             <a:pPr lvl="3"/>
@@ -7771,6 +7745,7 @@
               <a:rPr lang="en-US" smtClean="0"/>
               <a:t>Fourth level</a:t>
             </a:r>
+            <a:endParaRPr lang="en-US" smtClean="0"/>
           </a:p>
           <a:p>
             <a:pPr lvl="4"/>
@@ -7799,7 +7774,6 @@
           <a:p>
             <a:fld id="{25D01E33-0C9A-4836-B7F9-A2F0AFEB4BDE}" type="datetimeFigureOut">
               <a:rPr lang="en-US" smtClean="0"/>
-              <a:t>7/13/2018</a:t>
             </a:fld>
             <a:endParaRPr lang="en-US"/>
           </a:p>
@@ -7841,18 +7815,12 @@
           <a:p>
             <a:fld id="{A77B91C3-F7AF-4B70-A6AF-414F720DAC36}" type="slidenum">
               <a:rPr lang="en-US" smtClean="0"/>
-              <a:t>‹#›</a:t>
             </a:fld>
             <a:endParaRPr lang="en-US"/>
           </a:p>
         </p:txBody>
       </p:sp>
     </p:spTree>
-    <p:extLst>
-      <p:ext uri="{BB962C8B-B14F-4D97-AF65-F5344CB8AC3E}">
-        <p14:creationId xmlns:p14="http://schemas.microsoft.com/office/powerpoint/2010/main" val="1648278923"/>
-      </p:ext>
-    </p:extLst>
   </p:cSld>
   <p:clrMapOvr>
     <a:masterClrMapping/>
@@ -7925,6 +7893,7 @@
               <a:rPr lang="en-US" smtClean="0"/>
               <a:t>Click to edit Master text styles</a:t>
             </a:r>
+            <a:endParaRPr lang="en-US" smtClean="0"/>
           </a:p>
           <a:p>
             <a:pPr lvl="1"/>
@@ -7932,6 +7901,7 @@
               <a:rPr lang="en-US" smtClean="0"/>
               <a:t>Second level</a:t>
             </a:r>
+            <a:endParaRPr lang="en-US" smtClean="0"/>
           </a:p>
           <a:p>
             <a:pPr lvl="2"/>
@@ -7939,6 +7909,7 @@
               <a:rPr lang="en-US" smtClean="0"/>
               <a:t>Third level</a:t>
             </a:r>
+            <a:endParaRPr lang="en-US" smtClean="0"/>
           </a:p>
           <a:p>
             <a:pPr lvl="3"/>
@@ -7946,6 +7917,7 @@
               <a:rPr lang="en-US" smtClean="0"/>
               <a:t>Fourth level</a:t>
             </a:r>
+            <a:endParaRPr lang="en-US" smtClean="0"/>
           </a:p>
           <a:p>
             <a:pPr lvl="4"/>
@@ -7982,6 +7954,7 @@
               <a:rPr lang="en-US" smtClean="0"/>
               <a:t>Click to edit Master text styles</a:t>
             </a:r>
+            <a:endParaRPr lang="en-US" smtClean="0"/>
           </a:p>
           <a:p>
             <a:pPr lvl="1"/>
@@ -7989,6 +7962,7 @@
               <a:rPr lang="en-US" smtClean="0"/>
               <a:t>Second level</a:t>
             </a:r>
+            <a:endParaRPr lang="en-US" smtClean="0"/>
           </a:p>
           <a:p>
             <a:pPr lvl="2"/>
@@ -7996,6 +7970,7 @@
               <a:rPr lang="en-US" smtClean="0"/>
               <a:t>Third level</a:t>
             </a:r>
+            <a:endParaRPr lang="en-US" smtClean="0"/>
           </a:p>
           <a:p>
             <a:pPr lvl="3"/>
@@ -8003,6 +7978,7 @@
               <a:rPr lang="en-US" smtClean="0"/>
               <a:t>Fourth level</a:t>
             </a:r>
+            <a:endParaRPr lang="en-US" smtClean="0"/>
           </a:p>
           <a:p>
             <a:pPr lvl="4"/>
@@ -8031,7 +8007,6 @@
           <a:p>
             <a:fld id="{25D01E33-0C9A-4836-B7F9-A2F0AFEB4BDE}" type="datetimeFigureOut">
               <a:rPr lang="en-US" smtClean="0"/>
-              <a:t>7/13/2018</a:t>
             </a:fld>
             <a:endParaRPr lang="en-US"/>
           </a:p>
@@ -8073,18 +8048,12 @@
           <a:p>
             <a:fld id="{A77B91C3-F7AF-4B70-A6AF-414F720DAC36}" type="slidenum">
               <a:rPr lang="en-US" smtClean="0"/>
-              <a:t>‹#›</a:t>
             </a:fld>
             <a:endParaRPr lang="en-US"/>
           </a:p>
         </p:txBody>
       </p:sp>
     </p:spTree>
-    <p:extLst>
-      <p:ext uri="{BB962C8B-B14F-4D97-AF65-F5344CB8AC3E}">
-        <p14:creationId xmlns:p14="http://schemas.microsoft.com/office/powerpoint/2010/main" val="144161860"/>
-      </p:ext>
-    </p:extLst>
   </p:cSld>
   <p:clrMapOvr>
     <a:masterClrMapping/>
@@ -8200,6 +8169,7 @@
               <a:rPr lang="en-US" smtClean="0"/>
               <a:t>Click to edit Master text styles</a:t>
             </a:r>
+            <a:endParaRPr lang="en-US" smtClean="0"/>
           </a:p>
         </p:txBody>
       </p:sp>
@@ -8230,6 +8200,7 @@
               <a:rPr lang="en-US" smtClean="0"/>
               <a:t>Click to edit Master text styles</a:t>
             </a:r>
+            <a:endParaRPr lang="en-US" smtClean="0"/>
           </a:p>
           <a:p>
             <a:pPr lvl="1"/>
@@ -8237,6 +8208,7 @@
               <a:rPr lang="en-US" smtClean="0"/>
               <a:t>Second level</a:t>
             </a:r>
+            <a:endParaRPr lang="en-US" smtClean="0"/>
           </a:p>
           <a:p>
             <a:pPr lvl="2"/>
@@ -8244,6 +8216,7 @@
               <a:rPr lang="en-US" smtClean="0"/>
               <a:t>Third level</a:t>
             </a:r>
+            <a:endParaRPr lang="en-US" smtClean="0"/>
           </a:p>
           <a:p>
             <a:pPr lvl="3"/>
@@ -8251,6 +8224,7 @@
               <a:rPr lang="en-US" smtClean="0"/>
               <a:t>Fourth level</a:t>
             </a:r>
+            <a:endParaRPr lang="en-US" smtClean="0"/>
           </a:p>
           <a:p>
             <a:pPr lvl="4"/>
@@ -8326,6 +8300,7 @@
               <a:rPr lang="en-US" smtClean="0"/>
               <a:t>Click to edit Master text styles</a:t>
             </a:r>
+            <a:endParaRPr lang="en-US" smtClean="0"/>
           </a:p>
         </p:txBody>
       </p:sp>
@@ -8356,6 +8331,7 @@
               <a:rPr lang="en-US" smtClean="0"/>
               <a:t>Click to edit Master text styles</a:t>
             </a:r>
+            <a:endParaRPr lang="en-US" smtClean="0"/>
           </a:p>
           <a:p>
             <a:pPr lvl="1"/>
@@ -8363,6 +8339,7 @@
               <a:rPr lang="en-US" smtClean="0"/>
               <a:t>Second level</a:t>
             </a:r>
+            <a:endParaRPr lang="en-US" smtClean="0"/>
           </a:p>
           <a:p>
             <a:pPr lvl="2"/>
@@ -8370,6 +8347,7 @@
               <a:rPr lang="en-US" smtClean="0"/>
               <a:t>Third level</a:t>
             </a:r>
+            <a:endParaRPr lang="en-US" smtClean="0"/>
           </a:p>
           <a:p>
             <a:pPr lvl="3"/>
@@ -8377,6 +8355,7 @@
               <a:rPr lang="en-US" smtClean="0"/>
               <a:t>Fourth level</a:t>
             </a:r>
+            <a:endParaRPr lang="en-US" smtClean="0"/>
           </a:p>
           <a:p>
             <a:pPr lvl="4"/>
@@ -8405,7 +8384,6 @@
           <a:p>
             <a:fld id="{25D01E33-0C9A-4836-B7F9-A2F0AFEB4BDE}" type="datetimeFigureOut">
               <a:rPr lang="en-US" smtClean="0"/>
-              <a:t>7/13/2018</a:t>
             </a:fld>
             <a:endParaRPr lang="en-US"/>
           </a:p>
@@ -8447,18 +8425,12 @@
           <a:p>
             <a:fld id="{A77B91C3-F7AF-4B70-A6AF-414F720DAC36}" type="slidenum">
               <a:rPr lang="en-US" smtClean="0"/>
-              <a:t>‹#›</a:t>
             </a:fld>
             <a:endParaRPr lang="en-US"/>
           </a:p>
         </p:txBody>
       </p:sp>
     </p:spTree>
-    <p:extLst>
-      <p:ext uri="{BB962C8B-B14F-4D97-AF65-F5344CB8AC3E}">
-        <p14:creationId xmlns:p14="http://schemas.microsoft.com/office/powerpoint/2010/main" val="1025189972"/>
-      </p:ext>
-    </p:extLst>
   </p:cSld>
   <p:clrMapOvr>
     <a:masterClrMapping/>
@@ -8528,7 +8500,6 @@
           <a:p>
             <a:fld id="{25D01E33-0C9A-4836-B7F9-A2F0AFEB4BDE}" type="datetimeFigureOut">
               <a:rPr lang="en-US" smtClean="0"/>
-              <a:t>7/13/2018</a:t>
             </a:fld>
             <a:endParaRPr lang="en-US"/>
           </a:p>
@@ -8570,18 +8541,12 @@
           <a:p>
             <a:fld id="{A77B91C3-F7AF-4B70-A6AF-414F720DAC36}" type="slidenum">
               <a:rPr lang="en-US" smtClean="0"/>
-              <a:t>‹#›</a:t>
             </a:fld>
             <a:endParaRPr lang="en-US"/>
           </a:p>
         </p:txBody>
       </p:sp>
     </p:spTree>
-    <p:extLst>
-      <p:ext uri="{BB962C8B-B14F-4D97-AF65-F5344CB8AC3E}">
-        <p14:creationId xmlns:p14="http://schemas.microsoft.com/office/powerpoint/2010/main" val="3600887379"/>
-      </p:ext>
-    </p:extLst>
   </p:cSld>
   <p:clrMapOvr>
     <a:masterClrMapping/>
@@ -8623,7 +8588,6 @@
           <a:p>
             <a:fld id="{25D01E33-0C9A-4836-B7F9-A2F0AFEB4BDE}" type="datetimeFigureOut">
               <a:rPr lang="en-US" smtClean="0"/>
-              <a:t>7/13/2018</a:t>
             </a:fld>
             <a:endParaRPr lang="en-US"/>
           </a:p>
@@ -8665,18 +8629,12 @@
           <a:p>
             <a:fld id="{A77B91C3-F7AF-4B70-A6AF-414F720DAC36}" type="slidenum">
               <a:rPr lang="en-US" smtClean="0"/>
-              <a:t>‹#›</a:t>
             </a:fld>
             <a:endParaRPr lang="en-US"/>
           </a:p>
         </p:txBody>
       </p:sp>
     </p:spTree>
-    <p:extLst>
-      <p:ext uri="{BB962C8B-B14F-4D97-AF65-F5344CB8AC3E}">
-        <p14:creationId xmlns:p14="http://schemas.microsoft.com/office/powerpoint/2010/main" val="1327393423"/>
-      </p:ext>
-    </p:extLst>
   </p:cSld>
   <p:clrMapOvr>
     <a:masterClrMapping/>
@@ -8762,6 +8720,7 @@
               <a:rPr lang="en-US" smtClean="0"/>
               <a:t>Click to edit Master text styles</a:t>
             </a:r>
+            <a:endParaRPr lang="en-US" smtClean="0"/>
           </a:p>
           <a:p>
             <a:pPr lvl="1"/>
@@ -8769,6 +8728,7 @@
               <a:rPr lang="en-US" smtClean="0"/>
               <a:t>Second level</a:t>
             </a:r>
+            <a:endParaRPr lang="en-US" smtClean="0"/>
           </a:p>
           <a:p>
             <a:pPr lvl="2"/>
@@ -8776,6 +8736,7 @@
               <a:rPr lang="en-US" smtClean="0"/>
               <a:t>Third level</a:t>
             </a:r>
+            <a:endParaRPr lang="en-US" smtClean="0"/>
           </a:p>
           <a:p>
             <a:pPr lvl="3"/>
@@ -8783,6 +8744,7 @@
               <a:rPr lang="en-US" smtClean="0"/>
               <a:t>Fourth level</a:t>
             </a:r>
+            <a:endParaRPr lang="en-US" smtClean="0"/>
           </a:p>
           <a:p>
             <a:pPr lvl="4"/>
@@ -8819,35 +8781,35 @@
               <a:buNone/>
               <a:defRPr sz="1400"/>
             </a:lvl1pPr>
-            <a:lvl2pPr marL="457063" indent="0">
+            <a:lvl2pPr marL="457200" indent="0">
               <a:buNone/>
               <a:defRPr sz="1400"/>
             </a:lvl2pPr>
-            <a:lvl3pPr marL="914126" indent="0">
+            <a:lvl3pPr marL="914400" indent="0">
               <a:buNone/>
               <a:defRPr sz="1200"/>
             </a:lvl3pPr>
-            <a:lvl4pPr marL="1371189" indent="0">
+            <a:lvl4pPr marL="1370965" indent="0">
               <a:buNone/>
               <a:defRPr sz="1000"/>
             </a:lvl4pPr>
-            <a:lvl5pPr marL="1828251" indent="0">
+            <a:lvl5pPr marL="1828165" indent="0">
               <a:buNone/>
               <a:defRPr sz="1000"/>
             </a:lvl5pPr>
-            <a:lvl6pPr marL="2285314" indent="0">
+            <a:lvl6pPr marL="2285365" indent="0">
               <a:buNone/>
               <a:defRPr sz="1000"/>
             </a:lvl6pPr>
-            <a:lvl7pPr marL="2742377" indent="0">
+            <a:lvl7pPr marL="2742565" indent="0">
               <a:buNone/>
               <a:defRPr sz="1000"/>
             </a:lvl7pPr>
-            <a:lvl8pPr marL="3199440" indent="0">
+            <a:lvl8pPr marL="3199130" indent="0">
               <a:buNone/>
               <a:defRPr sz="1000"/>
             </a:lvl8pPr>
-            <a:lvl9pPr marL="3656503" indent="0">
+            <a:lvl9pPr marL="3656330" indent="0">
               <a:buNone/>
               <a:defRPr sz="1000"/>
             </a:lvl9pPr>
@@ -8858,6 +8820,7 @@
               <a:rPr lang="en-US" smtClean="0"/>
               <a:t>Click to edit Master text styles</a:t>
             </a:r>
+            <a:endParaRPr lang="en-US" smtClean="0"/>
           </a:p>
         </p:txBody>
       </p:sp>
@@ -8878,7 +8841,6 @@
           <a:p>
             <a:fld id="{25D01E33-0C9A-4836-B7F9-A2F0AFEB4BDE}" type="datetimeFigureOut">
               <a:rPr lang="en-US" smtClean="0"/>
-              <a:t>7/13/2018</a:t>
             </a:fld>
             <a:endParaRPr lang="en-US"/>
           </a:p>
@@ -8920,18 +8882,12 @@
           <a:p>
             <a:fld id="{A77B91C3-F7AF-4B70-A6AF-414F720DAC36}" type="slidenum">
               <a:rPr lang="en-US" smtClean="0"/>
-              <a:t>‹#›</a:t>
             </a:fld>
             <a:endParaRPr lang="en-US"/>
           </a:p>
         </p:txBody>
       </p:sp>
     </p:spTree>
-    <p:extLst>
-      <p:ext uri="{BB962C8B-B14F-4D97-AF65-F5344CB8AC3E}">
-        <p14:creationId xmlns:p14="http://schemas.microsoft.com/office/powerpoint/2010/main" val="2600454079"/>
-      </p:ext>
-    </p:extLst>
   </p:cSld>
   <p:clrMapOvr>
     <a:masterClrMapping/>
@@ -9121,6 +9077,7 @@
               <a:rPr lang="en-US" smtClean="0"/>
               <a:t>Click to edit Master text styles</a:t>
             </a:r>
+            <a:endParaRPr lang="en-US" smtClean="0"/>
           </a:p>
         </p:txBody>
       </p:sp>
@@ -9160,7 +9117,6 @@
           <a:p>
             <a:fld id="{A77B91C3-F7AF-4B70-A6AF-414F720DAC36}" type="slidenum">
               <a:rPr lang="en-US" smtClean="0"/>
-              <a:t>‹#›</a:t>
             </a:fld>
             <a:endParaRPr lang="en-US"/>
           </a:p>
@@ -9183,18 +9139,12 @@
           <a:p>
             <a:fld id="{25D01E33-0C9A-4836-B7F9-A2F0AFEB4BDE}" type="datetimeFigureOut">
               <a:rPr lang="en-US" smtClean="0"/>
-              <a:t>7/13/2018</a:t>
             </a:fld>
             <a:endParaRPr lang="en-US"/>
           </a:p>
         </p:txBody>
       </p:sp>
     </p:spTree>
-    <p:extLst>
-      <p:ext uri="{BB962C8B-B14F-4D97-AF65-F5344CB8AC3E}">
-        <p14:creationId xmlns:p14="http://schemas.microsoft.com/office/powerpoint/2010/main" val="3594091483"/>
-      </p:ext>
-    </p:extLst>
   </p:cSld>
   <p:clrMapOvr>
     <a:masterClrMapping/>
@@ -9818,6 +9768,7 @@
               <a:rPr lang="en-US" smtClean="0"/>
               <a:t>Click to edit Master text styles</a:t>
             </a:r>
+            <a:endParaRPr lang="en-US" smtClean="0"/>
           </a:p>
           <a:p>
             <a:pPr lvl="1"/>
@@ -9825,6 +9776,7 @@
               <a:rPr lang="en-US" smtClean="0"/>
               <a:t>Second level</a:t>
             </a:r>
+            <a:endParaRPr lang="en-US" smtClean="0"/>
           </a:p>
           <a:p>
             <a:pPr lvl="2"/>
@@ -9832,6 +9784,7 @@
               <a:rPr lang="en-US" smtClean="0"/>
               <a:t>Third level</a:t>
             </a:r>
+            <a:endParaRPr lang="en-US" smtClean="0"/>
           </a:p>
           <a:p>
             <a:pPr lvl="3"/>
@@ -9839,6 +9792,7 @@
               <a:rPr lang="en-US" smtClean="0"/>
               <a:t>Fourth level</a:t>
             </a:r>
+            <a:endParaRPr lang="en-US" smtClean="0"/>
           </a:p>
           <a:p>
             <a:pPr lvl="4"/>
@@ -9885,7 +9839,6 @@
           <a:p>
             <a:fld id="{25D01E33-0C9A-4836-B7F9-A2F0AFEB4BDE}" type="datetimeFigureOut">
               <a:rPr lang="en-US" smtClean="0"/>
-              <a:t>7/13/2018</a:t>
             </a:fld>
             <a:endParaRPr lang="en-US"/>
           </a:p>
@@ -9961,37 +9914,31 @@
           <a:p>
             <a:fld id="{A77B91C3-F7AF-4B70-A6AF-414F720DAC36}" type="slidenum">
               <a:rPr lang="en-US" smtClean="0"/>
-              <a:t>‹#›</a:t>
             </a:fld>
             <a:endParaRPr lang="en-US"/>
           </a:p>
         </p:txBody>
       </p:sp>
     </p:spTree>
-    <p:extLst>
-      <p:ext uri="{BB962C8B-B14F-4D97-AF65-F5344CB8AC3E}">
-        <p14:creationId xmlns:p14="http://schemas.microsoft.com/office/powerpoint/2010/main" val="2160771415"/>
-      </p:ext>
-    </p:extLst>
   </p:cSld>
   <p:clrMap bg1="lt1" tx1="dk1" bg2="lt2" tx2="dk2" accent1="accent1" accent2="accent2" accent3="accent3" accent4="accent4" accent5="accent5" accent6="accent6" hlink="hlink" folHlink="folHlink"/>
   <p:sldLayoutIdLst>
-    <p:sldLayoutId id="2147483847" r:id="rId1"/>
-    <p:sldLayoutId id="2147483848" r:id="rId2"/>
-    <p:sldLayoutId id="2147483849" r:id="rId3"/>
-    <p:sldLayoutId id="2147483850" r:id="rId4"/>
-    <p:sldLayoutId id="2147483851" r:id="rId5"/>
-    <p:sldLayoutId id="2147483852" r:id="rId6"/>
-    <p:sldLayoutId id="2147483853" r:id="rId7"/>
-    <p:sldLayoutId id="2147483854" r:id="rId8"/>
-    <p:sldLayoutId id="2147483855" r:id="rId9"/>
-    <p:sldLayoutId id="2147483856" r:id="rId10"/>
-    <p:sldLayoutId id="2147483857" r:id="rId11"/>
-    <p:sldLayoutId id="2147483858" r:id="rId12"/>
-    <p:sldLayoutId id="2147483859" r:id="rId13"/>
-    <p:sldLayoutId id="2147483860" r:id="rId14"/>
-    <p:sldLayoutId id="2147483861" r:id="rId15"/>
-    <p:sldLayoutId id="2147483862" r:id="rId16"/>
+    <p:sldLayoutId id="2147483649" r:id="rId1"/>
+    <p:sldLayoutId id="2147483650" r:id="rId2"/>
+    <p:sldLayoutId id="2147483651" r:id="rId3"/>
+    <p:sldLayoutId id="2147483652" r:id="rId4"/>
+    <p:sldLayoutId id="2147483653" r:id="rId5"/>
+    <p:sldLayoutId id="2147483654" r:id="rId6"/>
+    <p:sldLayoutId id="2147483655" r:id="rId7"/>
+    <p:sldLayoutId id="2147483656" r:id="rId8"/>
+    <p:sldLayoutId id="2147483657" r:id="rId9"/>
+    <p:sldLayoutId id="2147483658" r:id="rId10"/>
+    <p:sldLayoutId id="2147483659" r:id="rId11"/>
+    <p:sldLayoutId id="2147483660" r:id="rId12"/>
+    <p:sldLayoutId id="2147483661" r:id="rId13"/>
+    <p:sldLayoutId id="2147483662" r:id="rId14"/>
+    <p:sldLayoutId id="2147483663" r:id="rId15"/>
+    <p:sldLayoutId id="2147483664" r:id="rId16"/>
   </p:sldLayoutIdLst>
   <p:txStyles>
     <p:titleStyle>
@@ -10078,7 +10025,7 @@
           <a:schemeClr val="accent1"/>
         </a:buClr>
         <a:buSzPct val="80000"/>
-        <a:buFont typeface="Wingdings 3" charset="2"/>
+        <a:buFont typeface="Wingdings 3" panose="05040102010807070707" charset="2"/>
         <a:buChar char=""/>
         <a:defRPr sz="1800" kern="1200">
           <a:solidFill>
@@ -10103,7 +10050,7 @@
           <a:schemeClr val="accent1"/>
         </a:buClr>
         <a:buSzPct val="80000"/>
-        <a:buFont typeface="Wingdings 3" charset="2"/>
+        <a:buFont typeface="Wingdings 3" panose="05040102010807070707" charset="2"/>
         <a:buChar char=""/>
         <a:defRPr sz="1600" kern="1200">
           <a:solidFill>
@@ -10128,7 +10075,7 @@
           <a:schemeClr val="accent1"/>
         </a:buClr>
         <a:buSzPct val="80000"/>
-        <a:buFont typeface="Wingdings 3" charset="2"/>
+        <a:buFont typeface="Wingdings 3" panose="05040102010807070707" charset="2"/>
         <a:buChar char=""/>
         <a:defRPr sz="1400" kern="1200">
           <a:solidFill>
@@ -10153,7 +10100,7 @@
           <a:schemeClr val="accent1"/>
         </a:buClr>
         <a:buSzPct val="80000"/>
-        <a:buFont typeface="Wingdings 3" charset="2"/>
+        <a:buFont typeface="Wingdings 3" panose="05040102010807070707" charset="2"/>
         <a:buChar char=""/>
         <a:defRPr sz="1200" kern="1200">
           <a:solidFill>
@@ -10178,7 +10125,7 @@
           <a:schemeClr val="accent1"/>
         </a:buClr>
         <a:buSzPct val="80000"/>
-        <a:buFont typeface="Wingdings 3" charset="2"/>
+        <a:buFont typeface="Wingdings 3" panose="05040102010807070707" charset="2"/>
         <a:buChar char=""/>
         <a:defRPr sz="1200" kern="1200">
           <a:solidFill>
@@ -10203,7 +10150,7 @@
           <a:schemeClr val="accent1"/>
         </a:buClr>
         <a:buSzPct val="80000"/>
-        <a:buFont typeface="Wingdings 3" charset="2"/>
+        <a:buFont typeface="Wingdings 3" panose="05040102010807070707" charset="2"/>
         <a:buChar char=""/>
         <a:defRPr sz="1200" kern="1200">
           <a:solidFill>
@@ -10228,7 +10175,7 @@
           <a:schemeClr val="accent1"/>
         </a:buClr>
         <a:buSzPct val="80000"/>
-        <a:buFont typeface="Wingdings 3" charset="2"/>
+        <a:buFont typeface="Wingdings 3" panose="05040102010807070707" charset="2"/>
         <a:buChar char=""/>
         <a:defRPr sz="1200" kern="1200">
           <a:solidFill>
@@ -10253,7 +10200,7 @@
           <a:schemeClr val="accent1"/>
         </a:buClr>
         <a:buSzPct val="80000"/>
-        <a:buFont typeface="Wingdings 3" charset="2"/>
+        <a:buFont typeface="Wingdings 3" panose="05040102010807070707" charset="2"/>
         <a:buChar char=""/>
         <a:defRPr sz="1200" kern="1200">
           <a:solidFill>
@@ -10278,7 +10225,7 @@
           <a:schemeClr val="accent1"/>
         </a:buClr>
         <a:buSzPct val="80000"/>
-        <a:buFont typeface="Wingdings 3" charset="2"/>
+        <a:buFont typeface="Wingdings 3" panose="05040102010807070707" charset="2"/>
         <a:buChar char=""/>
         <a:defRPr sz="1200" kern="1200">
           <a:solidFill>
@@ -11008,6 +10955,7 @@
               <a:rPr lang="en-US" smtClean="0"/>
               <a:t>Click to edit Master text styles</a:t>
             </a:r>
+            <a:endParaRPr lang="en-US" smtClean="0"/>
           </a:p>
           <a:p>
             <a:pPr lvl="1"/>
@@ -11015,6 +10963,7 @@
               <a:rPr lang="en-US" smtClean="0"/>
               <a:t>Second level</a:t>
             </a:r>
+            <a:endParaRPr lang="en-US" smtClean="0"/>
           </a:p>
           <a:p>
             <a:pPr lvl="2"/>
@@ -11022,6 +10971,7 @@
               <a:rPr lang="en-US" smtClean="0"/>
               <a:t>Third level</a:t>
             </a:r>
+            <a:endParaRPr lang="en-US" smtClean="0"/>
           </a:p>
           <a:p>
             <a:pPr lvl="3"/>
@@ -11029,6 +10979,7 @@
               <a:rPr lang="en-US" smtClean="0"/>
               <a:t>Fourth level</a:t>
             </a:r>
+            <a:endParaRPr lang="en-US" smtClean="0"/>
           </a:p>
           <a:p>
             <a:pPr lvl="4"/>
@@ -11075,7 +11026,6 @@
           <a:p>
             <a:fld id="{25D01E33-0C9A-4836-B7F9-A2F0AFEB4BDE}" type="datetimeFigureOut">
               <a:rPr lang="en-US" smtClean="0"/>
-              <a:t>7/13/2018</a:t>
             </a:fld>
             <a:endParaRPr lang="en-US"/>
           </a:p>
@@ -11151,37 +11101,31 @@
           <a:p>
             <a:fld id="{A77B91C3-F7AF-4B70-A6AF-414F720DAC36}" type="slidenum">
               <a:rPr lang="en-US" smtClean="0"/>
-              <a:t>‹#›</a:t>
             </a:fld>
             <a:endParaRPr lang="en-US"/>
           </a:p>
         </p:txBody>
       </p:sp>
     </p:spTree>
-    <p:extLst>
-      <p:ext uri="{BB962C8B-B14F-4D97-AF65-F5344CB8AC3E}">
-        <p14:creationId xmlns:p14="http://schemas.microsoft.com/office/powerpoint/2010/main" val="1778401202"/>
-      </p:ext>
-    </p:extLst>
   </p:cSld>
   <p:clrMap bg1="lt1" tx1="dk1" bg2="lt2" tx2="dk2" accent1="accent1" accent2="accent2" accent3="accent3" accent4="accent4" accent5="accent5" accent6="accent6" hlink="hlink" folHlink="folHlink"/>
   <p:sldLayoutIdLst>
-    <p:sldLayoutId id="2147484088" r:id="rId1"/>
-    <p:sldLayoutId id="2147484089" r:id="rId2"/>
-    <p:sldLayoutId id="2147484090" r:id="rId3"/>
-    <p:sldLayoutId id="2147484091" r:id="rId4"/>
-    <p:sldLayoutId id="2147484092" r:id="rId5"/>
-    <p:sldLayoutId id="2147484093" r:id="rId6"/>
-    <p:sldLayoutId id="2147484094" r:id="rId7"/>
-    <p:sldLayoutId id="2147484095" r:id="rId8"/>
-    <p:sldLayoutId id="2147484096" r:id="rId9"/>
-    <p:sldLayoutId id="2147484097" r:id="rId10"/>
-    <p:sldLayoutId id="2147484098" r:id="rId11"/>
-    <p:sldLayoutId id="2147484099" r:id="rId12"/>
-    <p:sldLayoutId id="2147484100" r:id="rId13"/>
-    <p:sldLayoutId id="2147484101" r:id="rId14"/>
-    <p:sldLayoutId id="2147484102" r:id="rId15"/>
-    <p:sldLayoutId id="2147484103" r:id="rId16"/>
+    <p:sldLayoutId id="2147483666" r:id="rId1"/>
+    <p:sldLayoutId id="2147483667" r:id="rId2"/>
+    <p:sldLayoutId id="2147483668" r:id="rId3"/>
+    <p:sldLayoutId id="2147483669" r:id="rId4"/>
+    <p:sldLayoutId id="2147483670" r:id="rId5"/>
+    <p:sldLayoutId id="2147483671" r:id="rId6"/>
+    <p:sldLayoutId id="2147483672" r:id="rId7"/>
+    <p:sldLayoutId id="2147483673" r:id="rId8"/>
+    <p:sldLayoutId id="2147483674" r:id="rId9"/>
+    <p:sldLayoutId id="2147483675" r:id="rId10"/>
+    <p:sldLayoutId id="2147483676" r:id="rId11"/>
+    <p:sldLayoutId id="2147483677" r:id="rId12"/>
+    <p:sldLayoutId id="2147483678" r:id="rId13"/>
+    <p:sldLayoutId id="2147483679" r:id="rId14"/>
+    <p:sldLayoutId id="2147483680" r:id="rId15"/>
+    <p:sldLayoutId id="2147483681" r:id="rId16"/>
   </p:sldLayoutIdLst>
   <p:txStyles>
     <p:titleStyle>
@@ -11268,7 +11212,7 @@
           <a:schemeClr val="accent1"/>
         </a:buClr>
         <a:buSzPct val="80000"/>
-        <a:buFont typeface="Wingdings 3" charset="2"/>
+        <a:buFont typeface="Wingdings 3" panose="05040102010807070707" charset="2"/>
         <a:buChar char=""/>
         <a:defRPr sz="1800" kern="1200">
           <a:solidFill>
@@ -11293,7 +11237,7 @@
           <a:schemeClr val="accent1"/>
         </a:buClr>
         <a:buSzPct val="80000"/>
-        <a:buFont typeface="Wingdings 3" charset="2"/>
+        <a:buFont typeface="Wingdings 3" panose="05040102010807070707" charset="2"/>
         <a:buChar char=""/>
         <a:defRPr sz="1600" kern="1200">
           <a:solidFill>
@@ -11318,7 +11262,7 @@
           <a:schemeClr val="accent1"/>
         </a:buClr>
         <a:buSzPct val="80000"/>
-        <a:buFont typeface="Wingdings 3" charset="2"/>
+        <a:buFont typeface="Wingdings 3" panose="05040102010807070707" charset="2"/>
         <a:buChar char=""/>
         <a:defRPr sz="1400" kern="1200">
           <a:solidFill>
@@ -11343,7 +11287,7 @@
           <a:schemeClr val="accent1"/>
         </a:buClr>
         <a:buSzPct val="80000"/>
-        <a:buFont typeface="Wingdings 3" charset="2"/>
+        <a:buFont typeface="Wingdings 3" panose="05040102010807070707" charset="2"/>
         <a:buChar char=""/>
         <a:defRPr sz="1200" kern="1200">
           <a:solidFill>
@@ -11368,7 +11312,7 @@
           <a:schemeClr val="accent1"/>
         </a:buClr>
         <a:buSzPct val="80000"/>
-        <a:buFont typeface="Wingdings 3" charset="2"/>
+        <a:buFont typeface="Wingdings 3" panose="05040102010807070707" charset="2"/>
         <a:buChar char=""/>
         <a:defRPr sz="1200" kern="1200">
           <a:solidFill>
@@ -11393,7 +11337,7 @@
           <a:schemeClr val="accent1"/>
         </a:buClr>
         <a:buSzPct val="80000"/>
-        <a:buFont typeface="Wingdings 3" charset="2"/>
+        <a:buFont typeface="Wingdings 3" panose="05040102010807070707" charset="2"/>
         <a:buChar char=""/>
         <a:defRPr sz="1200" kern="1200">
           <a:solidFill>
@@ -11418,7 +11362,7 @@
           <a:schemeClr val="accent1"/>
         </a:buClr>
         <a:buSzPct val="80000"/>
-        <a:buFont typeface="Wingdings 3" charset="2"/>
+        <a:buFont typeface="Wingdings 3" panose="05040102010807070707" charset="2"/>
         <a:buChar char=""/>
         <a:defRPr sz="1200" kern="1200">
           <a:solidFill>
@@ -11443,7 +11387,7 @@
           <a:schemeClr val="accent1"/>
         </a:buClr>
         <a:buSzPct val="80000"/>
-        <a:buFont typeface="Wingdings 3" charset="2"/>
+        <a:buFont typeface="Wingdings 3" panose="05040102010807070707" charset="2"/>
         <a:buChar char=""/>
         <a:defRPr sz="1200" kern="1200">
           <a:solidFill>
@@ -11468,7 +11412,7 @@
           <a:schemeClr val="accent1"/>
         </a:buClr>
         <a:buSzPct val="80000"/>
-        <a:buFont typeface="Wingdings 3" charset="2"/>
+        <a:buFont typeface="Wingdings 3" panose="05040102010807070707" charset="2"/>
         <a:buChar char=""/>
         <a:defRPr sz="1200" kern="1200">
           <a:solidFill>
@@ -11579,11 +11523,6 @@
       </a:lvl9pPr>
     </p:otherStyle>
   </p:txStyles>
-  <p:extLst>
-    <p:ext uri="{27BBF7A9-308A-43DC-89C8-2F10F3537804}">
-      <p15:sldGuideLst xmlns:p15="http://schemas.microsoft.com/office/powerpoint/2012/main"/>
-    </p:ext>
-  </p:extLst>
 </p:sldMaster>
 </file>
 
@@ -11765,7 +11704,7 @@
           <p:nvPr/>
         </p:nvPicPr>
         <p:blipFill>
-          <a:blip r:embed="rId2" cstate="print">
+          <a:blip r:embed="rId1" cstate="print">
             <a:extLst>
               <a:ext uri="{28A0092B-C50C-407E-A947-70E740481C1C}">
                 <a14:useLocalDpi xmlns:a14="http://schemas.microsoft.com/office/drawing/2010/main" val="0"/>
@@ -11787,11 +11726,6 @@
         </p:spPr>
       </p:pic>
     </p:spTree>
-    <p:extLst>
-      <p:ext uri="{BB962C8B-B14F-4D97-AF65-F5344CB8AC3E}">
-        <p14:creationId xmlns:p14="http://schemas.microsoft.com/office/powerpoint/2010/main" val="4180577811"/>
-      </p:ext>
-    </p:extLst>
   </p:cSld>
   <p:clrMapOvr>
     <a:masterClrMapping/>
@@ -12792,6 +12726,7 @@
               <a:rPr lang="en-US" dirty="0" smtClean="0"/>
               <a:t>.</a:t>
             </a:r>
+            <a:endParaRPr lang="en-US" dirty="0" smtClean="0"/>
           </a:p>
           <a:p>
             <a:endParaRPr lang="en-US" dirty="0"/>
@@ -12807,7 +12742,7 @@
           <p:nvPr/>
         </p:nvPicPr>
         <p:blipFill>
-          <a:blip r:embed="rId2">
+          <a:blip r:embed="rId1">
             <a:extLst>
               <a:ext uri="{28A0092B-C50C-407E-A947-70E740481C1C}">
                 <a14:useLocalDpi xmlns:a14="http://schemas.microsoft.com/office/drawing/2010/main" val="0"/>
@@ -12829,11 +12764,6 @@
         </p:spPr>
       </p:pic>
     </p:spTree>
-    <p:extLst>
-      <p:ext uri="{BB962C8B-B14F-4D97-AF65-F5344CB8AC3E}">
-        <p14:creationId xmlns:p14="http://schemas.microsoft.com/office/powerpoint/2010/main" val="1136408625"/>
-      </p:ext>
-    </p:extLst>
   </p:cSld>
   <p:clrMapOvr>
     <a:masterClrMapping/>
@@ -13142,6 +13072,7 @@
               <a:rPr lang="vi-VN" dirty="0"/>
               <a:t>Là một dependency injector, khác với các dependency injector dành cho việc triển khai ứng dụng Enterprise như Spring IoC hay JavaEE CDI. Dagger Được thiết kế cho các thiết bị low-end, nhỏ gọn nhưng vẫn đầy đủ tính năng.</a:t>
             </a:r>
+            <a:endParaRPr lang="vi-VN" dirty="0"/>
           </a:p>
           <a:p>
             <a:pPr fontAlgn="base"/>
@@ -13149,6 +13080,7 @@
               <a:rPr lang="vi-VN" dirty="0"/>
               <a:t>Hầu hết các dependency injector sử dụng reflection để tạo ra và inject các module. Reflection nhanh và thích hợp cho các version Android cũ nhưng reflection gây ra khó khăn rất lớn trong việc debug hay tracking khi gặp lỗi.</a:t>
             </a:r>
+            <a:endParaRPr lang="vi-VN" dirty="0"/>
           </a:p>
           <a:p>
             <a:pPr fontAlgn="base"/>
@@ -13156,6 +13088,7 @@
               <a:rPr lang="vi-VN" dirty="0"/>
               <a:t>Thay bằng việc sử dụng reflection Dagger sử dụng một trình biên dịch trước (pre-compiler), trình biên dịch này tạo ra tất cả các lớp, các module cần thiết để làm việc.</a:t>
             </a:r>
+            <a:endParaRPr lang="vi-VN" dirty="0"/>
           </a:p>
           <a:p>
             <a:pPr fontAlgn="base"/>
@@ -13163,6 +13096,7 @@
               <a:rPr lang="vi-VN" dirty="0"/>
               <a:t>Dagger ít mạnh mẽ so với các dependency injector khác nhưng thay vào đó Dagger lại nhẹ nhàng và dễ dàng sử dụng cũng như gần như bỏ đi được điểm yếu của dependency injector là khả năng tracking bug</a:t>
             </a:r>
+            <a:endParaRPr lang="vi-VN" dirty="0"/>
           </a:p>
           <a:p>
             <a:endParaRPr lang="en-US" dirty="0"/>
@@ -13170,11 +13104,6 @@
         </p:txBody>
       </p:sp>
     </p:spTree>
-    <p:extLst>
-      <p:ext uri="{BB962C8B-B14F-4D97-AF65-F5344CB8AC3E}">
-        <p14:creationId xmlns:p14="http://schemas.microsoft.com/office/powerpoint/2010/main" val="2214026500"/>
-      </p:ext>
-    </p:extLst>
   </p:cSld>
   <p:clrMapOvr>
     <a:masterClrMapping/>
@@ -13761,6 +13690,7 @@
               <a:rPr lang="en-US" dirty="0" smtClean="0"/>
               <a:t>)</a:t>
             </a:r>
+            <a:endParaRPr lang="en-US" dirty="0" smtClean="0"/>
           </a:p>
           <a:p>
             <a:pPr marL="457200" lvl="1" indent="0">
@@ -13779,7 +13709,7 @@
           <p:nvPr/>
         </p:nvPicPr>
         <p:blipFill>
-          <a:blip r:embed="rId2">
+          <a:blip r:embed="rId1">
             <a:extLst>
               <a:ext uri="{28A0092B-C50C-407E-A947-70E740481C1C}">
                 <a14:useLocalDpi xmlns:a14="http://schemas.microsoft.com/office/drawing/2010/main" val="0"/>
@@ -13809,7 +13739,7 @@
           <p:nvPr/>
         </p:nvPicPr>
         <p:blipFill>
-          <a:blip r:embed="rId3">
+          <a:blip r:embed="rId2">
             <a:extLst>
               <a:ext uri="{28A0092B-C50C-407E-A947-70E740481C1C}">
                 <a14:useLocalDpi xmlns:a14="http://schemas.microsoft.com/office/drawing/2010/main" val="0"/>
@@ -13839,7 +13769,7 @@
           <p:nvPr/>
         </p:nvPicPr>
         <p:blipFill>
-          <a:blip r:embed="rId4">
+          <a:blip r:embed="rId3">
             <a:extLst>
               <a:ext uri="{28A0092B-C50C-407E-A947-70E740481C1C}">
                 <a14:useLocalDpi xmlns:a14="http://schemas.microsoft.com/office/drawing/2010/main" val="0"/>
@@ -13861,11 +13791,6 @@
         </p:spPr>
       </p:pic>
     </p:spTree>
-    <p:extLst>
-      <p:ext uri="{BB962C8B-B14F-4D97-AF65-F5344CB8AC3E}">
-        <p14:creationId xmlns:p14="http://schemas.microsoft.com/office/powerpoint/2010/main" val="872119616"/>
-      </p:ext>
-    </p:extLst>
   </p:cSld>
   <p:clrMapOvr>
     <a:masterClrMapping/>
@@ -14208,6 +14133,7 @@
               <a:rPr lang="en-US" dirty="0" smtClean="0"/>
               <a:t>2.	@Component Annotation</a:t>
             </a:r>
+            <a:endParaRPr lang="en-US" dirty="0" smtClean="0"/>
           </a:p>
           <a:p>
             <a:pPr marL="0" indent="0">
@@ -14265,6 +14191,7 @@
               <a:rPr lang="en-US" dirty="0" smtClean="0"/>
               <a:t> Injection</a:t>
             </a:r>
+            <a:endParaRPr lang="en-US" dirty="0" smtClean="0"/>
           </a:p>
           <a:p>
             <a:pPr marL="0" indent="0">
@@ -14274,6 +14201,7 @@
               <a:rPr lang="en-US" dirty="0" smtClean="0"/>
               <a:t>	</a:t>
             </a:r>
+            <a:endParaRPr lang="en-US" dirty="0" smtClean="0"/>
           </a:p>
           <a:p>
             <a:pPr marL="0" indent="0">
@@ -14381,6 +14309,7 @@
               <a:rPr lang="en-US" dirty="0" smtClean="0"/>
               <a:t> </a:t>
             </a:r>
+            <a:endParaRPr lang="en-US" dirty="0" smtClean="0"/>
           </a:p>
           <a:p>
             <a:pPr marL="0" indent="0">
@@ -14451,7 +14380,7 @@
           <p:nvPr/>
         </p:nvPicPr>
         <p:blipFill>
-          <a:blip r:embed="rId2">
+          <a:blip r:embed="rId1">
             <a:extLst>
               <a:ext uri="{28A0092B-C50C-407E-A947-70E740481C1C}">
                 <a14:useLocalDpi xmlns:a14="http://schemas.microsoft.com/office/drawing/2010/main" val="0"/>
@@ -14473,11 +14402,6 @@
         </p:spPr>
       </p:pic>
     </p:spTree>
-    <p:extLst>
-      <p:ext uri="{BB962C8B-B14F-4D97-AF65-F5344CB8AC3E}">
-        <p14:creationId xmlns:p14="http://schemas.microsoft.com/office/powerpoint/2010/main" val="2687942288"/>
-      </p:ext>
-    </p:extLst>
   </p:cSld>
   <p:clrMapOvr>
     <a:masterClrMapping/>
@@ -14546,7 +14470,7 @@
           </p:nvPr>
         </p:nvPicPr>
         <p:blipFill>
-          <a:blip r:embed="rId2">
+          <a:blip r:embed="rId1">
             <a:extLst>
               <a:ext uri="{28A0092B-C50C-407E-A947-70E740481C1C}">
                 <a14:useLocalDpi xmlns:a14="http://schemas.microsoft.com/office/drawing/2010/main" val="0"/>
@@ -14565,11 +14489,6 @@
         </p:spPr>
       </p:pic>
     </p:spTree>
-    <p:extLst>
-      <p:ext uri="{BB962C8B-B14F-4D97-AF65-F5344CB8AC3E}">
-        <p14:creationId xmlns:p14="http://schemas.microsoft.com/office/powerpoint/2010/main" val="127786788"/>
-      </p:ext>
-    </p:extLst>
   </p:cSld>
   <p:clrMapOvr>
     <a:masterClrMapping/>
@@ -14652,6 +14571,7 @@
               <a:rPr lang="en-US" dirty="0" smtClean="0"/>
               <a:t>3.	@Module Annotation</a:t>
             </a:r>
+            <a:endParaRPr lang="en-US" dirty="0" smtClean="0"/>
           </a:p>
           <a:p>
             <a:pPr marL="0" indent="0">
@@ -14725,6 +14645,7 @@
               <a:rPr lang="en-US" dirty="0" smtClean="0"/>
               <a:t>dependencies</a:t>
             </a:r>
+            <a:endParaRPr lang="en-US" dirty="0" smtClean="0"/>
           </a:p>
           <a:p>
             <a:pPr marL="0" indent="0">
@@ -14734,6 +14655,7 @@
               <a:rPr lang="en-US" dirty="0" smtClean="0"/>
               <a:t>4.	@Provides Annotation</a:t>
             </a:r>
+            <a:endParaRPr lang="en-US" dirty="0" smtClean="0"/>
           </a:p>
           <a:p>
             <a:pPr marL="0" indent="0">
@@ -14791,6 +14713,7 @@
               <a:rPr lang="en-US" dirty="0" smtClean="0"/>
               <a:t>class</a:t>
             </a:r>
+            <a:endParaRPr lang="en-US" dirty="0" smtClean="0"/>
           </a:p>
           <a:p>
             <a:pPr marL="0" indent="0">
@@ -14800,6 +14723,7 @@
               <a:rPr lang="en-US" dirty="0"/>
               <a:t>	</a:t>
             </a:r>
+            <a:endParaRPr lang="en-US" dirty="0"/>
           </a:p>
         </p:txBody>
       </p:sp>
@@ -14812,7 +14736,7 @@
           <p:nvPr/>
         </p:nvPicPr>
         <p:blipFill>
-          <a:blip r:embed="rId2">
+          <a:blip r:embed="rId1">
             <a:extLst>
               <a:ext uri="{28A0092B-C50C-407E-A947-70E740481C1C}">
                 <a14:useLocalDpi xmlns:a14="http://schemas.microsoft.com/office/drawing/2010/main" val="0"/>
@@ -14842,7 +14766,7 @@
           <p:nvPr/>
         </p:nvPicPr>
         <p:blipFill>
-          <a:blip r:embed="rId3">
+          <a:blip r:embed="rId2">
             <a:extLst>
               <a:ext uri="{28A0092B-C50C-407E-A947-70E740481C1C}">
                 <a14:useLocalDpi xmlns:a14="http://schemas.microsoft.com/office/drawing/2010/main" val="0"/>
@@ -14864,11 +14788,6 @@
         </p:spPr>
       </p:pic>
     </p:spTree>
-    <p:extLst>
-      <p:ext uri="{BB962C8B-B14F-4D97-AF65-F5344CB8AC3E}">
-        <p14:creationId xmlns:p14="http://schemas.microsoft.com/office/powerpoint/2010/main" val="77519002"/>
-      </p:ext>
-    </p:extLst>
   </p:cSld>
   <p:clrMapOvr>
     <a:masterClrMapping/>
@@ -15498,7 +15417,7 @@
           </p:nvPr>
         </p:nvPicPr>
         <p:blipFill>
-          <a:blip r:embed="rId2">
+          <a:blip r:embed="rId1">
             <a:extLst>
               <a:ext uri="{28A0092B-C50C-407E-A947-70E740481C1C}">
                 <a14:useLocalDpi xmlns:a14="http://schemas.microsoft.com/office/drawing/2010/main" val="0"/>
@@ -15517,11 +15436,6 @@
         </p:spPr>
       </p:pic>
     </p:spTree>
-    <p:extLst>
-      <p:ext uri="{BB962C8B-B14F-4D97-AF65-F5344CB8AC3E}">
-        <p14:creationId xmlns:p14="http://schemas.microsoft.com/office/powerpoint/2010/main" val="3041234017"/>
-      </p:ext>
-    </p:extLst>
   </p:cSld>
   <p:clrMapOvr>
     <a:masterClrMapping/>
@@ -15588,7 +15502,7 @@
           </p:nvPr>
         </p:nvPicPr>
         <p:blipFill>
-          <a:blip r:embed="rId2">
+          <a:blip r:embed="rId1">
             <a:extLst>
               <a:ext uri="{28A0092B-C50C-407E-A947-70E740481C1C}">
                 <a14:useLocalDpi xmlns:a14="http://schemas.microsoft.com/office/drawing/2010/main" val="0"/>
@@ -15607,11 +15521,6 @@
         </p:spPr>
       </p:pic>
     </p:spTree>
-    <p:extLst>
-      <p:ext uri="{BB962C8B-B14F-4D97-AF65-F5344CB8AC3E}">
-        <p14:creationId xmlns:p14="http://schemas.microsoft.com/office/powerpoint/2010/main" val="4196824415"/>
-      </p:ext>
-    </p:extLst>
   </p:cSld>
   <p:clrMapOvr>
     <a:masterClrMapping/>
@@ -15655,7 +15564,7 @@
         </p:nvSpPr>
         <p:spPr>
           <a:xfrm>
-            <a:off x="677334" y="609600"/>
+            <a:off x="677334" y="277495"/>
             <a:ext cx="8596668" cy="691978"/>
           </a:xfrm>
         </p:spPr>
@@ -15694,7 +15603,7 @@
           </p:nvPr>
         </p:nvPicPr>
         <p:blipFill>
-          <a:blip r:embed="rId2">
+          <a:blip r:embed="rId1">
             <a:extLst>
               <a:ext uri="{28A0092B-C50C-407E-A947-70E740481C1C}">
                 <a14:useLocalDpi xmlns:a14="http://schemas.microsoft.com/office/drawing/2010/main" val="0"/>
@@ -15707,17 +15616,12 @@
         </p:blipFill>
         <p:spPr>
           <a:xfrm>
-            <a:off x="677333" y="1460372"/>
-            <a:ext cx="6464871" cy="4866287"/>
+            <a:off x="677545" y="969010"/>
+            <a:ext cx="6464935" cy="5357495"/>
           </a:xfrm>
         </p:spPr>
       </p:pic>
     </p:spTree>
-    <p:extLst>
-      <p:ext uri="{BB962C8B-B14F-4D97-AF65-F5344CB8AC3E}">
-        <p14:creationId xmlns:p14="http://schemas.microsoft.com/office/powerpoint/2010/main" val="847653086"/>
-      </p:ext>
-    </p:extLst>
   </p:cSld>
   <p:clrMapOvr>
     <a:masterClrMapping/>
@@ -15795,7 +15699,7 @@
           </p:nvPr>
         </p:nvPicPr>
         <p:blipFill>
-          <a:blip r:embed="rId2">
+          <a:blip r:embed="rId1">
             <a:extLst>
               <a:ext uri="{28A0092B-C50C-407E-A947-70E740481C1C}">
                 <a14:useLocalDpi xmlns:a14="http://schemas.microsoft.com/office/drawing/2010/main" val="0"/>
@@ -15814,11 +15718,6 @@
         </p:spPr>
       </p:pic>
     </p:spTree>
-    <p:extLst>
-      <p:ext uri="{BB962C8B-B14F-4D97-AF65-F5344CB8AC3E}">
-        <p14:creationId xmlns:p14="http://schemas.microsoft.com/office/powerpoint/2010/main" val="1182524624"/>
-      </p:ext>
-    </p:extLst>
   </p:cSld>
   <p:clrMapOvr>
     <a:masterClrMapping/>
@@ -16046,6 +15945,7 @@
               <a:rPr lang="vi-VN" dirty="0" smtClean="0"/>
               <a:t>Trong java, 1 lớp được coi là phụ thuộc vào lớp khác nếu nó sử dụng 1 thể hiện của lớp này.</a:t>
             </a:r>
+            <a:endParaRPr lang="vi-VN" dirty="0" smtClean="0"/>
           </a:p>
           <a:p>
             <a:r>
@@ -16064,6 +15964,7 @@
               <a:rPr lang="en-US" dirty="0" smtClean="0"/>
               <a:t>:</a:t>
             </a:r>
+            <a:endParaRPr lang="en-US" dirty="0" smtClean="0"/>
           </a:p>
           <a:p>
             <a:endParaRPr lang="en-US" dirty="0" smtClean="0"/>
@@ -16117,9 +16018,6 @@
         </p:spPr>
         <p:txBody>
           <a:bodyPr vert="horz" wrap="none" lIns="91440" tIns="45720" rIns="91440" bIns="45720" numCol="1" anchor="ctr" anchorCtr="0" compatLnSpc="1">
-            <a:prstTxWarp prst="textNoShape">
-              <a:avLst/>
-            </a:prstTxWarp>
             <a:spAutoFit/>
           </a:bodyPr>
           <a:lstStyle/>
@@ -16138,21 +16036,7 @@
               <a:buSzTx/>
               <a:buFontTx/>
               <a:buNone/>
-              <a:tabLst/>
             </a:pPr>
-            <a:r>
-              <a:rPr kumimoji="0" lang="en-US" altLang="en-US" sz="1500" b="0" i="0" u="none" strike="noStrike" cap="none" normalizeH="0" baseline="0" smtClean="0">
-                <a:ln>
-                  <a:noFill/>
-                </a:ln>
-                <a:solidFill>
-                  <a:schemeClr val="tx1"/>
-                </a:solidFill>
-                <a:effectLst/>
-                <a:latin typeface="medium-content-sans-serif-font"/>
-              </a:rPr>
-              <a:t/>
-            </a:r>
             <a:br>
               <a:rPr kumimoji="0" lang="en-US" altLang="en-US" sz="1500" b="0" i="0" u="none" strike="noStrike" cap="none" normalizeH="0" baseline="0" smtClean="0">
                 <a:ln>
@@ -16190,21 +16074,7 @@
               <a:buSzTx/>
               <a:buFontTx/>
               <a:buNone/>
-              <a:tabLst/>
             </a:pPr>
-            <a:r>
-              <a:rPr kumimoji="0" lang="en-US" altLang="en-US" sz="1800" b="0" i="0" u="none" strike="noStrike" cap="none" normalizeH="0" baseline="0" smtClean="0">
-                <a:ln>
-                  <a:noFill/>
-                </a:ln>
-                <a:solidFill>
-                  <a:schemeClr val="tx1"/>
-                </a:solidFill>
-                <a:effectLst/>
-                <a:latin typeface="Arial" panose="020B0604020202020204" pitchFamily="34" charset="0"/>
-              </a:rPr>
-              <a:t/>
-            </a:r>
             <a:br>
               <a:rPr kumimoji="0" lang="en-US" altLang="en-US" sz="1800" b="0" i="0" u="none" strike="noStrike" cap="none" normalizeH="0" baseline="0" smtClean="0">
                 <a:ln>
@@ -16239,7 +16109,7 @@
           <p:nvPr/>
         </p:nvPicPr>
         <p:blipFill>
-          <a:blip r:embed="rId2">
+          <a:blip r:embed="rId1">
             <a:extLst>
               <a:ext uri="{28A0092B-C50C-407E-A947-70E740481C1C}">
                 <a14:useLocalDpi xmlns:a14="http://schemas.microsoft.com/office/drawing/2010/main" val="0"/>
@@ -16261,11 +16131,6 @@
         </p:spPr>
       </p:pic>
     </p:spTree>
-    <p:extLst>
-      <p:ext uri="{BB962C8B-B14F-4D97-AF65-F5344CB8AC3E}">
-        <p14:creationId xmlns:p14="http://schemas.microsoft.com/office/powerpoint/2010/main" val="1510570250"/>
-      </p:ext>
-    </p:extLst>
   </p:cSld>
   <p:clrMapOvr>
     <a:masterClrMapping/>
@@ -16690,6 +16555,7 @@
               <a:rPr lang="en-US" dirty="0" smtClean="0"/>
               <a:t> Dagger</a:t>
             </a:r>
+            <a:endParaRPr lang="en-US" dirty="0" smtClean="0"/>
           </a:p>
           <a:p>
             <a:endParaRPr lang="en-US" dirty="0"/>
@@ -16723,6 +16589,7 @@
               <a:rPr lang="en-US" dirty="0" smtClean="0"/>
               <a:t> Component</a:t>
             </a:r>
+            <a:endParaRPr lang="en-US" dirty="0" smtClean="0"/>
           </a:p>
           <a:p>
             <a:endParaRPr lang="en-US" dirty="0" smtClean="0"/>
@@ -16748,7 +16615,7 @@
           <p:nvPr/>
         </p:nvPicPr>
         <p:blipFill>
-          <a:blip r:embed="rId2">
+          <a:blip r:embed="rId1">
             <a:extLst>
               <a:ext uri="{28A0092B-C50C-407E-A947-70E740481C1C}">
                 <a14:useLocalDpi xmlns:a14="http://schemas.microsoft.com/office/drawing/2010/main" val="0"/>
@@ -16778,7 +16645,7 @@
           <p:nvPr/>
         </p:nvPicPr>
         <p:blipFill>
-          <a:blip r:embed="rId3">
+          <a:blip r:embed="rId2">
             <a:extLst>
               <a:ext uri="{28A0092B-C50C-407E-A947-70E740481C1C}">
                 <a14:useLocalDpi xmlns:a14="http://schemas.microsoft.com/office/drawing/2010/main" val="0"/>
@@ -16800,11 +16667,6 @@
         </p:spPr>
       </p:pic>
     </p:spTree>
-    <p:extLst>
-      <p:ext uri="{BB962C8B-B14F-4D97-AF65-F5344CB8AC3E}">
-        <p14:creationId xmlns:p14="http://schemas.microsoft.com/office/powerpoint/2010/main" val="755783537"/>
-      </p:ext>
-    </p:extLst>
   </p:cSld>
   <p:clrMapOvr>
     <a:masterClrMapping/>
@@ -16896,6 +16758,7 @@
               <a:rPr lang="en-US" dirty="0" smtClean="0"/>
               <a:t> Modules</a:t>
             </a:r>
+            <a:endParaRPr lang="en-US" dirty="0" smtClean="0"/>
           </a:p>
           <a:p>
             <a:endParaRPr lang="en-US" dirty="0" smtClean="0"/>
@@ -16911,7 +16774,7 @@
           <p:nvPr/>
         </p:nvPicPr>
         <p:blipFill>
-          <a:blip r:embed="rId2">
+          <a:blip r:embed="rId1">
             <a:extLst>
               <a:ext uri="{28A0092B-C50C-407E-A947-70E740481C1C}">
                 <a14:useLocalDpi xmlns:a14="http://schemas.microsoft.com/office/drawing/2010/main" val="0"/>
@@ -16933,11 +16796,6 @@
         </p:spPr>
       </p:pic>
     </p:spTree>
-    <p:extLst>
-      <p:ext uri="{BB962C8B-B14F-4D97-AF65-F5344CB8AC3E}">
-        <p14:creationId xmlns:p14="http://schemas.microsoft.com/office/powerpoint/2010/main" val="1422772488"/>
-      </p:ext>
-    </p:extLst>
   </p:cSld>
   <p:clrMapOvr>
     <a:masterClrMapping/>
@@ -16999,7 +16857,7 @@
           </p:nvPr>
         </p:nvPicPr>
         <p:blipFill>
-          <a:blip r:embed="rId2">
+          <a:blip r:embed="rId1">
             <a:extLst>
               <a:ext uri="{28A0092B-C50C-407E-A947-70E740481C1C}">
                 <a14:useLocalDpi xmlns:a14="http://schemas.microsoft.com/office/drawing/2010/main" val="0"/>
@@ -17026,7 +16884,7 @@
           <p:nvPr/>
         </p:nvPicPr>
         <p:blipFill>
-          <a:blip r:embed="rId3">
+          <a:blip r:embed="rId2">
             <a:extLst>
               <a:ext uri="{28A0092B-C50C-407E-A947-70E740481C1C}">
                 <a14:useLocalDpi xmlns:a14="http://schemas.microsoft.com/office/drawing/2010/main" val="0"/>
@@ -17048,11 +16906,6 @@
         </p:spPr>
       </p:pic>
     </p:spTree>
-    <p:extLst>
-      <p:ext uri="{BB962C8B-B14F-4D97-AF65-F5344CB8AC3E}">
-        <p14:creationId xmlns:p14="http://schemas.microsoft.com/office/powerpoint/2010/main" val="2713726260"/>
-      </p:ext>
-    </p:extLst>
   </p:cSld>
   <p:clrMapOvr>
     <a:masterClrMapping/>
@@ -17114,7 +16967,7 @@
           </p:nvPr>
         </p:nvPicPr>
         <p:blipFill>
-          <a:blip r:embed="rId2">
+          <a:blip r:embed="rId1">
             <a:extLst>
               <a:ext uri="{28A0092B-C50C-407E-A947-70E740481C1C}">
                 <a14:useLocalDpi xmlns:a14="http://schemas.microsoft.com/office/drawing/2010/main" val="0"/>
@@ -17141,7 +16994,7 @@
           <p:nvPr/>
         </p:nvPicPr>
         <p:blipFill>
-          <a:blip r:embed="rId3">
+          <a:blip r:embed="rId2">
             <a:extLst>
               <a:ext uri="{28A0092B-C50C-407E-A947-70E740481C1C}">
                 <a14:useLocalDpi xmlns:a14="http://schemas.microsoft.com/office/drawing/2010/main" val="0"/>
@@ -17163,11 +17016,6 @@
         </p:spPr>
       </p:pic>
     </p:spTree>
-    <p:extLst>
-      <p:ext uri="{BB962C8B-B14F-4D97-AF65-F5344CB8AC3E}">
-        <p14:creationId xmlns:p14="http://schemas.microsoft.com/office/powerpoint/2010/main" val="3598404061"/>
-      </p:ext>
-    </p:extLst>
   </p:cSld>
   <p:clrMapOvr>
     <a:masterClrMapping/>
@@ -17272,6 +17120,7 @@
               <a:rPr lang="en-US" dirty="0" smtClean="0"/>
               <a:t> Modules</a:t>
             </a:r>
+            <a:endParaRPr lang="en-US" dirty="0" smtClean="0"/>
           </a:p>
           <a:p>
             <a:pPr lvl="1"/>
@@ -17555,6 +17404,7 @@
               <a:rPr lang="en-US" dirty="0" smtClean="0"/>
               <a:t>:</a:t>
             </a:r>
+            <a:endParaRPr lang="en-US" dirty="0" smtClean="0"/>
           </a:p>
           <a:p>
             <a:pPr lvl="2"/>
@@ -17779,7 +17629,7 @@
           <p:nvPr/>
         </p:nvPicPr>
         <p:blipFill>
-          <a:blip r:embed="rId2">
+          <a:blip r:embed="rId1">
             <a:extLst>
               <a:ext uri="{28A0092B-C50C-407E-A947-70E740481C1C}">
                 <a14:useLocalDpi xmlns:a14="http://schemas.microsoft.com/office/drawing/2010/main" val="0"/>
@@ -17801,11 +17651,6 @@
         </p:spPr>
       </p:pic>
     </p:spTree>
-    <p:extLst>
-      <p:ext uri="{BB962C8B-B14F-4D97-AF65-F5344CB8AC3E}">
-        <p14:creationId xmlns:p14="http://schemas.microsoft.com/office/powerpoint/2010/main" val="2839701697"/>
-      </p:ext>
-    </p:extLst>
   </p:cSld>
   <p:clrMapOvr>
     <a:masterClrMapping/>
@@ -18642,7 +18487,7 @@
           <p:nvPr/>
         </p:nvPicPr>
         <p:blipFill>
-          <a:blip r:embed="rId2">
+          <a:blip r:embed="rId1">
             <a:extLst>
               <a:ext uri="{28A0092B-C50C-407E-A947-70E740481C1C}">
                 <a14:useLocalDpi xmlns:a14="http://schemas.microsoft.com/office/drawing/2010/main" val="0"/>
@@ -18672,7 +18517,7 @@
           <p:nvPr/>
         </p:nvPicPr>
         <p:blipFill>
-          <a:blip r:embed="rId3">
+          <a:blip r:embed="rId2">
             <a:extLst>
               <a:ext uri="{28A0092B-C50C-407E-A947-70E740481C1C}">
                 <a14:useLocalDpi xmlns:a14="http://schemas.microsoft.com/office/drawing/2010/main" val="0"/>
@@ -18694,11 +18539,6 @@
         </p:spPr>
       </p:pic>
     </p:spTree>
-    <p:extLst>
-      <p:ext uri="{BB962C8B-B14F-4D97-AF65-F5344CB8AC3E}">
-        <p14:creationId xmlns:p14="http://schemas.microsoft.com/office/powerpoint/2010/main" val="3517231850"/>
-      </p:ext>
-    </p:extLst>
   </p:cSld>
   <p:clrMapOvr>
     <a:masterClrMapping/>
@@ -18793,6 +18633,7 @@
               <a:rPr lang="en-US" dirty="0" smtClean="0"/>
               <a:t> Component</a:t>
             </a:r>
+            <a:endParaRPr lang="en-US" dirty="0" smtClean="0"/>
           </a:p>
           <a:p>
             <a:pPr lvl="1"/>
@@ -19104,6 +18945,7 @@
               <a:rPr lang="en-US" dirty="0" smtClean="0"/>
               <a:t> Component</a:t>
             </a:r>
+            <a:endParaRPr lang="en-US" dirty="0" smtClean="0"/>
           </a:p>
           <a:p>
             <a:pPr lvl="1"/>
@@ -19120,7 +18962,7 @@
           <p:nvPr/>
         </p:nvPicPr>
         <p:blipFill>
-          <a:blip r:embed="rId2">
+          <a:blip r:embed="rId1">
             <a:extLst>
               <a:ext uri="{28A0092B-C50C-407E-A947-70E740481C1C}">
                 <a14:useLocalDpi xmlns:a14="http://schemas.microsoft.com/office/drawing/2010/main" val="0"/>
@@ -19150,7 +18992,7 @@
           <p:nvPr/>
         </p:nvPicPr>
         <p:blipFill>
-          <a:blip r:embed="rId3">
+          <a:blip r:embed="rId2">
             <a:extLst>
               <a:ext uri="{28A0092B-C50C-407E-A947-70E740481C1C}">
                 <a14:useLocalDpi xmlns:a14="http://schemas.microsoft.com/office/drawing/2010/main" val="0"/>
@@ -19172,11 +19014,6 @@
         </p:spPr>
       </p:pic>
     </p:spTree>
-    <p:extLst>
-      <p:ext uri="{BB962C8B-B14F-4D97-AF65-F5344CB8AC3E}">
-        <p14:creationId xmlns:p14="http://schemas.microsoft.com/office/powerpoint/2010/main" val="610134859"/>
-      </p:ext>
-    </p:extLst>
   </p:cSld>
   <p:clrMapOvr>
     <a:masterClrMapping/>
@@ -19299,7 +19136,7 @@
           <p:nvPr/>
         </p:nvPicPr>
         <p:blipFill>
-          <a:blip r:embed="rId2">
+          <a:blip r:embed="rId1">
             <a:extLst>
               <a:ext uri="{28A0092B-C50C-407E-A947-70E740481C1C}">
                 <a14:useLocalDpi xmlns:a14="http://schemas.microsoft.com/office/drawing/2010/main" val="0"/>
@@ -19321,11 +19158,6 @@
         </p:spPr>
       </p:pic>
     </p:spTree>
-    <p:extLst>
-      <p:ext uri="{BB962C8B-B14F-4D97-AF65-F5344CB8AC3E}">
-        <p14:creationId xmlns:p14="http://schemas.microsoft.com/office/powerpoint/2010/main" val="2441983512"/>
-      </p:ext>
-    </p:extLst>
   </p:cSld>
   <p:clrMapOvr>
     <a:masterClrMapping/>
@@ -19836,6 +19668,7 @@
               <a:rPr lang="en-US" dirty="0"/>
               <a:t> singleton dependency</a:t>
             </a:r>
+            <a:endParaRPr lang="en-US" dirty="0"/>
           </a:p>
           <a:p>
             <a:pPr lvl="1"/>
@@ -19915,6 +19748,7 @@
               <a:rPr lang="en-US" dirty="0" smtClean="0"/>
               <a:t>Annotation</a:t>
             </a:r>
+            <a:endParaRPr lang="en-US" dirty="0" smtClean="0"/>
           </a:p>
           <a:p>
             <a:pPr lvl="1"/>
@@ -20046,7 +19880,7 @@
           <p:nvPr/>
         </p:nvPicPr>
         <p:blipFill>
-          <a:blip r:embed="rId2">
+          <a:blip r:embed="rId1">
             <a:extLst>
               <a:ext uri="{28A0092B-C50C-407E-A947-70E740481C1C}">
                 <a14:useLocalDpi xmlns:a14="http://schemas.microsoft.com/office/drawing/2010/main" val="0"/>
@@ -20068,11 +19902,6 @@
         </p:spPr>
       </p:pic>
     </p:spTree>
-    <p:extLst>
-      <p:ext uri="{BB962C8B-B14F-4D97-AF65-F5344CB8AC3E}">
-        <p14:creationId xmlns:p14="http://schemas.microsoft.com/office/powerpoint/2010/main" val="3331873594"/>
-      </p:ext>
-    </p:extLst>
   </p:cSld>
   <p:clrMapOvr>
     <a:masterClrMapping/>
@@ -20624,7 +20453,7 @@
           </p:nvPr>
         </p:nvPicPr>
         <p:blipFill>
-          <a:blip r:embed="rId2">
+          <a:blip r:embed="rId1">
             <a:extLst>
               <a:ext uri="{28A0092B-C50C-407E-A947-70E740481C1C}">
                 <a14:useLocalDpi xmlns:a14="http://schemas.microsoft.com/office/drawing/2010/main" val="0"/>
@@ -20643,11 +20472,6 @@
         </p:spPr>
       </p:pic>
     </p:spTree>
-    <p:extLst>
-      <p:ext uri="{BB962C8B-B14F-4D97-AF65-F5344CB8AC3E}">
-        <p14:creationId xmlns:p14="http://schemas.microsoft.com/office/powerpoint/2010/main" val="3288769484"/>
-      </p:ext>
-    </p:extLst>
   </p:cSld>
   <p:clrMapOvr>
     <a:masterClrMapping/>
@@ -20925,6 +20749,7 @@
               <a:rPr lang="en-US" sz="2000" dirty="0" smtClean="0"/>
               <a:t> Hard dependencies.</a:t>
             </a:r>
+            <a:endParaRPr lang="en-US" sz="2000" dirty="0" smtClean="0"/>
           </a:p>
           <a:p>
             <a:r>
@@ -20947,6 +20772,7 @@
               <a:rPr lang="en-US" sz="2000" dirty="0" smtClean="0"/>
               <a:t>:</a:t>
             </a:r>
+            <a:endParaRPr lang="en-US" sz="2000" dirty="0" smtClean="0"/>
           </a:p>
           <a:p>
             <a:pPr lvl="1"/>
@@ -20982,6 +20808,7 @@
               <a:rPr lang="en-US" sz="1800" dirty="0" smtClean="0"/>
               <a:t> reusability</a:t>
             </a:r>
+            <a:endParaRPr lang="en-US" sz="1800" dirty="0" smtClean="0"/>
           </a:p>
           <a:p>
             <a:pPr lvl="1"/>
@@ -21025,6 +20852,7 @@
               <a:rPr lang="en-US" sz="1800" dirty="0" smtClean="0"/>
               <a:t> testing</a:t>
             </a:r>
+            <a:endParaRPr lang="en-US" sz="1800" dirty="0" smtClean="0"/>
           </a:p>
           <a:p>
             <a:pPr lvl="1"/>
@@ -21121,11 +20949,6 @@
         </p:txBody>
       </p:sp>
     </p:spTree>
-    <p:extLst>
-      <p:ext uri="{BB962C8B-B14F-4D97-AF65-F5344CB8AC3E}">
-        <p14:creationId xmlns:p14="http://schemas.microsoft.com/office/powerpoint/2010/main" val="2977737687"/>
-      </p:ext>
-    </p:extLst>
   </p:cSld>
   <p:clrMapOvr>
     <a:masterClrMapping/>
@@ -21909,6 +21732,7 @@
               <a:rPr lang="en-US" dirty="0" smtClean="0"/>
               <a:t> Context</a:t>
             </a:r>
+            <a:endParaRPr lang="en-US" dirty="0" smtClean="0"/>
           </a:p>
           <a:p>
             <a:pPr lvl="1"/>
@@ -22169,7 +21993,7 @@
           <p:nvPr/>
         </p:nvPicPr>
         <p:blipFill>
-          <a:blip r:embed="rId2">
+          <a:blip r:embed="rId1">
             <a:extLst>
               <a:ext uri="{28A0092B-C50C-407E-A947-70E740481C1C}">
                 <a14:useLocalDpi xmlns:a14="http://schemas.microsoft.com/office/drawing/2010/main" val="0"/>
@@ -22191,11 +22015,6 @@
         </p:spPr>
       </p:pic>
     </p:spTree>
-    <p:extLst>
-      <p:ext uri="{BB962C8B-B14F-4D97-AF65-F5344CB8AC3E}">
-        <p14:creationId xmlns:p14="http://schemas.microsoft.com/office/powerpoint/2010/main" val="1628559006"/>
-      </p:ext>
-    </p:extLst>
   </p:cSld>
   <p:clrMapOvr>
     <a:masterClrMapping/>
@@ -22723,6 +22542,7 @@
               <a:rPr lang="en-US" dirty="0" smtClean="0"/>
               <a:t> Context</a:t>
             </a:r>
+            <a:endParaRPr lang="en-US" dirty="0" smtClean="0"/>
           </a:p>
           <a:p>
             <a:endParaRPr lang="en-US" dirty="0"/>
@@ -22738,7 +22558,7 @@
           <p:nvPr/>
         </p:nvPicPr>
         <p:blipFill>
-          <a:blip r:embed="rId2">
+          <a:blip r:embed="rId1">
             <a:extLst>
               <a:ext uri="{28A0092B-C50C-407E-A947-70E740481C1C}">
                 <a14:useLocalDpi xmlns:a14="http://schemas.microsoft.com/office/drawing/2010/main" val="0"/>
@@ -22760,11 +22580,6 @@
         </p:spPr>
       </p:pic>
     </p:spTree>
-    <p:extLst>
-      <p:ext uri="{BB962C8B-B14F-4D97-AF65-F5344CB8AC3E}">
-        <p14:creationId xmlns:p14="http://schemas.microsoft.com/office/powerpoint/2010/main" val="4151896827"/>
-      </p:ext>
-    </p:extLst>
   </p:cSld>
   <p:clrMapOvr>
     <a:masterClrMapping/>
@@ -22826,7 +22641,7 @@
           </p:nvPr>
         </p:nvPicPr>
         <p:blipFill>
-          <a:blip r:embed="rId2">
+          <a:blip r:embed="rId1">
             <a:extLst>
               <a:ext uri="{28A0092B-C50C-407E-A947-70E740481C1C}">
                 <a14:useLocalDpi xmlns:a14="http://schemas.microsoft.com/office/drawing/2010/main" val="0"/>
@@ -22853,7 +22668,7 @@
           <p:nvPr/>
         </p:nvPicPr>
         <p:blipFill>
-          <a:blip r:embed="rId3">
+          <a:blip r:embed="rId2">
             <a:extLst>
               <a:ext uri="{28A0092B-C50C-407E-A947-70E740481C1C}">
                 <a14:useLocalDpi xmlns:a14="http://schemas.microsoft.com/office/drawing/2010/main" val="0"/>
@@ -22875,11 +22690,6 @@
         </p:spPr>
       </p:pic>
     </p:spTree>
-    <p:extLst>
-      <p:ext uri="{BB962C8B-B14F-4D97-AF65-F5344CB8AC3E}">
-        <p14:creationId xmlns:p14="http://schemas.microsoft.com/office/powerpoint/2010/main" val="1313233484"/>
-      </p:ext>
-    </p:extLst>
   </p:cSld>
   <p:clrMapOvr>
     <a:masterClrMapping/>
@@ -23071,7 +22881,7 @@
           <p:nvPr/>
         </p:nvPicPr>
         <p:blipFill>
-          <a:blip r:embed="rId2">
+          <a:blip r:embed="rId1">
             <a:extLst>
               <a:ext uri="{28A0092B-C50C-407E-A947-70E740481C1C}">
                 <a14:useLocalDpi xmlns:a14="http://schemas.microsoft.com/office/drawing/2010/main" val="0"/>
@@ -23101,7 +22911,7 @@
           <p:nvPr/>
         </p:nvPicPr>
         <p:blipFill>
-          <a:blip r:embed="rId3">
+          <a:blip r:embed="rId2">
             <a:extLst>
               <a:ext uri="{28A0092B-C50C-407E-A947-70E740481C1C}">
                 <a14:useLocalDpi xmlns:a14="http://schemas.microsoft.com/office/drawing/2010/main" val="0"/>
@@ -23123,11 +22933,6 @@
         </p:spPr>
       </p:pic>
     </p:spTree>
-    <p:extLst>
-      <p:ext uri="{BB962C8B-B14F-4D97-AF65-F5344CB8AC3E}">
-        <p14:creationId xmlns:p14="http://schemas.microsoft.com/office/powerpoint/2010/main" val="4080168869"/>
-      </p:ext>
-    </p:extLst>
   </p:cSld>
   <p:clrMapOvr>
     <a:masterClrMapping/>
@@ -23189,7 +22994,7 @@
           </p:nvPr>
         </p:nvPicPr>
         <p:blipFill>
-          <a:blip r:embed="rId2">
+          <a:blip r:embed="rId1">
             <a:extLst>
               <a:ext uri="{28A0092B-C50C-407E-A947-70E740481C1C}">
                 <a14:useLocalDpi xmlns:a14="http://schemas.microsoft.com/office/drawing/2010/main" val="0"/>
@@ -23216,7 +23021,7 @@
           <p:nvPr/>
         </p:nvPicPr>
         <p:blipFill>
-          <a:blip r:embed="rId3">
+          <a:blip r:embed="rId2">
             <a:extLst>
               <a:ext uri="{28A0092B-C50C-407E-A947-70E740481C1C}">
                 <a14:useLocalDpi xmlns:a14="http://schemas.microsoft.com/office/drawing/2010/main" val="0"/>
@@ -23238,11 +23043,6 @@
         </p:spPr>
       </p:pic>
     </p:spTree>
-    <p:extLst>
-      <p:ext uri="{BB962C8B-B14F-4D97-AF65-F5344CB8AC3E}">
-        <p14:creationId xmlns:p14="http://schemas.microsoft.com/office/powerpoint/2010/main" val="4252441109"/>
-      </p:ext>
-    </p:extLst>
   </p:cSld>
   <p:clrMapOvr>
     <a:masterClrMapping/>
@@ -23369,11 +23169,6 @@
         </p:txBody>
       </p:sp>
     </p:spTree>
-    <p:extLst>
-      <p:ext uri="{BB962C8B-B14F-4D97-AF65-F5344CB8AC3E}">
-        <p14:creationId xmlns:p14="http://schemas.microsoft.com/office/powerpoint/2010/main" val="2027586608"/>
-      </p:ext>
-    </p:extLst>
   </p:cSld>
   <p:clrMapOvr>
     <a:masterClrMapping/>
@@ -23601,6 +23396,7 @@
               <a:rPr lang="en-US" sz="2400" dirty="0" smtClean="0"/>
               <a:t> Dependency Injection (DI).</a:t>
             </a:r>
+            <a:endParaRPr lang="en-US" sz="2400" dirty="0" smtClean="0"/>
           </a:p>
           <a:p>
             <a:r>
@@ -23880,11 +23676,6 @@
         </p:txBody>
       </p:sp>
     </p:spTree>
-    <p:extLst>
-      <p:ext uri="{BB962C8B-B14F-4D97-AF65-F5344CB8AC3E}">
-        <p14:creationId xmlns:p14="http://schemas.microsoft.com/office/powerpoint/2010/main" val="3386076397"/>
-      </p:ext>
-    </p:extLst>
   </p:cSld>
   <p:clrMapOvr>
     <a:masterClrMapping/>
@@ -24436,7 +24227,7 @@
           </p:nvPr>
         </p:nvPicPr>
         <p:blipFill>
-          <a:blip r:embed="rId2">
+          <a:blip r:embed="rId1">
             <a:extLst>
               <a:ext uri="{28A0092B-C50C-407E-A947-70E740481C1C}">
                 <a14:useLocalDpi xmlns:a14="http://schemas.microsoft.com/office/drawing/2010/main" val="0"/>
@@ -24455,11 +24246,6 @@
         </p:spPr>
       </p:pic>
     </p:spTree>
-    <p:extLst>
-      <p:ext uri="{BB962C8B-B14F-4D97-AF65-F5344CB8AC3E}">
-        <p14:creationId xmlns:p14="http://schemas.microsoft.com/office/powerpoint/2010/main" val="495060775"/>
-      </p:ext>
-    </p:extLst>
   </p:cSld>
   <p:clrMapOvr>
     <a:masterClrMapping/>
@@ -24748,17 +24534,7 @@
                   </a:schemeClr>
                 </a:solidFill>
               </a:rPr>
-              <a:t> </a:t>
-            </a:r>
-            <a:r>
-              <a:rPr lang="en-US" dirty="0" smtClean="0">
-                <a:solidFill>
-                  <a:schemeClr val="accent2">
-                    <a:lumMod val="50000"/>
-                  </a:schemeClr>
-                </a:solidFill>
-              </a:rPr>
-              <a:t>implement class House</a:t>
+              <a:t> implement class House</a:t>
             </a:r>
             <a:endParaRPr lang="en-US" dirty="0">
               <a:solidFill>
@@ -24781,7 +24557,7 @@
           </p:nvPr>
         </p:nvPicPr>
         <p:blipFill>
-          <a:blip r:embed="rId2">
+          <a:blip r:embed="rId1">
             <a:extLst>
               <a:ext uri="{28A0092B-C50C-407E-A947-70E740481C1C}">
                 <a14:useLocalDpi xmlns:a14="http://schemas.microsoft.com/office/drawing/2010/main" val="0"/>
@@ -24808,7 +24584,7 @@
           <p:nvPr/>
         </p:nvPicPr>
         <p:blipFill>
-          <a:blip r:embed="rId3">
+          <a:blip r:embed="rId2">
             <a:extLst>
               <a:ext uri="{28A0092B-C50C-407E-A947-70E740481C1C}">
                 <a14:useLocalDpi xmlns:a14="http://schemas.microsoft.com/office/drawing/2010/main" val="0"/>
@@ -24830,11 +24606,6 @@
         </p:spPr>
       </p:pic>
     </p:spTree>
-    <p:extLst>
-      <p:ext uri="{BB962C8B-B14F-4D97-AF65-F5344CB8AC3E}">
-        <p14:creationId xmlns:p14="http://schemas.microsoft.com/office/powerpoint/2010/main" val="3681512026"/>
-      </p:ext>
-    </p:extLst>
   </p:cSld>
   <p:clrMapOvr>
     <a:masterClrMapping/>
@@ -25302,7 +25073,7 @@
                   </a:schemeClr>
                 </a:solidFill>
               </a:rPr>
-              <a:t> class Stark </a:t>
+              <a:t> việc khởi tạo class Stark </a:t>
             </a:r>
             <a:r>
               <a:rPr lang="en-US" dirty="0" err="1" smtClean="0">
@@ -25523,6 +25294,7 @@
               <a:rPr lang="en-US" sz="2400" dirty="0" smtClean="0"/>
               <a:t> DI</a:t>
             </a:r>
+            <a:endParaRPr lang="en-US" sz="2400" dirty="0" smtClean="0"/>
           </a:p>
           <a:p>
             <a:endParaRPr lang="en-US" dirty="0"/>
@@ -25538,7 +25310,7 @@
           <p:nvPr/>
         </p:nvPicPr>
         <p:blipFill>
-          <a:blip r:embed="rId2">
+          <a:blip r:embed="rId1">
             <a:extLst>
               <a:ext uri="{28A0092B-C50C-407E-A947-70E740481C1C}">
                 <a14:useLocalDpi xmlns:a14="http://schemas.microsoft.com/office/drawing/2010/main" val="0"/>
@@ -25560,11 +25332,6 @@
         </p:spPr>
       </p:pic>
     </p:spTree>
-    <p:extLst>
-      <p:ext uri="{BB962C8B-B14F-4D97-AF65-F5344CB8AC3E}">
-        <p14:creationId xmlns:p14="http://schemas.microsoft.com/office/powerpoint/2010/main" val="4040413886"/>
-      </p:ext>
-    </p:extLst>
   </p:cSld>
   <p:clrMapOvr>
     <a:masterClrMapping/>
@@ -25767,6 +25534,7 @@
               <a:rPr lang="en-US" sz="2400" dirty="0" smtClean="0"/>
               <a:t> DI</a:t>
             </a:r>
+            <a:endParaRPr lang="en-US" sz="2400" dirty="0" smtClean="0"/>
           </a:p>
           <a:p>
             <a:endParaRPr lang="en-US" sz="2400" dirty="0"/>
@@ -25782,7 +25550,7 @@
           <p:nvPr/>
         </p:nvPicPr>
         <p:blipFill>
-          <a:blip r:embed="rId2">
+          <a:blip r:embed="rId1">
             <a:extLst>
               <a:ext uri="{28A0092B-C50C-407E-A947-70E740481C1C}">
                 <a14:useLocalDpi xmlns:a14="http://schemas.microsoft.com/office/drawing/2010/main" val="0"/>
@@ -25804,11 +25572,6 @@
         </p:spPr>
       </p:pic>
     </p:spTree>
-    <p:extLst>
-      <p:ext uri="{BB962C8B-B14F-4D97-AF65-F5344CB8AC3E}">
-        <p14:creationId xmlns:p14="http://schemas.microsoft.com/office/powerpoint/2010/main" val="3165321592"/>
-      </p:ext>
-    </p:extLst>
   </p:cSld>
   <p:clrMapOvr>
     <a:masterClrMapping/>
@@ -26202,7 +25965,7 @@
           </p:nvPr>
         </p:nvPicPr>
         <p:blipFill>
-          <a:blip r:embed="rId2">
+          <a:blip r:embed="rId1">
             <a:extLst>
               <a:ext uri="{28A0092B-C50C-407E-A947-70E740481C1C}">
                 <a14:useLocalDpi xmlns:a14="http://schemas.microsoft.com/office/drawing/2010/main" val="0"/>
@@ -26221,11 +25984,6 @@
         </p:spPr>
       </p:pic>
     </p:spTree>
-    <p:extLst>
-      <p:ext uri="{BB962C8B-B14F-4D97-AF65-F5344CB8AC3E}">
-        <p14:creationId xmlns:p14="http://schemas.microsoft.com/office/powerpoint/2010/main" val="478603300"/>
-      </p:ext>
-    </p:extLst>
   </p:cSld>
   <p:clrMapOvr>
     <a:masterClrMapping/>
@@ -26283,7 +26041,7 @@
     </a:clrScheme>
     <a:fontScheme name="Facet">
       <a:majorFont>
-        <a:latin typeface="Trebuchet MS" panose="020B0603020202020204"/>
+        <a:latin typeface="Trebuchet MS"/>
         <a:ea typeface=""/>
         <a:cs typeface=""/>
         <a:font script="Jpan" typeface="メイリオ"/>
@@ -26318,7 +26076,7 @@
         <a:font script="Geor" typeface="Sylfaen"/>
       </a:majorFont>
       <a:minorFont>
-        <a:latin typeface="Trebuchet MS" panose="020B0603020202020204"/>
+        <a:latin typeface="Trebuchet MS"/>
         <a:ea typeface=""/>
         <a:cs typeface=""/>
         <a:font script="Jpan" typeface="メイリオ"/>
@@ -26487,11 +26245,9 @@
       </a:bgFillStyleLst>
     </a:fmtScheme>
   </a:themeElements>
-  <a:objectDefaults/>
-  <a:extraClrSchemeLst/>
   <a:extLst>
     <a:ext uri="{05A4C25C-085E-4340-85A3-A5531E510DB2}">
-      <thm15:themeFamily xmlns:thm15="http://schemas.microsoft.com/office/thememl/2012/main" name="Facet" id="{C0C680CD-088A-49FC-A102-D699147F32B2}" vid="{0B5AB586-D108-4FC1-8368-649FE654B894}"/>
+      <thm15:themeFamily xmlns:thm15="http://schemas.microsoft.com/office/thememl/2012/main" name="Office Theme" id="{62F939B6-93AF-4DB8-9C6B-D6C7DFDC589F}" vid="{4A3C46E8-61CC-4603-A589-7422A47A8E4A}"/>
     </a:ext>
   </a:extLst>
 </a:theme>
@@ -26540,7 +26296,7 @@
     </a:clrScheme>
     <a:fontScheme name="Facet">
       <a:majorFont>
-        <a:latin typeface="Trebuchet MS" panose="020B0603020202020204"/>
+        <a:latin typeface="Trebuchet MS"/>
         <a:ea typeface=""/>
         <a:cs typeface=""/>
         <a:font script="Jpan" typeface="メイリオ"/>
@@ -26575,7 +26331,7 @@
         <a:font script="Geor" typeface="Sylfaen"/>
       </a:majorFont>
       <a:minorFont>
-        <a:latin typeface="Trebuchet MS" panose="020B0603020202020204"/>
+        <a:latin typeface="Trebuchet MS"/>
         <a:ea typeface=""/>
         <a:cs typeface=""/>
         <a:font script="Jpan" typeface="メイリオ"/>
@@ -26744,11 +26500,9 @@
       </a:bgFillStyleLst>
     </a:fmtScheme>
   </a:themeElements>
-  <a:objectDefaults/>
-  <a:extraClrSchemeLst/>
   <a:extLst>
     <a:ext uri="{05A4C25C-085E-4340-85A3-A5531E510DB2}">
-      <thm15:themeFamily xmlns:thm15="http://schemas.microsoft.com/office/thememl/2012/main" name="Facet" id="{C0C680CD-088A-49FC-A102-D699147F32B2}" vid="{0B5AB586-D108-4FC1-8368-649FE654B894}"/>
+      <thm15:themeFamily xmlns:thm15="http://schemas.microsoft.com/office/thememl/2012/main" name="Office Theme" id="{62F939B6-93AF-4DB8-9C6B-D6C7DFDC589F}" vid="{4A3C46E8-61CC-4603-A589-7422A47A8E4A}"/>
     </a:ext>
   </a:extLst>
 </a:theme>

--- a/Dagger2-Report.pptx
+++ b/Dagger2-Report.pptx
@@ -18,29 +18,30 @@
     <p:sldId id="265" r:id="rId13"/>
     <p:sldId id="266" r:id="rId14"/>
     <p:sldId id="267" r:id="rId15"/>
-    <p:sldId id="268" r:id="rId16"/>
-    <p:sldId id="269" r:id="rId17"/>
-    <p:sldId id="270" r:id="rId18"/>
-    <p:sldId id="271" r:id="rId19"/>
-    <p:sldId id="272" r:id="rId20"/>
-    <p:sldId id="273" r:id="rId21"/>
-    <p:sldId id="274" r:id="rId22"/>
-    <p:sldId id="275" r:id="rId23"/>
-    <p:sldId id="276" r:id="rId24"/>
-    <p:sldId id="277" r:id="rId25"/>
-    <p:sldId id="278" r:id="rId26"/>
-    <p:sldId id="279" r:id="rId27"/>
-    <p:sldId id="280" r:id="rId28"/>
-    <p:sldId id="281" r:id="rId29"/>
-    <p:sldId id="282" r:id="rId30"/>
-    <p:sldId id="283" r:id="rId31"/>
-    <p:sldId id="284" r:id="rId32"/>
-    <p:sldId id="285" r:id="rId33"/>
-    <p:sldId id="286" r:id="rId34"/>
-    <p:sldId id="287" r:id="rId35"/>
-    <p:sldId id="288" r:id="rId36"/>
-    <p:sldId id="289" r:id="rId37"/>
-    <p:sldId id="290" r:id="rId38"/>
+    <p:sldId id="273" r:id="rId16"/>
+    <p:sldId id="274" r:id="rId17"/>
+    <p:sldId id="275" r:id="rId18"/>
+    <p:sldId id="276" r:id="rId19"/>
+    <p:sldId id="277" r:id="rId20"/>
+    <p:sldId id="278" r:id="rId21"/>
+    <p:sldId id="279" r:id="rId22"/>
+    <p:sldId id="280" r:id="rId23"/>
+    <p:sldId id="281" r:id="rId24"/>
+    <p:sldId id="282" r:id="rId25"/>
+    <p:sldId id="283" r:id="rId26"/>
+    <p:sldId id="284" r:id="rId27"/>
+    <p:sldId id="285" r:id="rId28"/>
+    <p:sldId id="286" r:id="rId29"/>
+    <p:sldId id="287" r:id="rId30"/>
+    <p:sldId id="288" r:id="rId31"/>
+    <p:sldId id="289" r:id="rId32"/>
+    <p:sldId id="291" r:id="rId33"/>
+    <p:sldId id="292" r:id="rId34"/>
+    <p:sldId id="293" r:id="rId35"/>
+    <p:sldId id="294" r:id="rId36"/>
+    <p:sldId id="295" r:id="rId37"/>
+    <p:sldId id="296" r:id="rId38"/>
+    <p:sldId id="290" r:id="rId39"/>
   </p:sldIdLst>
   <p:sldSz cx="12192000" cy="6858000"/>
   <p:notesSz cx="6858000" cy="9144000"/>
@@ -13637,60 +13638,392 @@
               <a:buNone/>
             </a:pPr>
             <a:r>
-              <a:rPr lang="en-US" dirty="0" smtClean="0"/>
+              <a:rPr lang="en-US" sz="2400" dirty="0" smtClean="0"/>
               <a:t>1.	@Inject Annotation</a:t>
             </a:r>
-            <a:endParaRPr lang="en-US" dirty="0"/>
+            <a:endParaRPr lang="en-US" sz="2400" dirty="0"/>
           </a:p>
           <a:p>
             <a:pPr marL="457200" lvl="1" indent="0">
               <a:buNone/>
             </a:pPr>
             <a:r>
-              <a:rPr lang="en-US" dirty="0" smtClean="0"/>
+              <a:rPr lang="en-US" sz="2400" dirty="0" smtClean="0"/>
               <a:t>- </a:t>
             </a:r>
             <a:r>
-              <a:rPr lang="en-US" dirty="0" err="1" smtClean="0"/>
+              <a:rPr lang="en-US" sz="2400" dirty="0" err="1" smtClean="0"/>
               <a:t>Yêu</a:t>
             </a:r>
             <a:r>
-              <a:rPr lang="en-US" dirty="0" smtClean="0"/>
-              <a:t> </a:t>
-            </a:r>
-            <a:r>
-              <a:rPr lang="en-US" dirty="0" err="1" smtClean="0"/>
+              <a:rPr lang="en-US" sz="2400" dirty="0" smtClean="0"/>
+              <a:t> </a:t>
+            </a:r>
+            <a:r>
+              <a:rPr lang="en-US" sz="2400" dirty="0" err="1" smtClean="0"/>
               <a:t>cầu</a:t>
             </a:r>
             <a:r>
-              <a:rPr lang="en-US" dirty="0" smtClean="0"/>
-              <a:t> </a:t>
-            </a:r>
-            <a:r>
-              <a:rPr lang="en-US" dirty="0" err="1" smtClean="0"/>
+              <a:rPr lang="en-US" sz="2400" dirty="0" smtClean="0"/>
+              <a:t> </a:t>
+            </a:r>
+            <a:r>
+              <a:rPr lang="en-US" sz="2400" dirty="0" err="1" smtClean="0"/>
               <a:t>một</a:t>
             </a:r>
             <a:r>
-              <a:rPr lang="en-US" dirty="0" smtClean="0"/>
+              <a:rPr lang="en-US" sz="2400" dirty="0" smtClean="0"/>
               <a:t> dependency (</a:t>
             </a:r>
             <a:r>
-              <a:rPr lang="en-US" dirty="0"/>
+              <a:rPr lang="en-US" sz="2400" dirty="0"/>
               <a:t>constructor, </a:t>
             </a:r>
             <a:r>
-              <a:rPr lang="en-US" dirty="0" smtClean="0"/>
+              <a:rPr lang="en-US" sz="2400" dirty="0" smtClean="0"/>
               <a:t>field, </a:t>
             </a:r>
             <a:r>
-              <a:rPr lang="en-US" dirty="0"/>
+              <a:rPr lang="en-US" sz="2400" dirty="0"/>
               <a:t>method</a:t>
             </a:r>
             <a:r>
-              <a:rPr lang="en-US" dirty="0" smtClean="0"/>
+              <a:rPr lang="en-US" sz="2400" dirty="0" smtClean="0"/>
               <a:t>)</a:t>
             </a:r>
-            <a:endParaRPr lang="en-US" dirty="0" smtClean="0"/>
+            <a:endParaRPr lang="en-US" sz="2400" dirty="0" smtClean="0"/>
+          </a:p>
+          <a:p>
+            <a:pPr marL="0" indent="0">
+              <a:buNone/>
+            </a:pPr>
+            <a:r>
+              <a:rPr lang="en-US" sz="2400" dirty="0" smtClean="0">
+                <a:sym typeface="+mn-ea"/>
+              </a:rPr>
+              <a:t>2.	@Component Annotation</a:t>
+            </a:r>
+            <a:endParaRPr lang="en-US" sz="2400" dirty="0" smtClean="0"/>
+          </a:p>
+          <a:p>
+            <a:pPr marL="0" indent="0">
+              <a:buNone/>
+            </a:pPr>
+            <a:r>
+              <a:rPr lang="en-US" sz="2400" dirty="0" smtClean="0">
+                <a:sym typeface="+mn-ea"/>
+              </a:rPr>
+              <a:t>	- </a:t>
+            </a:r>
+            <a:r>
+              <a:rPr lang="en-US" sz="2400" dirty="0" err="1" smtClean="0">
+                <a:sym typeface="+mn-ea"/>
+              </a:rPr>
+              <a:t>Một</a:t>
+            </a:r>
+            <a:r>
+              <a:rPr lang="en-US" sz="2400" dirty="0" smtClean="0">
+                <a:sym typeface="+mn-ea"/>
+              </a:rPr>
+              <a:t> interface </a:t>
+            </a:r>
+            <a:r>
+              <a:rPr lang="en-US" sz="2400" dirty="0" err="1" smtClean="0">
+                <a:sym typeface="+mn-ea"/>
+              </a:rPr>
+              <a:t>là</a:t>
+            </a:r>
+            <a:r>
+              <a:rPr lang="en-US" sz="2400" dirty="0" smtClean="0">
+                <a:sym typeface="+mn-ea"/>
+              </a:rPr>
+              <a:t> </a:t>
+            </a:r>
+            <a:r>
+              <a:rPr lang="en-US" sz="2400" dirty="0" err="1" smtClean="0">
+                <a:sym typeface="+mn-ea"/>
+              </a:rPr>
+              <a:t>cầu</a:t>
+            </a:r>
+            <a:r>
+              <a:rPr lang="en-US" sz="2400" dirty="0" smtClean="0">
+                <a:sym typeface="+mn-ea"/>
+              </a:rPr>
+              <a:t> </a:t>
+            </a:r>
+            <a:r>
+              <a:rPr lang="en-US" sz="2400" dirty="0" err="1" smtClean="0">
+                <a:sym typeface="+mn-ea"/>
+              </a:rPr>
+              <a:t>nối</a:t>
+            </a:r>
+            <a:r>
+              <a:rPr lang="en-US" sz="2400" dirty="0" smtClean="0">
+                <a:sym typeface="+mn-ea"/>
+              </a:rPr>
+              <a:t> </a:t>
+            </a:r>
+            <a:r>
+              <a:rPr lang="en-US" sz="2400" dirty="0" err="1" smtClean="0">
+                <a:sym typeface="+mn-ea"/>
+              </a:rPr>
+              <a:t>giữa</a:t>
+            </a:r>
+            <a:r>
+              <a:rPr lang="en-US" sz="2400" dirty="0" smtClean="0">
+                <a:sym typeface="+mn-ea"/>
+              </a:rPr>
+              <a:t> Module </a:t>
+            </a:r>
+            <a:r>
+              <a:rPr lang="en-US" sz="2400" dirty="0" err="1" smtClean="0">
+                <a:sym typeface="+mn-ea"/>
+              </a:rPr>
+              <a:t>và</a:t>
+            </a:r>
+            <a:r>
+              <a:rPr lang="en-US" sz="2400" dirty="0" smtClean="0">
+                <a:sym typeface="+mn-ea"/>
+              </a:rPr>
+              <a:t> Injection</a:t>
+            </a:r>
+            <a:endParaRPr lang="en-US" sz="2400" dirty="0" smtClean="0">
+              <a:sym typeface="+mn-ea"/>
+            </a:endParaRPr>
+          </a:p>
+          <a:p>
+            <a:pPr marL="0" indent="0">
+              <a:buNone/>
+            </a:pPr>
+            <a:r>
+              <a:rPr lang="en-US" sz="2400" dirty="0" smtClean="0">
+                <a:sym typeface="+mn-ea"/>
+              </a:rPr>
+              <a:t>3.	@Module Annotation</a:t>
+            </a:r>
+            <a:endParaRPr lang="en-US" sz="2400" dirty="0" smtClean="0"/>
+          </a:p>
+          <a:p>
+            <a:pPr marL="0" indent="0">
+              <a:buNone/>
+            </a:pPr>
+            <a:r>
+              <a:rPr lang="en-US" sz="2400" dirty="0" smtClean="0">
+                <a:sym typeface="+mn-ea"/>
+              </a:rPr>
+              <a:t>	- </a:t>
+            </a:r>
+            <a:r>
+              <a:rPr lang="en-US" sz="2400" dirty="0" err="1">
+                <a:sym typeface="+mn-ea"/>
+              </a:rPr>
+              <a:t>S</a:t>
+            </a:r>
+            <a:r>
+              <a:rPr lang="en-US" sz="2400" dirty="0" err="1" smtClean="0">
+                <a:sym typeface="+mn-ea"/>
+              </a:rPr>
+              <a:t>ử</a:t>
+            </a:r>
+            <a:r>
+              <a:rPr lang="en-US" sz="2400" dirty="0" smtClean="0">
+                <a:sym typeface="+mn-ea"/>
+              </a:rPr>
+              <a:t> </a:t>
+            </a:r>
+            <a:r>
+              <a:rPr lang="en-US" sz="2400" dirty="0" err="1">
+                <a:sym typeface="+mn-ea"/>
+              </a:rPr>
+              <a:t>dụng</a:t>
+            </a:r>
+            <a:r>
+              <a:rPr lang="en-US" sz="2400" dirty="0">
+                <a:sym typeface="+mn-ea"/>
+              </a:rPr>
+              <a:t> </a:t>
+            </a:r>
+            <a:r>
+              <a:rPr lang="en-US" sz="2400" dirty="0" err="1">
+                <a:sym typeface="+mn-ea"/>
+              </a:rPr>
+              <a:t>cho</a:t>
+            </a:r>
+            <a:r>
+              <a:rPr lang="en-US" sz="2400" dirty="0">
+                <a:sym typeface="+mn-ea"/>
+              </a:rPr>
+              <a:t> </a:t>
+            </a:r>
+            <a:r>
+              <a:rPr lang="en-US" sz="2400" dirty="0" err="1">
+                <a:sym typeface="+mn-ea"/>
+              </a:rPr>
+              <a:t>những</a:t>
+            </a:r>
+            <a:r>
+              <a:rPr lang="en-US" sz="2400" dirty="0">
+                <a:sym typeface="+mn-ea"/>
+              </a:rPr>
+              <a:t> class </a:t>
+            </a:r>
+            <a:r>
+              <a:rPr lang="en-US" sz="2400" dirty="0" err="1">
+                <a:sym typeface="+mn-ea"/>
+              </a:rPr>
+              <a:t>cung</a:t>
+            </a:r>
+            <a:r>
+              <a:rPr lang="en-US" sz="2400" dirty="0">
+                <a:sym typeface="+mn-ea"/>
+              </a:rPr>
+              <a:t> </a:t>
+            </a:r>
+            <a:r>
+              <a:rPr lang="en-US" sz="2400" dirty="0" err="1">
+                <a:sym typeface="+mn-ea"/>
+              </a:rPr>
+              <a:t>cấp</a:t>
+            </a:r>
+            <a:r>
+              <a:rPr lang="en-US" sz="2400" dirty="0">
+                <a:sym typeface="+mn-ea"/>
+              </a:rPr>
+              <a:t> </a:t>
+            </a:r>
+            <a:r>
+              <a:rPr lang="en-US" sz="2400" dirty="0" err="1">
+                <a:sym typeface="+mn-ea"/>
+              </a:rPr>
+              <a:t>các</a:t>
+            </a:r>
+            <a:r>
+              <a:rPr lang="en-US" sz="2400" dirty="0">
+                <a:sym typeface="+mn-ea"/>
+              </a:rPr>
+              <a:t> method 	</a:t>
+            </a:r>
+            <a:r>
+              <a:rPr lang="en-US" sz="2400" dirty="0" smtClean="0">
+                <a:sym typeface="+mn-ea"/>
+              </a:rPr>
+              <a:t>dependencies</a:t>
+            </a:r>
+            <a:endParaRPr lang="en-US" sz="2400" dirty="0" smtClean="0"/>
+          </a:p>
+          <a:p>
+            <a:pPr marL="0" indent="0">
+              <a:buNone/>
+            </a:pPr>
+            <a:r>
+              <a:rPr lang="en-US" sz="2400" dirty="0" smtClean="0">
+                <a:sym typeface="+mn-ea"/>
+              </a:rPr>
+              <a:t>4.	@Provides Annotation</a:t>
+            </a:r>
+            <a:endParaRPr lang="en-US" sz="2400" dirty="0" smtClean="0"/>
+          </a:p>
+          <a:p>
+            <a:pPr marL="0" indent="0">
+              <a:buNone/>
+            </a:pPr>
+            <a:r>
+              <a:rPr lang="en-US" sz="2400" dirty="0" smtClean="0">
+                <a:sym typeface="+mn-ea"/>
+              </a:rPr>
+              <a:t>	- </a:t>
+            </a:r>
+            <a:r>
+              <a:rPr lang="en-US" sz="2400" dirty="0" err="1">
+                <a:sym typeface="+mn-ea"/>
+              </a:rPr>
+              <a:t>S</a:t>
+            </a:r>
+            <a:r>
+              <a:rPr lang="en-US" sz="2400" dirty="0" err="1" smtClean="0">
+                <a:sym typeface="+mn-ea"/>
+              </a:rPr>
+              <a:t>ử</a:t>
+            </a:r>
+            <a:r>
+              <a:rPr lang="en-US" sz="2400" dirty="0" smtClean="0">
+                <a:sym typeface="+mn-ea"/>
+              </a:rPr>
+              <a:t> </a:t>
+            </a:r>
+            <a:r>
+              <a:rPr lang="en-US" sz="2400" dirty="0" err="1">
+                <a:sym typeface="+mn-ea"/>
+              </a:rPr>
+              <a:t>dụng</a:t>
+            </a:r>
+            <a:r>
+              <a:rPr lang="en-US" sz="2400" dirty="0">
+                <a:sym typeface="+mn-ea"/>
+              </a:rPr>
+              <a:t> </a:t>
+            </a:r>
+            <a:r>
+              <a:rPr lang="en-US" sz="2400" dirty="0" err="1">
+                <a:sym typeface="+mn-ea"/>
+              </a:rPr>
+              <a:t>cho</a:t>
+            </a:r>
+            <a:r>
+              <a:rPr lang="en-US" sz="2400" dirty="0">
+                <a:sym typeface="+mn-ea"/>
+              </a:rPr>
+              <a:t> methods </a:t>
+            </a:r>
+            <a:r>
+              <a:rPr lang="en-US" sz="2400" dirty="0" err="1">
+                <a:sym typeface="+mn-ea"/>
+              </a:rPr>
+              <a:t>nằm</a:t>
+            </a:r>
+            <a:r>
+              <a:rPr lang="en-US" sz="2400" dirty="0">
+                <a:sym typeface="+mn-ea"/>
+              </a:rPr>
+              <a:t> </a:t>
+            </a:r>
+            <a:r>
+              <a:rPr lang="en-US" sz="2400" dirty="0" err="1">
+                <a:sym typeface="+mn-ea"/>
+              </a:rPr>
+              <a:t>trong</a:t>
+            </a:r>
+            <a:r>
+              <a:rPr lang="en-US" sz="2400" dirty="0">
+                <a:sym typeface="+mn-ea"/>
+              </a:rPr>
+              <a:t> @Module </a:t>
+            </a:r>
+            <a:r>
+              <a:rPr lang="en-US" sz="2400" dirty="0" smtClean="0">
+                <a:sym typeface="+mn-ea"/>
+              </a:rPr>
+              <a:t>class</a:t>
+            </a:r>
+            <a:endParaRPr lang="en-US" sz="2400" dirty="0" smtClean="0"/>
+          </a:p>
+          <a:p>
+            <a:pPr marL="0" indent="0">
+              <a:buNone/>
+            </a:pPr>
+            <a:r>
+              <a:rPr lang="en-US" sz="1600" dirty="0">
+                <a:sym typeface="+mn-ea"/>
+              </a:rPr>
+              <a:t>	</a:t>
+            </a:r>
+            <a:endParaRPr lang="en-US" sz="1600" dirty="0"/>
+          </a:p>
+          <a:p>
+            <a:pPr marL="0" indent="0">
+              <a:buNone/>
+            </a:pPr>
+            <a:endParaRPr lang="en-US" sz="1600" dirty="0" smtClean="0"/>
           </a:p>
           <a:p>
             <a:pPr marL="457200" lvl="1" indent="0">
@@ -13698,98 +14031,20 @@
             </a:pPr>
             <a:endParaRPr lang="en-US" dirty="0" smtClean="0"/>
           </a:p>
+          <a:p>
+            <a:pPr marL="457200" lvl="1" indent="0">
+              <a:buNone/>
+            </a:pPr>
+            <a:endParaRPr lang="en-US" dirty="0" smtClean="0"/>
+          </a:p>
+          <a:p>
+            <a:pPr marL="457200" lvl="1" indent="0">
+              <a:buNone/>
+            </a:pPr>
+            <a:endParaRPr lang="en-US" dirty="0" smtClean="0"/>
+          </a:p>
         </p:txBody>
       </p:sp>
-      <p:pic>
-        <p:nvPicPr>
-          <p:cNvPr id="4" name="Picture 3"/>
-          <p:cNvPicPr>
-            <a:picLocks noChangeAspect="1"/>
-          </p:cNvPicPr>
-          <p:nvPr/>
-        </p:nvPicPr>
-        <p:blipFill>
-          <a:blip r:embed="rId1">
-            <a:extLst>
-              <a:ext uri="{28A0092B-C50C-407E-A947-70E740481C1C}">
-                <a14:useLocalDpi xmlns:a14="http://schemas.microsoft.com/office/drawing/2010/main" val="0"/>
-              </a:ext>
-            </a:extLst>
-          </a:blip>
-          <a:stretch>
-            <a:fillRect/>
-          </a:stretch>
-        </p:blipFill>
-        <p:spPr>
-          <a:xfrm>
-            <a:off x="1195116" y="2319765"/>
-            <a:ext cx="2333951" cy="1082462"/>
-          </a:xfrm>
-          <a:prstGeom prst="rect">
-            <a:avLst/>
-          </a:prstGeom>
-        </p:spPr>
-      </p:pic>
-      <p:pic>
-        <p:nvPicPr>
-          <p:cNvPr id="5" name="Picture 4"/>
-          <p:cNvPicPr>
-            <a:picLocks noChangeAspect="1"/>
-          </p:cNvPicPr>
-          <p:nvPr/>
-        </p:nvPicPr>
-        <p:blipFill>
-          <a:blip r:embed="rId2">
-            <a:extLst>
-              <a:ext uri="{28A0092B-C50C-407E-A947-70E740481C1C}">
-                <a14:useLocalDpi xmlns:a14="http://schemas.microsoft.com/office/drawing/2010/main" val="0"/>
-              </a:ext>
-            </a:extLst>
-          </a:blip>
-          <a:stretch>
-            <a:fillRect/>
-          </a:stretch>
-        </p:blipFill>
-        <p:spPr>
-          <a:xfrm>
-            <a:off x="1195116" y="4143632"/>
-            <a:ext cx="3381847" cy="1513874"/>
-          </a:xfrm>
-          <a:prstGeom prst="rect">
-            <a:avLst/>
-          </a:prstGeom>
-        </p:spPr>
-      </p:pic>
-      <p:pic>
-        <p:nvPicPr>
-          <p:cNvPr id="6" name="Picture 5"/>
-          <p:cNvPicPr>
-            <a:picLocks noChangeAspect="1"/>
-          </p:cNvPicPr>
-          <p:nvPr/>
-        </p:nvPicPr>
-        <p:blipFill>
-          <a:blip r:embed="rId3">
-            <a:extLst>
-              <a:ext uri="{28A0092B-C50C-407E-A947-70E740481C1C}">
-                <a14:useLocalDpi xmlns:a14="http://schemas.microsoft.com/office/drawing/2010/main" val="0"/>
-              </a:ext>
-            </a:extLst>
-          </a:blip>
-          <a:stretch>
-            <a:fillRect/>
-          </a:stretch>
-        </p:blipFill>
-        <p:spPr>
-          <a:xfrm>
-            <a:off x="5315533" y="2272133"/>
-            <a:ext cx="2172003" cy="1130094"/>
-          </a:xfrm>
-          <a:prstGeom prst="rect">
-            <a:avLst/>
-          </a:prstGeom>
-        </p:spPr>
-      </p:pic>
     </p:spTree>
   </p:cSld>
   <p:clrMapOvr>
@@ -13798,267 +14053,7 @@
   <p:timing>
     <p:tnLst>
       <p:par>
-        <p:cTn id="1" dur="indefinite" restart="never" nodeType="tmRoot">
-          <p:childTnLst>
-            <p:seq concurrent="1" nextAc="seek">
-              <p:cTn id="2" dur="indefinite" nodeType="mainSeq">
-                <p:childTnLst>
-                  <p:par>
-                    <p:cTn id="3" fill="hold">
-                      <p:stCondLst>
-                        <p:cond delay="indefinite"/>
-                      </p:stCondLst>
-                      <p:childTnLst>
-                        <p:par>
-                          <p:cTn id="4" fill="hold">
-                            <p:stCondLst>
-                              <p:cond delay="0"/>
-                            </p:stCondLst>
-                            <p:childTnLst>
-                              <p:par>
-                                <p:cTn id="5" presetID="2" presetClass="entr" presetSubtype="4" fill="hold" nodeType="clickEffect">
-                                  <p:stCondLst>
-                                    <p:cond delay="0"/>
-                                  </p:stCondLst>
-                                  <p:childTnLst>
-                                    <p:set>
-                                      <p:cBhvr>
-                                        <p:cTn id="6" dur="1" fill="hold">
-                                          <p:stCondLst>
-                                            <p:cond delay="0"/>
-                                          </p:stCondLst>
-                                        </p:cTn>
-                                        <p:tgtEl>
-                                          <p:spTgt spid="4"/>
-                                        </p:tgtEl>
-                                        <p:attrNameLst>
-                                          <p:attrName>style.visibility</p:attrName>
-                                        </p:attrNameLst>
-                                      </p:cBhvr>
-                                      <p:to>
-                                        <p:strVal val="visible"/>
-                                      </p:to>
-                                    </p:set>
-                                    <p:anim calcmode="lin" valueType="num">
-                                      <p:cBhvr additive="base">
-                                        <p:cTn id="7" dur="500" fill="hold"/>
-                                        <p:tgtEl>
-                                          <p:spTgt spid="4"/>
-                                        </p:tgtEl>
-                                        <p:attrNameLst>
-                                          <p:attrName>ppt_x</p:attrName>
-                                        </p:attrNameLst>
-                                      </p:cBhvr>
-                                      <p:tavLst>
-                                        <p:tav tm="0">
-                                          <p:val>
-                                            <p:strVal val="#ppt_x"/>
-                                          </p:val>
-                                        </p:tav>
-                                        <p:tav tm="100000">
-                                          <p:val>
-                                            <p:strVal val="#ppt_x"/>
-                                          </p:val>
-                                        </p:tav>
-                                      </p:tavLst>
-                                    </p:anim>
-                                    <p:anim calcmode="lin" valueType="num">
-                                      <p:cBhvr additive="base">
-                                        <p:cTn id="8" dur="500" fill="hold"/>
-                                        <p:tgtEl>
-                                          <p:spTgt spid="4"/>
-                                        </p:tgtEl>
-                                        <p:attrNameLst>
-                                          <p:attrName>ppt_y</p:attrName>
-                                        </p:attrNameLst>
-                                      </p:cBhvr>
-                                      <p:tavLst>
-                                        <p:tav tm="0">
-                                          <p:val>
-                                            <p:strVal val="1+#ppt_h/2"/>
-                                          </p:val>
-                                        </p:tav>
-                                        <p:tav tm="100000">
-                                          <p:val>
-                                            <p:strVal val="#ppt_y"/>
-                                          </p:val>
-                                        </p:tav>
-                                      </p:tavLst>
-                                    </p:anim>
-                                  </p:childTnLst>
-                                </p:cTn>
-                              </p:par>
-                              <p:par>
-                                <p:cTn id="9" presetID="2" presetClass="entr" presetSubtype="4" fill="hold" nodeType="withEffect">
-                                  <p:stCondLst>
-                                    <p:cond delay="0"/>
-                                  </p:stCondLst>
-                                  <p:childTnLst>
-                                    <p:set>
-                                      <p:cBhvr>
-                                        <p:cTn id="10" dur="1" fill="hold">
-                                          <p:stCondLst>
-                                            <p:cond delay="0"/>
-                                          </p:stCondLst>
-                                        </p:cTn>
-                                        <p:tgtEl>
-                                          <p:spTgt spid="6"/>
-                                        </p:tgtEl>
-                                        <p:attrNameLst>
-                                          <p:attrName>style.visibility</p:attrName>
-                                        </p:attrNameLst>
-                                      </p:cBhvr>
-                                      <p:to>
-                                        <p:strVal val="visible"/>
-                                      </p:to>
-                                    </p:set>
-                                    <p:anim calcmode="lin" valueType="num">
-                                      <p:cBhvr additive="base">
-                                        <p:cTn id="11" dur="500" fill="hold"/>
-                                        <p:tgtEl>
-                                          <p:spTgt spid="6"/>
-                                        </p:tgtEl>
-                                        <p:attrNameLst>
-                                          <p:attrName>ppt_x</p:attrName>
-                                        </p:attrNameLst>
-                                      </p:cBhvr>
-                                      <p:tavLst>
-                                        <p:tav tm="0">
-                                          <p:val>
-                                            <p:strVal val="#ppt_x"/>
-                                          </p:val>
-                                        </p:tav>
-                                        <p:tav tm="100000">
-                                          <p:val>
-                                            <p:strVal val="#ppt_x"/>
-                                          </p:val>
-                                        </p:tav>
-                                      </p:tavLst>
-                                    </p:anim>
-                                    <p:anim calcmode="lin" valueType="num">
-                                      <p:cBhvr additive="base">
-                                        <p:cTn id="12" dur="500" fill="hold"/>
-                                        <p:tgtEl>
-                                          <p:spTgt spid="6"/>
-                                        </p:tgtEl>
-                                        <p:attrNameLst>
-                                          <p:attrName>ppt_y</p:attrName>
-                                        </p:attrNameLst>
-                                      </p:cBhvr>
-                                      <p:tavLst>
-                                        <p:tav tm="0">
-                                          <p:val>
-                                            <p:strVal val="1+#ppt_h/2"/>
-                                          </p:val>
-                                        </p:tav>
-                                        <p:tav tm="100000">
-                                          <p:val>
-                                            <p:strVal val="#ppt_y"/>
-                                          </p:val>
-                                        </p:tav>
-                                      </p:tavLst>
-                                    </p:anim>
-                                  </p:childTnLst>
-                                </p:cTn>
-                              </p:par>
-                              <p:par>
-                                <p:cTn id="13" presetID="2" presetClass="entr" presetSubtype="4" fill="hold" nodeType="withEffect">
-                                  <p:stCondLst>
-                                    <p:cond delay="0"/>
-                                  </p:stCondLst>
-                                  <p:childTnLst>
-                                    <p:set>
-                                      <p:cBhvr>
-                                        <p:cTn id="14" dur="1" fill="hold">
-                                          <p:stCondLst>
-                                            <p:cond delay="0"/>
-                                          </p:stCondLst>
-                                        </p:cTn>
-                                        <p:tgtEl>
-                                          <p:spTgt spid="5"/>
-                                        </p:tgtEl>
-                                        <p:attrNameLst>
-                                          <p:attrName>style.visibility</p:attrName>
-                                        </p:attrNameLst>
-                                      </p:cBhvr>
-                                      <p:to>
-                                        <p:strVal val="visible"/>
-                                      </p:to>
-                                    </p:set>
-                                    <p:anim calcmode="lin" valueType="num">
-                                      <p:cBhvr additive="base">
-                                        <p:cTn id="15" dur="500" fill="hold"/>
-                                        <p:tgtEl>
-                                          <p:spTgt spid="5"/>
-                                        </p:tgtEl>
-                                        <p:attrNameLst>
-                                          <p:attrName>ppt_x</p:attrName>
-                                        </p:attrNameLst>
-                                      </p:cBhvr>
-                                      <p:tavLst>
-                                        <p:tav tm="0">
-                                          <p:val>
-                                            <p:strVal val="#ppt_x"/>
-                                          </p:val>
-                                        </p:tav>
-                                        <p:tav tm="100000">
-                                          <p:val>
-                                            <p:strVal val="#ppt_x"/>
-                                          </p:val>
-                                        </p:tav>
-                                      </p:tavLst>
-                                    </p:anim>
-                                    <p:anim calcmode="lin" valueType="num">
-                                      <p:cBhvr additive="base">
-                                        <p:cTn id="16" dur="500" fill="hold"/>
-                                        <p:tgtEl>
-                                          <p:spTgt spid="5"/>
-                                        </p:tgtEl>
-                                        <p:attrNameLst>
-                                          <p:attrName>ppt_y</p:attrName>
-                                        </p:attrNameLst>
-                                      </p:cBhvr>
-                                      <p:tavLst>
-                                        <p:tav tm="0">
-                                          <p:val>
-                                            <p:strVal val="1+#ppt_h/2"/>
-                                          </p:val>
-                                        </p:tav>
-                                        <p:tav tm="100000">
-                                          <p:val>
-                                            <p:strVal val="#ppt_y"/>
-                                          </p:val>
-                                        </p:tav>
-                                      </p:tavLst>
-                                    </p:anim>
-                                  </p:childTnLst>
-                                </p:cTn>
-                              </p:par>
-                            </p:childTnLst>
-                          </p:cTn>
-                        </p:par>
-                      </p:childTnLst>
-                    </p:cTn>
-                  </p:par>
-                </p:childTnLst>
-              </p:cTn>
-              <p:prevCondLst>
-                <p:cond evt="onPrev" delay="0">
-                  <p:tgtEl>
-                    <p:sldTgt/>
-                  </p:tgtEl>
-                </p:cond>
-              </p:prevCondLst>
-              <p:nextCondLst>
-                <p:cond evt="onNext" delay="0">
-                  <p:tgtEl>
-                    <p:sldTgt/>
-                  </p:tgtEl>
-                </p:cond>
-              </p:nextCondLst>
-            </p:seq>
-          </p:childTnLst>
-        </p:cTn>
+        <p:cTn id="1" dur="indefinite" restart="never" nodeType="tmRoot"/>
       </p:par>
     </p:tnLst>
   </p:timing>
@@ -14094,290 +14089,43 @@
         </p:nvSpPr>
         <p:spPr>
           <a:xfrm>
-            <a:off x="677334" y="609600"/>
-            <a:ext cx="8596668" cy="667265"/>
+            <a:off x="677334" y="277495"/>
+            <a:ext cx="8596668" cy="691978"/>
           </a:xfrm>
         </p:spPr>
         <p:txBody>
           <a:bodyPr/>
           <a:lstStyle/>
           <a:p>
-            <a:endParaRPr lang="en-US" dirty="0"/>
-          </a:p>
-        </p:txBody>
-      </p:sp>
-      <p:sp>
-        <p:nvSpPr>
-          <p:cNvPr id="3" name="Content Placeholder 2"/>
-          <p:cNvSpPr>
-            <a:spLocks noGrp="1"/>
-          </p:cNvSpPr>
-          <p:nvPr>
-            <p:ph idx="1"/>
-          </p:nvPr>
-        </p:nvSpPr>
-        <p:spPr>
-          <a:xfrm>
-            <a:off x="677334" y="1367481"/>
-            <a:ext cx="8596668" cy="4673881"/>
-          </a:xfrm>
-        </p:spPr>
-        <p:txBody>
-          <a:bodyPr/>
-          <a:lstStyle/>
-          <a:p>
-            <a:pPr marL="0" indent="0">
-              <a:buNone/>
-            </a:pPr>
-            <a:r>
-              <a:rPr lang="en-US" dirty="0" smtClean="0"/>
-              <a:t>2.	@Component Annotation</a:t>
-            </a:r>
-            <a:endParaRPr lang="en-US" dirty="0" smtClean="0"/>
-          </a:p>
-          <a:p>
-            <a:pPr marL="0" indent="0">
-              <a:buNone/>
-            </a:pPr>
-            <a:r>
-              <a:rPr lang="en-US" dirty="0" smtClean="0"/>
-              <a:t>	- </a:t>
-            </a:r>
-            <a:r>
-              <a:rPr lang="en-US" dirty="0" err="1" smtClean="0"/>
-              <a:t>Một</a:t>
-            </a:r>
-            <a:r>
-              <a:rPr lang="en-US" dirty="0" smtClean="0"/>
-              <a:t> interface </a:t>
-            </a:r>
-            <a:r>
-              <a:rPr lang="en-US" dirty="0" err="1" smtClean="0"/>
-              <a:t>là</a:t>
-            </a:r>
-            <a:r>
-              <a:rPr lang="en-US" dirty="0" smtClean="0"/>
-              <a:t> </a:t>
-            </a:r>
-            <a:r>
-              <a:rPr lang="en-US" dirty="0" err="1" smtClean="0"/>
-              <a:t>cầu</a:t>
-            </a:r>
-            <a:r>
-              <a:rPr lang="en-US" dirty="0" smtClean="0"/>
-              <a:t> </a:t>
-            </a:r>
-            <a:r>
-              <a:rPr lang="en-US" dirty="0" err="1" smtClean="0"/>
-              <a:t>nối</a:t>
-            </a:r>
-            <a:r>
-              <a:rPr lang="en-US" dirty="0" smtClean="0"/>
-              <a:t> </a:t>
-            </a:r>
-            <a:r>
-              <a:rPr lang="en-US" dirty="0" err="1" smtClean="0"/>
-              <a:t>giữa</a:t>
-            </a:r>
-            <a:r>
-              <a:rPr lang="en-US" dirty="0" smtClean="0"/>
-              <a:t> Module </a:t>
-            </a:r>
-            <a:r>
-              <a:rPr lang="en-US" dirty="0" err="1" smtClean="0"/>
-              <a:t>và</a:t>
-            </a:r>
-            <a:r>
-              <a:rPr lang="en-US" dirty="0" smtClean="0"/>
-              <a:t> Injection</a:t>
-            </a:r>
-            <a:endParaRPr lang="en-US" dirty="0" smtClean="0"/>
-          </a:p>
-          <a:p>
-            <a:pPr marL="0" indent="0">
-              <a:buNone/>
-            </a:pPr>
-            <a:r>
-              <a:rPr lang="en-US" dirty="0" smtClean="0"/>
-              <a:t>	</a:t>
-            </a:r>
-            <a:endParaRPr lang="en-US" dirty="0" smtClean="0"/>
-          </a:p>
-          <a:p>
-            <a:pPr marL="0" indent="0">
-              <a:buNone/>
-            </a:pPr>
-            <a:endParaRPr lang="en-US" dirty="0"/>
-          </a:p>
-          <a:p>
-            <a:pPr marL="0" indent="0">
-              <a:buNone/>
-            </a:pPr>
-            <a:endParaRPr lang="en-US" dirty="0" smtClean="0"/>
-          </a:p>
-          <a:p>
-            <a:pPr marL="0" indent="0">
-              <a:buNone/>
-            </a:pPr>
-            <a:endParaRPr lang="en-US" dirty="0"/>
-          </a:p>
-          <a:p>
-            <a:pPr marL="0" indent="0">
-              <a:buNone/>
-            </a:pPr>
-            <a:r>
-              <a:rPr lang="en-US" dirty="0" smtClean="0"/>
-              <a:t>	- Interface </a:t>
-            </a:r>
-            <a:r>
-              <a:rPr lang="en-US" dirty="0" err="1" smtClean="0"/>
-              <a:t>này</a:t>
-            </a:r>
-            <a:r>
-              <a:rPr lang="en-US" dirty="0" smtClean="0"/>
-              <a:t> </a:t>
-            </a:r>
-            <a:r>
-              <a:rPr lang="en-US" dirty="0" err="1" smtClean="0"/>
-              <a:t>sẽ</a:t>
-            </a:r>
-            <a:r>
-              <a:rPr lang="en-US" dirty="0" smtClean="0"/>
-              <a:t> </a:t>
-            </a:r>
-            <a:r>
-              <a:rPr lang="en-US" dirty="0" err="1" smtClean="0"/>
-              <a:t>được</a:t>
-            </a:r>
-            <a:r>
-              <a:rPr lang="en-US" dirty="0" smtClean="0"/>
-              <a:t> </a:t>
-            </a:r>
-            <a:r>
-              <a:rPr lang="en-US" dirty="0" err="1" smtClean="0"/>
-              <a:t>hiện</a:t>
-            </a:r>
-            <a:r>
-              <a:rPr lang="en-US" dirty="0" smtClean="0"/>
-              <a:t> </a:t>
-            </a:r>
-            <a:r>
-              <a:rPr lang="en-US" dirty="0" err="1" smtClean="0"/>
-              <a:t>thực</a:t>
-            </a:r>
-            <a:r>
-              <a:rPr lang="en-US" dirty="0" smtClean="0"/>
-              <a:t> </a:t>
-            </a:r>
-            <a:r>
-              <a:rPr lang="en-US" dirty="0" err="1" smtClean="0"/>
-              <a:t>bởi</a:t>
-            </a:r>
-            <a:r>
-              <a:rPr lang="en-US" dirty="0" smtClean="0"/>
-              <a:t> class do Dagger2 </a:t>
-            </a:r>
-            <a:r>
-              <a:rPr lang="en-US" dirty="0" err="1" smtClean="0"/>
-              <a:t>sinh</a:t>
-            </a:r>
-            <a:r>
-              <a:rPr lang="en-US" dirty="0" smtClean="0"/>
-              <a:t> </a:t>
-            </a:r>
-            <a:r>
-              <a:rPr lang="en-US" dirty="0" err="1" smtClean="0"/>
-              <a:t>ra</a:t>
-            </a:r>
-            <a:r>
-              <a:rPr lang="en-US" dirty="0" smtClean="0"/>
-              <a:t> </a:t>
-            </a:r>
-            <a:r>
-              <a:rPr lang="en-US" dirty="0" err="1" smtClean="0"/>
-              <a:t>và</a:t>
-            </a:r>
-            <a:r>
-              <a:rPr lang="en-US" dirty="0" smtClean="0"/>
-              <a:t> </a:t>
-            </a:r>
-            <a:r>
-              <a:rPr lang="en-US" dirty="0" err="1" smtClean="0"/>
-              <a:t>phương</a:t>
-            </a:r>
-            <a:r>
-              <a:rPr lang="en-US" dirty="0" smtClean="0"/>
-              <a:t> </a:t>
-            </a:r>
-            <a:endParaRPr lang="en-US" dirty="0" smtClean="0"/>
-          </a:p>
-          <a:p>
-            <a:pPr marL="0" indent="0">
-              <a:buNone/>
-            </a:pPr>
-            <a:r>
-              <a:rPr lang="en-US" dirty="0"/>
-              <a:t>	</a:t>
-            </a:r>
-            <a:r>
-              <a:rPr lang="en-US" dirty="0" err="1" smtClean="0"/>
-              <a:t>thức</a:t>
-            </a:r>
-            <a:r>
-              <a:rPr lang="en-US" dirty="0" smtClean="0"/>
-              <a:t> </a:t>
-            </a:r>
-            <a:r>
-              <a:rPr lang="en-US" dirty="0" err="1" smtClean="0"/>
-              <a:t>getWar</a:t>
-            </a:r>
-            <a:r>
-              <a:rPr lang="en-US" dirty="0" smtClean="0"/>
-              <a:t>() </a:t>
-            </a:r>
-            <a:r>
-              <a:rPr lang="en-US" dirty="0" err="1" smtClean="0"/>
-              <a:t>sẽ</a:t>
-            </a:r>
-            <a:r>
-              <a:rPr lang="en-US" dirty="0" smtClean="0"/>
-              <a:t> </a:t>
-            </a:r>
-            <a:r>
-              <a:rPr lang="en-US" dirty="0" err="1" smtClean="0"/>
-              <a:t>trả</a:t>
-            </a:r>
-            <a:r>
-              <a:rPr lang="en-US" dirty="0" smtClean="0"/>
-              <a:t> </a:t>
-            </a:r>
-            <a:r>
-              <a:rPr lang="en-US" dirty="0" err="1" smtClean="0"/>
-              <a:t>về</a:t>
-            </a:r>
-            <a:r>
-              <a:rPr lang="en-US" dirty="0" smtClean="0"/>
-              <a:t> </a:t>
-            </a:r>
-            <a:r>
-              <a:rPr lang="en-US" dirty="0" err="1" smtClean="0"/>
-              <a:t>kiểu</a:t>
-            </a:r>
-            <a:r>
-              <a:rPr lang="en-US" dirty="0" smtClean="0"/>
-              <a:t> War.</a:t>
-            </a:r>
-            <a:endParaRPr lang="en-US" dirty="0"/>
+            <a:r>
+              <a:rPr lang="en-US" dirty="0" smtClean="0">
+                <a:solidFill>
+                  <a:schemeClr val="accent2">
+                    <a:lumMod val="50000"/>
+                  </a:schemeClr>
+                </a:solidFill>
+              </a:rPr>
+              <a:t>3. Project Demo</a:t>
+            </a:r>
+            <a:endParaRPr lang="en-US" dirty="0">
+              <a:solidFill>
+                <a:schemeClr val="accent2">
+                  <a:lumMod val="50000"/>
+                </a:schemeClr>
+              </a:solidFill>
+            </a:endParaRPr>
           </a:p>
         </p:txBody>
       </p:sp>
       <p:pic>
         <p:nvPicPr>
-          <p:cNvPr id="4" name="Picture 3"/>
+          <p:cNvPr id="6" name="Content Placeholder 5"/>
           <p:cNvPicPr>
-            <a:picLocks noChangeAspect="1"/>
+            <a:picLocks noGrp="1" noChangeAspect="1"/>
           </p:cNvPicPr>
-          <p:nvPr/>
+          <p:nvPr>
+            <p:ph idx="1"/>
+          </p:nvPr>
         </p:nvPicPr>
         <p:blipFill>
           <a:blip r:embed="rId1">
@@ -14393,12 +14141,9 @@
         </p:blipFill>
         <p:spPr>
           <a:xfrm>
-            <a:off x="1171398" y="2455719"/>
-            <a:ext cx="3515932" cy="1045361"/>
+            <a:off x="677545" y="969010"/>
+            <a:ext cx="6464935" cy="5357495"/>
           </a:xfrm>
-          <a:prstGeom prst="rect">
-            <a:avLst/>
-          </a:prstGeom>
         </p:spPr>
       </p:pic>
     </p:spTree>
@@ -14406,6 +14151,7 @@
   <p:clrMapOvr>
     <a:masterClrMapping/>
   </p:clrMapOvr>
+  <p:transition/>
   <p:timing>
     <p:tnLst>
       <p:par>
@@ -14443,19 +14189,28 @@
             <p:ph type="title"/>
           </p:nvPr>
         </p:nvSpPr>
-        <p:spPr>
-          <a:xfrm>
-            <a:off x="677334" y="609600"/>
-            <a:ext cx="8596668" cy="45719"/>
-          </a:xfrm>
-        </p:spPr>
+        <p:spPr/>
         <p:txBody>
-          <a:bodyPr>
-            <a:normAutofit fontScale="90000"/>
-          </a:bodyPr>
+          <a:bodyPr/>
           <a:lstStyle/>
           <a:p>
-            <a:endParaRPr lang="en-US" dirty="0"/>
+            <a:r>
+              <a:rPr lang="en-US" dirty="0" smtClean="0">
+                <a:solidFill>
+                  <a:schemeClr val="accent2">
+                    <a:lumMod val="50000"/>
+                  </a:schemeClr>
+                </a:solidFill>
+              </a:rPr>
+              <a:t>Dependency Graph</a:t>
+            </a:r>
+            <a:endParaRPr lang="en-US" dirty="0">
+              <a:solidFill>
+                <a:schemeClr val="accent2">
+                  <a:lumMod val="50000"/>
+                </a:schemeClr>
+              </a:solidFill>
+            </a:endParaRPr>
           </a:p>
         </p:txBody>
       </p:sp>
@@ -14483,8 +14238,8 @@
         </p:blipFill>
         <p:spPr>
           <a:xfrm>
-            <a:off x="677334" y="609600"/>
-            <a:ext cx="7338082" cy="5237138"/>
+            <a:off x="677334" y="1839312"/>
+            <a:ext cx="6225974" cy="4421445"/>
           </a:xfrm>
         </p:spPr>
       </p:pic>
@@ -14533,1971 +14288,6 @@
         <p:spPr>
           <a:xfrm>
             <a:off x="677334" y="609600"/>
-            <a:ext cx="8596668" cy="675503"/>
-          </a:xfrm>
-        </p:spPr>
-        <p:txBody>
-          <a:bodyPr/>
-          <a:lstStyle/>
-          <a:p>
-            <a:endParaRPr lang="en-US" dirty="0"/>
-          </a:p>
-        </p:txBody>
-      </p:sp>
-      <p:sp>
-        <p:nvSpPr>
-          <p:cNvPr id="3" name="Content Placeholder 2"/>
-          <p:cNvSpPr>
-            <a:spLocks noGrp="1"/>
-          </p:cNvSpPr>
-          <p:nvPr>
-            <p:ph idx="1"/>
-          </p:nvPr>
-        </p:nvSpPr>
-        <p:spPr>
-          <a:xfrm>
-            <a:off x="677334" y="1367481"/>
-            <a:ext cx="8596668" cy="4673881"/>
-          </a:xfrm>
-        </p:spPr>
-        <p:txBody>
-          <a:bodyPr/>
-          <a:lstStyle/>
-          <a:p>
-            <a:pPr marL="0" indent="0">
-              <a:buNone/>
-            </a:pPr>
-            <a:r>
-              <a:rPr lang="en-US" dirty="0" smtClean="0"/>
-              <a:t>3.	@Module Annotation</a:t>
-            </a:r>
-            <a:endParaRPr lang="en-US" dirty="0" smtClean="0"/>
-          </a:p>
-          <a:p>
-            <a:pPr marL="0" indent="0">
-              <a:buNone/>
-            </a:pPr>
-            <a:r>
-              <a:rPr lang="en-US" dirty="0" smtClean="0"/>
-              <a:t>	- </a:t>
-            </a:r>
-            <a:r>
-              <a:rPr lang="en-US" dirty="0" err="1"/>
-              <a:t>S</a:t>
-            </a:r>
-            <a:r>
-              <a:rPr lang="en-US" dirty="0" err="1" smtClean="0"/>
-              <a:t>ử</a:t>
-            </a:r>
-            <a:r>
-              <a:rPr lang="en-US" dirty="0" smtClean="0"/>
-              <a:t> </a:t>
-            </a:r>
-            <a:r>
-              <a:rPr lang="en-US" dirty="0" err="1"/>
-              <a:t>dụng</a:t>
-            </a:r>
-            <a:r>
-              <a:rPr lang="en-US" dirty="0"/>
-              <a:t> </a:t>
-            </a:r>
-            <a:r>
-              <a:rPr lang="en-US" dirty="0" err="1"/>
-              <a:t>cho</a:t>
-            </a:r>
-            <a:r>
-              <a:rPr lang="en-US" dirty="0"/>
-              <a:t> </a:t>
-            </a:r>
-            <a:r>
-              <a:rPr lang="en-US" dirty="0" err="1"/>
-              <a:t>những</a:t>
-            </a:r>
-            <a:r>
-              <a:rPr lang="en-US" dirty="0"/>
-              <a:t> class </a:t>
-            </a:r>
-            <a:r>
-              <a:rPr lang="en-US" dirty="0" err="1"/>
-              <a:t>cung</a:t>
-            </a:r>
-            <a:r>
-              <a:rPr lang="en-US" dirty="0"/>
-              <a:t> </a:t>
-            </a:r>
-            <a:r>
-              <a:rPr lang="en-US" dirty="0" err="1"/>
-              <a:t>cấp</a:t>
-            </a:r>
-            <a:r>
-              <a:rPr lang="en-US" dirty="0"/>
-              <a:t> </a:t>
-            </a:r>
-            <a:r>
-              <a:rPr lang="en-US" dirty="0" err="1"/>
-              <a:t>các</a:t>
-            </a:r>
-            <a:r>
-              <a:rPr lang="en-US" dirty="0"/>
-              <a:t> method </a:t>
-            </a:r>
-            <a:r>
-              <a:rPr lang="en-US" dirty="0" smtClean="0"/>
-              <a:t>dependencies</a:t>
-            </a:r>
-            <a:endParaRPr lang="en-US" dirty="0" smtClean="0"/>
-          </a:p>
-          <a:p>
-            <a:pPr marL="0" indent="0">
-              <a:buNone/>
-            </a:pPr>
-            <a:r>
-              <a:rPr lang="en-US" dirty="0" smtClean="0"/>
-              <a:t>4.	@Provides Annotation</a:t>
-            </a:r>
-            <a:endParaRPr lang="en-US" dirty="0" smtClean="0"/>
-          </a:p>
-          <a:p>
-            <a:pPr marL="0" indent="0">
-              <a:buNone/>
-            </a:pPr>
-            <a:r>
-              <a:rPr lang="en-US" dirty="0" smtClean="0"/>
-              <a:t>	- </a:t>
-            </a:r>
-            <a:r>
-              <a:rPr lang="en-US" dirty="0" err="1"/>
-              <a:t>S</a:t>
-            </a:r>
-            <a:r>
-              <a:rPr lang="en-US" dirty="0" err="1" smtClean="0"/>
-              <a:t>ử</a:t>
-            </a:r>
-            <a:r>
-              <a:rPr lang="en-US" dirty="0" smtClean="0"/>
-              <a:t> </a:t>
-            </a:r>
-            <a:r>
-              <a:rPr lang="en-US" dirty="0" err="1"/>
-              <a:t>dụng</a:t>
-            </a:r>
-            <a:r>
-              <a:rPr lang="en-US" dirty="0"/>
-              <a:t> </a:t>
-            </a:r>
-            <a:r>
-              <a:rPr lang="en-US" dirty="0" err="1"/>
-              <a:t>cho</a:t>
-            </a:r>
-            <a:r>
-              <a:rPr lang="en-US" dirty="0"/>
-              <a:t> methods </a:t>
-            </a:r>
-            <a:r>
-              <a:rPr lang="en-US" dirty="0" err="1"/>
-              <a:t>nằm</a:t>
-            </a:r>
-            <a:r>
-              <a:rPr lang="en-US" dirty="0"/>
-              <a:t> </a:t>
-            </a:r>
-            <a:r>
-              <a:rPr lang="en-US" dirty="0" err="1"/>
-              <a:t>trong</a:t>
-            </a:r>
-            <a:r>
-              <a:rPr lang="en-US" dirty="0"/>
-              <a:t> @Module </a:t>
-            </a:r>
-            <a:r>
-              <a:rPr lang="en-US" dirty="0" smtClean="0"/>
-              <a:t>class</a:t>
-            </a:r>
-            <a:endParaRPr lang="en-US" dirty="0" smtClean="0"/>
-          </a:p>
-          <a:p>
-            <a:pPr marL="0" indent="0">
-              <a:buNone/>
-            </a:pPr>
-            <a:r>
-              <a:rPr lang="en-US" dirty="0"/>
-              <a:t>	</a:t>
-            </a:r>
-            <a:endParaRPr lang="en-US" dirty="0"/>
-          </a:p>
-        </p:txBody>
-      </p:sp>
-      <p:pic>
-        <p:nvPicPr>
-          <p:cNvPr id="4" name="Picture 3"/>
-          <p:cNvPicPr>
-            <a:picLocks noChangeAspect="1"/>
-          </p:cNvPicPr>
-          <p:nvPr/>
-        </p:nvPicPr>
-        <p:blipFill>
-          <a:blip r:embed="rId1">
-            <a:extLst>
-              <a:ext uri="{28A0092B-C50C-407E-A947-70E740481C1C}">
-                <a14:useLocalDpi xmlns:a14="http://schemas.microsoft.com/office/drawing/2010/main" val="0"/>
-              </a:ext>
-            </a:extLst>
-          </a:blip>
-          <a:stretch>
-            <a:fillRect/>
-          </a:stretch>
-        </p:blipFill>
-        <p:spPr>
-          <a:xfrm>
-            <a:off x="677332" y="3252934"/>
-            <a:ext cx="6792273" cy="1133633"/>
-          </a:xfrm>
-          <a:prstGeom prst="rect">
-            <a:avLst/>
-          </a:prstGeom>
-        </p:spPr>
-      </p:pic>
-      <p:pic>
-        <p:nvPicPr>
-          <p:cNvPr id="5" name="Picture 4"/>
-          <p:cNvPicPr>
-            <a:picLocks noChangeAspect="1"/>
-          </p:cNvPicPr>
-          <p:nvPr/>
-        </p:nvPicPr>
-        <p:blipFill>
-          <a:blip r:embed="rId2">
-            <a:extLst>
-              <a:ext uri="{28A0092B-C50C-407E-A947-70E740481C1C}">
-                <a14:useLocalDpi xmlns:a14="http://schemas.microsoft.com/office/drawing/2010/main" val="0"/>
-              </a:ext>
-            </a:extLst>
-          </a:blip>
-          <a:stretch>
-            <a:fillRect/>
-          </a:stretch>
-        </p:blipFill>
-        <p:spPr>
-          <a:xfrm>
-            <a:off x="677333" y="4917253"/>
-            <a:ext cx="6792273" cy="1124107"/>
-          </a:xfrm>
-          <a:prstGeom prst="rect">
-            <a:avLst/>
-          </a:prstGeom>
-        </p:spPr>
-      </p:pic>
-    </p:spTree>
-  </p:cSld>
-  <p:clrMapOvr>
-    <a:masterClrMapping/>
-  </p:clrMapOvr>
-  <p:timing>
-    <p:tnLst>
-      <p:par>
-        <p:cTn id="1" dur="indefinite" restart="never" nodeType="tmRoot">
-          <p:childTnLst>
-            <p:seq concurrent="1" nextAc="seek">
-              <p:cTn id="2" dur="indefinite" nodeType="mainSeq">
-                <p:childTnLst>
-                  <p:par>
-                    <p:cTn id="3" fill="hold">
-                      <p:stCondLst>
-                        <p:cond delay="indefinite"/>
-                      </p:stCondLst>
-                      <p:childTnLst>
-                        <p:par>
-                          <p:cTn id="4" fill="hold">
-                            <p:stCondLst>
-                              <p:cond delay="0"/>
-                            </p:stCondLst>
-                            <p:childTnLst>
-                              <p:par>
-                                <p:cTn id="5" presetID="2" presetClass="entr" presetSubtype="4" fill="hold" nodeType="clickEffect">
-                                  <p:stCondLst>
-                                    <p:cond delay="0"/>
-                                  </p:stCondLst>
-                                  <p:childTnLst>
-                                    <p:set>
-                                      <p:cBhvr>
-                                        <p:cTn id="6" dur="1" fill="hold">
-                                          <p:stCondLst>
-                                            <p:cond delay="0"/>
-                                          </p:stCondLst>
-                                        </p:cTn>
-                                        <p:tgtEl>
-                                          <p:spTgt spid="3">
-                                            <p:txEl>
-                                              <p:pRg st="0" end="0"/>
-                                            </p:txEl>
-                                          </p:spTgt>
-                                        </p:tgtEl>
-                                        <p:attrNameLst>
-                                          <p:attrName>style.visibility</p:attrName>
-                                        </p:attrNameLst>
-                                      </p:cBhvr>
-                                      <p:to>
-                                        <p:strVal val="visible"/>
-                                      </p:to>
-                                    </p:set>
-                                    <p:anim calcmode="lin" valueType="num">
-                                      <p:cBhvr additive="base">
-                                        <p:cTn id="7" dur="500" fill="hold"/>
-                                        <p:tgtEl>
-                                          <p:spTgt spid="3">
-                                            <p:txEl>
-                                              <p:pRg st="0" end="0"/>
-                                            </p:txEl>
-                                          </p:spTgt>
-                                        </p:tgtEl>
-                                        <p:attrNameLst>
-                                          <p:attrName>ppt_x</p:attrName>
-                                        </p:attrNameLst>
-                                      </p:cBhvr>
-                                      <p:tavLst>
-                                        <p:tav tm="0">
-                                          <p:val>
-                                            <p:strVal val="#ppt_x"/>
-                                          </p:val>
-                                        </p:tav>
-                                        <p:tav tm="100000">
-                                          <p:val>
-                                            <p:strVal val="#ppt_x"/>
-                                          </p:val>
-                                        </p:tav>
-                                      </p:tavLst>
-                                    </p:anim>
-                                    <p:anim calcmode="lin" valueType="num">
-                                      <p:cBhvr additive="base">
-                                        <p:cTn id="8" dur="500" fill="hold"/>
-                                        <p:tgtEl>
-                                          <p:spTgt spid="3">
-                                            <p:txEl>
-                                              <p:pRg st="0" end="0"/>
-                                            </p:txEl>
-                                          </p:spTgt>
-                                        </p:tgtEl>
-                                        <p:attrNameLst>
-                                          <p:attrName>ppt_y</p:attrName>
-                                        </p:attrNameLst>
-                                      </p:cBhvr>
-                                      <p:tavLst>
-                                        <p:tav tm="0">
-                                          <p:val>
-                                            <p:strVal val="1+#ppt_h/2"/>
-                                          </p:val>
-                                        </p:tav>
-                                        <p:tav tm="100000">
-                                          <p:val>
-                                            <p:strVal val="#ppt_y"/>
-                                          </p:val>
-                                        </p:tav>
-                                      </p:tavLst>
-                                    </p:anim>
-                                  </p:childTnLst>
-                                </p:cTn>
-                              </p:par>
-                              <p:par>
-                                <p:cTn id="9" presetID="2" presetClass="entr" presetSubtype="4" fill="hold" nodeType="withEffect">
-                                  <p:stCondLst>
-                                    <p:cond delay="0"/>
-                                  </p:stCondLst>
-                                  <p:childTnLst>
-                                    <p:set>
-                                      <p:cBhvr>
-                                        <p:cTn id="10" dur="1" fill="hold">
-                                          <p:stCondLst>
-                                            <p:cond delay="0"/>
-                                          </p:stCondLst>
-                                        </p:cTn>
-                                        <p:tgtEl>
-                                          <p:spTgt spid="3">
-                                            <p:txEl>
-                                              <p:pRg st="1" end="1"/>
-                                            </p:txEl>
-                                          </p:spTgt>
-                                        </p:tgtEl>
-                                        <p:attrNameLst>
-                                          <p:attrName>style.visibility</p:attrName>
-                                        </p:attrNameLst>
-                                      </p:cBhvr>
-                                      <p:to>
-                                        <p:strVal val="visible"/>
-                                      </p:to>
-                                    </p:set>
-                                    <p:anim calcmode="lin" valueType="num">
-                                      <p:cBhvr additive="base">
-                                        <p:cTn id="11" dur="500" fill="hold"/>
-                                        <p:tgtEl>
-                                          <p:spTgt spid="3">
-                                            <p:txEl>
-                                              <p:pRg st="1" end="1"/>
-                                            </p:txEl>
-                                          </p:spTgt>
-                                        </p:tgtEl>
-                                        <p:attrNameLst>
-                                          <p:attrName>ppt_x</p:attrName>
-                                        </p:attrNameLst>
-                                      </p:cBhvr>
-                                      <p:tavLst>
-                                        <p:tav tm="0">
-                                          <p:val>
-                                            <p:strVal val="#ppt_x"/>
-                                          </p:val>
-                                        </p:tav>
-                                        <p:tav tm="100000">
-                                          <p:val>
-                                            <p:strVal val="#ppt_x"/>
-                                          </p:val>
-                                        </p:tav>
-                                      </p:tavLst>
-                                    </p:anim>
-                                    <p:anim calcmode="lin" valueType="num">
-                                      <p:cBhvr additive="base">
-                                        <p:cTn id="12" dur="500" fill="hold"/>
-                                        <p:tgtEl>
-                                          <p:spTgt spid="3">
-                                            <p:txEl>
-                                              <p:pRg st="1" end="1"/>
-                                            </p:txEl>
-                                          </p:spTgt>
-                                        </p:tgtEl>
-                                        <p:attrNameLst>
-                                          <p:attrName>ppt_y</p:attrName>
-                                        </p:attrNameLst>
-                                      </p:cBhvr>
-                                      <p:tavLst>
-                                        <p:tav tm="0">
-                                          <p:val>
-                                            <p:strVal val="1+#ppt_h/2"/>
-                                          </p:val>
-                                        </p:tav>
-                                        <p:tav tm="100000">
-                                          <p:val>
-                                            <p:strVal val="#ppt_y"/>
-                                          </p:val>
-                                        </p:tav>
-                                      </p:tavLst>
-                                    </p:anim>
-                                  </p:childTnLst>
-                                </p:cTn>
-                              </p:par>
-                            </p:childTnLst>
-                          </p:cTn>
-                        </p:par>
-                      </p:childTnLst>
-                    </p:cTn>
-                  </p:par>
-                  <p:par>
-                    <p:cTn id="13" fill="hold">
-                      <p:stCondLst>
-                        <p:cond delay="indefinite"/>
-                      </p:stCondLst>
-                      <p:childTnLst>
-                        <p:par>
-                          <p:cTn id="14" fill="hold">
-                            <p:stCondLst>
-                              <p:cond delay="0"/>
-                            </p:stCondLst>
-                            <p:childTnLst>
-                              <p:par>
-                                <p:cTn id="15" presetID="2" presetClass="entr" presetSubtype="4" fill="hold" nodeType="clickEffect">
-                                  <p:stCondLst>
-                                    <p:cond delay="0"/>
-                                  </p:stCondLst>
-                                  <p:childTnLst>
-                                    <p:set>
-                                      <p:cBhvr>
-                                        <p:cTn id="16" dur="1" fill="hold">
-                                          <p:stCondLst>
-                                            <p:cond delay="0"/>
-                                          </p:stCondLst>
-                                        </p:cTn>
-                                        <p:tgtEl>
-                                          <p:spTgt spid="3">
-                                            <p:txEl>
-                                              <p:pRg st="2" end="2"/>
-                                            </p:txEl>
-                                          </p:spTgt>
-                                        </p:tgtEl>
-                                        <p:attrNameLst>
-                                          <p:attrName>style.visibility</p:attrName>
-                                        </p:attrNameLst>
-                                      </p:cBhvr>
-                                      <p:to>
-                                        <p:strVal val="visible"/>
-                                      </p:to>
-                                    </p:set>
-                                    <p:anim calcmode="lin" valueType="num">
-                                      <p:cBhvr additive="base">
-                                        <p:cTn id="17" dur="500" fill="hold"/>
-                                        <p:tgtEl>
-                                          <p:spTgt spid="3">
-                                            <p:txEl>
-                                              <p:pRg st="2" end="2"/>
-                                            </p:txEl>
-                                          </p:spTgt>
-                                        </p:tgtEl>
-                                        <p:attrNameLst>
-                                          <p:attrName>ppt_x</p:attrName>
-                                        </p:attrNameLst>
-                                      </p:cBhvr>
-                                      <p:tavLst>
-                                        <p:tav tm="0">
-                                          <p:val>
-                                            <p:strVal val="#ppt_x"/>
-                                          </p:val>
-                                        </p:tav>
-                                        <p:tav tm="100000">
-                                          <p:val>
-                                            <p:strVal val="#ppt_x"/>
-                                          </p:val>
-                                        </p:tav>
-                                      </p:tavLst>
-                                    </p:anim>
-                                    <p:anim calcmode="lin" valueType="num">
-                                      <p:cBhvr additive="base">
-                                        <p:cTn id="18" dur="500" fill="hold"/>
-                                        <p:tgtEl>
-                                          <p:spTgt spid="3">
-                                            <p:txEl>
-                                              <p:pRg st="2" end="2"/>
-                                            </p:txEl>
-                                          </p:spTgt>
-                                        </p:tgtEl>
-                                        <p:attrNameLst>
-                                          <p:attrName>ppt_y</p:attrName>
-                                        </p:attrNameLst>
-                                      </p:cBhvr>
-                                      <p:tavLst>
-                                        <p:tav tm="0">
-                                          <p:val>
-                                            <p:strVal val="1+#ppt_h/2"/>
-                                          </p:val>
-                                        </p:tav>
-                                        <p:tav tm="100000">
-                                          <p:val>
-                                            <p:strVal val="#ppt_y"/>
-                                          </p:val>
-                                        </p:tav>
-                                      </p:tavLst>
-                                    </p:anim>
-                                  </p:childTnLst>
-                                </p:cTn>
-                              </p:par>
-                              <p:par>
-                                <p:cTn id="19" presetID="2" presetClass="entr" presetSubtype="4" fill="hold" nodeType="withEffect">
-                                  <p:stCondLst>
-                                    <p:cond delay="0"/>
-                                  </p:stCondLst>
-                                  <p:childTnLst>
-                                    <p:set>
-                                      <p:cBhvr>
-                                        <p:cTn id="20" dur="1" fill="hold">
-                                          <p:stCondLst>
-                                            <p:cond delay="0"/>
-                                          </p:stCondLst>
-                                        </p:cTn>
-                                        <p:tgtEl>
-                                          <p:spTgt spid="3">
-                                            <p:txEl>
-                                              <p:pRg st="3" end="3"/>
-                                            </p:txEl>
-                                          </p:spTgt>
-                                        </p:tgtEl>
-                                        <p:attrNameLst>
-                                          <p:attrName>style.visibility</p:attrName>
-                                        </p:attrNameLst>
-                                      </p:cBhvr>
-                                      <p:to>
-                                        <p:strVal val="visible"/>
-                                      </p:to>
-                                    </p:set>
-                                    <p:anim calcmode="lin" valueType="num">
-                                      <p:cBhvr additive="base">
-                                        <p:cTn id="21" dur="500" fill="hold"/>
-                                        <p:tgtEl>
-                                          <p:spTgt spid="3">
-                                            <p:txEl>
-                                              <p:pRg st="3" end="3"/>
-                                            </p:txEl>
-                                          </p:spTgt>
-                                        </p:tgtEl>
-                                        <p:attrNameLst>
-                                          <p:attrName>ppt_x</p:attrName>
-                                        </p:attrNameLst>
-                                      </p:cBhvr>
-                                      <p:tavLst>
-                                        <p:tav tm="0">
-                                          <p:val>
-                                            <p:strVal val="#ppt_x"/>
-                                          </p:val>
-                                        </p:tav>
-                                        <p:tav tm="100000">
-                                          <p:val>
-                                            <p:strVal val="#ppt_x"/>
-                                          </p:val>
-                                        </p:tav>
-                                      </p:tavLst>
-                                    </p:anim>
-                                    <p:anim calcmode="lin" valueType="num">
-                                      <p:cBhvr additive="base">
-                                        <p:cTn id="22" dur="500" fill="hold"/>
-                                        <p:tgtEl>
-                                          <p:spTgt spid="3">
-                                            <p:txEl>
-                                              <p:pRg st="3" end="3"/>
-                                            </p:txEl>
-                                          </p:spTgt>
-                                        </p:tgtEl>
-                                        <p:attrNameLst>
-                                          <p:attrName>ppt_y</p:attrName>
-                                        </p:attrNameLst>
-                                      </p:cBhvr>
-                                      <p:tavLst>
-                                        <p:tav tm="0">
-                                          <p:val>
-                                            <p:strVal val="1+#ppt_h/2"/>
-                                          </p:val>
-                                        </p:tav>
-                                        <p:tav tm="100000">
-                                          <p:val>
-                                            <p:strVal val="#ppt_y"/>
-                                          </p:val>
-                                        </p:tav>
-                                      </p:tavLst>
-                                    </p:anim>
-                                  </p:childTnLst>
-                                </p:cTn>
-                              </p:par>
-                            </p:childTnLst>
-                          </p:cTn>
-                        </p:par>
-                      </p:childTnLst>
-                    </p:cTn>
-                  </p:par>
-                  <p:par>
-                    <p:cTn id="23" fill="hold">
-                      <p:stCondLst>
-                        <p:cond delay="indefinite"/>
-                      </p:stCondLst>
-                      <p:childTnLst>
-                        <p:par>
-                          <p:cTn id="24" fill="hold">
-                            <p:stCondLst>
-                              <p:cond delay="0"/>
-                            </p:stCondLst>
-                            <p:childTnLst>
-                              <p:par>
-                                <p:cTn id="25" presetID="2" presetClass="entr" presetSubtype="4" fill="hold" nodeType="clickEffect">
-                                  <p:stCondLst>
-                                    <p:cond delay="0"/>
-                                  </p:stCondLst>
-                                  <p:childTnLst>
-                                    <p:set>
-                                      <p:cBhvr>
-                                        <p:cTn id="26" dur="1" fill="hold">
-                                          <p:stCondLst>
-                                            <p:cond delay="0"/>
-                                          </p:stCondLst>
-                                        </p:cTn>
-                                        <p:tgtEl>
-                                          <p:spTgt spid="4"/>
-                                        </p:tgtEl>
-                                        <p:attrNameLst>
-                                          <p:attrName>style.visibility</p:attrName>
-                                        </p:attrNameLst>
-                                      </p:cBhvr>
-                                      <p:to>
-                                        <p:strVal val="visible"/>
-                                      </p:to>
-                                    </p:set>
-                                    <p:anim calcmode="lin" valueType="num">
-                                      <p:cBhvr additive="base">
-                                        <p:cTn id="27" dur="500" fill="hold"/>
-                                        <p:tgtEl>
-                                          <p:spTgt spid="4"/>
-                                        </p:tgtEl>
-                                        <p:attrNameLst>
-                                          <p:attrName>ppt_x</p:attrName>
-                                        </p:attrNameLst>
-                                      </p:cBhvr>
-                                      <p:tavLst>
-                                        <p:tav tm="0">
-                                          <p:val>
-                                            <p:strVal val="#ppt_x"/>
-                                          </p:val>
-                                        </p:tav>
-                                        <p:tav tm="100000">
-                                          <p:val>
-                                            <p:strVal val="#ppt_x"/>
-                                          </p:val>
-                                        </p:tav>
-                                      </p:tavLst>
-                                    </p:anim>
-                                    <p:anim calcmode="lin" valueType="num">
-                                      <p:cBhvr additive="base">
-                                        <p:cTn id="28" dur="500" fill="hold"/>
-                                        <p:tgtEl>
-                                          <p:spTgt spid="4"/>
-                                        </p:tgtEl>
-                                        <p:attrNameLst>
-                                          <p:attrName>ppt_y</p:attrName>
-                                        </p:attrNameLst>
-                                      </p:cBhvr>
-                                      <p:tavLst>
-                                        <p:tav tm="0">
-                                          <p:val>
-                                            <p:strVal val="1+#ppt_h/2"/>
-                                          </p:val>
-                                        </p:tav>
-                                        <p:tav tm="100000">
-                                          <p:val>
-                                            <p:strVal val="#ppt_y"/>
-                                          </p:val>
-                                        </p:tav>
-                                      </p:tavLst>
-                                    </p:anim>
-                                  </p:childTnLst>
-                                </p:cTn>
-                              </p:par>
-                              <p:par>
-                                <p:cTn id="29" presetID="2" presetClass="entr" presetSubtype="4" fill="hold" nodeType="withEffect">
-                                  <p:stCondLst>
-                                    <p:cond delay="0"/>
-                                  </p:stCondLst>
-                                  <p:childTnLst>
-                                    <p:set>
-                                      <p:cBhvr>
-                                        <p:cTn id="30" dur="1" fill="hold">
-                                          <p:stCondLst>
-                                            <p:cond delay="0"/>
-                                          </p:stCondLst>
-                                        </p:cTn>
-                                        <p:tgtEl>
-                                          <p:spTgt spid="5"/>
-                                        </p:tgtEl>
-                                        <p:attrNameLst>
-                                          <p:attrName>style.visibility</p:attrName>
-                                        </p:attrNameLst>
-                                      </p:cBhvr>
-                                      <p:to>
-                                        <p:strVal val="visible"/>
-                                      </p:to>
-                                    </p:set>
-                                    <p:anim calcmode="lin" valueType="num">
-                                      <p:cBhvr additive="base">
-                                        <p:cTn id="31" dur="500" fill="hold"/>
-                                        <p:tgtEl>
-                                          <p:spTgt spid="5"/>
-                                        </p:tgtEl>
-                                        <p:attrNameLst>
-                                          <p:attrName>ppt_x</p:attrName>
-                                        </p:attrNameLst>
-                                      </p:cBhvr>
-                                      <p:tavLst>
-                                        <p:tav tm="0">
-                                          <p:val>
-                                            <p:strVal val="#ppt_x"/>
-                                          </p:val>
-                                        </p:tav>
-                                        <p:tav tm="100000">
-                                          <p:val>
-                                            <p:strVal val="#ppt_x"/>
-                                          </p:val>
-                                        </p:tav>
-                                      </p:tavLst>
-                                    </p:anim>
-                                    <p:anim calcmode="lin" valueType="num">
-                                      <p:cBhvr additive="base">
-                                        <p:cTn id="32" dur="500" fill="hold"/>
-                                        <p:tgtEl>
-                                          <p:spTgt spid="5"/>
-                                        </p:tgtEl>
-                                        <p:attrNameLst>
-                                          <p:attrName>ppt_y</p:attrName>
-                                        </p:attrNameLst>
-                                      </p:cBhvr>
-                                      <p:tavLst>
-                                        <p:tav tm="0">
-                                          <p:val>
-                                            <p:strVal val="1+#ppt_h/2"/>
-                                          </p:val>
-                                        </p:tav>
-                                        <p:tav tm="100000">
-                                          <p:val>
-                                            <p:strVal val="#ppt_y"/>
-                                          </p:val>
-                                        </p:tav>
-                                      </p:tavLst>
-                                    </p:anim>
-                                  </p:childTnLst>
-                                </p:cTn>
-                              </p:par>
-                            </p:childTnLst>
-                          </p:cTn>
-                        </p:par>
-                      </p:childTnLst>
-                    </p:cTn>
-                  </p:par>
-                </p:childTnLst>
-              </p:cTn>
-              <p:prevCondLst>
-                <p:cond evt="onPrev" delay="0">
-                  <p:tgtEl>
-                    <p:sldTgt/>
-                  </p:tgtEl>
-                </p:cond>
-              </p:prevCondLst>
-              <p:nextCondLst>
-                <p:cond evt="onNext" delay="0">
-                  <p:tgtEl>
-                    <p:sldTgt/>
-                  </p:tgtEl>
-                </p:cond>
-              </p:nextCondLst>
-            </p:seq>
-          </p:childTnLst>
-        </p:cTn>
-      </p:par>
-    </p:tnLst>
-  </p:timing>
-</p:sld>
-</file>
-
-<file path=ppt/slides/slide16.xml><?xml version="1.0" encoding="utf-8"?>
-<p:sld xmlns:a="http://schemas.openxmlformats.org/drawingml/2006/main" xmlns:r="http://schemas.openxmlformats.org/officeDocument/2006/relationships" xmlns:p="http://schemas.openxmlformats.org/presentationml/2006/main">
-  <p:cSld>
-    <p:spTree>
-      <p:nvGrpSpPr>
-        <p:cNvPr id="1" name=""/>
-        <p:cNvGrpSpPr/>
-        <p:nvPr/>
-      </p:nvGrpSpPr>
-      <p:grpSpPr>
-        <a:xfrm>
-          <a:off x="0" y="0"/>
-          <a:ext cx="0" cy="0"/>
-          <a:chOff x="0" y="0"/>
-          <a:chExt cx="0" cy="0"/>
-        </a:xfrm>
-      </p:grpSpPr>
-      <p:sp>
-        <p:nvSpPr>
-          <p:cNvPr id="2" name="Title 1"/>
-          <p:cNvSpPr>
-            <a:spLocks noGrp="1"/>
-          </p:cNvSpPr>
-          <p:nvPr>
-            <p:ph type="title"/>
-          </p:nvPr>
-        </p:nvSpPr>
-        <p:spPr>
-          <a:xfrm>
-            <a:off x="677334" y="609600"/>
-            <a:ext cx="8596668" cy="650789"/>
-          </a:xfrm>
-        </p:spPr>
-        <p:txBody>
-          <a:bodyPr/>
-          <a:lstStyle/>
-          <a:p>
-            <a:endParaRPr lang="en-US" dirty="0"/>
-          </a:p>
-        </p:txBody>
-      </p:sp>
-      <p:pic>
-        <p:nvPicPr>
-          <p:cNvPr id="4" name="Content Placeholder 3"/>
-          <p:cNvPicPr>
-            <a:picLocks noGrp="1" noChangeAspect="1"/>
-          </p:cNvPicPr>
-          <p:nvPr>
-            <p:ph idx="1"/>
-          </p:nvPr>
-        </p:nvPicPr>
-        <p:blipFill>
-          <a:blip r:embed="rId1">
-            <a:extLst>
-              <a:ext uri="{28A0092B-C50C-407E-A947-70E740481C1C}">
-                <a14:useLocalDpi xmlns:a14="http://schemas.microsoft.com/office/drawing/2010/main" val="0"/>
-              </a:ext>
-            </a:extLst>
-          </a:blip>
-          <a:stretch>
-            <a:fillRect/>
-          </a:stretch>
-        </p:blipFill>
-        <p:spPr>
-          <a:xfrm>
-            <a:off x="677334" y="609600"/>
-            <a:ext cx="6843812" cy="5074508"/>
-          </a:xfrm>
-        </p:spPr>
-      </p:pic>
-    </p:spTree>
-  </p:cSld>
-  <p:clrMapOvr>
-    <a:masterClrMapping/>
-  </p:clrMapOvr>
-  <p:timing>
-    <p:tnLst>
-      <p:par>
-        <p:cTn id="1" dur="indefinite" restart="never" nodeType="tmRoot"/>
-      </p:par>
-    </p:tnLst>
-  </p:timing>
-</p:sld>
-</file>
-
-<file path=ppt/slides/slide17.xml><?xml version="1.0" encoding="utf-8"?>
-<p:sld xmlns:a="http://schemas.openxmlformats.org/drawingml/2006/main" xmlns:r="http://schemas.openxmlformats.org/officeDocument/2006/relationships" xmlns:p="http://schemas.openxmlformats.org/presentationml/2006/main">
-  <p:cSld>
-    <p:spTree>
-      <p:nvGrpSpPr>
-        <p:cNvPr id="1" name=""/>
-        <p:cNvGrpSpPr/>
-        <p:nvPr/>
-      </p:nvGrpSpPr>
-      <p:grpSpPr>
-        <a:xfrm>
-          <a:off x="0" y="0"/>
-          <a:ext cx="0" cy="0"/>
-          <a:chOff x="0" y="0"/>
-          <a:chExt cx="0" cy="0"/>
-        </a:xfrm>
-      </p:grpSpPr>
-      <p:sp>
-        <p:nvSpPr>
-          <p:cNvPr id="2" name="Title 1"/>
-          <p:cNvSpPr>
-            <a:spLocks noGrp="1"/>
-          </p:cNvSpPr>
-          <p:nvPr>
-            <p:ph type="title"/>
-          </p:nvPr>
-        </p:nvSpPr>
-        <p:spPr>
-          <a:xfrm>
-            <a:off x="677334" y="609601"/>
-            <a:ext cx="8596668" cy="700216"/>
-          </a:xfrm>
-        </p:spPr>
-        <p:txBody>
-          <a:bodyPr/>
-          <a:lstStyle/>
-          <a:p>
-            <a:endParaRPr lang="en-US" dirty="0"/>
-          </a:p>
-        </p:txBody>
-      </p:sp>
-      <p:pic>
-        <p:nvPicPr>
-          <p:cNvPr id="4" name="Content Placeholder 3"/>
-          <p:cNvPicPr>
-            <a:picLocks noGrp="1" noChangeAspect="1"/>
-          </p:cNvPicPr>
-          <p:nvPr>
-            <p:ph idx="1"/>
-          </p:nvPr>
-        </p:nvPicPr>
-        <p:blipFill>
-          <a:blip r:embed="rId1">
-            <a:extLst>
-              <a:ext uri="{28A0092B-C50C-407E-A947-70E740481C1C}">
-                <a14:useLocalDpi xmlns:a14="http://schemas.microsoft.com/office/drawing/2010/main" val="0"/>
-              </a:ext>
-            </a:extLst>
-          </a:blip>
-          <a:stretch>
-            <a:fillRect/>
-          </a:stretch>
-        </p:blipFill>
-        <p:spPr>
-          <a:xfrm>
-            <a:off x="677334" y="1309817"/>
-            <a:ext cx="8384288" cy="4893275"/>
-          </a:xfrm>
-        </p:spPr>
-      </p:pic>
-    </p:spTree>
-  </p:cSld>
-  <p:clrMapOvr>
-    <a:masterClrMapping/>
-  </p:clrMapOvr>
-  <p:timing>
-    <p:tnLst>
-      <p:par>
-        <p:cTn id="1" dur="indefinite" restart="never" nodeType="tmRoot"/>
-      </p:par>
-    </p:tnLst>
-  </p:timing>
-</p:sld>
-</file>
-
-<file path=ppt/slides/slide18.xml><?xml version="1.0" encoding="utf-8"?>
-<p:sld xmlns:a="http://schemas.openxmlformats.org/drawingml/2006/main" xmlns:r="http://schemas.openxmlformats.org/officeDocument/2006/relationships" xmlns:p="http://schemas.openxmlformats.org/presentationml/2006/main">
-  <p:cSld>
-    <p:spTree>
-      <p:nvGrpSpPr>
-        <p:cNvPr id="1" name=""/>
-        <p:cNvGrpSpPr/>
-        <p:nvPr/>
-      </p:nvGrpSpPr>
-      <p:grpSpPr>
-        <a:xfrm>
-          <a:off x="0" y="0"/>
-          <a:ext cx="0" cy="0"/>
-          <a:chOff x="0" y="0"/>
-          <a:chExt cx="0" cy="0"/>
-        </a:xfrm>
-      </p:grpSpPr>
-      <p:sp>
-        <p:nvSpPr>
-          <p:cNvPr id="2" name="Title 1"/>
-          <p:cNvSpPr>
-            <a:spLocks noGrp="1"/>
-          </p:cNvSpPr>
-          <p:nvPr>
-            <p:ph type="title"/>
-          </p:nvPr>
-        </p:nvSpPr>
-        <p:spPr>
-          <a:xfrm>
-            <a:off x="677334" y="277495"/>
-            <a:ext cx="8596668" cy="691978"/>
-          </a:xfrm>
-        </p:spPr>
-        <p:txBody>
-          <a:bodyPr/>
-          <a:lstStyle/>
-          <a:p>
-            <a:r>
-              <a:rPr lang="en-US" dirty="0" smtClean="0">
-                <a:solidFill>
-                  <a:schemeClr val="accent2">
-                    <a:lumMod val="50000"/>
-                  </a:schemeClr>
-                </a:solidFill>
-              </a:rPr>
-              <a:t>3. Project Demo</a:t>
-            </a:r>
-            <a:endParaRPr lang="en-US" dirty="0">
-              <a:solidFill>
-                <a:schemeClr val="accent2">
-                  <a:lumMod val="50000"/>
-                </a:schemeClr>
-              </a:solidFill>
-            </a:endParaRPr>
-          </a:p>
-        </p:txBody>
-      </p:sp>
-      <p:pic>
-        <p:nvPicPr>
-          <p:cNvPr id="6" name="Content Placeholder 5"/>
-          <p:cNvPicPr>
-            <a:picLocks noGrp="1" noChangeAspect="1"/>
-          </p:cNvPicPr>
-          <p:nvPr>
-            <p:ph idx="1"/>
-          </p:nvPr>
-        </p:nvPicPr>
-        <p:blipFill>
-          <a:blip r:embed="rId1">
-            <a:extLst>
-              <a:ext uri="{28A0092B-C50C-407E-A947-70E740481C1C}">
-                <a14:useLocalDpi xmlns:a14="http://schemas.microsoft.com/office/drawing/2010/main" val="0"/>
-              </a:ext>
-            </a:extLst>
-          </a:blip>
-          <a:stretch>
-            <a:fillRect/>
-          </a:stretch>
-        </p:blipFill>
-        <p:spPr>
-          <a:xfrm>
-            <a:off x="677545" y="969010"/>
-            <a:ext cx="6464935" cy="5357495"/>
-          </a:xfrm>
-        </p:spPr>
-      </p:pic>
-    </p:spTree>
-  </p:cSld>
-  <p:clrMapOvr>
-    <a:masterClrMapping/>
-  </p:clrMapOvr>
-  <p:timing>
-    <p:tnLst>
-      <p:par>
-        <p:cTn id="1" dur="indefinite" restart="never" nodeType="tmRoot"/>
-      </p:par>
-    </p:tnLst>
-  </p:timing>
-</p:sld>
-</file>
-
-<file path=ppt/slides/slide19.xml><?xml version="1.0" encoding="utf-8"?>
-<p:sld xmlns:a="http://schemas.openxmlformats.org/drawingml/2006/main" xmlns:r="http://schemas.openxmlformats.org/officeDocument/2006/relationships" xmlns:p="http://schemas.openxmlformats.org/presentationml/2006/main">
-  <p:cSld>
-    <p:spTree>
-      <p:nvGrpSpPr>
-        <p:cNvPr id="1" name=""/>
-        <p:cNvGrpSpPr/>
-        <p:nvPr/>
-      </p:nvGrpSpPr>
-      <p:grpSpPr>
-        <a:xfrm>
-          <a:off x="0" y="0"/>
-          <a:ext cx="0" cy="0"/>
-          <a:chOff x="0" y="0"/>
-          <a:chExt cx="0" cy="0"/>
-        </a:xfrm>
-      </p:grpSpPr>
-      <p:sp>
-        <p:nvSpPr>
-          <p:cNvPr id="2" name="Title 1"/>
-          <p:cNvSpPr>
-            <a:spLocks noGrp="1"/>
-          </p:cNvSpPr>
-          <p:nvPr>
-            <p:ph type="title"/>
-          </p:nvPr>
-        </p:nvSpPr>
-        <p:spPr/>
-        <p:txBody>
-          <a:bodyPr/>
-          <a:lstStyle/>
-          <a:p>
-            <a:r>
-              <a:rPr lang="en-US" dirty="0" smtClean="0">
-                <a:solidFill>
-                  <a:schemeClr val="accent2">
-                    <a:lumMod val="50000"/>
-                  </a:schemeClr>
-                </a:solidFill>
-              </a:rPr>
-              <a:t>Dependency Graph</a:t>
-            </a:r>
-            <a:endParaRPr lang="en-US" dirty="0">
-              <a:solidFill>
-                <a:schemeClr val="accent2">
-                  <a:lumMod val="50000"/>
-                </a:schemeClr>
-              </a:solidFill>
-            </a:endParaRPr>
-          </a:p>
-        </p:txBody>
-      </p:sp>
-      <p:pic>
-        <p:nvPicPr>
-          <p:cNvPr id="4" name="Content Placeholder 3"/>
-          <p:cNvPicPr>
-            <a:picLocks noGrp="1" noChangeAspect="1"/>
-          </p:cNvPicPr>
-          <p:nvPr>
-            <p:ph idx="1"/>
-          </p:nvPr>
-        </p:nvPicPr>
-        <p:blipFill>
-          <a:blip r:embed="rId1">
-            <a:extLst>
-              <a:ext uri="{28A0092B-C50C-407E-A947-70E740481C1C}">
-                <a14:useLocalDpi xmlns:a14="http://schemas.microsoft.com/office/drawing/2010/main" val="0"/>
-              </a:ext>
-            </a:extLst>
-          </a:blip>
-          <a:stretch>
-            <a:fillRect/>
-          </a:stretch>
-        </p:blipFill>
-        <p:spPr>
-          <a:xfrm>
-            <a:off x="677334" y="1839312"/>
-            <a:ext cx="6225974" cy="4421445"/>
-          </a:xfrm>
-        </p:spPr>
-      </p:pic>
-    </p:spTree>
-  </p:cSld>
-  <p:clrMapOvr>
-    <a:masterClrMapping/>
-  </p:clrMapOvr>
-  <p:timing>
-    <p:tnLst>
-      <p:par>
-        <p:cTn id="1" dur="indefinite" restart="never" nodeType="tmRoot"/>
-      </p:par>
-    </p:tnLst>
-  </p:timing>
-</p:sld>
-</file>
-
-<file path=ppt/slides/slide2.xml><?xml version="1.0" encoding="utf-8"?>
-<p:sld xmlns:a="http://schemas.openxmlformats.org/drawingml/2006/main" xmlns:r="http://schemas.openxmlformats.org/officeDocument/2006/relationships" xmlns:p="http://schemas.openxmlformats.org/presentationml/2006/main">
-  <p:cSld>
-    <p:spTree>
-      <p:nvGrpSpPr>
-        <p:cNvPr id="1" name=""/>
-        <p:cNvGrpSpPr/>
-        <p:nvPr/>
-      </p:nvGrpSpPr>
-      <p:grpSpPr>
-        <a:xfrm>
-          <a:off x="0" y="0"/>
-          <a:ext cx="0" cy="0"/>
-          <a:chOff x="0" y="0"/>
-          <a:chExt cx="0" cy="0"/>
-        </a:xfrm>
-      </p:grpSpPr>
-      <p:sp>
-        <p:nvSpPr>
-          <p:cNvPr id="2" name="Title 1"/>
-          <p:cNvSpPr>
-            <a:spLocks noGrp="1"/>
-          </p:cNvSpPr>
-          <p:nvPr>
-            <p:ph type="title"/>
-          </p:nvPr>
-        </p:nvSpPr>
-        <p:spPr/>
-        <p:txBody>
-          <a:bodyPr>
-            <a:normAutofit/>
-          </a:bodyPr>
-          <a:lstStyle/>
-          <a:p>
-            <a:r>
-              <a:rPr lang="en-US" dirty="0" smtClean="0">
-                <a:solidFill>
-                  <a:schemeClr val="accent2">
-                    <a:lumMod val="50000"/>
-                  </a:schemeClr>
-                </a:solidFill>
-              </a:rPr>
-              <a:t>1. </a:t>
-            </a:r>
-            <a:r>
-              <a:rPr lang="en-US" dirty="0" err="1" smtClean="0">
-                <a:solidFill>
-                  <a:schemeClr val="accent2">
-                    <a:lumMod val="50000"/>
-                  </a:schemeClr>
-                </a:solidFill>
-              </a:rPr>
-              <a:t>Giới</a:t>
-            </a:r>
-            <a:r>
-              <a:rPr lang="en-US" dirty="0" smtClean="0">
-                <a:solidFill>
-                  <a:schemeClr val="accent2">
-                    <a:lumMod val="50000"/>
-                  </a:schemeClr>
-                </a:solidFill>
-              </a:rPr>
-              <a:t> </a:t>
-            </a:r>
-            <a:r>
-              <a:rPr lang="en-US" dirty="0" err="1" smtClean="0">
-                <a:solidFill>
-                  <a:schemeClr val="accent2">
-                    <a:lumMod val="50000"/>
-                  </a:schemeClr>
-                </a:solidFill>
-              </a:rPr>
-              <a:t>thiệu</a:t>
-            </a:r>
-            <a:r>
-              <a:rPr lang="en-US" dirty="0" smtClean="0">
-                <a:solidFill>
-                  <a:schemeClr val="accent2">
-                    <a:lumMod val="50000"/>
-                  </a:schemeClr>
-                </a:solidFill>
-              </a:rPr>
-              <a:t> </a:t>
-            </a:r>
-            <a:r>
-              <a:rPr lang="en-US" dirty="0" err="1" smtClean="0">
-                <a:solidFill>
-                  <a:schemeClr val="accent2">
-                    <a:lumMod val="50000"/>
-                  </a:schemeClr>
-                </a:solidFill>
-              </a:rPr>
-              <a:t>về</a:t>
-            </a:r>
-            <a:r>
-              <a:rPr lang="en-US" dirty="0" smtClean="0">
-                <a:solidFill>
-                  <a:schemeClr val="accent2">
-                    <a:lumMod val="50000"/>
-                  </a:schemeClr>
-                </a:solidFill>
-              </a:rPr>
-              <a:t> </a:t>
-            </a:r>
-            <a:r>
-              <a:rPr lang="en-US" dirty="0" err="1" smtClean="0">
-                <a:solidFill>
-                  <a:schemeClr val="accent2">
-                    <a:lumMod val="50000"/>
-                  </a:schemeClr>
-                </a:solidFill>
-              </a:rPr>
-              <a:t>sự</a:t>
-            </a:r>
-            <a:r>
-              <a:rPr lang="en-US" dirty="0" smtClean="0">
-                <a:solidFill>
-                  <a:schemeClr val="accent2">
-                    <a:lumMod val="50000"/>
-                  </a:schemeClr>
-                </a:solidFill>
-              </a:rPr>
-              <a:t> </a:t>
-            </a:r>
-            <a:r>
-              <a:rPr lang="en-US" dirty="0" err="1" smtClean="0">
-                <a:solidFill>
-                  <a:schemeClr val="accent2">
-                    <a:lumMod val="50000"/>
-                  </a:schemeClr>
-                </a:solidFill>
-              </a:rPr>
-              <a:t>phụ</a:t>
-            </a:r>
-            <a:r>
-              <a:rPr lang="en-US" dirty="0" smtClean="0">
-                <a:solidFill>
-                  <a:schemeClr val="accent2">
-                    <a:lumMod val="50000"/>
-                  </a:schemeClr>
-                </a:solidFill>
-              </a:rPr>
-              <a:t> </a:t>
-            </a:r>
-            <a:r>
-              <a:rPr lang="en-US" dirty="0" err="1" smtClean="0">
-                <a:solidFill>
-                  <a:schemeClr val="accent2">
-                    <a:lumMod val="50000"/>
-                  </a:schemeClr>
-                </a:solidFill>
-              </a:rPr>
-              <a:t>thuộc</a:t>
-            </a:r>
-            <a:r>
-              <a:rPr lang="en-US" dirty="0" smtClean="0">
-                <a:solidFill>
-                  <a:schemeClr val="accent2">
-                    <a:lumMod val="50000"/>
-                  </a:schemeClr>
-                </a:solidFill>
-              </a:rPr>
-              <a:t> (Dependency) </a:t>
-            </a:r>
-            <a:r>
-              <a:rPr lang="en-US" dirty="0" err="1" smtClean="0">
-                <a:solidFill>
-                  <a:schemeClr val="accent2">
-                    <a:lumMod val="50000"/>
-                  </a:schemeClr>
-                </a:solidFill>
-              </a:rPr>
-              <a:t>và</a:t>
-            </a:r>
-            <a:r>
-              <a:rPr lang="en-US" dirty="0" smtClean="0">
-                <a:solidFill>
-                  <a:schemeClr val="accent2">
-                    <a:lumMod val="50000"/>
-                  </a:schemeClr>
-                </a:solidFill>
-              </a:rPr>
-              <a:t> Dependency Injection</a:t>
-            </a:r>
-            <a:endParaRPr lang="en-US" dirty="0">
-              <a:solidFill>
-                <a:schemeClr val="accent2">
-                  <a:lumMod val="50000"/>
-                </a:schemeClr>
-              </a:solidFill>
-            </a:endParaRPr>
-          </a:p>
-        </p:txBody>
-      </p:sp>
-      <p:sp>
-        <p:nvSpPr>
-          <p:cNvPr id="3" name="Content Placeholder 2"/>
-          <p:cNvSpPr>
-            <a:spLocks noGrp="1"/>
-          </p:cNvSpPr>
-          <p:nvPr>
-            <p:ph idx="1"/>
-          </p:nvPr>
-        </p:nvSpPr>
-        <p:spPr/>
-        <p:txBody>
-          <a:bodyPr/>
-          <a:lstStyle/>
-          <a:p>
-            <a:r>
-              <a:rPr lang="vi-VN" dirty="0" smtClean="0"/>
-              <a:t>Trong java, 1 lớp được coi là phụ thuộc vào lớp khác nếu nó sử dụng 1 thể hiện của lớp này.</a:t>
-            </a:r>
-            <a:endParaRPr lang="vi-VN" dirty="0" smtClean="0"/>
-          </a:p>
-          <a:p>
-            <a:r>
-              <a:rPr lang="en-US" dirty="0" err="1" smtClean="0"/>
-              <a:t>Ví</a:t>
-            </a:r>
-            <a:r>
-              <a:rPr lang="en-US" dirty="0" smtClean="0"/>
-              <a:t> </a:t>
-            </a:r>
-            <a:r>
-              <a:rPr lang="en-US" dirty="0" err="1" smtClean="0"/>
-              <a:t>dụ</a:t>
-            </a:r>
-            <a:r>
-              <a:rPr lang="en-US" dirty="0" smtClean="0"/>
-              <a:t>:</a:t>
-            </a:r>
-            <a:endParaRPr lang="en-US" dirty="0" smtClean="0"/>
-          </a:p>
-          <a:p>
-            <a:endParaRPr lang="en-US" dirty="0" smtClean="0"/>
-          </a:p>
-        </p:txBody>
-      </p:sp>
-      <p:sp>
-        <p:nvSpPr>
-          <p:cNvPr id="4" name="Rectangle 1"/>
-          <p:cNvSpPr>
-            <a:spLocks noChangeArrowheads="1"/>
-          </p:cNvSpPr>
-          <p:nvPr/>
-        </p:nvSpPr>
-        <p:spPr bwMode="auto">
-          <a:xfrm>
-            <a:off x="0" y="0"/>
-            <a:ext cx="4445000" cy="0"/>
-          </a:xfrm>
-          <a:prstGeom prst="rect">
-            <a:avLst/>
-          </a:prstGeom>
-          <a:solidFill>
-            <a:srgbClr val="FFFFFF"/>
-          </a:solidFill>
-          <a:ln>
-            <a:noFill/>
-          </a:ln>
-          <a:effectLst/>
-          <a:extLst>
-            <a:ext uri="{91240B29-F687-4F45-9708-019B960494DF}">
-              <a14:hiddenLine xmlns:a14="http://schemas.microsoft.com/office/drawing/2010/main" w="9525">
-                <a:solidFill>
-                  <a:schemeClr val="tx1"/>
-                </a:solidFill>
-                <a:miter lim="800000"/>
-                <a:headEnd/>
-                <a:tailEnd/>
-              </a14:hiddenLine>
-            </a:ext>
-            <a:ext uri="{AF507438-7753-43E0-B8FC-AC1667EBCBE1}">
-              <a14:hiddenEffects xmlns:a14="http://schemas.microsoft.com/office/drawing/2010/main">
-                <a:effectLst>
-                  <a:outerShdw dist="35921" dir="2700000" algn="ctr" rotWithShape="0">
-                    <a:schemeClr val="bg2"/>
-                  </a:outerShdw>
-                </a:effectLst>
-              </a14:hiddenEffects>
-            </a:ext>
-          </a:extLst>
-        </p:spPr>
-        <p:txBody>
-          <a:bodyPr vert="horz" wrap="none" lIns="91440" tIns="45720" rIns="91440" bIns="45720" numCol="1" anchor="ctr" anchorCtr="0" compatLnSpc="1">
-            <a:spAutoFit/>
-          </a:bodyPr>
-          <a:lstStyle/>
-          <a:p>
-            <a:pPr marL="0" marR="0" lvl="0" indent="0" algn="l" defTabSz="914400" rtl="0" eaLnBrk="0" fontAlgn="base" latinLnBrk="0" hangingPunct="0">
-              <a:lnSpc>
-                <a:spcPct val="100000"/>
-              </a:lnSpc>
-              <a:spcBef>
-                <a:spcPct val="0"/>
-              </a:spcBef>
-              <a:spcAft>
-                <a:spcPct val="0"/>
-              </a:spcAft>
-              <a:buClrTx/>
-              <a:buSzTx/>
-              <a:buFontTx/>
-              <a:buNone/>
-            </a:pPr>
-            <a:br>
-              <a:rPr kumimoji="0" lang="en-US" altLang="en-US" sz="1500" b="0" i="0" u="none" strike="noStrike" cap="none" normalizeH="0" baseline="0" smtClean="0">
-                <a:ln>
-                  <a:noFill/>
-                </a:ln>
-                <a:solidFill>
-                  <a:schemeClr val="tx1"/>
-                </a:solidFill>
-                <a:effectLst/>
-                <a:latin typeface="medium-content-sans-serif-font"/>
-              </a:rPr>
-            </a:br>
-            <a:endParaRPr kumimoji="0" lang="en-US" altLang="en-US" sz="800" b="0" i="0" u="none" strike="noStrike" cap="none" normalizeH="0" baseline="0" smtClean="0">
-              <a:ln>
-                <a:noFill/>
-              </a:ln>
-              <a:solidFill>
-                <a:schemeClr val="tx1"/>
-              </a:solidFill>
-              <a:effectLst/>
-            </a:endParaRPr>
-          </a:p>
-          <a:p>
-            <a:pPr marL="0" marR="0" lvl="0" indent="0" algn="l" defTabSz="914400" rtl="0" eaLnBrk="0" fontAlgn="base" latinLnBrk="0" hangingPunct="0">
-              <a:lnSpc>
-                <a:spcPct val="100000"/>
-              </a:lnSpc>
-              <a:spcBef>
-                <a:spcPct val="0"/>
-              </a:spcBef>
-              <a:spcAft>
-                <a:spcPct val="0"/>
-              </a:spcAft>
-              <a:buClrTx/>
-              <a:buSzTx/>
-              <a:buFontTx/>
-              <a:buNone/>
-            </a:pPr>
-            <a:br>
-              <a:rPr kumimoji="0" lang="en-US" altLang="en-US" sz="1800" b="0" i="0" u="none" strike="noStrike" cap="none" normalizeH="0" baseline="0" smtClean="0">
-                <a:ln>
-                  <a:noFill/>
-                </a:ln>
-                <a:solidFill>
-                  <a:schemeClr val="tx1"/>
-                </a:solidFill>
-                <a:effectLst/>
-                <a:latin typeface="Arial" panose="020B0604020202020204" pitchFamily="34" charset="0"/>
-              </a:rPr>
-            </a:br>
-            <a:endParaRPr kumimoji="0" lang="en-US" altLang="en-US" sz="1800" b="0" i="0" u="none" strike="noStrike" cap="none" normalizeH="0" baseline="0" smtClean="0">
-              <a:ln>
-                <a:noFill/>
-              </a:ln>
-              <a:solidFill>
-                <a:schemeClr val="tx1"/>
-              </a:solidFill>
-              <a:effectLst/>
-              <a:latin typeface="Arial" panose="020B0604020202020204" pitchFamily="34" charset="0"/>
-            </a:endParaRPr>
-          </a:p>
-        </p:txBody>
-      </p:sp>
-      <p:pic>
-        <p:nvPicPr>
-          <p:cNvPr id="7" name="Picture 6"/>
-          <p:cNvPicPr>
-            <a:picLocks noChangeAspect="1"/>
-          </p:cNvPicPr>
-          <p:nvPr/>
-        </p:nvPicPr>
-        <p:blipFill>
-          <a:blip r:embed="rId1">
-            <a:extLst>
-              <a:ext uri="{28A0092B-C50C-407E-A947-70E740481C1C}">
-                <a14:useLocalDpi xmlns:a14="http://schemas.microsoft.com/office/drawing/2010/main" val="0"/>
-              </a:ext>
-            </a:extLst>
-          </a:blip>
-          <a:stretch>
-            <a:fillRect/>
-          </a:stretch>
-        </p:blipFill>
-        <p:spPr>
-          <a:xfrm>
-            <a:off x="1077442" y="3451791"/>
-            <a:ext cx="8031675" cy="2067560"/>
-          </a:xfrm>
-          <a:prstGeom prst="rect">
-            <a:avLst/>
-          </a:prstGeom>
-        </p:spPr>
-      </p:pic>
-    </p:spTree>
-  </p:cSld>
-  <p:clrMapOvr>
-    <a:masterClrMapping/>
-  </p:clrMapOvr>
-  <p:timing>
-    <p:tnLst>
-      <p:par>
-        <p:cTn id="1" dur="indefinite" restart="never" nodeType="tmRoot">
-          <p:childTnLst>
-            <p:seq concurrent="1" nextAc="seek">
-              <p:cTn id="2" dur="indefinite" nodeType="mainSeq">
-                <p:childTnLst>
-                  <p:par>
-                    <p:cTn id="3" fill="hold">
-                      <p:stCondLst>
-                        <p:cond delay="indefinite"/>
-                      </p:stCondLst>
-                      <p:childTnLst>
-                        <p:par>
-                          <p:cTn id="4" fill="hold">
-                            <p:stCondLst>
-                              <p:cond delay="0"/>
-                            </p:stCondLst>
-                            <p:childTnLst>
-                              <p:par>
-                                <p:cTn id="5" presetID="2" presetClass="entr" presetSubtype="4" fill="hold" grpId="0" nodeType="clickEffect">
-                                  <p:stCondLst>
-                                    <p:cond delay="0"/>
-                                  </p:stCondLst>
-                                  <p:childTnLst>
-                                    <p:set>
-                                      <p:cBhvr>
-                                        <p:cTn id="6" dur="1" fill="hold">
-                                          <p:stCondLst>
-                                            <p:cond delay="0"/>
-                                          </p:stCondLst>
-                                        </p:cTn>
-                                        <p:tgtEl>
-                                          <p:spTgt spid="3">
-                                            <p:txEl>
-                                              <p:pRg st="0" end="0"/>
-                                            </p:txEl>
-                                          </p:spTgt>
-                                        </p:tgtEl>
-                                        <p:attrNameLst>
-                                          <p:attrName>style.visibility</p:attrName>
-                                        </p:attrNameLst>
-                                      </p:cBhvr>
-                                      <p:to>
-                                        <p:strVal val="visible"/>
-                                      </p:to>
-                                    </p:set>
-                                    <p:anim calcmode="lin" valueType="num">
-                                      <p:cBhvr additive="base">
-                                        <p:cTn id="7" dur="500" fill="hold"/>
-                                        <p:tgtEl>
-                                          <p:spTgt spid="3">
-                                            <p:txEl>
-                                              <p:pRg st="0" end="0"/>
-                                            </p:txEl>
-                                          </p:spTgt>
-                                        </p:tgtEl>
-                                        <p:attrNameLst>
-                                          <p:attrName>ppt_x</p:attrName>
-                                        </p:attrNameLst>
-                                      </p:cBhvr>
-                                      <p:tavLst>
-                                        <p:tav tm="0">
-                                          <p:val>
-                                            <p:strVal val="#ppt_x"/>
-                                          </p:val>
-                                        </p:tav>
-                                        <p:tav tm="100000">
-                                          <p:val>
-                                            <p:strVal val="#ppt_x"/>
-                                          </p:val>
-                                        </p:tav>
-                                      </p:tavLst>
-                                    </p:anim>
-                                    <p:anim calcmode="lin" valueType="num">
-                                      <p:cBhvr additive="base">
-                                        <p:cTn id="8" dur="500" fill="hold"/>
-                                        <p:tgtEl>
-                                          <p:spTgt spid="3">
-                                            <p:txEl>
-                                              <p:pRg st="0" end="0"/>
-                                            </p:txEl>
-                                          </p:spTgt>
-                                        </p:tgtEl>
-                                        <p:attrNameLst>
-                                          <p:attrName>ppt_y</p:attrName>
-                                        </p:attrNameLst>
-                                      </p:cBhvr>
-                                      <p:tavLst>
-                                        <p:tav tm="0">
-                                          <p:val>
-                                            <p:strVal val="1+#ppt_h/2"/>
-                                          </p:val>
-                                        </p:tav>
-                                        <p:tav tm="100000">
-                                          <p:val>
-                                            <p:strVal val="#ppt_y"/>
-                                          </p:val>
-                                        </p:tav>
-                                      </p:tavLst>
-                                    </p:anim>
-                                  </p:childTnLst>
-                                </p:cTn>
-                              </p:par>
-                            </p:childTnLst>
-                          </p:cTn>
-                        </p:par>
-                      </p:childTnLst>
-                    </p:cTn>
-                  </p:par>
-                  <p:par>
-                    <p:cTn id="9" fill="hold">
-                      <p:stCondLst>
-                        <p:cond delay="indefinite"/>
-                      </p:stCondLst>
-                      <p:childTnLst>
-                        <p:par>
-                          <p:cTn id="10" fill="hold">
-                            <p:stCondLst>
-                              <p:cond delay="0"/>
-                            </p:stCondLst>
-                            <p:childTnLst>
-                              <p:par>
-                                <p:cTn id="11" presetID="2" presetClass="entr" presetSubtype="4" fill="hold" grpId="0" nodeType="clickEffect">
-                                  <p:stCondLst>
-                                    <p:cond delay="0"/>
-                                  </p:stCondLst>
-                                  <p:childTnLst>
-                                    <p:set>
-                                      <p:cBhvr>
-                                        <p:cTn id="12" dur="1" fill="hold">
-                                          <p:stCondLst>
-                                            <p:cond delay="0"/>
-                                          </p:stCondLst>
-                                        </p:cTn>
-                                        <p:tgtEl>
-                                          <p:spTgt spid="3">
-                                            <p:txEl>
-                                              <p:pRg st="1" end="1"/>
-                                            </p:txEl>
-                                          </p:spTgt>
-                                        </p:tgtEl>
-                                        <p:attrNameLst>
-                                          <p:attrName>style.visibility</p:attrName>
-                                        </p:attrNameLst>
-                                      </p:cBhvr>
-                                      <p:to>
-                                        <p:strVal val="visible"/>
-                                      </p:to>
-                                    </p:set>
-                                    <p:anim calcmode="lin" valueType="num">
-                                      <p:cBhvr additive="base">
-                                        <p:cTn id="13" dur="500" fill="hold"/>
-                                        <p:tgtEl>
-                                          <p:spTgt spid="3">
-                                            <p:txEl>
-                                              <p:pRg st="1" end="1"/>
-                                            </p:txEl>
-                                          </p:spTgt>
-                                        </p:tgtEl>
-                                        <p:attrNameLst>
-                                          <p:attrName>ppt_x</p:attrName>
-                                        </p:attrNameLst>
-                                      </p:cBhvr>
-                                      <p:tavLst>
-                                        <p:tav tm="0">
-                                          <p:val>
-                                            <p:strVal val="#ppt_x"/>
-                                          </p:val>
-                                        </p:tav>
-                                        <p:tav tm="100000">
-                                          <p:val>
-                                            <p:strVal val="#ppt_x"/>
-                                          </p:val>
-                                        </p:tav>
-                                      </p:tavLst>
-                                    </p:anim>
-                                    <p:anim calcmode="lin" valueType="num">
-                                      <p:cBhvr additive="base">
-                                        <p:cTn id="14" dur="500" fill="hold"/>
-                                        <p:tgtEl>
-                                          <p:spTgt spid="3">
-                                            <p:txEl>
-                                              <p:pRg st="1" end="1"/>
-                                            </p:txEl>
-                                          </p:spTgt>
-                                        </p:tgtEl>
-                                        <p:attrNameLst>
-                                          <p:attrName>ppt_y</p:attrName>
-                                        </p:attrNameLst>
-                                      </p:cBhvr>
-                                      <p:tavLst>
-                                        <p:tav tm="0">
-                                          <p:val>
-                                            <p:strVal val="1+#ppt_h/2"/>
-                                          </p:val>
-                                        </p:tav>
-                                        <p:tav tm="100000">
-                                          <p:val>
-                                            <p:strVal val="#ppt_y"/>
-                                          </p:val>
-                                        </p:tav>
-                                      </p:tavLst>
-                                    </p:anim>
-                                  </p:childTnLst>
-                                </p:cTn>
-                              </p:par>
-                            </p:childTnLst>
-                          </p:cTn>
-                        </p:par>
-                      </p:childTnLst>
-                    </p:cTn>
-                  </p:par>
-                  <p:par>
-                    <p:cTn id="15" fill="hold">
-                      <p:stCondLst>
-                        <p:cond delay="indefinite"/>
-                      </p:stCondLst>
-                      <p:childTnLst>
-                        <p:par>
-                          <p:cTn id="16" fill="hold">
-                            <p:stCondLst>
-                              <p:cond delay="0"/>
-                            </p:stCondLst>
-                            <p:childTnLst>
-                              <p:par>
-                                <p:cTn id="17" presetID="2" presetClass="entr" presetSubtype="4" fill="hold" nodeType="clickEffect">
-                                  <p:stCondLst>
-                                    <p:cond delay="0"/>
-                                  </p:stCondLst>
-                                  <p:childTnLst>
-                                    <p:set>
-                                      <p:cBhvr>
-                                        <p:cTn id="18" dur="1" fill="hold">
-                                          <p:stCondLst>
-                                            <p:cond delay="0"/>
-                                          </p:stCondLst>
-                                        </p:cTn>
-                                        <p:tgtEl>
-                                          <p:spTgt spid="7"/>
-                                        </p:tgtEl>
-                                        <p:attrNameLst>
-                                          <p:attrName>style.visibility</p:attrName>
-                                        </p:attrNameLst>
-                                      </p:cBhvr>
-                                      <p:to>
-                                        <p:strVal val="visible"/>
-                                      </p:to>
-                                    </p:set>
-                                    <p:anim calcmode="lin" valueType="num">
-                                      <p:cBhvr additive="base">
-                                        <p:cTn id="19" dur="500" fill="hold"/>
-                                        <p:tgtEl>
-                                          <p:spTgt spid="7"/>
-                                        </p:tgtEl>
-                                        <p:attrNameLst>
-                                          <p:attrName>ppt_x</p:attrName>
-                                        </p:attrNameLst>
-                                      </p:cBhvr>
-                                      <p:tavLst>
-                                        <p:tav tm="0">
-                                          <p:val>
-                                            <p:strVal val="#ppt_x"/>
-                                          </p:val>
-                                        </p:tav>
-                                        <p:tav tm="100000">
-                                          <p:val>
-                                            <p:strVal val="#ppt_x"/>
-                                          </p:val>
-                                        </p:tav>
-                                      </p:tavLst>
-                                    </p:anim>
-                                    <p:anim calcmode="lin" valueType="num">
-                                      <p:cBhvr additive="base">
-                                        <p:cTn id="20" dur="500" fill="hold"/>
-                                        <p:tgtEl>
-                                          <p:spTgt spid="7"/>
-                                        </p:tgtEl>
-                                        <p:attrNameLst>
-                                          <p:attrName>ppt_y</p:attrName>
-                                        </p:attrNameLst>
-                                      </p:cBhvr>
-                                      <p:tavLst>
-                                        <p:tav tm="0">
-                                          <p:val>
-                                            <p:strVal val="1+#ppt_h/2"/>
-                                          </p:val>
-                                        </p:tav>
-                                        <p:tav tm="100000">
-                                          <p:val>
-                                            <p:strVal val="#ppt_y"/>
-                                          </p:val>
-                                        </p:tav>
-                                      </p:tavLst>
-                                    </p:anim>
-                                  </p:childTnLst>
-                                </p:cTn>
-                              </p:par>
-                            </p:childTnLst>
-                          </p:cTn>
-                        </p:par>
-                      </p:childTnLst>
-                    </p:cTn>
-                  </p:par>
-                </p:childTnLst>
-              </p:cTn>
-              <p:prevCondLst>
-                <p:cond evt="onPrev" delay="0">
-                  <p:tgtEl>
-                    <p:sldTgt/>
-                  </p:tgtEl>
-                </p:cond>
-              </p:prevCondLst>
-              <p:nextCondLst>
-                <p:cond evt="onNext" delay="0">
-                  <p:tgtEl>
-                    <p:sldTgt/>
-                  </p:tgtEl>
-                </p:cond>
-              </p:nextCondLst>
-            </p:seq>
-          </p:childTnLst>
-        </p:cTn>
-      </p:par>
-    </p:tnLst>
-    <p:bldLst>
-      <p:bldP spid="3" grpId="0" build="p"/>
-    </p:bldLst>
-  </p:timing>
-</p:sld>
-</file>
-
-<file path=ppt/slides/slide20.xml><?xml version="1.0" encoding="utf-8"?>
-<p:sld xmlns:a="http://schemas.openxmlformats.org/drawingml/2006/main" xmlns:r="http://schemas.openxmlformats.org/officeDocument/2006/relationships" xmlns:p="http://schemas.openxmlformats.org/presentationml/2006/main">
-  <p:cSld>
-    <p:spTree>
-      <p:nvGrpSpPr>
-        <p:cNvPr id="1" name=""/>
-        <p:cNvGrpSpPr/>
-        <p:nvPr/>
-      </p:nvGrpSpPr>
-      <p:grpSpPr>
-        <a:xfrm>
-          <a:off x="0" y="0"/>
-          <a:ext cx="0" cy="0"/>
-          <a:chOff x="0" y="0"/>
-          <a:chExt cx="0" cy="0"/>
-        </a:xfrm>
-      </p:grpSpPr>
-      <p:sp>
-        <p:nvSpPr>
-          <p:cNvPr id="2" name="Title 1"/>
-          <p:cNvSpPr>
-            <a:spLocks noGrp="1"/>
-          </p:cNvSpPr>
-          <p:nvPr>
-            <p:ph type="title"/>
-          </p:nvPr>
-        </p:nvSpPr>
-        <p:spPr>
-          <a:xfrm>
-            <a:off x="677334" y="609600"/>
             <a:ext cx="8596668" cy="626076"/>
           </a:xfrm>
         </p:spPr>
@@ -16507,7 +14297,23 @@
           </a:bodyPr>
           <a:lstStyle/>
           <a:p>
-            <a:endParaRPr lang="en-US" dirty="0"/>
+            <a:r>
+              <a:rPr lang="en-US" dirty="0">
+                <a:solidFill>
+                  <a:schemeClr val="tx2">
+                    <a:lumMod val="50000"/>
+                  </a:schemeClr>
+                </a:solidFill>
+              </a:rPr>
+              <a:t>Xử lý DI với Dagger 2</a:t>
+            </a:r>
+            <a:endParaRPr lang="en-US" dirty="0">
+              <a:solidFill>
+                <a:schemeClr val="tx2">
+                  <a:lumMod val="50000"/>
+                </a:schemeClr>
+              </a:solidFill>
+            </a:endParaRPr>
           </a:p>
         </p:txBody>
       </p:sp>
@@ -16681,7 +14487,7 @@
 </p:sld>
 </file>
 
-<file path=ppt/slides/slide21.xml><?xml version="1.0" encoding="utf-8"?>
+<file path=ppt/slides/slide16.xml><?xml version="1.0" encoding="utf-8"?>
 <p:sld xmlns:a="http://schemas.openxmlformats.org/drawingml/2006/main" xmlns:r="http://schemas.openxmlformats.org/officeDocument/2006/relationships" xmlns:p="http://schemas.openxmlformats.org/presentationml/2006/main">
   <p:cSld>
     <p:spTree>
@@ -16810,7 +14616,7 @@
 </p:sld>
 </file>
 
-<file path=ppt/slides/slide22.xml><?xml version="1.0" encoding="utf-8"?>
+<file path=ppt/slides/slide17.xml><?xml version="1.0" encoding="utf-8"?>
 <p:sld xmlns:a="http://schemas.openxmlformats.org/drawingml/2006/main" xmlns:r="http://schemas.openxmlformats.org/officeDocument/2006/relationships" xmlns:p="http://schemas.openxmlformats.org/presentationml/2006/main">
   <p:cSld>
     <p:spTree>
@@ -16920,7 +14726,7 @@
 </p:sld>
 </file>
 
-<file path=ppt/slides/slide23.xml><?xml version="1.0" encoding="utf-8"?>
+<file path=ppt/slides/slide18.xml><?xml version="1.0" encoding="utf-8"?>
 <p:sld xmlns:a="http://schemas.openxmlformats.org/drawingml/2006/main" xmlns:r="http://schemas.openxmlformats.org/officeDocument/2006/relationships" xmlns:p="http://schemas.openxmlformats.org/presentationml/2006/main">
   <p:cSld>
     <p:spTree>
@@ -17030,7 +14836,7 @@
 </p:sld>
 </file>
 
-<file path=ppt/slides/slide24.xml><?xml version="1.0" encoding="utf-8"?>
+<file path=ppt/slides/slide19.xml><?xml version="1.0" encoding="utf-8"?>
 <p:sld xmlns:a="http://schemas.openxmlformats.org/drawingml/2006/main" xmlns:r="http://schemas.openxmlformats.org/officeDocument/2006/relationships" xmlns:p="http://schemas.openxmlformats.org/presentationml/2006/main">
   <p:cSld>
     <p:spTree>
@@ -18328,7 +16134,743 @@
 </p:sld>
 </file>
 
-<file path=ppt/slides/slide25.xml><?xml version="1.0" encoding="utf-8"?>
+<file path=ppt/slides/slide2.xml><?xml version="1.0" encoding="utf-8"?>
+<p:sld xmlns:a="http://schemas.openxmlformats.org/drawingml/2006/main" xmlns:r="http://schemas.openxmlformats.org/officeDocument/2006/relationships" xmlns:p="http://schemas.openxmlformats.org/presentationml/2006/main">
+  <p:cSld>
+    <p:spTree>
+      <p:nvGrpSpPr>
+        <p:cNvPr id="1" name=""/>
+        <p:cNvGrpSpPr/>
+        <p:nvPr/>
+      </p:nvGrpSpPr>
+      <p:grpSpPr>
+        <a:xfrm>
+          <a:off x="0" y="0"/>
+          <a:ext cx="0" cy="0"/>
+          <a:chOff x="0" y="0"/>
+          <a:chExt cx="0" cy="0"/>
+        </a:xfrm>
+      </p:grpSpPr>
+      <p:sp>
+        <p:nvSpPr>
+          <p:cNvPr id="2" name="Title 1"/>
+          <p:cNvSpPr>
+            <a:spLocks noGrp="1"/>
+          </p:cNvSpPr>
+          <p:nvPr>
+            <p:ph type="title"/>
+          </p:nvPr>
+        </p:nvSpPr>
+        <p:spPr/>
+        <p:txBody>
+          <a:bodyPr>
+            <a:normAutofit/>
+          </a:bodyPr>
+          <a:lstStyle/>
+          <a:p>
+            <a:r>
+              <a:rPr lang="en-US" dirty="0" smtClean="0">
+                <a:solidFill>
+                  <a:schemeClr val="accent2">
+                    <a:lumMod val="50000"/>
+                  </a:schemeClr>
+                </a:solidFill>
+              </a:rPr>
+              <a:t>1. </a:t>
+            </a:r>
+            <a:r>
+              <a:rPr lang="en-US" dirty="0" err="1" smtClean="0">
+                <a:solidFill>
+                  <a:schemeClr val="accent2">
+                    <a:lumMod val="50000"/>
+                  </a:schemeClr>
+                </a:solidFill>
+              </a:rPr>
+              <a:t>Giới</a:t>
+            </a:r>
+            <a:r>
+              <a:rPr lang="en-US" dirty="0" smtClean="0">
+                <a:solidFill>
+                  <a:schemeClr val="accent2">
+                    <a:lumMod val="50000"/>
+                  </a:schemeClr>
+                </a:solidFill>
+              </a:rPr>
+              <a:t> </a:t>
+            </a:r>
+            <a:r>
+              <a:rPr lang="en-US" dirty="0" err="1" smtClean="0">
+                <a:solidFill>
+                  <a:schemeClr val="accent2">
+                    <a:lumMod val="50000"/>
+                  </a:schemeClr>
+                </a:solidFill>
+              </a:rPr>
+              <a:t>thiệu</a:t>
+            </a:r>
+            <a:r>
+              <a:rPr lang="en-US" dirty="0" smtClean="0">
+                <a:solidFill>
+                  <a:schemeClr val="accent2">
+                    <a:lumMod val="50000"/>
+                  </a:schemeClr>
+                </a:solidFill>
+              </a:rPr>
+              <a:t> </a:t>
+            </a:r>
+            <a:r>
+              <a:rPr lang="en-US" dirty="0" err="1" smtClean="0">
+                <a:solidFill>
+                  <a:schemeClr val="accent2">
+                    <a:lumMod val="50000"/>
+                  </a:schemeClr>
+                </a:solidFill>
+              </a:rPr>
+              <a:t>về</a:t>
+            </a:r>
+            <a:r>
+              <a:rPr lang="en-US" dirty="0" smtClean="0">
+                <a:solidFill>
+                  <a:schemeClr val="accent2">
+                    <a:lumMod val="50000"/>
+                  </a:schemeClr>
+                </a:solidFill>
+              </a:rPr>
+              <a:t> </a:t>
+            </a:r>
+            <a:r>
+              <a:rPr lang="en-US" dirty="0" err="1" smtClean="0">
+                <a:solidFill>
+                  <a:schemeClr val="accent2">
+                    <a:lumMod val="50000"/>
+                  </a:schemeClr>
+                </a:solidFill>
+              </a:rPr>
+              <a:t>sự</a:t>
+            </a:r>
+            <a:r>
+              <a:rPr lang="en-US" dirty="0" smtClean="0">
+                <a:solidFill>
+                  <a:schemeClr val="accent2">
+                    <a:lumMod val="50000"/>
+                  </a:schemeClr>
+                </a:solidFill>
+              </a:rPr>
+              <a:t> </a:t>
+            </a:r>
+            <a:r>
+              <a:rPr lang="en-US" dirty="0" err="1" smtClean="0">
+                <a:solidFill>
+                  <a:schemeClr val="accent2">
+                    <a:lumMod val="50000"/>
+                  </a:schemeClr>
+                </a:solidFill>
+              </a:rPr>
+              <a:t>phụ</a:t>
+            </a:r>
+            <a:r>
+              <a:rPr lang="en-US" dirty="0" smtClean="0">
+                <a:solidFill>
+                  <a:schemeClr val="accent2">
+                    <a:lumMod val="50000"/>
+                  </a:schemeClr>
+                </a:solidFill>
+              </a:rPr>
+              <a:t> </a:t>
+            </a:r>
+            <a:r>
+              <a:rPr lang="en-US" dirty="0" err="1" smtClean="0">
+                <a:solidFill>
+                  <a:schemeClr val="accent2">
+                    <a:lumMod val="50000"/>
+                  </a:schemeClr>
+                </a:solidFill>
+              </a:rPr>
+              <a:t>thuộc</a:t>
+            </a:r>
+            <a:r>
+              <a:rPr lang="en-US" dirty="0" smtClean="0">
+                <a:solidFill>
+                  <a:schemeClr val="accent2">
+                    <a:lumMod val="50000"/>
+                  </a:schemeClr>
+                </a:solidFill>
+              </a:rPr>
+              <a:t> (Dependency) </a:t>
+            </a:r>
+            <a:r>
+              <a:rPr lang="en-US" dirty="0" err="1" smtClean="0">
+                <a:solidFill>
+                  <a:schemeClr val="accent2">
+                    <a:lumMod val="50000"/>
+                  </a:schemeClr>
+                </a:solidFill>
+              </a:rPr>
+              <a:t>và</a:t>
+            </a:r>
+            <a:r>
+              <a:rPr lang="en-US" dirty="0" smtClean="0">
+                <a:solidFill>
+                  <a:schemeClr val="accent2">
+                    <a:lumMod val="50000"/>
+                  </a:schemeClr>
+                </a:solidFill>
+              </a:rPr>
+              <a:t> Dependency Injection</a:t>
+            </a:r>
+            <a:endParaRPr lang="en-US" dirty="0">
+              <a:solidFill>
+                <a:schemeClr val="accent2">
+                  <a:lumMod val="50000"/>
+                </a:schemeClr>
+              </a:solidFill>
+            </a:endParaRPr>
+          </a:p>
+        </p:txBody>
+      </p:sp>
+      <p:sp>
+        <p:nvSpPr>
+          <p:cNvPr id="3" name="Content Placeholder 2"/>
+          <p:cNvSpPr>
+            <a:spLocks noGrp="1"/>
+          </p:cNvSpPr>
+          <p:nvPr>
+            <p:ph idx="1"/>
+          </p:nvPr>
+        </p:nvSpPr>
+        <p:spPr/>
+        <p:txBody>
+          <a:bodyPr/>
+          <a:lstStyle/>
+          <a:p>
+            <a:r>
+              <a:rPr lang="vi-VN" dirty="0" smtClean="0"/>
+              <a:t>Trong java, 1 lớp được coi là phụ thuộc vào lớp khác nếu nó sử dụng 1 thể hiện của lớp này.</a:t>
+            </a:r>
+            <a:endParaRPr lang="vi-VN" dirty="0" smtClean="0"/>
+          </a:p>
+          <a:p>
+            <a:r>
+              <a:rPr lang="en-US" dirty="0" err="1" smtClean="0"/>
+              <a:t>Ví</a:t>
+            </a:r>
+            <a:r>
+              <a:rPr lang="en-US" dirty="0" smtClean="0"/>
+              <a:t> </a:t>
+            </a:r>
+            <a:r>
+              <a:rPr lang="en-US" dirty="0" err="1" smtClean="0"/>
+              <a:t>dụ</a:t>
+            </a:r>
+            <a:r>
+              <a:rPr lang="en-US" dirty="0" smtClean="0"/>
+              <a:t>:</a:t>
+            </a:r>
+            <a:endParaRPr lang="en-US" dirty="0" smtClean="0"/>
+          </a:p>
+          <a:p>
+            <a:endParaRPr lang="en-US" dirty="0" smtClean="0"/>
+          </a:p>
+        </p:txBody>
+      </p:sp>
+      <p:sp>
+        <p:nvSpPr>
+          <p:cNvPr id="4" name="Rectangle 1"/>
+          <p:cNvSpPr>
+            <a:spLocks noChangeArrowheads="1"/>
+          </p:cNvSpPr>
+          <p:nvPr/>
+        </p:nvSpPr>
+        <p:spPr bwMode="auto">
+          <a:xfrm>
+            <a:off x="0" y="0"/>
+            <a:ext cx="4445000" cy="0"/>
+          </a:xfrm>
+          <a:prstGeom prst="rect">
+            <a:avLst/>
+          </a:prstGeom>
+          <a:solidFill>
+            <a:srgbClr val="FFFFFF"/>
+          </a:solidFill>
+          <a:ln>
+            <a:noFill/>
+          </a:ln>
+          <a:effectLst/>
+          <a:extLst>
+            <a:ext uri="{91240B29-F687-4F45-9708-019B960494DF}">
+              <a14:hiddenLine xmlns:a14="http://schemas.microsoft.com/office/drawing/2010/main" w="9525">
+                <a:solidFill>
+                  <a:schemeClr val="tx1"/>
+                </a:solidFill>
+                <a:miter lim="800000"/>
+                <a:headEnd/>
+                <a:tailEnd/>
+              </a14:hiddenLine>
+            </a:ext>
+            <a:ext uri="{AF507438-7753-43E0-B8FC-AC1667EBCBE1}">
+              <a14:hiddenEffects xmlns:a14="http://schemas.microsoft.com/office/drawing/2010/main">
+                <a:effectLst>
+                  <a:outerShdw dist="35921" dir="2700000" algn="ctr" rotWithShape="0">
+                    <a:schemeClr val="bg2"/>
+                  </a:outerShdw>
+                </a:effectLst>
+              </a14:hiddenEffects>
+            </a:ext>
+          </a:extLst>
+        </p:spPr>
+        <p:txBody>
+          <a:bodyPr vert="horz" wrap="none" lIns="91440" tIns="45720" rIns="91440" bIns="45720" numCol="1" anchor="ctr" anchorCtr="0" compatLnSpc="1">
+            <a:spAutoFit/>
+          </a:bodyPr>
+          <a:lstStyle/>
+          <a:p>
+            <a:pPr marL="0" marR="0" lvl="0" indent="0" algn="l" defTabSz="914400" rtl="0" eaLnBrk="0" fontAlgn="base" latinLnBrk="0" hangingPunct="0">
+              <a:lnSpc>
+                <a:spcPct val="100000"/>
+              </a:lnSpc>
+              <a:spcBef>
+                <a:spcPct val="0"/>
+              </a:spcBef>
+              <a:spcAft>
+                <a:spcPct val="0"/>
+              </a:spcAft>
+              <a:buClrTx/>
+              <a:buSzTx/>
+              <a:buFontTx/>
+              <a:buNone/>
+            </a:pPr>
+            <a:br>
+              <a:rPr kumimoji="0" lang="en-US" altLang="en-US" sz="1500" b="0" i="0" u="none" strike="noStrike" cap="none" normalizeH="0" baseline="0" smtClean="0">
+                <a:ln>
+                  <a:noFill/>
+                </a:ln>
+                <a:solidFill>
+                  <a:schemeClr val="tx1"/>
+                </a:solidFill>
+                <a:effectLst/>
+                <a:latin typeface="medium-content-sans-serif-font"/>
+              </a:rPr>
+            </a:br>
+            <a:endParaRPr kumimoji="0" lang="en-US" altLang="en-US" sz="800" b="0" i="0" u="none" strike="noStrike" cap="none" normalizeH="0" baseline="0" smtClean="0">
+              <a:ln>
+                <a:noFill/>
+              </a:ln>
+              <a:solidFill>
+                <a:schemeClr val="tx1"/>
+              </a:solidFill>
+              <a:effectLst/>
+            </a:endParaRPr>
+          </a:p>
+          <a:p>
+            <a:pPr marL="0" marR="0" lvl="0" indent="0" algn="l" defTabSz="914400" rtl="0" eaLnBrk="0" fontAlgn="base" latinLnBrk="0" hangingPunct="0">
+              <a:lnSpc>
+                <a:spcPct val="100000"/>
+              </a:lnSpc>
+              <a:spcBef>
+                <a:spcPct val="0"/>
+              </a:spcBef>
+              <a:spcAft>
+                <a:spcPct val="0"/>
+              </a:spcAft>
+              <a:buClrTx/>
+              <a:buSzTx/>
+              <a:buFontTx/>
+              <a:buNone/>
+            </a:pPr>
+            <a:br>
+              <a:rPr kumimoji="0" lang="en-US" altLang="en-US" sz="1800" b="0" i="0" u="none" strike="noStrike" cap="none" normalizeH="0" baseline="0" smtClean="0">
+                <a:ln>
+                  <a:noFill/>
+                </a:ln>
+                <a:solidFill>
+                  <a:schemeClr val="tx1"/>
+                </a:solidFill>
+                <a:effectLst/>
+                <a:latin typeface="Arial" panose="020B0604020202020204" pitchFamily="34" charset="0"/>
+              </a:rPr>
+            </a:br>
+            <a:endParaRPr kumimoji="0" lang="en-US" altLang="en-US" sz="1800" b="0" i="0" u="none" strike="noStrike" cap="none" normalizeH="0" baseline="0" smtClean="0">
+              <a:ln>
+                <a:noFill/>
+              </a:ln>
+              <a:solidFill>
+                <a:schemeClr val="tx1"/>
+              </a:solidFill>
+              <a:effectLst/>
+              <a:latin typeface="Arial" panose="020B0604020202020204" pitchFamily="34" charset="0"/>
+            </a:endParaRPr>
+          </a:p>
+        </p:txBody>
+      </p:sp>
+      <p:pic>
+        <p:nvPicPr>
+          <p:cNvPr id="7" name="Picture 6"/>
+          <p:cNvPicPr>
+            <a:picLocks noChangeAspect="1"/>
+          </p:cNvPicPr>
+          <p:nvPr/>
+        </p:nvPicPr>
+        <p:blipFill>
+          <a:blip r:embed="rId1">
+            <a:extLst>
+              <a:ext uri="{28A0092B-C50C-407E-A947-70E740481C1C}">
+                <a14:useLocalDpi xmlns:a14="http://schemas.microsoft.com/office/drawing/2010/main" val="0"/>
+              </a:ext>
+            </a:extLst>
+          </a:blip>
+          <a:stretch>
+            <a:fillRect/>
+          </a:stretch>
+        </p:blipFill>
+        <p:spPr>
+          <a:xfrm>
+            <a:off x="1077442" y="3451791"/>
+            <a:ext cx="8031675" cy="2067560"/>
+          </a:xfrm>
+          <a:prstGeom prst="rect">
+            <a:avLst/>
+          </a:prstGeom>
+        </p:spPr>
+      </p:pic>
+    </p:spTree>
+  </p:cSld>
+  <p:clrMapOvr>
+    <a:masterClrMapping/>
+  </p:clrMapOvr>
+  <p:timing>
+    <p:tnLst>
+      <p:par>
+        <p:cTn id="1" dur="indefinite" restart="never" nodeType="tmRoot">
+          <p:childTnLst>
+            <p:seq concurrent="1" nextAc="seek">
+              <p:cTn id="2" dur="indefinite" nodeType="mainSeq">
+                <p:childTnLst>
+                  <p:par>
+                    <p:cTn id="3" fill="hold">
+                      <p:stCondLst>
+                        <p:cond delay="indefinite"/>
+                      </p:stCondLst>
+                      <p:childTnLst>
+                        <p:par>
+                          <p:cTn id="4" fill="hold">
+                            <p:stCondLst>
+                              <p:cond delay="0"/>
+                            </p:stCondLst>
+                            <p:childTnLst>
+                              <p:par>
+                                <p:cTn id="5" presetID="2" presetClass="entr" presetSubtype="4" fill="hold" grpId="0" nodeType="clickEffect">
+                                  <p:stCondLst>
+                                    <p:cond delay="0"/>
+                                  </p:stCondLst>
+                                  <p:childTnLst>
+                                    <p:set>
+                                      <p:cBhvr>
+                                        <p:cTn id="6" dur="1" fill="hold">
+                                          <p:stCondLst>
+                                            <p:cond delay="0"/>
+                                          </p:stCondLst>
+                                        </p:cTn>
+                                        <p:tgtEl>
+                                          <p:spTgt spid="3">
+                                            <p:txEl>
+                                              <p:pRg st="0" end="0"/>
+                                            </p:txEl>
+                                          </p:spTgt>
+                                        </p:tgtEl>
+                                        <p:attrNameLst>
+                                          <p:attrName>style.visibility</p:attrName>
+                                        </p:attrNameLst>
+                                      </p:cBhvr>
+                                      <p:to>
+                                        <p:strVal val="visible"/>
+                                      </p:to>
+                                    </p:set>
+                                    <p:anim calcmode="lin" valueType="num">
+                                      <p:cBhvr additive="base">
+                                        <p:cTn id="7" dur="500" fill="hold"/>
+                                        <p:tgtEl>
+                                          <p:spTgt spid="3">
+                                            <p:txEl>
+                                              <p:pRg st="0" end="0"/>
+                                            </p:txEl>
+                                          </p:spTgt>
+                                        </p:tgtEl>
+                                        <p:attrNameLst>
+                                          <p:attrName>ppt_x</p:attrName>
+                                        </p:attrNameLst>
+                                      </p:cBhvr>
+                                      <p:tavLst>
+                                        <p:tav tm="0">
+                                          <p:val>
+                                            <p:strVal val="#ppt_x"/>
+                                          </p:val>
+                                        </p:tav>
+                                        <p:tav tm="100000">
+                                          <p:val>
+                                            <p:strVal val="#ppt_x"/>
+                                          </p:val>
+                                        </p:tav>
+                                      </p:tavLst>
+                                    </p:anim>
+                                    <p:anim calcmode="lin" valueType="num">
+                                      <p:cBhvr additive="base">
+                                        <p:cTn id="8" dur="500" fill="hold"/>
+                                        <p:tgtEl>
+                                          <p:spTgt spid="3">
+                                            <p:txEl>
+                                              <p:pRg st="0" end="0"/>
+                                            </p:txEl>
+                                          </p:spTgt>
+                                        </p:tgtEl>
+                                        <p:attrNameLst>
+                                          <p:attrName>ppt_y</p:attrName>
+                                        </p:attrNameLst>
+                                      </p:cBhvr>
+                                      <p:tavLst>
+                                        <p:tav tm="0">
+                                          <p:val>
+                                            <p:strVal val="1+#ppt_h/2"/>
+                                          </p:val>
+                                        </p:tav>
+                                        <p:tav tm="100000">
+                                          <p:val>
+                                            <p:strVal val="#ppt_y"/>
+                                          </p:val>
+                                        </p:tav>
+                                      </p:tavLst>
+                                    </p:anim>
+                                  </p:childTnLst>
+                                </p:cTn>
+                              </p:par>
+                            </p:childTnLst>
+                          </p:cTn>
+                        </p:par>
+                      </p:childTnLst>
+                    </p:cTn>
+                  </p:par>
+                  <p:par>
+                    <p:cTn id="9" fill="hold">
+                      <p:stCondLst>
+                        <p:cond delay="indefinite"/>
+                      </p:stCondLst>
+                      <p:childTnLst>
+                        <p:par>
+                          <p:cTn id="10" fill="hold">
+                            <p:stCondLst>
+                              <p:cond delay="0"/>
+                            </p:stCondLst>
+                            <p:childTnLst>
+                              <p:par>
+                                <p:cTn id="11" presetID="2" presetClass="entr" presetSubtype="4" fill="hold" grpId="0" nodeType="clickEffect">
+                                  <p:stCondLst>
+                                    <p:cond delay="0"/>
+                                  </p:stCondLst>
+                                  <p:childTnLst>
+                                    <p:set>
+                                      <p:cBhvr>
+                                        <p:cTn id="12" dur="1" fill="hold">
+                                          <p:stCondLst>
+                                            <p:cond delay="0"/>
+                                          </p:stCondLst>
+                                        </p:cTn>
+                                        <p:tgtEl>
+                                          <p:spTgt spid="3">
+                                            <p:txEl>
+                                              <p:pRg st="1" end="1"/>
+                                            </p:txEl>
+                                          </p:spTgt>
+                                        </p:tgtEl>
+                                        <p:attrNameLst>
+                                          <p:attrName>style.visibility</p:attrName>
+                                        </p:attrNameLst>
+                                      </p:cBhvr>
+                                      <p:to>
+                                        <p:strVal val="visible"/>
+                                      </p:to>
+                                    </p:set>
+                                    <p:anim calcmode="lin" valueType="num">
+                                      <p:cBhvr additive="base">
+                                        <p:cTn id="13" dur="500" fill="hold"/>
+                                        <p:tgtEl>
+                                          <p:spTgt spid="3">
+                                            <p:txEl>
+                                              <p:pRg st="1" end="1"/>
+                                            </p:txEl>
+                                          </p:spTgt>
+                                        </p:tgtEl>
+                                        <p:attrNameLst>
+                                          <p:attrName>ppt_x</p:attrName>
+                                        </p:attrNameLst>
+                                      </p:cBhvr>
+                                      <p:tavLst>
+                                        <p:tav tm="0">
+                                          <p:val>
+                                            <p:strVal val="#ppt_x"/>
+                                          </p:val>
+                                        </p:tav>
+                                        <p:tav tm="100000">
+                                          <p:val>
+                                            <p:strVal val="#ppt_x"/>
+                                          </p:val>
+                                        </p:tav>
+                                      </p:tavLst>
+                                    </p:anim>
+                                    <p:anim calcmode="lin" valueType="num">
+                                      <p:cBhvr additive="base">
+                                        <p:cTn id="14" dur="500" fill="hold"/>
+                                        <p:tgtEl>
+                                          <p:spTgt spid="3">
+                                            <p:txEl>
+                                              <p:pRg st="1" end="1"/>
+                                            </p:txEl>
+                                          </p:spTgt>
+                                        </p:tgtEl>
+                                        <p:attrNameLst>
+                                          <p:attrName>ppt_y</p:attrName>
+                                        </p:attrNameLst>
+                                      </p:cBhvr>
+                                      <p:tavLst>
+                                        <p:tav tm="0">
+                                          <p:val>
+                                            <p:strVal val="1+#ppt_h/2"/>
+                                          </p:val>
+                                        </p:tav>
+                                        <p:tav tm="100000">
+                                          <p:val>
+                                            <p:strVal val="#ppt_y"/>
+                                          </p:val>
+                                        </p:tav>
+                                      </p:tavLst>
+                                    </p:anim>
+                                  </p:childTnLst>
+                                </p:cTn>
+                              </p:par>
+                            </p:childTnLst>
+                          </p:cTn>
+                        </p:par>
+                      </p:childTnLst>
+                    </p:cTn>
+                  </p:par>
+                  <p:par>
+                    <p:cTn id="15" fill="hold">
+                      <p:stCondLst>
+                        <p:cond delay="indefinite"/>
+                      </p:stCondLst>
+                      <p:childTnLst>
+                        <p:par>
+                          <p:cTn id="16" fill="hold">
+                            <p:stCondLst>
+                              <p:cond delay="0"/>
+                            </p:stCondLst>
+                            <p:childTnLst>
+                              <p:par>
+                                <p:cTn id="17" presetID="2" presetClass="entr" presetSubtype="4" fill="hold" nodeType="clickEffect">
+                                  <p:stCondLst>
+                                    <p:cond delay="0"/>
+                                  </p:stCondLst>
+                                  <p:childTnLst>
+                                    <p:set>
+                                      <p:cBhvr>
+                                        <p:cTn id="18" dur="1" fill="hold">
+                                          <p:stCondLst>
+                                            <p:cond delay="0"/>
+                                          </p:stCondLst>
+                                        </p:cTn>
+                                        <p:tgtEl>
+                                          <p:spTgt spid="7"/>
+                                        </p:tgtEl>
+                                        <p:attrNameLst>
+                                          <p:attrName>style.visibility</p:attrName>
+                                        </p:attrNameLst>
+                                      </p:cBhvr>
+                                      <p:to>
+                                        <p:strVal val="visible"/>
+                                      </p:to>
+                                    </p:set>
+                                    <p:anim calcmode="lin" valueType="num">
+                                      <p:cBhvr additive="base">
+                                        <p:cTn id="19" dur="500" fill="hold"/>
+                                        <p:tgtEl>
+                                          <p:spTgt spid="7"/>
+                                        </p:tgtEl>
+                                        <p:attrNameLst>
+                                          <p:attrName>ppt_x</p:attrName>
+                                        </p:attrNameLst>
+                                      </p:cBhvr>
+                                      <p:tavLst>
+                                        <p:tav tm="0">
+                                          <p:val>
+                                            <p:strVal val="#ppt_x"/>
+                                          </p:val>
+                                        </p:tav>
+                                        <p:tav tm="100000">
+                                          <p:val>
+                                            <p:strVal val="#ppt_x"/>
+                                          </p:val>
+                                        </p:tav>
+                                      </p:tavLst>
+                                    </p:anim>
+                                    <p:anim calcmode="lin" valueType="num">
+                                      <p:cBhvr additive="base">
+                                        <p:cTn id="20" dur="500" fill="hold"/>
+                                        <p:tgtEl>
+                                          <p:spTgt spid="7"/>
+                                        </p:tgtEl>
+                                        <p:attrNameLst>
+                                          <p:attrName>ppt_y</p:attrName>
+                                        </p:attrNameLst>
+                                      </p:cBhvr>
+                                      <p:tavLst>
+                                        <p:tav tm="0">
+                                          <p:val>
+                                            <p:strVal val="1+#ppt_h/2"/>
+                                          </p:val>
+                                        </p:tav>
+                                        <p:tav tm="100000">
+                                          <p:val>
+                                            <p:strVal val="#ppt_y"/>
+                                          </p:val>
+                                        </p:tav>
+                                      </p:tavLst>
+                                    </p:anim>
+                                  </p:childTnLst>
+                                </p:cTn>
+                              </p:par>
+                            </p:childTnLst>
+                          </p:cTn>
+                        </p:par>
+                      </p:childTnLst>
+                    </p:cTn>
+                  </p:par>
+                </p:childTnLst>
+              </p:cTn>
+              <p:prevCondLst>
+                <p:cond evt="onPrev" delay="0">
+                  <p:tgtEl>
+                    <p:sldTgt/>
+                  </p:tgtEl>
+                </p:cond>
+              </p:prevCondLst>
+              <p:nextCondLst>
+                <p:cond evt="onNext" delay="0">
+                  <p:tgtEl>
+                    <p:sldTgt/>
+                  </p:tgtEl>
+                </p:cond>
+              </p:nextCondLst>
+            </p:seq>
+          </p:childTnLst>
+        </p:cTn>
+      </p:par>
+    </p:tnLst>
+    <p:bldLst>
+      <p:bldP spid="3" grpId="0" build="p"/>
+    </p:bldLst>
+  </p:timing>
+</p:sld>
+</file>
+
+<file path=ppt/slides/slide20.xml><?xml version="1.0" encoding="utf-8"?>
 <p:sld xmlns:a="http://schemas.openxmlformats.org/drawingml/2006/main" xmlns:r="http://schemas.openxmlformats.org/officeDocument/2006/relationships" xmlns:p="http://schemas.openxmlformats.org/presentationml/2006/main">
   <p:cSld>
     <p:spTree>
@@ -18553,7 +17095,7 @@
 </p:sld>
 </file>
 
-<file path=ppt/slides/slide26.xml><?xml version="1.0" encoding="utf-8"?>
+<file path=ppt/slides/slide21.xml><?xml version="1.0" encoding="utf-8"?>
 <p:sld xmlns:a="http://schemas.openxmlformats.org/drawingml/2006/main" xmlns:r="http://schemas.openxmlformats.org/officeDocument/2006/relationships" xmlns:p="http://schemas.openxmlformats.org/presentationml/2006/main">
   <p:cSld>
     <p:spTree>
@@ -18615,7 +17157,7 @@
             </a:r>
             <a:r>
               <a:rPr lang="en-US" dirty="0" smtClean="0"/>
-              <a:t> 4: </a:t>
+              <a:t> 5: </a:t>
             </a:r>
             <a:r>
               <a:rPr lang="en-US" dirty="0" err="1" smtClean="0"/>
@@ -19028,7 +17570,7 @@
 </p:sld>
 </file>
 
-<file path=ppt/slides/slide27.xml><?xml version="1.0" encoding="utf-8"?>
+<file path=ppt/slides/slide22.xml><?xml version="1.0" encoding="utf-8"?>
 <p:sld xmlns:a="http://schemas.openxmlformats.org/drawingml/2006/main" xmlns:r="http://schemas.openxmlformats.org/officeDocument/2006/relationships" xmlns:p="http://schemas.openxmlformats.org/presentationml/2006/main">
   <p:cSld>
     <p:spTree>
@@ -19090,7 +17632,7 @@
             </a:r>
             <a:r>
               <a:rPr lang="en-US" dirty="0" smtClean="0"/>
-              <a:t> 5: </a:t>
+              <a:t> 6: </a:t>
             </a:r>
             <a:r>
               <a:rPr lang="en-US" dirty="0" err="1" smtClean="0"/>
@@ -19172,7 +17714,7 @@
 </p:sld>
 </file>
 
-<file path=ppt/slides/slide28.xml><?xml version="1.0" encoding="utf-8"?>
+<file path=ppt/slides/slide23.xml><?xml version="1.0" encoding="utf-8"?>
 <p:sld xmlns:a="http://schemas.openxmlformats.org/drawingml/2006/main" xmlns:r="http://schemas.openxmlformats.org/officeDocument/2006/relationships" xmlns:p="http://schemas.openxmlformats.org/presentationml/2006/main">
   <p:cSld>
     <p:spTree>
@@ -20406,6 +18948,1583 @@
 </p:sld>
 </file>
 
+<file path=ppt/slides/slide24.xml><?xml version="1.0" encoding="utf-8"?>
+<p:sld xmlns:a="http://schemas.openxmlformats.org/drawingml/2006/main" xmlns:r="http://schemas.openxmlformats.org/officeDocument/2006/relationships" xmlns:p="http://schemas.openxmlformats.org/presentationml/2006/main">
+  <p:cSld>
+    <p:spTree>
+      <p:nvGrpSpPr>
+        <p:cNvPr id="1" name=""/>
+        <p:cNvGrpSpPr/>
+        <p:nvPr/>
+      </p:nvGrpSpPr>
+      <p:grpSpPr>
+        <a:xfrm>
+          <a:off x="0" y="0"/>
+          <a:ext cx="0" cy="0"/>
+          <a:chOff x="0" y="0"/>
+          <a:chExt cx="0" cy="0"/>
+        </a:xfrm>
+      </p:grpSpPr>
+      <p:sp>
+        <p:nvSpPr>
+          <p:cNvPr id="2" name="Title 1"/>
+          <p:cNvSpPr>
+            <a:spLocks noGrp="1"/>
+          </p:cNvSpPr>
+          <p:nvPr>
+            <p:ph type="title"/>
+          </p:nvPr>
+        </p:nvSpPr>
+        <p:spPr/>
+        <p:txBody>
+          <a:bodyPr/>
+          <a:lstStyle/>
+          <a:p>
+            <a:endParaRPr lang="en-US"/>
+          </a:p>
+        </p:txBody>
+      </p:sp>
+      <p:pic>
+        <p:nvPicPr>
+          <p:cNvPr id="4" name="Content Placeholder 3"/>
+          <p:cNvPicPr>
+            <a:picLocks noGrp="1" noChangeAspect="1"/>
+          </p:cNvPicPr>
+          <p:nvPr>
+            <p:ph idx="1"/>
+          </p:nvPr>
+        </p:nvPicPr>
+        <p:blipFill>
+          <a:blip r:embed="rId1">
+            <a:extLst>
+              <a:ext uri="{28A0092B-C50C-407E-A947-70E740481C1C}">
+                <a14:useLocalDpi xmlns:a14="http://schemas.microsoft.com/office/drawing/2010/main" val="0"/>
+              </a:ext>
+            </a:extLst>
+          </a:blip>
+          <a:stretch>
+            <a:fillRect/>
+          </a:stretch>
+        </p:blipFill>
+        <p:spPr>
+          <a:xfrm>
+            <a:off x="677333" y="609600"/>
+            <a:ext cx="6687293" cy="5522831"/>
+          </a:xfrm>
+        </p:spPr>
+      </p:pic>
+    </p:spTree>
+  </p:cSld>
+  <p:clrMapOvr>
+    <a:masterClrMapping/>
+  </p:clrMapOvr>
+  <p:timing>
+    <p:tnLst>
+      <p:par>
+        <p:cTn id="1" dur="indefinite" restart="never" nodeType="tmRoot"/>
+      </p:par>
+    </p:tnLst>
+  </p:timing>
+</p:sld>
+</file>
+
+<file path=ppt/slides/slide25.xml><?xml version="1.0" encoding="utf-8"?>
+<p:sld xmlns:a="http://schemas.openxmlformats.org/drawingml/2006/main" xmlns:r="http://schemas.openxmlformats.org/officeDocument/2006/relationships" xmlns:p="http://schemas.openxmlformats.org/presentationml/2006/main">
+  <p:cSld>
+    <p:spTree>
+      <p:nvGrpSpPr>
+        <p:cNvPr id="1" name=""/>
+        <p:cNvGrpSpPr/>
+        <p:nvPr/>
+      </p:nvGrpSpPr>
+      <p:grpSpPr>
+        <a:xfrm>
+          <a:off x="0" y="0"/>
+          <a:ext cx="0" cy="0"/>
+          <a:chOff x="0" y="0"/>
+          <a:chExt cx="0" cy="0"/>
+        </a:xfrm>
+      </p:grpSpPr>
+      <p:sp>
+        <p:nvSpPr>
+          <p:cNvPr id="2" name="Title 1"/>
+          <p:cNvSpPr>
+            <a:spLocks noGrp="1"/>
+          </p:cNvSpPr>
+          <p:nvPr>
+            <p:ph type="title"/>
+          </p:nvPr>
+        </p:nvSpPr>
+        <p:spPr/>
+        <p:txBody>
+          <a:bodyPr/>
+          <a:lstStyle/>
+          <a:p>
+            <a:endParaRPr lang="en-US" dirty="0"/>
+          </a:p>
+        </p:txBody>
+      </p:sp>
+      <p:sp>
+        <p:nvSpPr>
+          <p:cNvPr id="3" name="Content Placeholder 2"/>
+          <p:cNvSpPr>
+            <a:spLocks noGrp="1"/>
+          </p:cNvSpPr>
+          <p:nvPr>
+            <p:ph idx="1"/>
+          </p:nvPr>
+        </p:nvSpPr>
+        <p:spPr>
+          <a:xfrm>
+            <a:off x="677334" y="609601"/>
+            <a:ext cx="8596668" cy="5431762"/>
+          </a:xfrm>
+        </p:spPr>
+        <p:txBody>
+          <a:bodyPr>
+            <a:normAutofit/>
+          </a:bodyPr>
+          <a:lstStyle/>
+          <a:p>
+            <a:r>
+              <a:rPr lang="en-US" dirty="0" err="1" smtClean="0"/>
+              <a:t>Bây</a:t>
+            </a:r>
+            <a:r>
+              <a:rPr lang="en-US" dirty="0" smtClean="0"/>
+              <a:t> </a:t>
+            </a:r>
+            <a:r>
+              <a:rPr lang="en-US" dirty="0" err="1" smtClean="0"/>
+              <a:t>giờ</a:t>
+            </a:r>
+            <a:r>
+              <a:rPr lang="en-US" dirty="0" smtClean="0"/>
+              <a:t> </a:t>
+            </a:r>
+            <a:r>
+              <a:rPr lang="en-US" dirty="0" err="1" smtClean="0"/>
+              <a:t>còn</a:t>
+            </a:r>
+            <a:r>
+              <a:rPr lang="en-US" dirty="0" smtClean="0"/>
+              <a:t> </a:t>
+            </a:r>
+            <a:r>
+              <a:rPr lang="en-US" dirty="0" err="1" smtClean="0"/>
+              <a:t>một</a:t>
+            </a:r>
+            <a:r>
+              <a:rPr lang="en-US" dirty="0" smtClean="0"/>
+              <a:t> </a:t>
+            </a:r>
+            <a:r>
+              <a:rPr lang="en-US" dirty="0" err="1" smtClean="0"/>
+              <a:t>vần</a:t>
+            </a:r>
+            <a:r>
+              <a:rPr lang="en-US" dirty="0" smtClean="0"/>
+              <a:t> </a:t>
+            </a:r>
+            <a:r>
+              <a:rPr lang="en-US" dirty="0" err="1" smtClean="0"/>
+              <a:t>đề</a:t>
+            </a:r>
+            <a:endParaRPr lang="en-US" dirty="0" smtClean="0"/>
+          </a:p>
+          <a:p>
+            <a:pPr lvl="1"/>
+            <a:r>
+              <a:rPr lang="en-US" dirty="0" err="1" smtClean="0"/>
+              <a:t>Trong</a:t>
+            </a:r>
+            <a:r>
+              <a:rPr lang="en-US" dirty="0" smtClean="0"/>
+              <a:t> </a:t>
+            </a:r>
+            <a:r>
+              <a:rPr lang="en-US" dirty="0" err="1" smtClean="0"/>
+              <a:t>thực</a:t>
+            </a:r>
+            <a:r>
+              <a:rPr lang="en-US" dirty="0" smtClean="0"/>
+              <a:t> </a:t>
+            </a:r>
+            <a:r>
+              <a:rPr lang="en-US" dirty="0" err="1" smtClean="0"/>
+              <a:t>tế</a:t>
+            </a:r>
+            <a:r>
+              <a:rPr lang="en-US" dirty="0" smtClean="0"/>
+              <a:t> </a:t>
+            </a:r>
+            <a:r>
+              <a:rPr lang="en-US" dirty="0" err="1" smtClean="0"/>
+              <a:t>thì</a:t>
+            </a:r>
+            <a:r>
+              <a:rPr lang="en-US" dirty="0" smtClean="0"/>
+              <a:t> </a:t>
+            </a:r>
+            <a:r>
+              <a:rPr lang="en-US" dirty="0" err="1" smtClean="0"/>
+              <a:t>mỗi</a:t>
+            </a:r>
+            <a:r>
+              <a:rPr lang="en-US" dirty="0" smtClean="0"/>
+              <a:t> </a:t>
+            </a:r>
+            <a:r>
+              <a:rPr lang="en-US" dirty="0" err="1" smtClean="0"/>
+              <a:t>ứng</a:t>
+            </a:r>
+            <a:r>
+              <a:rPr lang="en-US" dirty="0" smtClean="0"/>
+              <a:t> </a:t>
+            </a:r>
+            <a:r>
+              <a:rPr lang="en-US" dirty="0" err="1" smtClean="0"/>
+              <a:t>dụng</a:t>
+            </a:r>
+            <a:r>
+              <a:rPr lang="en-US" dirty="0" smtClean="0"/>
+              <a:t> </a:t>
+            </a:r>
+            <a:r>
+              <a:rPr lang="en-US" dirty="0" err="1" smtClean="0"/>
+              <a:t>đều</a:t>
+            </a:r>
+            <a:r>
+              <a:rPr lang="en-US" dirty="0" smtClean="0"/>
+              <a:t> </a:t>
+            </a:r>
+            <a:r>
+              <a:rPr lang="en-US" dirty="0" err="1" smtClean="0"/>
+              <a:t>dùng</a:t>
+            </a:r>
+            <a:r>
+              <a:rPr lang="en-US" dirty="0" smtClean="0"/>
+              <a:t> 2 </a:t>
+            </a:r>
+            <a:r>
+              <a:rPr lang="en-US" dirty="0" err="1" smtClean="0"/>
+              <a:t>kiểu</a:t>
+            </a:r>
+            <a:r>
+              <a:rPr lang="en-US" dirty="0" smtClean="0"/>
+              <a:t> Context: </a:t>
+            </a:r>
+            <a:r>
+              <a:rPr lang="en-US" dirty="0" err="1" smtClean="0"/>
+              <a:t>ApplicationContext</a:t>
+            </a:r>
+            <a:r>
+              <a:rPr lang="en-US" dirty="0" smtClean="0"/>
+              <a:t> </a:t>
+            </a:r>
+            <a:r>
+              <a:rPr lang="en-US" dirty="0" err="1" smtClean="0"/>
+              <a:t>và</a:t>
+            </a:r>
+            <a:r>
+              <a:rPr lang="en-US" dirty="0" smtClean="0"/>
+              <a:t> Activity. </a:t>
+            </a:r>
+            <a:r>
+              <a:rPr lang="en-US" dirty="0" err="1" smtClean="0"/>
+              <a:t>Vì</a:t>
+            </a:r>
+            <a:r>
+              <a:rPr lang="en-US" dirty="0" smtClean="0"/>
+              <a:t> </a:t>
+            </a:r>
+            <a:r>
+              <a:rPr lang="en-US" dirty="0" err="1" smtClean="0"/>
+              <a:t>vậy</a:t>
+            </a:r>
+            <a:r>
+              <a:rPr lang="en-US" dirty="0" smtClean="0"/>
+              <a:t> ta </a:t>
+            </a:r>
+            <a:r>
+              <a:rPr lang="en-US" dirty="0" err="1" smtClean="0"/>
+              <a:t>sẽ</a:t>
+            </a:r>
+            <a:r>
+              <a:rPr lang="en-US" dirty="0" smtClean="0"/>
+              <a:t> </a:t>
+            </a:r>
+            <a:r>
+              <a:rPr lang="en-US" dirty="0" err="1" smtClean="0"/>
+              <a:t>tạo</a:t>
+            </a:r>
+            <a:r>
+              <a:rPr lang="en-US" dirty="0" smtClean="0"/>
+              <a:t> them </a:t>
+            </a:r>
+            <a:r>
+              <a:rPr lang="en-US" dirty="0" err="1" smtClean="0"/>
+              <a:t>một</a:t>
+            </a:r>
+            <a:r>
+              <a:rPr lang="en-US" dirty="0" smtClean="0"/>
+              <a:t> Module </a:t>
+            </a:r>
+            <a:r>
+              <a:rPr lang="en-US" dirty="0" err="1" smtClean="0"/>
+              <a:t>ActivityModule</a:t>
+            </a:r>
+            <a:r>
+              <a:rPr lang="en-US" dirty="0" smtClean="0"/>
+              <a:t> </a:t>
+            </a:r>
+            <a:r>
+              <a:rPr lang="en-US" dirty="0" err="1" smtClean="0"/>
+              <a:t>để</a:t>
+            </a:r>
+            <a:r>
+              <a:rPr lang="en-US" dirty="0" smtClean="0"/>
+              <a:t> </a:t>
+            </a:r>
+            <a:r>
+              <a:rPr lang="en-US" dirty="0" err="1" smtClean="0"/>
+              <a:t>cung</a:t>
+            </a:r>
+            <a:r>
+              <a:rPr lang="en-US" dirty="0" smtClean="0"/>
+              <a:t> </a:t>
+            </a:r>
+            <a:r>
+              <a:rPr lang="en-US" dirty="0" err="1" smtClean="0"/>
+              <a:t>cấp</a:t>
+            </a:r>
+            <a:r>
+              <a:rPr lang="en-US" dirty="0" smtClean="0"/>
+              <a:t> </a:t>
+            </a:r>
+            <a:r>
+              <a:rPr lang="en-US" dirty="0" err="1" smtClean="0"/>
+              <a:t>Acitvity</a:t>
+            </a:r>
+            <a:r>
+              <a:rPr lang="en-US" dirty="0" smtClean="0"/>
+              <a:t> Context</a:t>
+            </a:r>
+            <a:endParaRPr lang="en-US" dirty="0" smtClean="0"/>
+          </a:p>
+          <a:p>
+            <a:pPr lvl="1"/>
+            <a:endParaRPr lang="en-US" dirty="0"/>
+          </a:p>
+          <a:p>
+            <a:pPr lvl="1"/>
+            <a:endParaRPr lang="en-US" dirty="0" smtClean="0"/>
+          </a:p>
+          <a:p>
+            <a:pPr lvl="1"/>
+            <a:endParaRPr lang="en-US" dirty="0"/>
+          </a:p>
+          <a:p>
+            <a:pPr lvl="1"/>
+            <a:endParaRPr lang="en-US" dirty="0" smtClean="0"/>
+          </a:p>
+          <a:p>
+            <a:pPr lvl="1"/>
+            <a:endParaRPr lang="en-US" dirty="0"/>
+          </a:p>
+          <a:p>
+            <a:pPr lvl="1"/>
+            <a:endParaRPr lang="en-US" dirty="0" smtClean="0"/>
+          </a:p>
+          <a:p>
+            <a:pPr lvl="1"/>
+            <a:endParaRPr lang="en-US" dirty="0"/>
+          </a:p>
+          <a:p>
+            <a:pPr lvl="1"/>
+            <a:endParaRPr lang="en-US" dirty="0" smtClean="0"/>
+          </a:p>
+          <a:p>
+            <a:pPr lvl="1"/>
+            <a:endParaRPr lang="en-US" dirty="0"/>
+          </a:p>
+          <a:p>
+            <a:pPr lvl="1"/>
+            <a:r>
+              <a:rPr lang="en-US" dirty="0" err="1" smtClean="0"/>
+              <a:t>Tuy</a:t>
+            </a:r>
+            <a:r>
+              <a:rPr lang="en-US" dirty="0" smtClean="0"/>
+              <a:t> </a:t>
+            </a:r>
+            <a:r>
+              <a:rPr lang="en-US" dirty="0" err="1" smtClean="0"/>
+              <a:t>vậy</a:t>
+            </a:r>
+            <a:r>
+              <a:rPr lang="en-US" dirty="0" smtClean="0"/>
+              <a:t> </a:t>
+            </a:r>
+            <a:r>
+              <a:rPr lang="en-US" dirty="0" err="1" smtClean="0"/>
+              <a:t>thì</a:t>
+            </a:r>
+            <a:r>
+              <a:rPr lang="en-US" dirty="0" smtClean="0"/>
+              <a:t> </a:t>
+            </a:r>
+            <a:r>
+              <a:rPr lang="en-US" dirty="0" err="1" smtClean="0"/>
+              <a:t>vẫn</a:t>
+            </a:r>
+            <a:r>
+              <a:rPr lang="en-US" dirty="0" smtClean="0"/>
+              <a:t> </a:t>
+            </a:r>
+            <a:r>
+              <a:rPr lang="en-US" dirty="0" err="1" smtClean="0"/>
+              <a:t>chưa</a:t>
+            </a:r>
+            <a:r>
+              <a:rPr lang="en-US" dirty="0" smtClean="0"/>
+              <a:t> </a:t>
+            </a:r>
+            <a:r>
+              <a:rPr lang="en-US" dirty="0" err="1" smtClean="0"/>
+              <a:t>giải</a:t>
+            </a:r>
+            <a:r>
+              <a:rPr lang="en-US" dirty="0" smtClean="0"/>
+              <a:t> </a:t>
+            </a:r>
+            <a:r>
+              <a:rPr lang="en-US" dirty="0" err="1" smtClean="0"/>
+              <a:t>quyết</a:t>
+            </a:r>
+            <a:r>
+              <a:rPr lang="en-US" dirty="0" smtClean="0"/>
+              <a:t> </a:t>
+            </a:r>
+            <a:r>
+              <a:rPr lang="en-US" dirty="0" err="1" smtClean="0"/>
+              <a:t>được</a:t>
+            </a:r>
+            <a:r>
+              <a:rPr lang="en-US" dirty="0" smtClean="0"/>
+              <a:t> </a:t>
+            </a:r>
+            <a:r>
+              <a:rPr lang="en-US" dirty="0" err="1" smtClean="0"/>
+              <a:t>vấn</a:t>
+            </a:r>
+            <a:r>
+              <a:rPr lang="en-US" dirty="0" smtClean="0"/>
+              <a:t> </a:t>
+            </a:r>
+            <a:r>
+              <a:rPr lang="en-US" dirty="0" err="1" smtClean="0"/>
+              <a:t>đề</a:t>
+            </a:r>
+            <a:r>
+              <a:rPr lang="en-US" dirty="0" smtClean="0"/>
+              <a:t> </a:t>
+            </a:r>
+            <a:r>
+              <a:rPr lang="en-US" dirty="0" err="1" smtClean="0"/>
+              <a:t>bởi</a:t>
+            </a:r>
+            <a:r>
+              <a:rPr lang="en-US" dirty="0" smtClean="0"/>
+              <a:t> </a:t>
+            </a:r>
+            <a:r>
+              <a:rPr lang="en-US" dirty="0" err="1" smtClean="0"/>
+              <a:t>vì</a:t>
+            </a:r>
+            <a:r>
+              <a:rPr lang="en-US" dirty="0" smtClean="0"/>
+              <a:t> Dagger2 </a:t>
+            </a:r>
+            <a:r>
+              <a:rPr lang="en-US" dirty="0" err="1" smtClean="0"/>
+              <a:t>sẽ</a:t>
+            </a:r>
+            <a:r>
+              <a:rPr lang="en-US" dirty="0" smtClean="0"/>
+              <a:t> </a:t>
+            </a:r>
+            <a:r>
+              <a:rPr lang="en-US" dirty="0" err="1" smtClean="0"/>
+              <a:t>bị</a:t>
+            </a:r>
+            <a:r>
+              <a:rPr lang="en-US" dirty="0" smtClean="0"/>
+              <a:t> </a:t>
+            </a:r>
+            <a:r>
+              <a:rPr lang="en-US" dirty="0" err="1" smtClean="0"/>
+              <a:t>bối</a:t>
+            </a:r>
+            <a:r>
+              <a:rPr lang="en-US" dirty="0" smtClean="0"/>
+              <a:t> </a:t>
+            </a:r>
+            <a:r>
+              <a:rPr lang="en-US" dirty="0" err="1" smtClean="0"/>
+              <a:t>rối</a:t>
+            </a:r>
+            <a:r>
+              <a:rPr lang="en-US" dirty="0" smtClean="0"/>
+              <a:t> </a:t>
+            </a:r>
+            <a:r>
+              <a:rPr lang="en-US" dirty="0" err="1" smtClean="0"/>
+              <a:t>bởi</a:t>
+            </a:r>
+            <a:r>
+              <a:rPr lang="en-US" dirty="0" smtClean="0"/>
+              <a:t> </a:t>
+            </a:r>
+            <a:r>
+              <a:rPr lang="en-US" dirty="0" err="1" smtClean="0"/>
+              <a:t>vì</a:t>
+            </a:r>
+            <a:r>
+              <a:rPr lang="en-US" dirty="0" smtClean="0"/>
+              <a:t> </a:t>
+            </a:r>
+            <a:r>
+              <a:rPr lang="en-US" dirty="0" err="1" smtClean="0"/>
+              <a:t>có</a:t>
+            </a:r>
+            <a:r>
+              <a:rPr lang="en-US" dirty="0" smtClean="0"/>
+              <a:t> 2 Module </a:t>
+            </a:r>
+            <a:r>
+              <a:rPr lang="en-US" dirty="0" err="1" smtClean="0"/>
+              <a:t>cung</a:t>
+            </a:r>
+            <a:r>
+              <a:rPr lang="en-US" dirty="0" smtClean="0"/>
+              <a:t> </a:t>
+            </a:r>
+            <a:r>
+              <a:rPr lang="en-US" dirty="0" err="1" smtClean="0"/>
+              <a:t>cấp</a:t>
+            </a:r>
+            <a:r>
+              <a:rPr lang="en-US" dirty="0" smtClean="0"/>
+              <a:t> Context </a:t>
+            </a:r>
+            <a:r>
+              <a:rPr lang="en-US" dirty="0" err="1" smtClean="0"/>
+              <a:t>và</a:t>
+            </a:r>
+            <a:r>
+              <a:rPr lang="en-US" dirty="0" smtClean="0"/>
+              <a:t> </a:t>
+            </a:r>
+            <a:r>
+              <a:rPr lang="en-US" dirty="0" err="1" smtClean="0"/>
+              <a:t>nó</a:t>
+            </a:r>
+            <a:r>
+              <a:rPr lang="en-US" dirty="0" smtClean="0"/>
+              <a:t> </a:t>
+            </a:r>
+            <a:r>
+              <a:rPr lang="en-US" dirty="0" err="1" smtClean="0"/>
+              <a:t>sẽ</a:t>
+            </a:r>
+            <a:r>
+              <a:rPr lang="en-US" dirty="0" smtClean="0"/>
+              <a:t> throw </a:t>
+            </a:r>
+            <a:r>
+              <a:rPr lang="en-US" dirty="0" err="1" smtClean="0"/>
+              <a:t>ra</a:t>
+            </a:r>
+            <a:r>
+              <a:rPr lang="en-US" dirty="0" smtClean="0"/>
+              <a:t> </a:t>
+            </a:r>
+            <a:r>
+              <a:rPr lang="en-US" dirty="0" err="1" smtClean="0"/>
+              <a:t>lỗi</a:t>
+            </a:r>
+            <a:r>
+              <a:rPr lang="en-US" dirty="0" smtClean="0"/>
+              <a:t>.</a:t>
+            </a:r>
+            <a:endParaRPr lang="en-US" dirty="0"/>
+          </a:p>
+        </p:txBody>
+      </p:sp>
+      <p:pic>
+        <p:nvPicPr>
+          <p:cNvPr id="4" name="Picture 3"/>
+          <p:cNvPicPr>
+            <a:picLocks noChangeAspect="1"/>
+          </p:cNvPicPr>
+          <p:nvPr/>
+        </p:nvPicPr>
+        <p:blipFill>
+          <a:blip r:embed="rId1">
+            <a:extLst>
+              <a:ext uri="{28A0092B-C50C-407E-A947-70E740481C1C}">
+                <a14:useLocalDpi xmlns:a14="http://schemas.microsoft.com/office/drawing/2010/main" val="0"/>
+              </a:ext>
+            </a:extLst>
+          </a:blip>
+          <a:stretch>
+            <a:fillRect/>
+          </a:stretch>
+        </p:blipFill>
+        <p:spPr>
+          <a:xfrm>
+            <a:off x="1090400" y="2046394"/>
+            <a:ext cx="7163913" cy="2937498"/>
+          </a:xfrm>
+          <a:prstGeom prst="rect">
+            <a:avLst/>
+          </a:prstGeom>
+        </p:spPr>
+      </p:pic>
+    </p:spTree>
+  </p:cSld>
+  <p:clrMapOvr>
+    <a:masterClrMapping/>
+  </p:clrMapOvr>
+  <p:timing>
+    <p:tnLst>
+      <p:par>
+        <p:cTn id="1" dur="indefinite" restart="never" nodeType="tmRoot">
+          <p:childTnLst>
+            <p:seq concurrent="1" nextAc="seek">
+              <p:cTn id="2" dur="indefinite" nodeType="mainSeq">
+                <p:childTnLst>
+                  <p:par>
+                    <p:cTn id="3" fill="hold">
+                      <p:stCondLst>
+                        <p:cond delay="indefinite"/>
+                      </p:stCondLst>
+                      <p:childTnLst>
+                        <p:par>
+                          <p:cTn id="4" fill="hold">
+                            <p:stCondLst>
+                              <p:cond delay="0"/>
+                            </p:stCondLst>
+                            <p:childTnLst>
+                              <p:par>
+                                <p:cTn id="5" presetID="2" presetClass="entr" presetSubtype="4" fill="hold" nodeType="clickEffect">
+                                  <p:stCondLst>
+                                    <p:cond delay="0"/>
+                                  </p:stCondLst>
+                                  <p:childTnLst>
+                                    <p:set>
+                                      <p:cBhvr>
+                                        <p:cTn id="6" dur="1" fill="hold">
+                                          <p:stCondLst>
+                                            <p:cond delay="0"/>
+                                          </p:stCondLst>
+                                        </p:cTn>
+                                        <p:tgtEl>
+                                          <p:spTgt spid="3">
+                                            <p:txEl>
+                                              <p:pRg st="0" end="0"/>
+                                            </p:txEl>
+                                          </p:spTgt>
+                                        </p:tgtEl>
+                                        <p:attrNameLst>
+                                          <p:attrName>style.visibility</p:attrName>
+                                        </p:attrNameLst>
+                                      </p:cBhvr>
+                                      <p:to>
+                                        <p:strVal val="visible"/>
+                                      </p:to>
+                                    </p:set>
+                                    <p:anim calcmode="lin" valueType="num">
+                                      <p:cBhvr additive="base">
+                                        <p:cTn id="7" dur="500" fill="hold"/>
+                                        <p:tgtEl>
+                                          <p:spTgt spid="3">
+                                            <p:txEl>
+                                              <p:pRg st="0" end="0"/>
+                                            </p:txEl>
+                                          </p:spTgt>
+                                        </p:tgtEl>
+                                        <p:attrNameLst>
+                                          <p:attrName>ppt_x</p:attrName>
+                                        </p:attrNameLst>
+                                      </p:cBhvr>
+                                      <p:tavLst>
+                                        <p:tav tm="0">
+                                          <p:val>
+                                            <p:strVal val="#ppt_x"/>
+                                          </p:val>
+                                        </p:tav>
+                                        <p:tav tm="100000">
+                                          <p:val>
+                                            <p:strVal val="#ppt_x"/>
+                                          </p:val>
+                                        </p:tav>
+                                      </p:tavLst>
+                                    </p:anim>
+                                    <p:anim calcmode="lin" valueType="num">
+                                      <p:cBhvr additive="base">
+                                        <p:cTn id="8" dur="500" fill="hold"/>
+                                        <p:tgtEl>
+                                          <p:spTgt spid="3">
+                                            <p:txEl>
+                                              <p:pRg st="0" end="0"/>
+                                            </p:txEl>
+                                          </p:spTgt>
+                                        </p:tgtEl>
+                                        <p:attrNameLst>
+                                          <p:attrName>ppt_y</p:attrName>
+                                        </p:attrNameLst>
+                                      </p:cBhvr>
+                                      <p:tavLst>
+                                        <p:tav tm="0">
+                                          <p:val>
+                                            <p:strVal val="1+#ppt_h/2"/>
+                                          </p:val>
+                                        </p:tav>
+                                        <p:tav tm="100000">
+                                          <p:val>
+                                            <p:strVal val="#ppt_y"/>
+                                          </p:val>
+                                        </p:tav>
+                                      </p:tavLst>
+                                    </p:anim>
+                                  </p:childTnLst>
+                                </p:cTn>
+                              </p:par>
+                              <p:par>
+                                <p:cTn id="9" presetID="2" presetClass="entr" presetSubtype="4" fill="hold" nodeType="withEffect">
+                                  <p:stCondLst>
+                                    <p:cond delay="0"/>
+                                  </p:stCondLst>
+                                  <p:childTnLst>
+                                    <p:set>
+                                      <p:cBhvr>
+                                        <p:cTn id="10" dur="1" fill="hold">
+                                          <p:stCondLst>
+                                            <p:cond delay="0"/>
+                                          </p:stCondLst>
+                                        </p:cTn>
+                                        <p:tgtEl>
+                                          <p:spTgt spid="3">
+                                            <p:txEl>
+                                              <p:pRg st="1" end="1"/>
+                                            </p:txEl>
+                                          </p:spTgt>
+                                        </p:tgtEl>
+                                        <p:attrNameLst>
+                                          <p:attrName>style.visibility</p:attrName>
+                                        </p:attrNameLst>
+                                      </p:cBhvr>
+                                      <p:to>
+                                        <p:strVal val="visible"/>
+                                      </p:to>
+                                    </p:set>
+                                    <p:anim calcmode="lin" valueType="num">
+                                      <p:cBhvr additive="base">
+                                        <p:cTn id="11" dur="500" fill="hold"/>
+                                        <p:tgtEl>
+                                          <p:spTgt spid="3">
+                                            <p:txEl>
+                                              <p:pRg st="1" end="1"/>
+                                            </p:txEl>
+                                          </p:spTgt>
+                                        </p:tgtEl>
+                                        <p:attrNameLst>
+                                          <p:attrName>ppt_x</p:attrName>
+                                        </p:attrNameLst>
+                                      </p:cBhvr>
+                                      <p:tavLst>
+                                        <p:tav tm="0">
+                                          <p:val>
+                                            <p:strVal val="#ppt_x"/>
+                                          </p:val>
+                                        </p:tav>
+                                        <p:tav tm="100000">
+                                          <p:val>
+                                            <p:strVal val="#ppt_x"/>
+                                          </p:val>
+                                        </p:tav>
+                                      </p:tavLst>
+                                    </p:anim>
+                                    <p:anim calcmode="lin" valueType="num">
+                                      <p:cBhvr additive="base">
+                                        <p:cTn id="12" dur="500" fill="hold"/>
+                                        <p:tgtEl>
+                                          <p:spTgt spid="3">
+                                            <p:txEl>
+                                              <p:pRg st="1" end="1"/>
+                                            </p:txEl>
+                                          </p:spTgt>
+                                        </p:tgtEl>
+                                        <p:attrNameLst>
+                                          <p:attrName>ppt_y</p:attrName>
+                                        </p:attrNameLst>
+                                      </p:cBhvr>
+                                      <p:tavLst>
+                                        <p:tav tm="0">
+                                          <p:val>
+                                            <p:strVal val="1+#ppt_h/2"/>
+                                          </p:val>
+                                        </p:tav>
+                                        <p:tav tm="100000">
+                                          <p:val>
+                                            <p:strVal val="#ppt_y"/>
+                                          </p:val>
+                                        </p:tav>
+                                      </p:tavLst>
+                                    </p:anim>
+                                  </p:childTnLst>
+                                </p:cTn>
+                              </p:par>
+                            </p:childTnLst>
+                          </p:cTn>
+                        </p:par>
+                      </p:childTnLst>
+                    </p:cTn>
+                  </p:par>
+                  <p:par>
+                    <p:cTn id="13" fill="hold">
+                      <p:stCondLst>
+                        <p:cond delay="indefinite"/>
+                      </p:stCondLst>
+                      <p:childTnLst>
+                        <p:par>
+                          <p:cTn id="14" fill="hold">
+                            <p:stCondLst>
+                              <p:cond delay="0"/>
+                            </p:stCondLst>
+                            <p:childTnLst>
+                              <p:par>
+                                <p:cTn id="15" presetID="2" presetClass="entr" presetSubtype="4" fill="hold" nodeType="clickEffect">
+                                  <p:stCondLst>
+                                    <p:cond delay="0"/>
+                                  </p:stCondLst>
+                                  <p:childTnLst>
+                                    <p:set>
+                                      <p:cBhvr>
+                                        <p:cTn id="16" dur="1" fill="hold">
+                                          <p:stCondLst>
+                                            <p:cond delay="0"/>
+                                          </p:stCondLst>
+                                        </p:cTn>
+                                        <p:tgtEl>
+                                          <p:spTgt spid="4"/>
+                                        </p:tgtEl>
+                                        <p:attrNameLst>
+                                          <p:attrName>style.visibility</p:attrName>
+                                        </p:attrNameLst>
+                                      </p:cBhvr>
+                                      <p:to>
+                                        <p:strVal val="visible"/>
+                                      </p:to>
+                                    </p:set>
+                                    <p:anim calcmode="lin" valueType="num">
+                                      <p:cBhvr additive="base">
+                                        <p:cTn id="17" dur="500" fill="hold"/>
+                                        <p:tgtEl>
+                                          <p:spTgt spid="4"/>
+                                        </p:tgtEl>
+                                        <p:attrNameLst>
+                                          <p:attrName>ppt_x</p:attrName>
+                                        </p:attrNameLst>
+                                      </p:cBhvr>
+                                      <p:tavLst>
+                                        <p:tav tm="0">
+                                          <p:val>
+                                            <p:strVal val="#ppt_x"/>
+                                          </p:val>
+                                        </p:tav>
+                                        <p:tav tm="100000">
+                                          <p:val>
+                                            <p:strVal val="#ppt_x"/>
+                                          </p:val>
+                                        </p:tav>
+                                      </p:tavLst>
+                                    </p:anim>
+                                    <p:anim calcmode="lin" valueType="num">
+                                      <p:cBhvr additive="base">
+                                        <p:cTn id="18" dur="500" fill="hold"/>
+                                        <p:tgtEl>
+                                          <p:spTgt spid="4"/>
+                                        </p:tgtEl>
+                                        <p:attrNameLst>
+                                          <p:attrName>ppt_y</p:attrName>
+                                        </p:attrNameLst>
+                                      </p:cBhvr>
+                                      <p:tavLst>
+                                        <p:tav tm="0">
+                                          <p:val>
+                                            <p:strVal val="1+#ppt_h/2"/>
+                                          </p:val>
+                                        </p:tav>
+                                        <p:tav tm="100000">
+                                          <p:val>
+                                            <p:strVal val="#ppt_y"/>
+                                          </p:val>
+                                        </p:tav>
+                                      </p:tavLst>
+                                    </p:anim>
+                                  </p:childTnLst>
+                                </p:cTn>
+                              </p:par>
+                            </p:childTnLst>
+                          </p:cTn>
+                        </p:par>
+                      </p:childTnLst>
+                    </p:cTn>
+                  </p:par>
+                  <p:par>
+                    <p:cTn id="19" fill="hold">
+                      <p:stCondLst>
+                        <p:cond delay="indefinite"/>
+                      </p:stCondLst>
+                      <p:childTnLst>
+                        <p:par>
+                          <p:cTn id="20" fill="hold">
+                            <p:stCondLst>
+                              <p:cond delay="0"/>
+                            </p:stCondLst>
+                            <p:childTnLst>
+                              <p:par>
+                                <p:cTn id="21" presetID="2" presetClass="entr" presetSubtype="4" fill="hold" nodeType="clickEffect">
+                                  <p:stCondLst>
+                                    <p:cond delay="0"/>
+                                  </p:stCondLst>
+                                  <p:childTnLst>
+                                    <p:set>
+                                      <p:cBhvr>
+                                        <p:cTn id="22" dur="1" fill="hold">
+                                          <p:stCondLst>
+                                            <p:cond delay="0"/>
+                                          </p:stCondLst>
+                                        </p:cTn>
+                                        <p:tgtEl>
+                                          <p:spTgt spid="3">
+                                            <p:txEl>
+                                              <p:pRg st="11" end="11"/>
+                                            </p:txEl>
+                                          </p:spTgt>
+                                        </p:tgtEl>
+                                        <p:attrNameLst>
+                                          <p:attrName>style.visibility</p:attrName>
+                                        </p:attrNameLst>
+                                      </p:cBhvr>
+                                      <p:to>
+                                        <p:strVal val="visible"/>
+                                      </p:to>
+                                    </p:set>
+                                    <p:anim calcmode="lin" valueType="num">
+                                      <p:cBhvr additive="base">
+                                        <p:cTn id="23" dur="500" fill="hold"/>
+                                        <p:tgtEl>
+                                          <p:spTgt spid="3">
+                                            <p:txEl>
+                                              <p:pRg st="11" end="11"/>
+                                            </p:txEl>
+                                          </p:spTgt>
+                                        </p:tgtEl>
+                                        <p:attrNameLst>
+                                          <p:attrName>ppt_x</p:attrName>
+                                        </p:attrNameLst>
+                                      </p:cBhvr>
+                                      <p:tavLst>
+                                        <p:tav tm="0">
+                                          <p:val>
+                                            <p:strVal val="#ppt_x"/>
+                                          </p:val>
+                                        </p:tav>
+                                        <p:tav tm="100000">
+                                          <p:val>
+                                            <p:strVal val="#ppt_x"/>
+                                          </p:val>
+                                        </p:tav>
+                                      </p:tavLst>
+                                    </p:anim>
+                                    <p:anim calcmode="lin" valueType="num">
+                                      <p:cBhvr additive="base">
+                                        <p:cTn id="24" dur="500" fill="hold"/>
+                                        <p:tgtEl>
+                                          <p:spTgt spid="3">
+                                            <p:txEl>
+                                              <p:pRg st="11" end="11"/>
+                                            </p:txEl>
+                                          </p:spTgt>
+                                        </p:tgtEl>
+                                        <p:attrNameLst>
+                                          <p:attrName>ppt_y</p:attrName>
+                                        </p:attrNameLst>
+                                      </p:cBhvr>
+                                      <p:tavLst>
+                                        <p:tav tm="0">
+                                          <p:val>
+                                            <p:strVal val="1+#ppt_h/2"/>
+                                          </p:val>
+                                        </p:tav>
+                                        <p:tav tm="100000">
+                                          <p:val>
+                                            <p:strVal val="#ppt_y"/>
+                                          </p:val>
+                                        </p:tav>
+                                      </p:tavLst>
+                                    </p:anim>
+                                  </p:childTnLst>
+                                </p:cTn>
+                              </p:par>
+                            </p:childTnLst>
+                          </p:cTn>
+                        </p:par>
+                      </p:childTnLst>
+                    </p:cTn>
+                  </p:par>
+                </p:childTnLst>
+              </p:cTn>
+              <p:prevCondLst>
+                <p:cond evt="onPrev" delay="0">
+                  <p:tgtEl>
+                    <p:sldTgt/>
+                  </p:tgtEl>
+                </p:cond>
+              </p:prevCondLst>
+              <p:nextCondLst>
+                <p:cond evt="onNext" delay="0">
+                  <p:tgtEl>
+                    <p:sldTgt/>
+                  </p:tgtEl>
+                </p:cond>
+              </p:nextCondLst>
+            </p:seq>
+          </p:childTnLst>
+        </p:cTn>
+      </p:par>
+    </p:tnLst>
+  </p:timing>
+</p:sld>
+</file>
+
+<file path=ppt/slides/slide26.xml><?xml version="1.0" encoding="utf-8"?>
+<p:sld xmlns:a="http://schemas.openxmlformats.org/drawingml/2006/main" xmlns:r="http://schemas.openxmlformats.org/officeDocument/2006/relationships" xmlns:p="http://schemas.openxmlformats.org/presentationml/2006/main">
+  <p:cSld>
+    <p:spTree>
+      <p:nvGrpSpPr>
+        <p:cNvPr id="1" name=""/>
+        <p:cNvGrpSpPr/>
+        <p:nvPr/>
+      </p:nvGrpSpPr>
+      <p:grpSpPr>
+        <a:xfrm>
+          <a:off x="0" y="0"/>
+          <a:ext cx="0" cy="0"/>
+          <a:chOff x="0" y="0"/>
+          <a:chExt cx="0" cy="0"/>
+        </a:xfrm>
+      </p:grpSpPr>
+      <p:sp>
+        <p:nvSpPr>
+          <p:cNvPr id="2" name="Title 1"/>
+          <p:cNvSpPr>
+            <a:spLocks noGrp="1"/>
+          </p:cNvSpPr>
+          <p:nvPr>
+            <p:ph type="title"/>
+          </p:nvPr>
+        </p:nvSpPr>
+        <p:spPr/>
+        <p:txBody>
+          <a:bodyPr/>
+          <a:lstStyle/>
+          <a:p>
+            <a:endParaRPr lang="en-US"/>
+          </a:p>
+        </p:txBody>
+      </p:sp>
+      <p:sp>
+        <p:nvSpPr>
+          <p:cNvPr id="3" name="Content Placeholder 2"/>
+          <p:cNvSpPr>
+            <a:spLocks noGrp="1"/>
+          </p:cNvSpPr>
+          <p:nvPr>
+            <p:ph idx="1"/>
+          </p:nvPr>
+        </p:nvSpPr>
+        <p:spPr>
+          <a:xfrm>
+            <a:off x="677334" y="609601"/>
+            <a:ext cx="8596668" cy="5431762"/>
+          </a:xfrm>
+        </p:spPr>
+        <p:txBody>
+          <a:bodyPr/>
+          <a:lstStyle/>
+          <a:p>
+            <a:r>
+              <a:rPr lang="en-US" dirty="0" smtClean="0"/>
+              <a:t>@Name Annotation: Annotation </a:t>
+            </a:r>
+            <a:r>
+              <a:rPr lang="en-US" dirty="0" err="1" smtClean="0"/>
+              <a:t>này</a:t>
+            </a:r>
+            <a:r>
+              <a:rPr lang="en-US" dirty="0" smtClean="0"/>
+              <a:t> </a:t>
+            </a:r>
+            <a:r>
+              <a:rPr lang="en-US" dirty="0" err="1" smtClean="0"/>
+              <a:t>giúp</a:t>
+            </a:r>
+            <a:r>
+              <a:rPr lang="en-US" dirty="0" smtClean="0"/>
+              <a:t> ta </a:t>
+            </a:r>
+            <a:r>
+              <a:rPr lang="en-US" dirty="0" err="1" smtClean="0"/>
+              <a:t>phân</a:t>
+            </a:r>
+            <a:r>
+              <a:rPr lang="en-US" dirty="0" smtClean="0"/>
+              <a:t> </a:t>
+            </a:r>
+            <a:r>
+              <a:rPr lang="en-US" dirty="0" err="1" smtClean="0"/>
+              <a:t>biệt</a:t>
+            </a:r>
+            <a:r>
+              <a:rPr lang="en-US" dirty="0" smtClean="0"/>
+              <a:t> </a:t>
+            </a:r>
+            <a:r>
+              <a:rPr lang="en-US" dirty="0" err="1" smtClean="0"/>
+              <a:t>được</a:t>
+            </a:r>
+            <a:r>
+              <a:rPr lang="en-US" dirty="0" smtClean="0"/>
+              <a:t> </a:t>
+            </a:r>
+            <a:r>
+              <a:rPr lang="en-US" dirty="0" err="1" smtClean="0"/>
+              <a:t>các</a:t>
+            </a:r>
+            <a:r>
+              <a:rPr lang="en-US" dirty="0" smtClean="0"/>
+              <a:t> Context</a:t>
+            </a:r>
+            <a:endParaRPr lang="en-US" dirty="0" smtClean="0"/>
+          </a:p>
+          <a:p>
+            <a:endParaRPr lang="en-US" dirty="0"/>
+          </a:p>
+        </p:txBody>
+      </p:sp>
+      <p:pic>
+        <p:nvPicPr>
+          <p:cNvPr id="4" name="Picture 3"/>
+          <p:cNvPicPr>
+            <a:picLocks noChangeAspect="1"/>
+          </p:cNvPicPr>
+          <p:nvPr/>
+        </p:nvPicPr>
+        <p:blipFill>
+          <a:blip r:embed="rId1">
+            <a:extLst>
+              <a:ext uri="{28A0092B-C50C-407E-A947-70E740481C1C}">
+                <a14:useLocalDpi xmlns:a14="http://schemas.microsoft.com/office/drawing/2010/main" val="0"/>
+              </a:ext>
+            </a:extLst>
+          </a:blip>
+          <a:stretch>
+            <a:fillRect/>
+          </a:stretch>
+        </p:blipFill>
+        <p:spPr>
+          <a:xfrm>
+            <a:off x="923458" y="1371862"/>
+            <a:ext cx="7355569" cy="4567619"/>
+          </a:xfrm>
+          <a:prstGeom prst="rect">
+            <a:avLst/>
+          </a:prstGeom>
+        </p:spPr>
+      </p:pic>
+    </p:spTree>
+  </p:cSld>
+  <p:clrMapOvr>
+    <a:masterClrMapping/>
+  </p:clrMapOvr>
+  <p:timing>
+    <p:tnLst>
+      <p:par>
+        <p:cTn id="1" dur="indefinite" restart="never" nodeType="tmRoot"/>
+      </p:par>
+    </p:tnLst>
+  </p:timing>
+</p:sld>
+</file>
+
+<file path=ppt/slides/slide27.xml><?xml version="1.0" encoding="utf-8"?>
+<p:sld xmlns:a="http://schemas.openxmlformats.org/drawingml/2006/main" xmlns:r="http://schemas.openxmlformats.org/officeDocument/2006/relationships" xmlns:p="http://schemas.openxmlformats.org/presentationml/2006/main">
+  <p:cSld>
+    <p:spTree>
+      <p:nvGrpSpPr>
+        <p:cNvPr id="1" name=""/>
+        <p:cNvGrpSpPr/>
+        <p:nvPr/>
+      </p:nvGrpSpPr>
+      <p:grpSpPr>
+        <a:xfrm>
+          <a:off x="0" y="0"/>
+          <a:ext cx="0" cy="0"/>
+          <a:chOff x="0" y="0"/>
+          <a:chExt cx="0" cy="0"/>
+        </a:xfrm>
+      </p:grpSpPr>
+      <p:sp>
+        <p:nvSpPr>
+          <p:cNvPr id="2" name="Title 1"/>
+          <p:cNvSpPr>
+            <a:spLocks noGrp="1"/>
+          </p:cNvSpPr>
+          <p:nvPr>
+            <p:ph type="title"/>
+          </p:nvPr>
+        </p:nvSpPr>
+        <p:spPr/>
+        <p:txBody>
+          <a:bodyPr/>
+          <a:lstStyle/>
+          <a:p>
+            <a:endParaRPr lang="en-US"/>
+          </a:p>
+        </p:txBody>
+      </p:sp>
+      <p:pic>
+        <p:nvPicPr>
+          <p:cNvPr id="4" name="Content Placeholder 3"/>
+          <p:cNvPicPr>
+            <a:picLocks noGrp="1" noChangeAspect="1"/>
+          </p:cNvPicPr>
+          <p:nvPr>
+            <p:ph idx="1"/>
+          </p:nvPr>
+        </p:nvPicPr>
+        <p:blipFill>
+          <a:blip r:embed="rId1">
+            <a:extLst>
+              <a:ext uri="{28A0092B-C50C-407E-A947-70E740481C1C}">
+                <a14:useLocalDpi xmlns:a14="http://schemas.microsoft.com/office/drawing/2010/main" val="0"/>
+              </a:ext>
+            </a:extLst>
+          </a:blip>
+          <a:stretch>
+            <a:fillRect/>
+          </a:stretch>
+        </p:blipFill>
+        <p:spPr>
+          <a:xfrm>
+            <a:off x="677334" y="609600"/>
+            <a:ext cx="5104853" cy="5066270"/>
+          </a:xfrm>
+        </p:spPr>
+      </p:pic>
+      <p:pic>
+        <p:nvPicPr>
+          <p:cNvPr id="5" name="Picture 4"/>
+          <p:cNvPicPr>
+            <a:picLocks noChangeAspect="1"/>
+          </p:cNvPicPr>
+          <p:nvPr/>
+        </p:nvPicPr>
+        <p:blipFill>
+          <a:blip r:embed="rId2">
+            <a:extLst>
+              <a:ext uri="{28A0092B-C50C-407E-A947-70E740481C1C}">
+                <a14:useLocalDpi xmlns:a14="http://schemas.microsoft.com/office/drawing/2010/main" val="0"/>
+              </a:ext>
+            </a:extLst>
+          </a:blip>
+          <a:stretch>
+            <a:fillRect/>
+          </a:stretch>
+        </p:blipFill>
+        <p:spPr>
+          <a:xfrm>
+            <a:off x="5782187" y="4410157"/>
+            <a:ext cx="717467" cy="1183821"/>
+          </a:xfrm>
+          <a:prstGeom prst="rect">
+            <a:avLst/>
+          </a:prstGeom>
+        </p:spPr>
+      </p:pic>
+    </p:spTree>
+  </p:cSld>
+  <p:clrMapOvr>
+    <a:masterClrMapping/>
+  </p:clrMapOvr>
+  <p:timing>
+    <p:tnLst>
+      <p:par>
+        <p:cTn id="1" dur="indefinite" restart="never" nodeType="tmRoot"/>
+      </p:par>
+    </p:tnLst>
+  </p:timing>
+</p:sld>
+</file>
+
+<file path=ppt/slides/slide28.xml><?xml version="1.0" encoding="utf-8"?>
+<p:sld xmlns:a="http://schemas.openxmlformats.org/drawingml/2006/main" xmlns:r="http://schemas.openxmlformats.org/officeDocument/2006/relationships" xmlns:p="http://schemas.openxmlformats.org/presentationml/2006/main">
+  <p:cSld>
+    <p:spTree>
+      <p:nvGrpSpPr>
+        <p:cNvPr id="1" name=""/>
+        <p:cNvGrpSpPr/>
+        <p:nvPr/>
+      </p:nvGrpSpPr>
+      <p:grpSpPr>
+        <a:xfrm>
+          <a:off x="0" y="0"/>
+          <a:ext cx="0" cy="0"/>
+          <a:chOff x="0" y="0"/>
+          <a:chExt cx="0" cy="0"/>
+        </a:xfrm>
+      </p:grpSpPr>
+      <p:sp>
+        <p:nvSpPr>
+          <p:cNvPr id="2" name="Title 1"/>
+          <p:cNvSpPr>
+            <a:spLocks noGrp="1"/>
+          </p:cNvSpPr>
+          <p:nvPr>
+            <p:ph type="title"/>
+          </p:nvPr>
+        </p:nvSpPr>
+        <p:spPr/>
+        <p:txBody>
+          <a:bodyPr/>
+          <a:lstStyle/>
+          <a:p>
+            <a:endParaRPr lang="en-US"/>
+          </a:p>
+        </p:txBody>
+      </p:sp>
+      <p:sp>
+        <p:nvSpPr>
+          <p:cNvPr id="3" name="Content Placeholder 2"/>
+          <p:cNvSpPr>
+            <a:spLocks noGrp="1"/>
+          </p:cNvSpPr>
+          <p:nvPr>
+            <p:ph idx="1"/>
+          </p:nvPr>
+        </p:nvSpPr>
+        <p:spPr>
+          <a:xfrm>
+            <a:off x="677334" y="609601"/>
+            <a:ext cx="8596668" cy="5431762"/>
+          </a:xfrm>
+        </p:spPr>
+        <p:txBody>
+          <a:bodyPr/>
+          <a:lstStyle/>
+          <a:p>
+            <a:r>
+              <a:rPr lang="en-US" dirty="0" smtClean="0"/>
+              <a:t>@Qualifier Annotation: </a:t>
+            </a:r>
+            <a:r>
+              <a:rPr lang="en-US" dirty="0" err="1" smtClean="0"/>
+              <a:t>Như</a:t>
+            </a:r>
+            <a:r>
+              <a:rPr lang="en-US" dirty="0" smtClean="0"/>
+              <a:t> </a:t>
+            </a:r>
+            <a:r>
+              <a:rPr lang="en-US" dirty="0" err="1" smtClean="0"/>
+              <a:t>một</a:t>
+            </a:r>
+            <a:r>
+              <a:rPr lang="en-US" dirty="0" smtClean="0"/>
+              <a:t> </a:t>
+            </a:r>
+            <a:r>
+              <a:rPr lang="en-US" dirty="0" err="1" smtClean="0"/>
+              <a:t>cách</a:t>
+            </a:r>
+            <a:r>
+              <a:rPr lang="en-US" dirty="0" smtClean="0"/>
+              <a:t> </a:t>
+            </a:r>
+            <a:r>
+              <a:rPr lang="en-US" dirty="0" err="1" smtClean="0"/>
+              <a:t>để</a:t>
+            </a:r>
+            <a:r>
+              <a:rPr lang="en-US" dirty="0" smtClean="0"/>
+              <a:t> </a:t>
+            </a:r>
+            <a:r>
+              <a:rPr lang="en-US" dirty="0" err="1" smtClean="0"/>
+              <a:t>thay</a:t>
+            </a:r>
+            <a:r>
+              <a:rPr lang="en-US" dirty="0" smtClean="0"/>
+              <a:t> </a:t>
+            </a:r>
+            <a:r>
+              <a:rPr lang="en-US" dirty="0" err="1" smtClean="0"/>
+              <a:t>thế</a:t>
+            </a:r>
+            <a:r>
+              <a:rPr lang="en-US" dirty="0" smtClean="0"/>
+              <a:t> @Name. </a:t>
+            </a:r>
+            <a:r>
+              <a:rPr lang="en-US" dirty="0" err="1" smtClean="0"/>
+              <a:t>Để</a:t>
+            </a:r>
+            <a:r>
+              <a:rPr lang="en-US" dirty="0" smtClean="0"/>
+              <a:t> </a:t>
+            </a:r>
+            <a:r>
+              <a:rPr lang="en-US" dirty="0" err="1" smtClean="0"/>
+              <a:t>sử</a:t>
+            </a:r>
+            <a:r>
+              <a:rPr lang="en-US" dirty="0" smtClean="0"/>
+              <a:t> </a:t>
+            </a:r>
+            <a:r>
+              <a:rPr lang="en-US" dirty="0" err="1" smtClean="0"/>
+              <a:t>dụng</a:t>
+            </a:r>
+            <a:r>
+              <a:rPr lang="en-US" dirty="0" smtClean="0"/>
+              <a:t> Annotation </a:t>
+            </a:r>
+            <a:r>
+              <a:rPr lang="en-US" dirty="0" err="1" smtClean="0"/>
+              <a:t>này</a:t>
+            </a:r>
+            <a:r>
+              <a:rPr lang="en-US" dirty="0" smtClean="0"/>
+              <a:t> ta </a:t>
+            </a:r>
+            <a:r>
+              <a:rPr lang="en-US" dirty="0" err="1" smtClean="0"/>
+              <a:t>cần</a:t>
+            </a:r>
+            <a:r>
+              <a:rPr lang="en-US" dirty="0" smtClean="0"/>
+              <a:t> </a:t>
+            </a:r>
+            <a:r>
+              <a:rPr lang="en-US" dirty="0" err="1" smtClean="0"/>
+              <a:t>tạo</a:t>
+            </a:r>
+            <a:r>
+              <a:rPr lang="en-US" dirty="0" smtClean="0"/>
+              <a:t> </a:t>
+            </a:r>
+            <a:r>
+              <a:rPr lang="en-US" dirty="0" err="1" smtClean="0"/>
+              <a:t>một</a:t>
+            </a:r>
+            <a:r>
+              <a:rPr lang="en-US" dirty="0" smtClean="0"/>
+              <a:t> @interface</a:t>
+            </a:r>
+            <a:endParaRPr lang="en-US" dirty="0"/>
+          </a:p>
+        </p:txBody>
+      </p:sp>
+      <p:pic>
+        <p:nvPicPr>
+          <p:cNvPr id="4" name="Picture 3"/>
+          <p:cNvPicPr>
+            <a:picLocks noChangeAspect="1"/>
+          </p:cNvPicPr>
+          <p:nvPr/>
+        </p:nvPicPr>
+        <p:blipFill>
+          <a:blip r:embed="rId1">
+            <a:extLst>
+              <a:ext uri="{28A0092B-C50C-407E-A947-70E740481C1C}">
+                <a14:useLocalDpi xmlns:a14="http://schemas.microsoft.com/office/drawing/2010/main" val="0"/>
+              </a:ext>
+            </a:extLst>
+          </a:blip>
+          <a:stretch>
+            <a:fillRect/>
+          </a:stretch>
+        </p:blipFill>
+        <p:spPr>
+          <a:xfrm>
+            <a:off x="984714" y="1624776"/>
+            <a:ext cx="6744641" cy="476316"/>
+          </a:xfrm>
+          <a:prstGeom prst="rect">
+            <a:avLst/>
+          </a:prstGeom>
+        </p:spPr>
+      </p:pic>
+      <p:pic>
+        <p:nvPicPr>
+          <p:cNvPr id="5" name="Picture 4"/>
+          <p:cNvPicPr>
+            <a:picLocks noChangeAspect="1"/>
+          </p:cNvPicPr>
+          <p:nvPr/>
+        </p:nvPicPr>
+        <p:blipFill>
+          <a:blip r:embed="rId2">
+            <a:extLst>
+              <a:ext uri="{28A0092B-C50C-407E-A947-70E740481C1C}">
+                <a14:useLocalDpi xmlns:a14="http://schemas.microsoft.com/office/drawing/2010/main" val="0"/>
+              </a:ext>
+            </a:extLst>
+          </a:blip>
+          <a:stretch>
+            <a:fillRect/>
+          </a:stretch>
+        </p:blipFill>
+        <p:spPr>
+          <a:xfrm>
+            <a:off x="1051398" y="2748100"/>
+            <a:ext cx="6677957" cy="1724266"/>
+          </a:xfrm>
+          <a:prstGeom prst="rect">
+            <a:avLst/>
+          </a:prstGeom>
+        </p:spPr>
+      </p:pic>
+    </p:spTree>
+  </p:cSld>
+  <p:clrMapOvr>
+    <a:masterClrMapping/>
+  </p:clrMapOvr>
+  <p:timing>
+    <p:tnLst>
+      <p:par>
+        <p:cTn id="1" dur="indefinite" restart="never" nodeType="tmRoot"/>
+      </p:par>
+    </p:tnLst>
+  </p:timing>
+</p:sld>
+</file>
+
 <file path=ppt/slides/slide29.xml><?xml version="1.0" encoding="utf-8"?>
 <p:sld xmlns:a="http://schemas.openxmlformats.org/drawingml/2006/main" xmlns:r="http://schemas.openxmlformats.org/officeDocument/2006/relationships" xmlns:p="http://schemas.openxmlformats.org/presentationml/2006/main">
   <p:cSld>
@@ -20466,9 +20585,39 @@
         </p:blipFill>
         <p:spPr>
           <a:xfrm>
-            <a:off x="677333" y="609600"/>
-            <a:ext cx="6687293" cy="5522831"/>
+            <a:off x="677334" y="609600"/>
+            <a:ext cx="6036504" cy="5025081"/>
           </a:xfrm>
+        </p:spPr>
+      </p:pic>
+      <p:pic>
+        <p:nvPicPr>
+          <p:cNvPr id="5" name="Picture 4"/>
+          <p:cNvPicPr>
+            <a:picLocks noChangeAspect="1"/>
+          </p:cNvPicPr>
+          <p:nvPr/>
+        </p:nvPicPr>
+        <p:blipFill>
+          <a:blip r:embed="rId2">
+            <a:extLst>
+              <a:ext uri="{28A0092B-C50C-407E-A947-70E740481C1C}">
+                <a14:useLocalDpi xmlns:a14="http://schemas.microsoft.com/office/drawing/2010/main" val="0"/>
+              </a:ext>
+            </a:extLst>
+          </a:blip>
+          <a:stretch>
+            <a:fillRect/>
+          </a:stretch>
+        </p:blipFill>
+        <p:spPr>
+          <a:xfrm>
+            <a:off x="6713838" y="4200895"/>
+            <a:ext cx="152421" cy="219106"/>
+          </a:xfrm>
+          <a:prstGeom prst="rect">
+            <a:avLst/>
+          </a:prstGeom>
         </p:spPr>
       </p:pic>
     </p:spTree>
@@ -21459,14 +21608,7 @@
         <p:cNvGrpSpPr/>
         <p:nvPr/>
       </p:nvGrpSpPr>
-      <p:grpSpPr>
-        <a:xfrm>
-          <a:off x="0" y="0"/>
-          <a:ext cx="0" cy="0"/>
-          <a:chOff x="0" y="0"/>
-          <a:chExt cx="0" cy="0"/>
-        </a:xfrm>
-      </p:grpSpPr>
+      <p:grpSpPr/>
       <p:sp>
         <p:nvSpPr>
           <p:cNvPr id="2" name="Title 1"/>
@@ -21480,9 +21622,24 @@
         <p:spPr/>
         <p:txBody>
           <a:bodyPr/>
-          <a:lstStyle/>
-          <a:p>
-            <a:endParaRPr lang="en-US" dirty="0"/>
+          <a:p>
+            <a:r>
+              <a:rPr lang="en-US">
+                <a:solidFill>
+                  <a:schemeClr val="tx2">
+                    <a:lumMod val="50000"/>
+                  </a:schemeClr>
+                </a:solidFill>
+              </a:rPr>
+              <a:t>Tạo multiple components</a:t>
+            </a:r>
+            <a:endParaRPr lang="en-US">
+              <a:solidFill>
+                <a:schemeClr val="tx2">
+                  <a:lumMod val="50000"/>
+                </a:schemeClr>
+              </a:solidFill>
+            </a:endParaRPr>
           </a:p>
         </p:txBody>
       </p:sp>
@@ -21493,521 +21650,86 @@
             <a:spLocks noGrp="1"/>
           </p:cNvSpPr>
           <p:nvPr>
-            <p:ph idx="1"/>
+            <p:ph sz="half" idx="1"/>
           </p:nvPr>
         </p:nvSpPr>
         <p:spPr>
           <a:xfrm>
-            <a:off x="677334" y="609601"/>
-            <a:ext cx="8596668" cy="5431762"/>
+            <a:off x="677545" y="1489075"/>
+            <a:ext cx="8596630" cy="3880485"/>
           </a:xfrm>
         </p:spPr>
         <p:txBody>
-          <a:bodyPr>
-            <a:normAutofit/>
-          </a:bodyPr>
-          <a:lstStyle/>
-          <a:p>
-            <a:r>
-              <a:rPr lang="en-US" dirty="0" err="1" smtClean="0"/>
-              <a:t>Bây</a:t>
-            </a:r>
-            <a:r>
-              <a:rPr lang="en-US" dirty="0" smtClean="0"/>
-              <a:t> </a:t>
-            </a:r>
-            <a:r>
-              <a:rPr lang="en-US" dirty="0" err="1" smtClean="0"/>
-              <a:t>giờ</a:t>
-            </a:r>
-            <a:r>
-              <a:rPr lang="en-US" dirty="0" smtClean="0"/>
-              <a:t> </a:t>
-            </a:r>
-            <a:r>
-              <a:rPr lang="en-US" dirty="0" err="1" smtClean="0"/>
-              <a:t>còn</a:t>
-            </a:r>
-            <a:r>
-              <a:rPr lang="en-US" dirty="0" smtClean="0"/>
-              <a:t> </a:t>
-            </a:r>
-            <a:r>
-              <a:rPr lang="en-US" dirty="0" err="1" smtClean="0"/>
-              <a:t>một</a:t>
-            </a:r>
-            <a:r>
-              <a:rPr lang="en-US" dirty="0" smtClean="0"/>
-              <a:t> </a:t>
-            </a:r>
-            <a:r>
-              <a:rPr lang="en-US" dirty="0" err="1" smtClean="0"/>
-              <a:t>vần</a:t>
-            </a:r>
-            <a:r>
-              <a:rPr lang="en-US" dirty="0" smtClean="0"/>
-              <a:t> </a:t>
-            </a:r>
-            <a:r>
-              <a:rPr lang="en-US" dirty="0" err="1" smtClean="0"/>
-              <a:t>đề</a:t>
-            </a:r>
-            <a:endParaRPr lang="en-US" dirty="0" smtClean="0"/>
-          </a:p>
-          <a:p>
-            <a:pPr lvl="1"/>
-            <a:r>
-              <a:rPr lang="en-US" dirty="0" err="1" smtClean="0"/>
-              <a:t>Trong</a:t>
-            </a:r>
-            <a:r>
-              <a:rPr lang="en-US" dirty="0" smtClean="0"/>
-              <a:t> </a:t>
-            </a:r>
-            <a:r>
-              <a:rPr lang="en-US" dirty="0" err="1" smtClean="0"/>
-              <a:t>thực</a:t>
-            </a:r>
-            <a:r>
-              <a:rPr lang="en-US" dirty="0" smtClean="0"/>
-              <a:t> </a:t>
-            </a:r>
-            <a:r>
-              <a:rPr lang="en-US" dirty="0" err="1" smtClean="0"/>
-              <a:t>tế</a:t>
-            </a:r>
-            <a:r>
-              <a:rPr lang="en-US" dirty="0" smtClean="0"/>
-              <a:t> </a:t>
-            </a:r>
-            <a:r>
-              <a:rPr lang="en-US" dirty="0" err="1" smtClean="0"/>
-              <a:t>thì</a:t>
-            </a:r>
-            <a:r>
-              <a:rPr lang="en-US" dirty="0" smtClean="0"/>
-              <a:t> </a:t>
-            </a:r>
-            <a:r>
-              <a:rPr lang="en-US" dirty="0" err="1" smtClean="0"/>
-              <a:t>mỗi</a:t>
-            </a:r>
-            <a:r>
-              <a:rPr lang="en-US" dirty="0" smtClean="0"/>
-              <a:t> </a:t>
-            </a:r>
-            <a:r>
-              <a:rPr lang="en-US" dirty="0" err="1" smtClean="0"/>
-              <a:t>ứng</a:t>
-            </a:r>
-            <a:r>
-              <a:rPr lang="en-US" dirty="0" smtClean="0"/>
-              <a:t> </a:t>
-            </a:r>
-            <a:r>
-              <a:rPr lang="en-US" dirty="0" err="1" smtClean="0"/>
-              <a:t>dụng</a:t>
-            </a:r>
-            <a:r>
-              <a:rPr lang="en-US" dirty="0" smtClean="0"/>
-              <a:t> </a:t>
-            </a:r>
-            <a:r>
-              <a:rPr lang="en-US" dirty="0" err="1" smtClean="0"/>
-              <a:t>đều</a:t>
-            </a:r>
-            <a:r>
-              <a:rPr lang="en-US" dirty="0" smtClean="0"/>
-              <a:t> </a:t>
-            </a:r>
-            <a:r>
-              <a:rPr lang="en-US" dirty="0" err="1" smtClean="0"/>
-              <a:t>dùng</a:t>
-            </a:r>
-            <a:r>
-              <a:rPr lang="en-US" dirty="0" smtClean="0"/>
-              <a:t> 2 </a:t>
-            </a:r>
-            <a:r>
-              <a:rPr lang="en-US" dirty="0" err="1" smtClean="0"/>
-              <a:t>kiểu</a:t>
-            </a:r>
-            <a:r>
-              <a:rPr lang="en-US" dirty="0" smtClean="0"/>
-              <a:t> Context: </a:t>
-            </a:r>
-            <a:r>
-              <a:rPr lang="en-US" dirty="0" err="1" smtClean="0"/>
-              <a:t>ApplicationContext</a:t>
-            </a:r>
-            <a:r>
-              <a:rPr lang="en-US" dirty="0" smtClean="0"/>
-              <a:t> </a:t>
-            </a:r>
-            <a:r>
-              <a:rPr lang="en-US" dirty="0" err="1" smtClean="0"/>
-              <a:t>và</a:t>
-            </a:r>
-            <a:r>
-              <a:rPr lang="en-US" dirty="0" smtClean="0"/>
-              <a:t> Activity. </a:t>
-            </a:r>
-            <a:r>
-              <a:rPr lang="en-US" dirty="0" err="1" smtClean="0"/>
-              <a:t>Vì</a:t>
-            </a:r>
-            <a:r>
-              <a:rPr lang="en-US" dirty="0" smtClean="0"/>
-              <a:t> </a:t>
-            </a:r>
-            <a:r>
-              <a:rPr lang="en-US" dirty="0" err="1" smtClean="0"/>
-              <a:t>vậy</a:t>
-            </a:r>
-            <a:r>
-              <a:rPr lang="en-US" dirty="0" smtClean="0"/>
-              <a:t> ta </a:t>
-            </a:r>
-            <a:r>
-              <a:rPr lang="en-US" dirty="0" err="1" smtClean="0"/>
-              <a:t>sẽ</a:t>
-            </a:r>
-            <a:r>
-              <a:rPr lang="en-US" dirty="0" smtClean="0"/>
-              <a:t> </a:t>
-            </a:r>
-            <a:r>
-              <a:rPr lang="en-US" dirty="0" err="1" smtClean="0"/>
-              <a:t>tạo</a:t>
-            </a:r>
-            <a:r>
-              <a:rPr lang="en-US" dirty="0" smtClean="0"/>
-              <a:t> them </a:t>
-            </a:r>
-            <a:r>
-              <a:rPr lang="en-US" dirty="0" err="1" smtClean="0"/>
-              <a:t>một</a:t>
-            </a:r>
-            <a:r>
-              <a:rPr lang="en-US" dirty="0" smtClean="0"/>
-              <a:t> Module </a:t>
-            </a:r>
-            <a:r>
-              <a:rPr lang="en-US" dirty="0" err="1" smtClean="0"/>
-              <a:t>ActivityModule</a:t>
-            </a:r>
-            <a:r>
-              <a:rPr lang="en-US" dirty="0" smtClean="0"/>
-              <a:t> </a:t>
-            </a:r>
-            <a:r>
-              <a:rPr lang="en-US" dirty="0" err="1" smtClean="0"/>
-              <a:t>để</a:t>
-            </a:r>
-            <a:r>
-              <a:rPr lang="en-US" dirty="0" smtClean="0"/>
-              <a:t> </a:t>
-            </a:r>
-            <a:r>
-              <a:rPr lang="en-US" dirty="0" err="1" smtClean="0"/>
-              <a:t>cung</a:t>
-            </a:r>
-            <a:r>
-              <a:rPr lang="en-US" dirty="0" smtClean="0"/>
-              <a:t> </a:t>
-            </a:r>
-            <a:r>
-              <a:rPr lang="en-US" dirty="0" err="1" smtClean="0"/>
-              <a:t>cấp</a:t>
-            </a:r>
-            <a:r>
-              <a:rPr lang="en-US" dirty="0" smtClean="0"/>
-              <a:t> </a:t>
-            </a:r>
-            <a:r>
-              <a:rPr lang="en-US" dirty="0" err="1" smtClean="0"/>
-              <a:t>Acitvity</a:t>
-            </a:r>
-            <a:r>
-              <a:rPr lang="en-US" dirty="0" smtClean="0"/>
-              <a:t> Context</a:t>
-            </a:r>
-            <a:endParaRPr lang="en-US" dirty="0" smtClean="0"/>
-          </a:p>
-          <a:p>
-            <a:pPr lvl="1"/>
-            <a:endParaRPr lang="en-US" dirty="0"/>
-          </a:p>
-          <a:p>
-            <a:pPr lvl="1"/>
-            <a:endParaRPr lang="en-US" dirty="0" smtClean="0"/>
-          </a:p>
-          <a:p>
-            <a:pPr lvl="1"/>
-            <a:endParaRPr lang="en-US" dirty="0"/>
-          </a:p>
-          <a:p>
-            <a:pPr lvl="1"/>
-            <a:endParaRPr lang="en-US" dirty="0" smtClean="0"/>
-          </a:p>
-          <a:p>
-            <a:pPr lvl="1"/>
-            <a:endParaRPr lang="en-US" dirty="0"/>
-          </a:p>
-          <a:p>
-            <a:pPr lvl="1"/>
-            <a:endParaRPr lang="en-US" dirty="0" smtClean="0"/>
-          </a:p>
-          <a:p>
-            <a:pPr lvl="1"/>
-            <a:endParaRPr lang="en-US" dirty="0"/>
-          </a:p>
-          <a:p>
-            <a:pPr lvl="1"/>
-            <a:endParaRPr lang="en-US" dirty="0" smtClean="0"/>
-          </a:p>
-          <a:p>
-            <a:pPr lvl="1"/>
-            <a:endParaRPr lang="en-US" dirty="0"/>
-          </a:p>
-          <a:p>
-            <a:pPr lvl="1"/>
-            <a:r>
-              <a:rPr lang="en-US" dirty="0" err="1" smtClean="0"/>
-              <a:t>Tuy</a:t>
-            </a:r>
-            <a:r>
-              <a:rPr lang="en-US" dirty="0" smtClean="0"/>
-              <a:t> </a:t>
-            </a:r>
-            <a:r>
-              <a:rPr lang="en-US" dirty="0" err="1" smtClean="0"/>
-              <a:t>vậy</a:t>
-            </a:r>
-            <a:r>
-              <a:rPr lang="en-US" dirty="0" smtClean="0"/>
-              <a:t> </a:t>
-            </a:r>
-            <a:r>
-              <a:rPr lang="en-US" dirty="0" err="1" smtClean="0"/>
-              <a:t>thì</a:t>
-            </a:r>
-            <a:r>
-              <a:rPr lang="en-US" dirty="0" smtClean="0"/>
-              <a:t> </a:t>
-            </a:r>
-            <a:r>
-              <a:rPr lang="en-US" dirty="0" err="1" smtClean="0"/>
-              <a:t>vẫn</a:t>
-            </a:r>
-            <a:r>
-              <a:rPr lang="en-US" dirty="0" smtClean="0"/>
-              <a:t> </a:t>
-            </a:r>
-            <a:r>
-              <a:rPr lang="en-US" dirty="0" err="1" smtClean="0"/>
-              <a:t>chưa</a:t>
-            </a:r>
-            <a:r>
-              <a:rPr lang="en-US" dirty="0" smtClean="0"/>
-              <a:t> </a:t>
-            </a:r>
-            <a:r>
-              <a:rPr lang="en-US" dirty="0" err="1" smtClean="0"/>
-              <a:t>giải</a:t>
-            </a:r>
-            <a:r>
-              <a:rPr lang="en-US" dirty="0" smtClean="0"/>
-              <a:t> </a:t>
-            </a:r>
-            <a:r>
-              <a:rPr lang="en-US" dirty="0" err="1" smtClean="0"/>
-              <a:t>quyết</a:t>
-            </a:r>
-            <a:r>
-              <a:rPr lang="en-US" dirty="0" smtClean="0"/>
-              <a:t> </a:t>
-            </a:r>
-            <a:r>
-              <a:rPr lang="en-US" dirty="0" err="1" smtClean="0"/>
-              <a:t>được</a:t>
-            </a:r>
-            <a:r>
-              <a:rPr lang="en-US" dirty="0" smtClean="0"/>
-              <a:t> </a:t>
-            </a:r>
-            <a:r>
-              <a:rPr lang="en-US" dirty="0" err="1" smtClean="0"/>
-              <a:t>vấn</a:t>
-            </a:r>
-            <a:r>
-              <a:rPr lang="en-US" dirty="0" smtClean="0"/>
-              <a:t> </a:t>
-            </a:r>
-            <a:r>
-              <a:rPr lang="en-US" dirty="0" err="1" smtClean="0"/>
-              <a:t>đề</a:t>
-            </a:r>
-            <a:r>
-              <a:rPr lang="en-US" dirty="0" smtClean="0"/>
-              <a:t> </a:t>
-            </a:r>
-            <a:r>
-              <a:rPr lang="en-US" dirty="0" err="1" smtClean="0"/>
-              <a:t>bởi</a:t>
-            </a:r>
-            <a:r>
-              <a:rPr lang="en-US" dirty="0" smtClean="0"/>
-              <a:t> </a:t>
-            </a:r>
-            <a:r>
-              <a:rPr lang="en-US" dirty="0" err="1" smtClean="0"/>
-              <a:t>vì</a:t>
-            </a:r>
-            <a:r>
-              <a:rPr lang="en-US" dirty="0" smtClean="0"/>
-              <a:t> Dagger2 </a:t>
-            </a:r>
-            <a:r>
-              <a:rPr lang="en-US" dirty="0" err="1" smtClean="0"/>
-              <a:t>sẽ</a:t>
-            </a:r>
-            <a:r>
-              <a:rPr lang="en-US" dirty="0" smtClean="0"/>
-              <a:t> </a:t>
-            </a:r>
-            <a:r>
-              <a:rPr lang="en-US" dirty="0" err="1" smtClean="0"/>
-              <a:t>bị</a:t>
-            </a:r>
-            <a:r>
-              <a:rPr lang="en-US" dirty="0" smtClean="0"/>
-              <a:t> </a:t>
-            </a:r>
-            <a:r>
-              <a:rPr lang="en-US" dirty="0" err="1" smtClean="0"/>
-              <a:t>bối</a:t>
-            </a:r>
-            <a:r>
-              <a:rPr lang="en-US" dirty="0" smtClean="0"/>
-              <a:t> </a:t>
-            </a:r>
-            <a:r>
-              <a:rPr lang="en-US" dirty="0" err="1" smtClean="0"/>
-              <a:t>rối</a:t>
-            </a:r>
-            <a:r>
-              <a:rPr lang="en-US" dirty="0" smtClean="0"/>
-              <a:t> </a:t>
-            </a:r>
-            <a:r>
-              <a:rPr lang="en-US" dirty="0" err="1" smtClean="0"/>
-              <a:t>bởi</a:t>
-            </a:r>
-            <a:r>
-              <a:rPr lang="en-US" dirty="0" smtClean="0"/>
-              <a:t> </a:t>
-            </a:r>
-            <a:r>
-              <a:rPr lang="en-US" dirty="0" err="1" smtClean="0"/>
-              <a:t>vì</a:t>
-            </a:r>
-            <a:r>
-              <a:rPr lang="en-US" dirty="0" smtClean="0"/>
-              <a:t> </a:t>
-            </a:r>
-            <a:r>
-              <a:rPr lang="en-US" dirty="0" err="1" smtClean="0"/>
-              <a:t>có</a:t>
-            </a:r>
-            <a:r>
-              <a:rPr lang="en-US" dirty="0" smtClean="0"/>
-              <a:t> 2 Module </a:t>
-            </a:r>
-            <a:r>
-              <a:rPr lang="en-US" dirty="0" err="1" smtClean="0"/>
-              <a:t>cung</a:t>
-            </a:r>
-            <a:r>
-              <a:rPr lang="en-US" dirty="0" smtClean="0"/>
-              <a:t> </a:t>
-            </a:r>
-            <a:r>
-              <a:rPr lang="en-US" dirty="0" err="1" smtClean="0"/>
-              <a:t>cấp</a:t>
-            </a:r>
-            <a:r>
-              <a:rPr lang="en-US" dirty="0" smtClean="0"/>
-              <a:t> Context </a:t>
-            </a:r>
-            <a:r>
-              <a:rPr lang="en-US" dirty="0" err="1" smtClean="0"/>
-              <a:t>và</a:t>
-            </a:r>
-            <a:r>
-              <a:rPr lang="en-US" dirty="0" smtClean="0"/>
-              <a:t> </a:t>
-            </a:r>
-            <a:r>
-              <a:rPr lang="en-US" dirty="0" err="1" smtClean="0"/>
-              <a:t>nó</a:t>
-            </a:r>
-            <a:r>
-              <a:rPr lang="en-US" dirty="0" smtClean="0"/>
-              <a:t> </a:t>
-            </a:r>
-            <a:r>
-              <a:rPr lang="en-US" dirty="0" err="1" smtClean="0"/>
-              <a:t>sẽ</a:t>
-            </a:r>
-            <a:r>
-              <a:rPr lang="en-US" dirty="0" smtClean="0"/>
-              <a:t> throw </a:t>
-            </a:r>
-            <a:r>
-              <a:rPr lang="en-US" dirty="0" err="1" smtClean="0"/>
-              <a:t>ra</a:t>
-            </a:r>
-            <a:r>
-              <a:rPr lang="en-US" dirty="0" smtClean="0"/>
-              <a:t> </a:t>
-            </a:r>
-            <a:r>
-              <a:rPr lang="en-US" dirty="0" err="1" smtClean="0"/>
-              <a:t>lỗi</a:t>
-            </a:r>
-            <a:r>
-              <a:rPr lang="en-US" dirty="0" smtClean="0"/>
-              <a:t>.</a:t>
-            </a:r>
-            <a:endParaRPr lang="en-US" dirty="0"/>
+          <a:bodyPr/>
+          <a:p>
+            <a:r>
+              <a:rPr lang="en-US"/>
+              <a:t>Bước 1: Tạo Activity level scope</a:t>
+            </a:r>
+            <a:endParaRPr lang="en-US"/>
+          </a:p>
+          <a:p>
+            <a:endParaRPr lang="en-US"/>
+          </a:p>
+          <a:p>
+            <a:endParaRPr lang="en-US"/>
+          </a:p>
+          <a:p>
+            <a:r>
+              <a:rPr lang="en-US"/>
+              <a:t>Bước 2: Tạo Component cho MainActivity</a:t>
+            </a:r>
+            <a:endParaRPr lang="en-US"/>
+          </a:p>
+          <a:p>
+            <a:endParaRPr lang="en-US"/>
           </a:p>
         </p:txBody>
       </p:sp>
       <p:pic>
         <p:nvPicPr>
-          <p:cNvPr id="4" name="Picture 3"/>
+          <p:cNvPr id="4" name="Content Placeholder 3" descr="Capture1"/>
+          <p:cNvPicPr>
+            <a:picLocks noChangeAspect="1"/>
+          </p:cNvPicPr>
+          <p:nvPr>
+            <p:ph sz="half" idx="2"/>
+          </p:nvPr>
+        </p:nvPicPr>
+        <p:blipFill>
+          <a:blip r:embed="rId1"/>
+          <a:stretch>
+            <a:fillRect/>
+          </a:stretch>
+        </p:blipFill>
+        <p:spPr>
+          <a:xfrm>
+            <a:off x="1090295" y="1930400"/>
+            <a:ext cx="6706235" cy="601980"/>
+          </a:xfrm>
+          <a:prstGeom prst="rect">
+            <a:avLst/>
+          </a:prstGeom>
+        </p:spPr>
+      </p:pic>
+      <p:pic>
+        <p:nvPicPr>
+          <p:cNvPr id="5" name="Picture 4" descr="Capture2"/>
           <p:cNvPicPr>
             <a:picLocks noChangeAspect="1"/>
           </p:cNvPicPr>
           <p:nvPr/>
         </p:nvPicPr>
         <p:blipFill>
-          <a:blip r:embed="rId1">
-            <a:extLst>
-              <a:ext uri="{28A0092B-C50C-407E-A947-70E740481C1C}">
-                <a14:useLocalDpi xmlns:a14="http://schemas.microsoft.com/office/drawing/2010/main" val="0"/>
-              </a:ext>
-            </a:extLst>
-          </a:blip>
+          <a:blip r:embed="rId2"/>
           <a:stretch>
             <a:fillRect/>
           </a:stretch>
         </p:blipFill>
         <p:spPr>
           <a:xfrm>
-            <a:off x="1090400" y="2046394"/>
-            <a:ext cx="7163913" cy="2937498"/>
+            <a:off x="1090295" y="3435985"/>
+            <a:ext cx="6706235" cy="2252345"/>
           </a:xfrm>
           <a:prstGeom prst="rect">
             <a:avLst/>
@@ -22019,418 +21741,6 @@
   <p:clrMapOvr>
     <a:masterClrMapping/>
   </p:clrMapOvr>
-  <p:timing>
-    <p:tnLst>
-      <p:par>
-        <p:cTn id="1" dur="indefinite" restart="never" nodeType="tmRoot">
-          <p:childTnLst>
-            <p:seq concurrent="1" nextAc="seek">
-              <p:cTn id="2" dur="indefinite" nodeType="mainSeq">
-                <p:childTnLst>
-                  <p:par>
-                    <p:cTn id="3" fill="hold">
-                      <p:stCondLst>
-                        <p:cond delay="indefinite"/>
-                      </p:stCondLst>
-                      <p:childTnLst>
-                        <p:par>
-                          <p:cTn id="4" fill="hold">
-                            <p:stCondLst>
-                              <p:cond delay="0"/>
-                            </p:stCondLst>
-                            <p:childTnLst>
-                              <p:par>
-                                <p:cTn id="5" presetID="2" presetClass="entr" presetSubtype="4" fill="hold" nodeType="clickEffect">
-                                  <p:stCondLst>
-                                    <p:cond delay="0"/>
-                                  </p:stCondLst>
-                                  <p:childTnLst>
-                                    <p:set>
-                                      <p:cBhvr>
-                                        <p:cTn id="6" dur="1" fill="hold">
-                                          <p:stCondLst>
-                                            <p:cond delay="0"/>
-                                          </p:stCondLst>
-                                        </p:cTn>
-                                        <p:tgtEl>
-                                          <p:spTgt spid="3">
-                                            <p:txEl>
-                                              <p:pRg st="0" end="0"/>
-                                            </p:txEl>
-                                          </p:spTgt>
-                                        </p:tgtEl>
-                                        <p:attrNameLst>
-                                          <p:attrName>style.visibility</p:attrName>
-                                        </p:attrNameLst>
-                                      </p:cBhvr>
-                                      <p:to>
-                                        <p:strVal val="visible"/>
-                                      </p:to>
-                                    </p:set>
-                                    <p:anim calcmode="lin" valueType="num">
-                                      <p:cBhvr additive="base">
-                                        <p:cTn id="7" dur="500" fill="hold"/>
-                                        <p:tgtEl>
-                                          <p:spTgt spid="3">
-                                            <p:txEl>
-                                              <p:pRg st="0" end="0"/>
-                                            </p:txEl>
-                                          </p:spTgt>
-                                        </p:tgtEl>
-                                        <p:attrNameLst>
-                                          <p:attrName>ppt_x</p:attrName>
-                                        </p:attrNameLst>
-                                      </p:cBhvr>
-                                      <p:tavLst>
-                                        <p:tav tm="0">
-                                          <p:val>
-                                            <p:strVal val="#ppt_x"/>
-                                          </p:val>
-                                        </p:tav>
-                                        <p:tav tm="100000">
-                                          <p:val>
-                                            <p:strVal val="#ppt_x"/>
-                                          </p:val>
-                                        </p:tav>
-                                      </p:tavLst>
-                                    </p:anim>
-                                    <p:anim calcmode="lin" valueType="num">
-                                      <p:cBhvr additive="base">
-                                        <p:cTn id="8" dur="500" fill="hold"/>
-                                        <p:tgtEl>
-                                          <p:spTgt spid="3">
-                                            <p:txEl>
-                                              <p:pRg st="0" end="0"/>
-                                            </p:txEl>
-                                          </p:spTgt>
-                                        </p:tgtEl>
-                                        <p:attrNameLst>
-                                          <p:attrName>ppt_y</p:attrName>
-                                        </p:attrNameLst>
-                                      </p:cBhvr>
-                                      <p:tavLst>
-                                        <p:tav tm="0">
-                                          <p:val>
-                                            <p:strVal val="1+#ppt_h/2"/>
-                                          </p:val>
-                                        </p:tav>
-                                        <p:tav tm="100000">
-                                          <p:val>
-                                            <p:strVal val="#ppt_y"/>
-                                          </p:val>
-                                        </p:tav>
-                                      </p:tavLst>
-                                    </p:anim>
-                                  </p:childTnLst>
-                                </p:cTn>
-                              </p:par>
-                              <p:par>
-                                <p:cTn id="9" presetID="2" presetClass="entr" presetSubtype="4" fill="hold" nodeType="withEffect">
-                                  <p:stCondLst>
-                                    <p:cond delay="0"/>
-                                  </p:stCondLst>
-                                  <p:childTnLst>
-                                    <p:set>
-                                      <p:cBhvr>
-                                        <p:cTn id="10" dur="1" fill="hold">
-                                          <p:stCondLst>
-                                            <p:cond delay="0"/>
-                                          </p:stCondLst>
-                                        </p:cTn>
-                                        <p:tgtEl>
-                                          <p:spTgt spid="3">
-                                            <p:txEl>
-                                              <p:pRg st="1" end="1"/>
-                                            </p:txEl>
-                                          </p:spTgt>
-                                        </p:tgtEl>
-                                        <p:attrNameLst>
-                                          <p:attrName>style.visibility</p:attrName>
-                                        </p:attrNameLst>
-                                      </p:cBhvr>
-                                      <p:to>
-                                        <p:strVal val="visible"/>
-                                      </p:to>
-                                    </p:set>
-                                    <p:anim calcmode="lin" valueType="num">
-                                      <p:cBhvr additive="base">
-                                        <p:cTn id="11" dur="500" fill="hold"/>
-                                        <p:tgtEl>
-                                          <p:spTgt spid="3">
-                                            <p:txEl>
-                                              <p:pRg st="1" end="1"/>
-                                            </p:txEl>
-                                          </p:spTgt>
-                                        </p:tgtEl>
-                                        <p:attrNameLst>
-                                          <p:attrName>ppt_x</p:attrName>
-                                        </p:attrNameLst>
-                                      </p:cBhvr>
-                                      <p:tavLst>
-                                        <p:tav tm="0">
-                                          <p:val>
-                                            <p:strVal val="#ppt_x"/>
-                                          </p:val>
-                                        </p:tav>
-                                        <p:tav tm="100000">
-                                          <p:val>
-                                            <p:strVal val="#ppt_x"/>
-                                          </p:val>
-                                        </p:tav>
-                                      </p:tavLst>
-                                    </p:anim>
-                                    <p:anim calcmode="lin" valueType="num">
-                                      <p:cBhvr additive="base">
-                                        <p:cTn id="12" dur="500" fill="hold"/>
-                                        <p:tgtEl>
-                                          <p:spTgt spid="3">
-                                            <p:txEl>
-                                              <p:pRg st="1" end="1"/>
-                                            </p:txEl>
-                                          </p:spTgt>
-                                        </p:tgtEl>
-                                        <p:attrNameLst>
-                                          <p:attrName>ppt_y</p:attrName>
-                                        </p:attrNameLst>
-                                      </p:cBhvr>
-                                      <p:tavLst>
-                                        <p:tav tm="0">
-                                          <p:val>
-                                            <p:strVal val="1+#ppt_h/2"/>
-                                          </p:val>
-                                        </p:tav>
-                                        <p:tav tm="100000">
-                                          <p:val>
-                                            <p:strVal val="#ppt_y"/>
-                                          </p:val>
-                                        </p:tav>
-                                      </p:tavLst>
-                                    </p:anim>
-                                  </p:childTnLst>
-                                </p:cTn>
-                              </p:par>
-                            </p:childTnLst>
-                          </p:cTn>
-                        </p:par>
-                      </p:childTnLst>
-                    </p:cTn>
-                  </p:par>
-                  <p:par>
-                    <p:cTn id="13" fill="hold">
-                      <p:stCondLst>
-                        <p:cond delay="indefinite"/>
-                      </p:stCondLst>
-                      <p:childTnLst>
-                        <p:par>
-                          <p:cTn id="14" fill="hold">
-                            <p:stCondLst>
-                              <p:cond delay="0"/>
-                            </p:stCondLst>
-                            <p:childTnLst>
-                              <p:par>
-                                <p:cTn id="15" presetID="2" presetClass="entr" presetSubtype="4" fill="hold" nodeType="clickEffect">
-                                  <p:stCondLst>
-                                    <p:cond delay="0"/>
-                                  </p:stCondLst>
-                                  <p:childTnLst>
-                                    <p:set>
-                                      <p:cBhvr>
-                                        <p:cTn id="16" dur="1" fill="hold">
-                                          <p:stCondLst>
-                                            <p:cond delay="0"/>
-                                          </p:stCondLst>
-                                        </p:cTn>
-                                        <p:tgtEl>
-                                          <p:spTgt spid="4"/>
-                                        </p:tgtEl>
-                                        <p:attrNameLst>
-                                          <p:attrName>style.visibility</p:attrName>
-                                        </p:attrNameLst>
-                                      </p:cBhvr>
-                                      <p:to>
-                                        <p:strVal val="visible"/>
-                                      </p:to>
-                                    </p:set>
-                                    <p:anim calcmode="lin" valueType="num">
-                                      <p:cBhvr additive="base">
-                                        <p:cTn id="17" dur="500" fill="hold"/>
-                                        <p:tgtEl>
-                                          <p:spTgt spid="4"/>
-                                        </p:tgtEl>
-                                        <p:attrNameLst>
-                                          <p:attrName>ppt_x</p:attrName>
-                                        </p:attrNameLst>
-                                      </p:cBhvr>
-                                      <p:tavLst>
-                                        <p:tav tm="0">
-                                          <p:val>
-                                            <p:strVal val="#ppt_x"/>
-                                          </p:val>
-                                        </p:tav>
-                                        <p:tav tm="100000">
-                                          <p:val>
-                                            <p:strVal val="#ppt_x"/>
-                                          </p:val>
-                                        </p:tav>
-                                      </p:tavLst>
-                                    </p:anim>
-                                    <p:anim calcmode="lin" valueType="num">
-                                      <p:cBhvr additive="base">
-                                        <p:cTn id="18" dur="500" fill="hold"/>
-                                        <p:tgtEl>
-                                          <p:spTgt spid="4"/>
-                                        </p:tgtEl>
-                                        <p:attrNameLst>
-                                          <p:attrName>ppt_y</p:attrName>
-                                        </p:attrNameLst>
-                                      </p:cBhvr>
-                                      <p:tavLst>
-                                        <p:tav tm="0">
-                                          <p:val>
-                                            <p:strVal val="1+#ppt_h/2"/>
-                                          </p:val>
-                                        </p:tav>
-                                        <p:tav tm="100000">
-                                          <p:val>
-                                            <p:strVal val="#ppt_y"/>
-                                          </p:val>
-                                        </p:tav>
-                                      </p:tavLst>
-                                    </p:anim>
-                                  </p:childTnLst>
-                                </p:cTn>
-                              </p:par>
-                            </p:childTnLst>
-                          </p:cTn>
-                        </p:par>
-                      </p:childTnLst>
-                    </p:cTn>
-                  </p:par>
-                  <p:par>
-                    <p:cTn id="19" fill="hold">
-                      <p:stCondLst>
-                        <p:cond delay="indefinite"/>
-                      </p:stCondLst>
-                      <p:childTnLst>
-                        <p:par>
-                          <p:cTn id="20" fill="hold">
-                            <p:stCondLst>
-                              <p:cond delay="0"/>
-                            </p:stCondLst>
-                            <p:childTnLst>
-                              <p:par>
-                                <p:cTn id="21" presetID="2" presetClass="entr" presetSubtype="4" fill="hold" nodeType="clickEffect">
-                                  <p:stCondLst>
-                                    <p:cond delay="0"/>
-                                  </p:stCondLst>
-                                  <p:childTnLst>
-                                    <p:set>
-                                      <p:cBhvr>
-                                        <p:cTn id="22" dur="1" fill="hold">
-                                          <p:stCondLst>
-                                            <p:cond delay="0"/>
-                                          </p:stCondLst>
-                                        </p:cTn>
-                                        <p:tgtEl>
-                                          <p:spTgt spid="3">
-                                            <p:txEl>
-                                              <p:pRg st="11" end="11"/>
-                                            </p:txEl>
-                                          </p:spTgt>
-                                        </p:tgtEl>
-                                        <p:attrNameLst>
-                                          <p:attrName>style.visibility</p:attrName>
-                                        </p:attrNameLst>
-                                      </p:cBhvr>
-                                      <p:to>
-                                        <p:strVal val="visible"/>
-                                      </p:to>
-                                    </p:set>
-                                    <p:anim calcmode="lin" valueType="num">
-                                      <p:cBhvr additive="base">
-                                        <p:cTn id="23" dur="500" fill="hold"/>
-                                        <p:tgtEl>
-                                          <p:spTgt spid="3">
-                                            <p:txEl>
-                                              <p:pRg st="11" end="11"/>
-                                            </p:txEl>
-                                          </p:spTgt>
-                                        </p:tgtEl>
-                                        <p:attrNameLst>
-                                          <p:attrName>ppt_x</p:attrName>
-                                        </p:attrNameLst>
-                                      </p:cBhvr>
-                                      <p:tavLst>
-                                        <p:tav tm="0">
-                                          <p:val>
-                                            <p:strVal val="#ppt_x"/>
-                                          </p:val>
-                                        </p:tav>
-                                        <p:tav tm="100000">
-                                          <p:val>
-                                            <p:strVal val="#ppt_x"/>
-                                          </p:val>
-                                        </p:tav>
-                                      </p:tavLst>
-                                    </p:anim>
-                                    <p:anim calcmode="lin" valueType="num">
-                                      <p:cBhvr additive="base">
-                                        <p:cTn id="24" dur="500" fill="hold"/>
-                                        <p:tgtEl>
-                                          <p:spTgt spid="3">
-                                            <p:txEl>
-                                              <p:pRg st="11" end="11"/>
-                                            </p:txEl>
-                                          </p:spTgt>
-                                        </p:tgtEl>
-                                        <p:attrNameLst>
-                                          <p:attrName>ppt_y</p:attrName>
-                                        </p:attrNameLst>
-                                      </p:cBhvr>
-                                      <p:tavLst>
-                                        <p:tav tm="0">
-                                          <p:val>
-                                            <p:strVal val="1+#ppt_h/2"/>
-                                          </p:val>
-                                        </p:tav>
-                                        <p:tav tm="100000">
-                                          <p:val>
-                                            <p:strVal val="#ppt_y"/>
-                                          </p:val>
-                                        </p:tav>
-                                      </p:tavLst>
-                                    </p:anim>
-                                  </p:childTnLst>
-                                </p:cTn>
-                              </p:par>
-                            </p:childTnLst>
-                          </p:cTn>
-                        </p:par>
-                      </p:childTnLst>
-                    </p:cTn>
-                  </p:par>
-                </p:childTnLst>
-              </p:cTn>
-              <p:prevCondLst>
-                <p:cond evt="onPrev" delay="0">
-                  <p:tgtEl>
-                    <p:sldTgt/>
-                  </p:tgtEl>
-                </p:cond>
-              </p:prevCondLst>
-              <p:nextCondLst>
-                <p:cond evt="onNext" delay="0">
-                  <p:tgtEl>
-                    <p:sldTgt/>
-                  </p:tgtEl>
-                </p:cond>
-              </p:nextCondLst>
-            </p:seq>
-          </p:childTnLst>
-        </p:cTn>
-      </p:par>
-    </p:tnLst>
-  </p:timing>
 </p:sld>
 </file>
 
@@ -22443,14 +21753,7 @@
         <p:cNvGrpSpPr/>
         <p:nvPr/>
       </p:nvGrpSpPr>
-      <p:grpSpPr>
-        <a:xfrm>
-          <a:off x="0" y="0"/>
-          <a:ext cx="0" cy="0"/>
-          <a:chOff x="0" y="0"/>
-          <a:chExt cx="0" cy="0"/>
-        </a:xfrm>
-      </p:grpSpPr>
+      <p:grpSpPr/>
       <p:sp>
         <p:nvSpPr>
           <p:cNvPr id="2" name="Title 1"/>
@@ -22464,7 +21767,6 @@
         <p:spPr/>
         <p:txBody>
           <a:bodyPr/>
-          <a:lstStyle/>
           <a:p>
             <a:endParaRPr lang="en-US"/>
           </a:p>
@@ -22477,120 +21779,71 @@
             <a:spLocks noGrp="1"/>
           </p:cNvSpPr>
           <p:nvPr>
-            <p:ph idx="1"/>
+            <p:ph sz="half" idx="1"/>
           </p:nvPr>
         </p:nvSpPr>
         <p:spPr>
           <a:xfrm>
-            <a:off x="677334" y="609601"/>
-            <a:ext cx="8596668" cy="5431762"/>
+            <a:off x="677545" y="609600"/>
+            <a:ext cx="8595995" cy="5431790"/>
           </a:xfrm>
         </p:spPr>
         <p:txBody>
           <a:bodyPr/>
-          <a:lstStyle/>
-          <a:p>
-            <a:r>
-              <a:rPr lang="en-US" dirty="0" smtClean="0"/>
-              <a:t>@Name Annotation: Annotation </a:t>
-            </a:r>
-            <a:r>
-              <a:rPr lang="en-US" dirty="0" err="1" smtClean="0"/>
-              <a:t>này</a:t>
-            </a:r>
-            <a:r>
-              <a:rPr lang="en-US" dirty="0" smtClean="0"/>
-              <a:t> </a:t>
-            </a:r>
-            <a:r>
-              <a:rPr lang="en-US" dirty="0" err="1" smtClean="0"/>
-              <a:t>giúp</a:t>
-            </a:r>
-            <a:r>
-              <a:rPr lang="en-US" dirty="0" smtClean="0"/>
-              <a:t> ta </a:t>
-            </a:r>
-            <a:r>
-              <a:rPr lang="en-US" dirty="0" err="1" smtClean="0"/>
-              <a:t>phân</a:t>
-            </a:r>
-            <a:r>
-              <a:rPr lang="en-US" dirty="0" smtClean="0"/>
-              <a:t> </a:t>
-            </a:r>
-            <a:r>
-              <a:rPr lang="en-US" dirty="0" err="1" smtClean="0"/>
-              <a:t>biệt</a:t>
-            </a:r>
-            <a:r>
-              <a:rPr lang="en-US" dirty="0" smtClean="0"/>
-              <a:t> </a:t>
-            </a:r>
-            <a:r>
-              <a:rPr lang="en-US" dirty="0" err="1" smtClean="0"/>
-              <a:t>được</a:t>
-            </a:r>
-            <a:r>
-              <a:rPr lang="en-US" dirty="0" smtClean="0"/>
-              <a:t> </a:t>
-            </a:r>
-            <a:r>
-              <a:rPr lang="en-US" dirty="0" err="1" smtClean="0"/>
-              <a:t>các</a:t>
-            </a:r>
-            <a:r>
-              <a:rPr lang="en-US" dirty="0" smtClean="0"/>
-              <a:t> Context</a:t>
-            </a:r>
-            <a:endParaRPr lang="en-US" dirty="0" smtClean="0"/>
-          </a:p>
-          <a:p>
-            <a:endParaRPr lang="en-US" dirty="0"/>
+          <a:p>
+            <a:r>
+              <a:rPr lang="en-US"/>
+              <a:t>Bước 3: Tạo Module cho MainActivity</a:t>
+            </a:r>
+            <a:endParaRPr lang="en-US"/>
           </a:p>
         </p:txBody>
       </p:sp>
       <p:pic>
         <p:nvPicPr>
-          <p:cNvPr id="4" name="Picture 3"/>
+          <p:cNvPr id="6" name="Picture 5" descr="Capture3"/>
           <p:cNvPicPr>
             <a:picLocks noChangeAspect="1"/>
           </p:cNvPicPr>
           <p:nvPr/>
         </p:nvPicPr>
         <p:blipFill>
-          <a:blip r:embed="rId1">
-            <a:extLst>
-              <a:ext uri="{28A0092B-C50C-407E-A947-70E740481C1C}">
-                <a14:useLocalDpi xmlns:a14="http://schemas.microsoft.com/office/drawing/2010/main" val="0"/>
-              </a:ext>
-            </a:extLst>
-          </a:blip>
+          <a:blip r:embed="rId1"/>
           <a:stretch>
             <a:fillRect/>
           </a:stretch>
         </p:blipFill>
         <p:spPr>
           <a:xfrm>
-            <a:off x="923458" y="1371862"/>
-            <a:ext cx="7355569" cy="4567619"/>
+            <a:off x="1034415" y="1148080"/>
+            <a:ext cx="8239760" cy="4561840"/>
           </a:xfrm>
           <a:prstGeom prst="rect">
             <a:avLst/>
           </a:prstGeom>
         </p:spPr>
       </p:pic>
+      <p:sp>
+        <p:nvSpPr>
+          <p:cNvPr id="7" name="Content Placeholder 6"/>
+          <p:cNvSpPr/>
+          <p:nvPr>
+            <p:ph sz="half" idx="2"/>
+          </p:nvPr>
+        </p:nvSpPr>
+        <p:spPr/>
+        <p:txBody>
+          <a:bodyPr/>
+          <a:p>
+            <a:endParaRPr lang="en-US"/>
+          </a:p>
+        </p:txBody>
+      </p:sp>
     </p:spTree>
   </p:cSld>
   <p:clrMapOvr>
     <a:masterClrMapping/>
   </p:clrMapOvr>
-  <p:timing>
-    <p:tnLst>
-      <p:par>
-        <p:cTn id="1" dur="indefinite" restart="never" nodeType="tmRoot"/>
-      </p:par>
-    </p:tnLst>
-  </p:timing>
 </p:sld>
 </file>
 
@@ -22603,14 +21856,7 @@
         <p:cNvGrpSpPr/>
         <p:nvPr/>
       </p:nvGrpSpPr>
-      <p:grpSpPr>
-        <a:xfrm>
-          <a:off x="0" y="0"/>
-          <a:ext cx="0" cy="0"/>
-          <a:chOff x="0" y="0"/>
-          <a:chExt cx="0" cy="0"/>
-        </a:xfrm>
-      </p:grpSpPr>
+      <p:grpSpPr/>
       <p:sp>
         <p:nvSpPr>
           <p:cNvPr id="2" name="Title 1"/>
@@ -22624,7 +21870,6 @@
         <p:spPr/>
         <p:txBody>
           <a:bodyPr/>
-          <a:lstStyle/>
           <a:p>
             <a:endParaRPr lang="en-US"/>
           </a:p>
@@ -22632,57 +21877,50 @@
       </p:sp>
       <p:pic>
         <p:nvPicPr>
-          <p:cNvPr id="4" name="Content Placeholder 3"/>
+          <p:cNvPr id="5" name="Content Placeholder 4" descr="Capture4"/>
           <p:cNvPicPr>
-            <a:picLocks noGrp="1" noChangeAspect="1"/>
+            <a:picLocks noChangeAspect="1"/>
           </p:cNvPicPr>
           <p:nvPr>
-            <p:ph idx="1"/>
+            <p:ph sz="half" idx="1"/>
           </p:nvPr>
         </p:nvPicPr>
         <p:blipFill>
-          <a:blip r:embed="rId1">
-            <a:extLst>
-              <a:ext uri="{28A0092B-C50C-407E-A947-70E740481C1C}">
-                <a14:useLocalDpi xmlns:a14="http://schemas.microsoft.com/office/drawing/2010/main" val="0"/>
-              </a:ext>
-            </a:extLst>
-          </a:blip>
+          <a:blip r:embed="rId1"/>
           <a:stretch>
             <a:fillRect/>
           </a:stretch>
         </p:blipFill>
         <p:spPr>
           <a:xfrm>
-            <a:off x="677334" y="609600"/>
-            <a:ext cx="5104853" cy="5066270"/>
+            <a:off x="570865" y="609600"/>
+            <a:ext cx="8703310" cy="1704975"/>
           </a:xfrm>
+          <a:prstGeom prst="rect">
+            <a:avLst/>
+          </a:prstGeom>
         </p:spPr>
       </p:pic>
       <p:pic>
         <p:nvPicPr>
-          <p:cNvPr id="5" name="Picture 4"/>
+          <p:cNvPr id="6" name="Content Placeholder 5" descr="Capture5"/>
           <p:cNvPicPr>
             <a:picLocks noChangeAspect="1"/>
           </p:cNvPicPr>
-          <p:nvPr/>
+          <p:nvPr>
+            <p:ph sz="half" idx="2"/>
+          </p:nvPr>
         </p:nvPicPr>
         <p:blipFill>
-          <a:blip r:embed="rId2">
-            <a:extLst>
-              <a:ext uri="{28A0092B-C50C-407E-A947-70E740481C1C}">
-                <a14:useLocalDpi xmlns:a14="http://schemas.microsoft.com/office/drawing/2010/main" val="0"/>
-              </a:ext>
-            </a:extLst>
-          </a:blip>
+          <a:blip r:embed="rId2"/>
           <a:stretch>
             <a:fillRect/>
           </a:stretch>
         </p:blipFill>
         <p:spPr>
           <a:xfrm>
-            <a:off x="5782187" y="4410157"/>
-            <a:ext cx="717467" cy="1183821"/>
+            <a:off x="570865" y="3148330"/>
+            <a:ext cx="8703310" cy="3007995"/>
           </a:xfrm>
           <a:prstGeom prst="rect">
             <a:avLst/>
@@ -22694,13 +21932,6 @@
   <p:clrMapOvr>
     <a:masterClrMapping/>
   </p:clrMapOvr>
-  <p:timing>
-    <p:tnLst>
-      <p:par>
-        <p:cTn id="1" dur="indefinite" restart="never" nodeType="tmRoot"/>
-      </p:par>
-    </p:tnLst>
-  </p:timing>
 </p:sld>
 </file>
 
@@ -22713,14 +21944,7 @@
         <p:cNvGrpSpPr/>
         <p:nvPr/>
       </p:nvGrpSpPr>
-      <p:grpSpPr>
-        <a:xfrm>
-          <a:off x="0" y="0"/>
-          <a:ext cx="0" cy="0"/>
-          <a:chOff x="0" y="0"/>
-          <a:chExt cx="0" cy="0"/>
-        </a:xfrm>
-      </p:grpSpPr>
+      <p:grpSpPr/>
       <p:sp>
         <p:nvSpPr>
           <p:cNvPr id="2" name="Title 1"/>
@@ -22734,7 +21958,6 @@
         <p:spPr/>
         <p:txBody>
           <a:bodyPr/>
-          <a:lstStyle/>
           <a:p>
             <a:endParaRPr lang="en-US"/>
           </a:p>
@@ -22747,185 +21970,46 @@
             <a:spLocks noGrp="1"/>
           </p:cNvSpPr>
           <p:nvPr>
-            <p:ph idx="1"/>
+            <p:ph sz="half" idx="1"/>
           </p:nvPr>
         </p:nvSpPr>
         <p:spPr>
           <a:xfrm>
-            <a:off x="677334" y="609601"/>
-            <a:ext cx="8596668" cy="5431762"/>
+            <a:off x="677545" y="609600"/>
+            <a:ext cx="8595995" cy="5431790"/>
           </a:xfrm>
         </p:spPr>
         <p:txBody>
           <a:bodyPr/>
-          <a:lstStyle/>
-          <a:p>
-            <a:r>
-              <a:rPr lang="en-US" dirty="0" smtClean="0"/>
-              <a:t>@Qualifier Annotation: </a:t>
-            </a:r>
-            <a:r>
-              <a:rPr lang="en-US" dirty="0" err="1" smtClean="0"/>
-              <a:t>Như</a:t>
-            </a:r>
-            <a:r>
-              <a:rPr lang="en-US" dirty="0" smtClean="0"/>
-              <a:t> </a:t>
-            </a:r>
-            <a:r>
-              <a:rPr lang="en-US" dirty="0" err="1" smtClean="0"/>
-              <a:t>một</a:t>
-            </a:r>
-            <a:r>
-              <a:rPr lang="en-US" dirty="0" smtClean="0"/>
-              <a:t> </a:t>
-            </a:r>
-            <a:r>
-              <a:rPr lang="en-US" dirty="0" err="1" smtClean="0"/>
-              <a:t>cách</a:t>
-            </a:r>
-            <a:r>
-              <a:rPr lang="en-US" dirty="0" smtClean="0"/>
-              <a:t> </a:t>
-            </a:r>
-            <a:r>
-              <a:rPr lang="en-US" dirty="0" err="1" smtClean="0"/>
-              <a:t>để</a:t>
-            </a:r>
-            <a:r>
-              <a:rPr lang="en-US" dirty="0" smtClean="0"/>
-              <a:t> </a:t>
-            </a:r>
-            <a:r>
-              <a:rPr lang="en-US" dirty="0" err="1" smtClean="0"/>
-              <a:t>thay</a:t>
-            </a:r>
-            <a:r>
-              <a:rPr lang="en-US" dirty="0" smtClean="0"/>
-              <a:t> </a:t>
-            </a:r>
-            <a:r>
-              <a:rPr lang="en-US" dirty="0" err="1" smtClean="0"/>
-              <a:t>thế</a:t>
-            </a:r>
-            <a:r>
-              <a:rPr lang="en-US" dirty="0" smtClean="0"/>
-              <a:t> @Name. </a:t>
-            </a:r>
-            <a:r>
-              <a:rPr lang="en-US" dirty="0" err="1" smtClean="0"/>
-              <a:t>Để</a:t>
-            </a:r>
-            <a:r>
-              <a:rPr lang="en-US" dirty="0" smtClean="0"/>
-              <a:t> </a:t>
-            </a:r>
-            <a:r>
-              <a:rPr lang="en-US" dirty="0" err="1" smtClean="0"/>
-              <a:t>sử</a:t>
-            </a:r>
-            <a:r>
-              <a:rPr lang="en-US" dirty="0" smtClean="0"/>
-              <a:t> </a:t>
-            </a:r>
-            <a:r>
-              <a:rPr lang="en-US" dirty="0" err="1" smtClean="0"/>
-              <a:t>dụng</a:t>
-            </a:r>
-            <a:r>
-              <a:rPr lang="en-US" dirty="0" smtClean="0"/>
-              <a:t> Annotation </a:t>
-            </a:r>
-            <a:r>
-              <a:rPr lang="en-US" dirty="0" err="1" smtClean="0"/>
-              <a:t>này</a:t>
-            </a:r>
-            <a:r>
-              <a:rPr lang="en-US" dirty="0" smtClean="0"/>
-              <a:t> ta </a:t>
-            </a:r>
-            <a:r>
-              <a:rPr lang="en-US" dirty="0" err="1" smtClean="0"/>
-              <a:t>cần</a:t>
-            </a:r>
-            <a:r>
-              <a:rPr lang="en-US" dirty="0" smtClean="0"/>
-              <a:t> </a:t>
-            </a:r>
-            <a:r>
-              <a:rPr lang="en-US" dirty="0" err="1" smtClean="0"/>
-              <a:t>tạo</a:t>
-            </a:r>
-            <a:r>
-              <a:rPr lang="en-US" dirty="0" smtClean="0"/>
-              <a:t> </a:t>
-            </a:r>
-            <a:r>
-              <a:rPr lang="en-US" dirty="0" err="1" smtClean="0"/>
-              <a:t>một</a:t>
-            </a:r>
-            <a:r>
-              <a:rPr lang="en-US" dirty="0" smtClean="0"/>
-              <a:t> @interface</a:t>
-            </a:r>
-            <a:endParaRPr lang="en-US" dirty="0"/>
+          <a:p>
+            <a:r>
+              <a:rPr lang="en-US"/>
+              <a:t>Bước 4: Tạo lớp Application</a:t>
+            </a:r>
+            <a:endParaRPr lang="en-US"/>
           </a:p>
         </p:txBody>
       </p:sp>
       <p:pic>
         <p:nvPicPr>
-          <p:cNvPr id="4" name="Picture 3"/>
+          <p:cNvPr id="5" name="Content Placeholder 4" descr="Capture6"/>
           <p:cNvPicPr>
             <a:picLocks noChangeAspect="1"/>
           </p:cNvPicPr>
-          <p:nvPr/>
+          <p:nvPr>
+            <p:ph sz="half" idx="2"/>
+          </p:nvPr>
         </p:nvPicPr>
         <p:blipFill>
-          <a:blip r:embed="rId1">
-            <a:extLst>
-              <a:ext uri="{28A0092B-C50C-407E-A947-70E740481C1C}">
-                <a14:useLocalDpi xmlns:a14="http://schemas.microsoft.com/office/drawing/2010/main" val="0"/>
-              </a:ext>
-            </a:extLst>
-          </a:blip>
+          <a:blip r:embed="rId1"/>
           <a:stretch>
             <a:fillRect/>
           </a:stretch>
         </p:blipFill>
         <p:spPr>
           <a:xfrm>
-            <a:off x="984714" y="1624776"/>
-            <a:ext cx="6744641" cy="476316"/>
-          </a:xfrm>
-          <a:prstGeom prst="rect">
-            <a:avLst/>
-          </a:prstGeom>
-        </p:spPr>
-      </p:pic>
-      <p:pic>
-        <p:nvPicPr>
-          <p:cNvPr id="5" name="Picture 4"/>
-          <p:cNvPicPr>
-            <a:picLocks noChangeAspect="1"/>
-          </p:cNvPicPr>
-          <p:nvPr/>
-        </p:nvPicPr>
-        <p:blipFill>
-          <a:blip r:embed="rId2">
-            <a:extLst>
-              <a:ext uri="{28A0092B-C50C-407E-A947-70E740481C1C}">
-                <a14:useLocalDpi xmlns:a14="http://schemas.microsoft.com/office/drawing/2010/main" val="0"/>
-              </a:ext>
-            </a:extLst>
-          </a:blip>
-          <a:stretch>
-            <a:fillRect/>
-          </a:stretch>
-        </p:blipFill>
-        <p:spPr>
-          <a:xfrm>
-            <a:off x="1051398" y="2748100"/>
-            <a:ext cx="6677957" cy="1724266"/>
+            <a:off x="1102995" y="1304925"/>
+            <a:ext cx="8169910" cy="4538345"/>
           </a:xfrm>
           <a:prstGeom prst="rect">
             <a:avLst/>
@@ -22937,13 +22021,6 @@
   <p:clrMapOvr>
     <a:masterClrMapping/>
   </p:clrMapOvr>
-  <p:timing>
-    <p:tnLst>
-      <p:par>
-        <p:cTn id="1" dur="indefinite" restart="never" nodeType="tmRoot"/>
-      </p:par>
-    </p:tnLst>
-  </p:timing>
 </p:sld>
 </file>
 
@@ -22956,14 +22033,7 @@
         <p:cNvGrpSpPr/>
         <p:nvPr/>
       </p:nvGrpSpPr>
-      <p:grpSpPr>
-        <a:xfrm>
-          <a:off x="0" y="0"/>
-          <a:ext cx="0" cy="0"/>
-          <a:chOff x="0" y="0"/>
-          <a:chExt cx="0" cy="0"/>
-        </a:xfrm>
-      </p:grpSpPr>
+      <p:grpSpPr/>
       <p:sp>
         <p:nvSpPr>
           <p:cNvPr id="2" name="Title 1"/>
@@ -22977,65 +22047,92 @@
         <p:spPr/>
         <p:txBody>
           <a:bodyPr/>
-          <a:lstStyle/>
-          <a:p>
+          <a:p>
+            <a:endParaRPr lang="en-US"/>
+          </a:p>
+        </p:txBody>
+      </p:sp>
+      <p:sp>
+        <p:nvSpPr>
+          <p:cNvPr id="3" name="Content Placeholder 2"/>
+          <p:cNvSpPr>
+            <a:spLocks noGrp="1"/>
+          </p:cNvSpPr>
+          <p:nvPr>
+            <p:ph sz="half" idx="1"/>
+          </p:nvPr>
+        </p:nvSpPr>
+        <p:spPr>
+          <a:xfrm>
+            <a:off x="677545" y="609600"/>
+            <a:ext cx="8595995" cy="5431790"/>
+          </a:xfrm>
+        </p:spPr>
+        <p:txBody>
+          <a:bodyPr/>
+          <a:p>
+            <a:r>
+              <a:rPr lang="en-US"/>
+              <a:t>Bước 5: Điều chỉnh MainActivity class</a:t>
+            </a:r>
+            <a:endParaRPr lang="en-US"/>
+          </a:p>
+          <a:p>
+            <a:endParaRPr lang="en-US"/>
+          </a:p>
+          <a:p>
+            <a:endParaRPr lang="en-US"/>
+          </a:p>
+          <a:p>
+            <a:endParaRPr lang="en-US"/>
+          </a:p>
+          <a:p>
+            <a:endParaRPr lang="en-US"/>
+          </a:p>
+          <a:p>
+            <a:endParaRPr lang="en-US"/>
+          </a:p>
+          <a:p>
+            <a:endParaRPr lang="en-US"/>
+          </a:p>
+          <a:p>
+            <a:endParaRPr lang="en-US"/>
+          </a:p>
+          <a:p>
+            <a:endParaRPr lang="en-US"/>
+          </a:p>
+          <a:p>
+            <a:endParaRPr lang="en-US"/>
+          </a:p>
+          <a:p>
+            <a:r>
+              <a:rPr lang="en-US"/>
+              <a:t>Nếu chúng ta có quá nhiều phụ thuộc ở trong Component thì sao?</a:t>
+            </a:r>
             <a:endParaRPr lang="en-US"/>
           </a:p>
         </p:txBody>
       </p:sp>
       <p:pic>
         <p:nvPicPr>
-          <p:cNvPr id="4" name="Content Placeholder 3"/>
+          <p:cNvPr id="5" name="Content Placeholder 4" descr="Capture7"/>
           <p:cNvPicPr>
-            <a:picLocks noGrp="1" noChangeAspect="1"/>
+            <a:picLocks noChangeAspect="1"/>
           </p:cNvPicPr>
           <p:nvPr>
-            <p:ph idx="1"/>
+            <p:ph sz="half" idx="2"/>
           </p:nvPr>
         </p:nvPicPr>
         <p:blipFill>
-          <a:blip r:embed="rId1">
-            <a:extLst>
-              <a:ext uri="{28A0092B-C50C-407E-A947-70E740481C1C}">
-                <a14:useLocalDpi xmlns:a14="http://schemas.microsoft.com/office/drawing/2010/main" val="0"/>
-              </a:ext>
-            </a:extLst>
-          </a:blip>
+          <a:blip r:embed="rId1"/>
           <a:stretch>
             <a:fillRect/>
           </a:stretch>
         </p:blipFill>
         <p:spPr>
           <a:xfrm>
-            <a:off x="677334" y="609600"/>
-            <a:ext cx="6036504" cy="5025081"/>
-          </a:xfrm>
-        </p:spPr>
-      </p:pic>
-      <p:pic>
-        <p:nvPicPr>
-          <p:cNvPr id="5" name="Picture 4"/>
-          <p:cNvPicPr>
-            <a:picLocks noChangeAspect="1"/>
-          </p:cNvPicPr>
-          <p:nvPr/>
-        </p:nvPicPr>
-        <p:blipFill>
-          <a:blip r:embed="rId2">
-            <a:extLst>
-              <a:ext uri="{28A0092B-C50C-407E-A947-70E740481C1C}">
-                <a14:useLocalDpi xmlns:a14="http://schemas.microsoft.com/office/drawing/2010/main" val="0"/>
-              </a:ext>
-            </a:extLst>
-          </a:blip>
-          <a:stretch>
-            <a:fillRect/>
-          </a:stretch>
-        </p:blipFill>
-        <p:spPr>
-          <a:xfrm>
-            <a:off x="6713838" y="4200895"/>
-            <a:ext cx="152421" cy="219106"/>
+            <a:off x="1062990" y="1185545"/>
+            <a:ext cx="8210550" cy="2879725"/>
           </a:xfrm>
           <a:prstGeom prst="rect">
             <a:avLst/>
@@ -23047,17 +22144,119 @@
   <p:clrMapOvr>
     <a:masterClrMapping/>
   </p:clrMapOvr>
-  <p:timing>
-    <p:tnLst>
-      <p:par>
-        <p:cTn id="1" dur="indefinite" restart="never" nodeType="tmRoot"/>
-      </p:par>
-    </p:tnLst>
-  </p:timing>
 </p:sld>
 </file>
 
 <file path=ppt/slides/slide35.xml><?xml version="1.0" encoding="utf-8"?>
+<p:sld xmlns:a="http://schemas.openxmlformats.org/drawingml/2006/main" xmlns:r="http://schemas.openxmlformats.org/officeDocument/2006/relationships" xmlns:p="http://schemas.openxmlformats.org/presentationml/2006/main">
+  <p:cSld>
+    <p:spTree>
+      <p:nvGrpSpPr>
+        <p:cNvPr id="1" name=""/>
+        <p:cNvGrpSpPr/>
+        <p:nvPr/>
+      </p:nvGrpSpPr>
+      <p:grpSpPr/>
+      <p:sp>
+        <p:nvSpPr>
+          <p:cNvPr id="2" name="Title 1"/>
+          <p:cNvSpPr>
+            <a:spLocks noGrp="1"/>
+          </p:cNvSpPr>
+          <p:nvPr>
+            <p:ph type="title"/>
+          </p:nvPr>
+        </p:nvSpPr>
+        <p:spPr>
+          <a:xfrm>
+            <a:off x="677545" y="609600"/>
+            <a:ext cx="8596630" cy="842645"/>
+          </a:xfrm>
+        </p:spPr>
+        <p:txBody>
+          <a:bodyPr/>
+          <a:p>
+            <a:r>
+              <a:rPr lang="en-US">
+                <a:solidFill>
+                  <a:schemeClr val="tx2">
+                    <a:lumMod val="50000"/>
+                  </a:schemeClr>
+                </a:solidFill>
+              </a:rPr>
+              <a:t>Sử dụng @Inject Annotation</a:t>
+            </a:r>
+            <a:endParaRPr lang="en-US">
+              <a:solidFill>
+                <a:schemeClr val="tx2">
+                  <a:lumMod val="50000"/>
+                </a:schemeClr>
+              </a:solidFill>
+            </a:endParaRPr>
+          </a:p>
+        </p:txBody>
+      </p:sp>
+      <p:pic>
+        <p:nvPicPr>
+          <p:cNvPr id="5" name="Content Placeholder 4" descr="Capture8"/>
+          <p:cNvPicPr>
+            <a:picLocks noChangeAspect="1"/>
+          </p:cNvPicPr>
+          <p:nvPr>
+            <p:ph sz="half" idx="1"/>
+          </p:nvPr>
+        </p:nvPicPr>
+        <p:blipFill>
+          <a:blip r:embed="rId1"/>
+          <a:stretch>
+            <a:fillRect/>
+          </a:stretch>
+        </p:blipFill>
+        <p:spPr>
+          <a:xfrm>
+            <a:off x="677545" y="1452245"/>
+            <a:ext cx="8595995" cy="1512570"/>
+          </a:xfrm>
+          <a:prstGeom prst="rect">
+            <a:avLst/>
+          </a:prstGeom>
+        </p:spPr>
+      </p:pic>
+      <p:pic>
+        <p:nvPicPr>
+          <p:cNvPr id="6" name="Content Placeholder 5" descr="Capture9"/>
+          <p:cNvPicPr>
+            <a:picLocks noChangeAspect="1"/>
+          </p:cNvPicPr>
+          <p:nvPr>
+            <p:ph sz="half" idx="2"/>
+          </p:nvPr>
+        </p:nvPicPr>
+        <p:blipFill>
+          <a:blip r:embed="rId2"/>
+          <a:stretch>
+            <a:fillRect/>
+          </a:stretch>
+        </p:blipFill>
+        <p:spPr>
+          <a:xfrm>
+            <a:off x="677545" y="3150870"/>
+            <a:ext cx="8595995" cy="3215005"/>
+          </a:xfrm>
+          <a:prstGeom prst="rect">
+            <a:avLst/>
+          </a:prstGeom>
+        </p:spPr>
+      </p:pic>
+    </p:spTree>
+  </p:cSld>
+  <p:clrMapOvr>
+    <a:masterClrMapping/>
+  </p:clrMapOvr>
+</p:sld>
+</file>
+
+<file path=ppt/slides/slide36.xml><?xml version="1.0" encoding="utf-8"?>
 <p:sld xmlns:a="http://schemas.openxmlformats.org/drawingml/2006/main" xmlns:r="http://schemas.openxmlformats.org/officeDocument/2006/relationships" xmlns:p="http://schemas.openxmlformats.org/presentationml/2006/main">
   <p:cSld>
     <p:spTree>

--- a/Dagger2-Report.pptx
+++ b/Dagger2-Report.pptx
@@ -3,45 +3,45 @@
 <p:presentation xmlns:a="http://schemas.openxmlformats.org/drawingml/2006/main" xmlns:r="http://schemas.openxmlformats.org/officeDocument/2006/relationships" xmlns:p="http://schemas.openxmlformats.org/presentationml/2006/main">
   <p:sldMasterIdLst>
     <p:sldMasterId id="2147483648" r:id="rId1"/>
-    <p:sldMasterId id="2147483665" r:id="rId3"/>
+    <p:sldMasterId id="2147483665" r:id="rId2"/>
   </p:sldMasterIdLst>
   <p:sldIdLst>
-    <p:sldId id="256" r:id="rId4"/>
-    <p:sldId id="257" r:id="rId5"/>
-    <p:sldId id="258" r:id="rId6"/>
-    <p:sldId id="259" r:id="rId7"/>
-    <p:sldId id="260" r:id="rId8"/>
-    <p:sldId id="261" r:id="rId9"/>
-    <p:sldId id="262" r:id="rId10"/>
-    <p:sldId id="263" r:id="rId11"/>
-    <p:sldId id="264" r:id="rId12"/>
-    <p:sldId id="265" r:id="rId13"/>
-    <p:sldId id="266" r:id="rId14"/>
-    <p:sldId id="267" r:id="rId15"/>
-    <p:sldId id="273" r:id="rId16"/>
-    <p:sldId id="274" r:id="rId17"/>
-    <p:sldId id="275" r:id="rId18"/>
-    <p:sldId id="276" r:id="rId19"/>
-    <p:sldId id="277" r:id="rId20"/>
-    <p:sldId id="278" r:id="rId21"/>
-    <p:sldId id="279" r:id="rId22"/>
-    <p:sldId id="280" r:id="rId23"/>
-    <p:sldId id="281" r:id="rId24"/>
-    <p:sldId id="282" r:id="rId25"/>
-    <p:sldId id="283" r:id="rId26"/>
-    <p:sldId id="284" r:id="rId27"/>
-    <p:sldId id="285" r:id="rId28"/>
-    <p:sldId id="286" r:id="rId29"/>
-    <p:sldId id="287" r:id="rId30"/>
-    <p:sldId id="288" r:id="rId31"/>
-    <p:sldId id="289" r:id="rId32"/>
-    <p:sldId id="291" r:id="rId33"/>
-    <p:sldId id="292" r:id="rId34"/>
-    <p:sldId id="293" r:id="rId35"/>
-    <p:sldId id="294" r:id="rId36"/>
-    <p:sldId id="295" r:id="rId37"/>
-    <p:sldId id="296" r:id="rId38"/>
-    <p:sldId id="290" r:id="rId39"/>
+    <p:sldId id="256" r:id="rId3"/>
+    <p:sldId id="257" r:id="rId4"/>
+    <p:sldId id="258" r:id="rId5"/>
+    <p:sldId id="259" r:id="rId6"/>
+    <p:sldId id="260" r:id="rId7"/>
+    <p:sldId id="261" r:id="rId8"/>
+    <p:sldId id="262" r:id="rId9"/>
+    <p:sldId id="263" r:id="rId10"/>
+    <p:sldId id="264" r:id="rId11"/>
+    <p:sldId id="265" r:id="rId12"/>
+    <p:sldId id="266" r:id="rId13"/>
+    <p:sldId id="267" r:id="rId14"/>
+    <p:sldId id="273" r:id="rId15"/>
+    <p:sldId id="274" r:id="rId16"/>
+    <p:sldId id="275" r:id="rId17"/>
+    <p:sldId id="276" r:id="rId18"/>
+    <p:sldId id="277" r:id="rId19"/>
+    <p:sldId id="278" r:id="rId20"/>
+    <p:sldId id="279" r:id="rId21"/>
+    <p:sldId id="280" r:id="rId22"/>
+    <p:sldId id="281" r:id="rId23"/>
+    <p:sldId id="282" r:id="rId24"/>
+    <p:sldId id="283" r:id="rId25"/>
+    <p:sldId id="284" r:id="rId26"/>
+    <p:sldId id="285" r:id="rId27"/>
+    <p:sldId id="286" r:id="rId28"/>
+    <p:sldId id="287" r:id="rId29"/>
+    <p:sldId id="288" r:id="rId30"/>
+    <p:sldId id="289" r:id="rId31"/>
+    <p:sldId id="291" r:id="rId32"/>
+    <p:sldId id="292" r:id="rId33"/>
+    <p:sldId id="293" r:id="rId34"/>
+    <p:sldId id="294" r:id="rId35"/>
+    <p:sldId id="295" r:id="rId36"/>
+    <p:sldId id="296" r:id="rId37"/>
+    <p:sldId id="290" r:id="rId38"/>
   </p:sldIdLst>
   <p:sldSz cx="12192000" cy="6858000"/>
   <p:notesSz cx="6858000" cy="9144000"/>
@@ -140,11 +140,16 @@
       </a:defRPr>
     </a:lvl9pPr>
   </p:defaultTextStyle>
+  <p:extLst>
+    <p:ext uri="{EFAFB233-063F-42B5-8137-9DF3F51BA10A}">
+      <p15:sldGuideLst xmlns:p15="http://schemas.microsoft.com/office/powerpoint/2012/main"/>
+    </p:ext>
+  </p:extLst>
 </p:presentation>
 </file>
 
 <file path=ppt/slideLayouts/slideLayout1.xml><?xml version="1.0" encoding="utf-8"?>
-<p:sldLayout xmlns:a="http://schemas.openxmlformats.org/drawingml/2006/main" xmlns:r="http://schemas.openxmlformats.org/officeDocument/2006/relationships" xmlns:p="http://schemas.openxmlformats.org/presentationml/2006/main" type="title" preserve="1" showMasterSp="0">
+<p:sldLayout xmlns:a="http://schemas.openxmlformats.org/drawingml/2006/main" xmlns:r="http://schemas.openxmlformats.org/officeDocument/2006/relationships" xmlns:p="http://schemas.openxmlformats.org/presentationml/2006/main" showMasterSp="0" type="title" preserve="1">
   <p:cSld name="Title Slide">
     <p:spTree>
       <p:nvGrpSpPr>
@@ -888,6 +893,7 @@
           <a:p>
             <a:fld id="{25D01E33-0C9A-4836-B7F9-A2F0AFEB4BDE}" type="datetimeFigureOut">
               <a:rPr lang="en-US" smtClean="0"/>
+              <a:t>7/17/2018</a:t>
             </a:fld>
             <a:endParaRPr lang="en-US"/>
           </a:p>
@@ -929,6 +935,7 @@
           <a:p>
             <a:fld id="{A77B91C3-F7AF-4B70-A6AF-414F720DAC36}" type="slidenum">
               <a:rPr lang="en-US" smtClean="0"/>
+              <a:t>‹#›</a:t>
             </a:fld>
             <a:endParaRPr lang="en-US"/>
           </a:p>
@@ -1112,7 +1119,6 @@
               <a:rPr lang="en-US" smtClean="0"/>
               <a:t>Click to edit Master text styles</a:t>
             </a:r>
-            <a:endParaRPr lang="en-US" smtClean="0"/>
           </a:p>
         </p:txBody>
       </p:sp>
@@ -1133,6 +1139,7 @@
           <a:p>
             <a:fld id="{25D01E33-0C9A-4836-B7F9-A2F0AFEB4BDE}" type="datetimeFigureOut">
               <a:rPr lang="en-US" smtClean="0"/>
+              <a:t>7/17/2018</a:t>
             </a:fld>
             <a:endParaRPr lang="en-US"/>
           </a:p>
@@ -1174,6 +1181,7 @@
           <a:p>
             <a:fld id="{A77B91C3-F7AF-4B70-A6AF-414F720DAC36}" type="slidenum">
               <a:rPr lang="en-US" smtClean="0"/>
+              <a:t>‹#›</a:t>
             </a:fld>
             <a:endParaRPr lang="en-US"/>
           </a:p>
@@ -1298,7 +1306,6 @@
               <a:rPr lang="en-US" smtClean="0"/>
               <a:t>Click to edit Master text styles</a:t>
             </a:r>
-            <a:endParaRPr lang="en-US" smtClean="0"/>
           </a:p>
         </p:txBody>
       </p:sp>
@@ -1421,7 +1428,6 @@
               <a:rPr lang="en-US" smtClean="0"/>
               <a:t>Click to edit Master text styles</a:t>
             </a:r>
-            <a:endParaRPr lang="en-US" smtClean="0"/>
           </a:p>
         </p:txBody>
       </p:sp>
@@ -1442,6 +1448,7 @@
           <a:p>
             <a:fld id="{25D01E33-0C9A-4836-B7F9-A2F0AFEB4BDE}" type="datetimeFigureOut">
               <a:rPr lang="en-US" smtClean="0"/>
+              <a:t>7/17/2018</a:t>
             </a:fld>
             <a:endParaRPr lang="en-US"/>
           </a:p>
@@ -1483,6 +1490,7 @@
           <a:p>
             <a:fld id="{A77B91C3-F7AF-4B70-A6AF-414F720DAC36}" type="slidenum">
               <a:rPr lang="en-US" smtClean="0"/>
+              <a:t>‹#›</a:t>
             </a:fld>
             <a:endParaRPr lang="en-US"/>
           </a:p>
@@ -1526,19 +1534,6 @@
               </a:rPr>
               <a:t>“</a:t>
             </a:r>
-            <a:endParaRPr lang="en-US" sz="8000" baseline="0" dirty="0">
-              <a:ln w="3175" cmpd="sng">
-                <a:noFill/>
-              </a:ln>
-              <a:solidFill>
-                <a:schemeClr val="accent1">
-                  <a:lumMod val="60000"/>
-                  <a:lumOff val="40000"/>
-                </a:schemeClr>
-              </a:solidFill>
-              <a:effectLst/>
-              <a:latin typeface="Arial" panose="020B0604020202020204"/>
-            </a:endParaRPr>
           </a:p>
         </p:txBody>
       </p:sp>
@@ -1580,19 +1575,6 @@
               </a:rPr>
               <a:t>”</a:t>
             </a:r>
-            <a:endParaRPr lang="en-US" sz="8000" baseline="0" dirty="0">
-              <a:ln w="3175" cmpd="sng">
-                <a:noFill/>
-              </a:ln>
-              <a:solidFill>
-                <a:schemeClr val="accent1">
-                  <a:lumMod val="60000"/>
-                  <a:lumOff val="40000"/>
-                </a:schemeClr>
-              </a:solidFill>
-              <a:effectLst/>
-              <a:latin typeface="Arial" panose="020B0604020202020204"/>
-            </a:endParaRPr>
           </a:p>
         </p:txBody>
       </p:sp>
@@ -1774,7 +1756,6 @@
               <a:rPr lang="en-US" smtClean="0"/>
               <a:t>Click to edit Master text styles</a:t>
             </a:r>
-            <a:endParaRPr lang="en-US" smtClean="0"/>
           </a:p>
         </p:txBody>
       </p:sp>
@@ -1795,6 +1776,7 @@
           <a:p>
             <a:fld id="{25D01E33-0C9A-4836-B7F9-A2F0AFEB4BDE}" type="datetimeFigureOut">
               <a:rPr lang="en-US" smtClean="0"/>
+              <a:t>7/17/2018</a:t>
             </a:fld>
             <a:endParaRPr lang="en-US"/>
           </a:p>
@@ -1836,6 +1818,7 @@
           <a:p>
             <a:fld id="{A77B91C3-F7AF-4B70-A6AF-414F720DAC36}" type="slidenum">
               <a:rPr lang="en-US" smtClean="0"/>
+              <a:t>‹#›</a:t>
             </a:fld>
             <a:endParaRPr lang="en-US"/>
           </a:p>
@@ -1960,7 +1943,6 @@
               <a:rPr lang="en-US" smtClean="0"/>
               <a:t>Click to edit Master text styles</a:t>
             </a:r>
-            <a:endParaRPr lang="en-US" smtClean="0"/>
           </a:p>
         </p:txBody>
       </p:sp>
@@ -2083,7 +2065,6 @@
               <a:rPr lang="en-US" smtClean="0"/>
               <a:t>Click to edit Master text styles</a:t>
             </a:r>
-            <a:endParaRPr lang="en-US" smtClean="0"/>
           </a:p>
         </p:txBody>
       </p:sp>
@@ -2104,6 +2085,7 @@
           <a:p>
             <a:fld id="{25D01E33-0C9A-4836-B7F9-A2F0AFEB4BDE}" type="datetimeFigureOut">
               <a:rPr lang="en-US" smtClean="0"/>
+              <a:t>7/17/2018</a:t>
             </a:fld>
             <a:endParaRPr lang="en-US"/>
           </a:p>
@@ -2145,6 +2127,7 @@
           <a:p>
             <a:fld id="{A77B91C3-F7AF-4B70-A6AF-414F720DAC36}" type="slidenum">
               <a:rPr lang="en-US" smtClean="0"/>
+              <a:t>‹#›</a:t>
             </a:fld>
             <a:endParaRPr lang="en-US"/>
           </a:p>
@@ -2188,19 +2171,6 @@
               </a:rPr>
               <a:t>“</a:t>
             </a:r>
-            <a:endParaRPr lang="en-US" sz="8000" baseline="0" dirty="0">
-              <a:ln w="3175" cmpd="sng">
-                <a:noFill/>
-              </a:ln>
-              <a:solidFill>
-                <a:schemeClr val="accent1">
-                  <a:lumMod val="60000"/>
-                  <a:lumOff val="40000"/>
-                </a:schemeClr>
-              </a:solidFill>
-              <a:effectLst/>
-              <a:latin typeface="Arial" panose="020B0604020202020204"/>
-            </a:endParaRPr>
           </a:p>
         </p:txBody>
       </p:sp>
@@ -2242,19 +2212,6 @@
               </a:rPr>
               <a:t>”</a:t>
             </a:r>
-            <a:endParaRPr lang="en-US" sz="8000" baseline="0" dirty="0">
-              <a:ln w="3175" cmpd="sng">
-                <a:noFill/>
-              </a:ln>
-              <a:solidFill>
-                <a:schemeClr val="accent1">
-                  <a:lumMod val="60000"/>
-                  <a:lumOff val="40000"/>
-                </a:schemeClr>
-              </a:solidFill>
-              <a:effectLst/>
-              <a:latin typeface="Arial" panose="020B0604020202020204"/>
-            </a:endParaRPr>
           </a:p>
         </p:txBody>
       </p:sp>
@@ -2374,7 +2331,6 @@
               <a:rPr lang="en-US" smtClean="0"/>
               <a:t>Click to edit Master text styles</a:t>
             </a:r>
-            <a:endParaRPr lang="en-US" smtClean="0"/>
           </a:p>
         </p:txBody>
       </p:sp>
@@ -2497,7 +2453,6 @@
               <a:rPr lang="en-US" smtClean="0"/>
               <a:t>Click to edit Master text styles</a:t>
             </a:r>
-            <a:endParaRPr lang="en-US" smtClean="0"/>
           </a:p>
         </p:txBody>
       </p:sp>
@@ -2518,6 +2473,7 @@
           <a:p>
             <a:fld id="{25D01E33-0C9A-4836-B7F9-A2F0AFEB4BDE}" type="datetimeFigureOut">
               <a:rPr lang="en-US" smtClean="0"/>
+              <a:t>7/17/2018</a:t>
             </a:fld>
             <a:endParaRPr lang="en-US"/>
           </a:p>
@@ -2559,6 +2515,7 @@
           <a:p>
             <a:fld id="{A77B91C3-F7AF-4B70-A6AF-414F720DAC36}" type="slidenum">
               <a:rPr lang="en-US" smtClean="0"/>
+              <a:t>‹#›</a:t>
             </a:fld>
             <a:endParaRPr lang="en-US"/>
           </a:p>
@@ -2632,7 +2589,6 @@
               <a:rPr lang="en-US" smtClean="0"/>
               <a:t>Click to edit Master text styles</a:t>
             </a:r>
-            <a:endParaRPr lang="en-US" smtClean="0"/>
           </a:p>
           <a:p>
             <a:pPr lvl="1"/>
@@ -2640,7 +2596,6 @@
               <a:rPr lang="en-US" smtClean="0"/>
               <a:t>Second level</a:t>
             </a:r>
-            <a:endParaRPr lang="en-US" smtClean="0"/>
           </a:p>
           <a:p>
             <a:pPr lvl="2"/>
@@ -2648,7 +2603,6 @@
               <a:rPr lang="en-US" smtClean="0"/>
               <a:t>Third level</a:t>
             </a:r>
-            <a:endParaRPr lang="en-US" smtClean="0"/>
           </a:p>
           <a:p>
             <a:pPr lvl="3"/>
@@ -2656,7 +2610,6 @@
               <a:rPr lang="en-US" smtClean="0"/>
               <a:t>Fourth level</a:t>
             </a:r>
-            <a:endParaRPr lang="en-US" smtClean="0"/>
           </a:p>
           <a:p>
             <a:pPr lvl="4"/>
@@ -2685,6 +2638,7 @@
           <a:p>
             <a:fld id="{25D01E33-0C9A-4836-B7F9-A2F0AFEB4BDE}" type="datetimeFigureOut">
               <a:rPr lang="en-US" smtClean="0"/>
+              <a:t>7/17/2018</a:t>
             </a:fld>
             <a:endParaRPr lang="en-US"/>
           </a:p>
@@ -2726,6 +2680,7 @@
           <a:p>
             <a:fld id="{A77B91C3-F7AF-4B70-A6AF-414F720DAC36}" type="slidenum">
               <a:rPr lang="en-US" smtClean="0"/>
+              <a:t>‹#›</a:t>
             </a:fld>
             <a:endParaRPr lang="en-US"/>
           </a:p>
@@ -2809,7 +2764,6 @@
               <a:rPr lang="en-US" smtClean="0"/>
               <a:t>Click to edit Master text styles</a:t>
             </a:r>
-            <a:endParaRPr lang="en-US" smtClean="0"/>
           </a:p>
           <a:p>
             <a:pPr lvl="1"/>
@@ -2817,7 +2771,6 @@
               <a:rPr lang="en-US" smtClean="0"/>
               <a:t>Second level</a:t>
             </a:r>
-            <a:endParaRPr lang="en-US" smtClean="0"/>
           </a:p>
           <a:p>
             <a:pPr lvl="2"/>
@@ -2825,7 +2778,6 @@
               <a:rPr lang="en-US" smtClean="0"/>
               <a:t>Third level</a:t>
             </a:r>
-            <a:endParaRPr lang="en-US" smtClean="0"/>
           </a:p>
           <a:p>
             <a:pPr lvl="3"/>
@@ -2833,7 +2785,6 @@
               <a:rPr lang="en-US" smtClean="0"/>
               <a:t>Fourth level</a:t>
             </a:r>
-            <a:endParaRPr lang="en-US" smtClean="0"/>
           </a:p>
           <a:p>
             <a:pPr lvl="4"/>
@@ -2862,6 +2813,7 @@
           <a:p>
             <a:fld id="{25D01E33-0C9A-4836-B7F9-A2F0AFEB4BDE}" type="datetimeFigureOut">
               <a:rPr lang="en-US" smtClean="0"/>
+              <a:t>7/17/2018</a:t>
             </a:fld>
             <a:endParaRPr lang="en-US"/>
           </a:p>
@@ -2903,6 +2855,7 @@
           <a:p>
             <a:fld id="{A77B91C3-F7AF-4B70-A6AF-414F720DAC36}" type="slidenum">
               <a:rPr lang="en-US" smtClean="0"/>
+              <a:t>‹#›</a:t>
             </a:fld>
             <a:endParaRPr lang="en-US"/>
           </a:p>
@@ -2917,7 +2870,7 @@
 </file>
 
 <file path=ppt/slideLayouts/slideLayout17.xml><?xml version="1.0" encoding="utf-8"?>
-<p:sldLayout xmlns:a="http://schemas.openxmlformats.org/drawingml/2006/main" xmlns:r="http://schemas.openxmlformats.org/officeDocument/2006/relationships" xmlns:p="http://schemas.openxmlformats.org/presentationml/2006/main" type="title" preserve="1" showMasterSp="0">
+<p:sldLayout xmlns:a="http://schemas.openxmlformats.org/drawingml/2006/main" xmlns:r="http://schemas.openxmlformats.org/officeDocument/2006/relationships" xmlns:p="http://schemas.openxmlformats.org/presentationml/2006/main" showMasterSp="0" type="title" preserve="1">
   <p:cSld name="Title Slide">
     <p:spTree>
       <p:nvGrpSpPr>
@@ -3661,6 +3614,7 @@
           <a:p>
             <a:fld id="{25D01E33-0C9A-4836-B7F9-A2F0AFEB4BDE}" type="datetimeFigureOut">
               <a:rPr lang="en-US" smtClean="0"/>
+              <a:t>7/17/2018</a:t>
             </a:fld>
             <a:endParaRPr lang="en-US"/>
           </a:p>
@@ -3702,6 +3656,7 @@
           <a:p>
             <a:fld id="{A77B91C3-F7AF-4B70-A6AF-414F720DAC36}" type="slidenum">
               <a:rPr lang="en-US" smtClean="0"/>
+              <a:t>‹#›</a:t>
             </a:fld>
             <a:endParaRPr lang="en-US"/>
           </a:p>
@@ -3775,7 +3730,6 @@
               <a:rPr lang="en-US" smtClean="0"/>
               <a:t>Click to edit Master text styles</a:t>
             </a:r>
-            <a:endParaRPr lang="en-US" smtClean="0"/>
           </a:p>
           <a:p>
             <a:pPr lvl="1"/>
@@ -3783,7 +3737,6 @@
               <a:rPr lang="en-US" smtClean="0"/>
               <a:t>Second level</a:t>
             </a:r>
-            <a:endParaRPr lang="en-US" smtClean="0"/>
           </a:p>
           <a:p>
             <a:pPr lvl="2"/>
@@ -3791,7 +3744,6 @@
               <a:rPr lang="en-US" smtClean="0"/>
               <a:t>Third level</a:t>
             </a:r>
-            <a:endParaRPr lang="en-US" smtClean="0"/>
           </a:p>
           <a:p>
             <a:pPr lvl="3"/>
@@ -3799,7 +3751,6 @@
               <a:rPr lang="en-US" smtClean="0"/>
               <a:t>Fourth level</a:t>
             </a:r>
-            <a:endParaRPr lang="en-US" smtClean="0"/>
           </a:p>
           <a:p>
             <a:pPr lvl="4"/>
@@ -3828,6 +3779,7 @@
           <a:p>
             <a:fld id="{25D01E33-0C9A-4836-B7F9-A2F0AFEB4BDE}" type="datetimeFigureOut">
               <a:rPr lang="en-US" smtClean="0"/>
+              <a:t>7/17/2018</a:t>
             </a:fld>
             <a:endParaRPr lang="en-US"/>
           </a:p>
@@ -3869,6 +3821,7 @@
           <a:p>
             <a:fld id="{A77B91C3-F7AF-4B70-A6AF-414F720DAC36}" type="slidenum">
               <a:rPr lang="en-US" smtClean="0"/>
+              <a:t>‹#›</a:t>
             </a:fld>
             <a:endParaRPr lang="en-US"/>
           </a:p>
@@ -4048,7 +4001,6 @@
               <a:rPr lang="en-US" smtClean="0"/>
               <a:t>Click to edit Master text styles</a:t>
             </a:r>
-            <a:endParaRPr lang="en-US" smtClean="0"/>
           </a:p>
         </p:txBody>
       </p:sp>
@@ -4069,6 +4021,7 @@
           <a:p>
             <a:fld id="{25D01E33-0C9A-4836-B7F9-A2F0AFEB4BDE}" type="datetimeFigureOut">
               <a:rPr lang="en-US" smtClean="0"/>
+              <a:t>7/17/2018</a:t>
             </a:fld>
             <a:endParaRPr lang="en-US"/>
           </a:p>
@@ -4110,6 +4063,7 @@
           <a:p>
             <a:fld id="{A77B91C3-F7AF-4B70-A6AF-414F720DAC36}" type="slidenum">
               <a:rPr lang="en-US" smtClean="0"/>
+              <a:t>‹#›</a:t>
             </a:fld>
             <a:endParaRPr lang="en-US"/>
           </a:p>
@@ -4183,7 +4137,6 @@
               <a:rPr lang="en-US" smtClean="0"/>
               <a:t>Click to edit Master text styles</a:t>
             </a:r>
-            <a:endParaRPr lang="en-US" smtClean="0"/>
           </a:p>
           <a:p>
             <a:pPr lvl="1"/>
@@ -4191,7 +4144,6 @@
               <a:rPr lang="en-US" smtClean="0"/>
               <a:t>Second level</a:t>
             </a:r>
-            <a:endParaRPr lang="en-US" smtClean="0"/>
           </a:p>
           <a:p>
             <a:pPr lvl="2"/>
@@ -4199,7 +4151,6 @@
               <a:rPr lang="en-US" smtClean="0"/>
               <a:t>Third level</a:t>
             </a:r>
-            <a:endParaRPr lang="en-US" smtClean="0"/>
           </a:p>
           <a:p>
             <a:pPr lvl="3"/>
@@ -4207,7 +4158,6 @@
               <a:rPr lang="en-US" smtClean="0"/>
               <a:t>Fourth level</a:t>
             </a:r>
-            <a:endParaRPr lang="en-US" smtClean="0"/>
           </a:p>
           <a:p>
             <a:pPr lvl="4"/>
@@ -4236,6 +4186,7 @@
           <a:p>
             <a:fld id="{25D01E33-0C9A-4836-B7F9-A2F0AFEB4BDE}" type="datetimeFigureOut">
               <a:rPr lang="en-US" smtClean="0"/>
+              <a:t>7/17/2018</a:t>
             </a:fld>
             <a:endParaRPr lang="en-US"/>
           </a:p>
@@ -4277,6 +4228,7 @@
           <a:p>
             <a:fld id="{A77B91C3-F7AF-4B70-A6AF-414F720DAC36}" type="slidenum">
               <a:rPr lang="en-US" smtClean="0"/>
+              <a:t>‹#›</a:t>
             </a:fld>
             <a:endParaRPr lang="en-US"/>
           </a:p>
@@ -4355,7 +4307,6 @@
               <a:rPr lang="en-US" smtClean="0"/>
               <a:t>Click to edit Master text styles</a:t>
             </a:r>
-            <a:endParaRPr lang="en-US" smtClean="0"/>
           </a:p>
           <a:p>
             <a:pPr lvl="1"/>
@@ -4363,7 +4314,6 @@
               <a:rPr lang="en-US" smtClean="0"/>
               <a:t>Second level</a:t>
             </a:r>
-            <a:endParaRPr lang="en-US" smtClean="0"/>
           </a:p>
           <a:p>
             <a:pPr lvl="2"/>
@@ -4371,7 +4321,6 @@
               <a:rPr lang="en-US" smtClean="0"/>
               <a:t>Third level</a:t>
             </a:r>
-            <a:endParaRPr lang="en-US" smtClean="0"/>
           </a:p>
           <a:p>
             <a:pPr lvl="3"/>
@@ -4379,7 +4328,6 @@
               <a:rPr lang="en-US" smtClean="0"/>
               <a:t>Fourth level</a:t>
             </a:r>
-            <a:endParaRPr lang="en-US" smtClean="0"/>
           </a:p>
           <a:p>
             <a:pPr lvl="4"/>
@@ -4416,7 +4364,6 @@
               <a:rPr lang="en-US" smtClean="0"/>
               <a:t>Click to edit Master text styles</a:t>
             </a:r>
-            <a:endParaRPr lang="en-US" smtClean="0"/>
           </a:p>
           <a:p>
             <a:pPr lvl="1"/>
@@ -4424,7 +4371,6 @@
               <a:rPr lang="en-US" smtClean="0"/>
               <a:t>Second level</a:t>
             </a:r>
-            <a:endParaRPr lang="en-US" smtClean="0"/>
           </a:p>
           <a:p>
             <a:pPr lvl="2"/>
@@ -4432,7 +4378,6 @@
               <a:rPr lang="en-US" smtClean="0"/>
               <a:t>Third level</a:t>
             </a:r>
-            <a:endParaRPr lang="en-US" smtClean="0"/>
           </a:p>
           <a:p>
             <a:pPr lvl="3"/>
@@ -4440,7 +4385,6 @@
               <a:rPr lang="en-US" smtClean="0"/>
               <a:t>Fourth level</a:t>
             </a:r>
-            <a:endParaRPr lang="en-US" smtClean="0"/>
           </a:p>
           <a:p>
             <a:pPr lvl="4"/>
@@ -4469,6 +4413,7 @@
           <a:p>
             <a:fld id="{25D01E33-0C9A-4836-B7F9-A2F0AFEB4BDE}" type="datetimeFigureOut">
               <a:rPr lang="en-US" smtClean="0"/>
+              <a:t>7/17/2018</a:t>
             </a:fld>
             <a:endParaRPr lang="en-US"/>
           </a:p>
@@ -4510,6 +4455,7 @@
           <a:p>
             <a:fld id="{A77B91C3-F7AF-4B70-A6AF-414F720DAC36}" type="slidenum">
               <a:rPr lang="en-US" smtClean="0"/>
+              <a:t>‹#›</a:t>
             </a:fld>
             <a:endParaRPr lang="en-US"/>
           </a:p>
@@ -4631,7 +4577,6 @@
               <a:rPr lang="en-US" smtClean="0"/>
               <a:t>Click to edit Master text styles</a:t>
             </a:r>
-            <a:endParaRPr lang="en-US" smtClean="0"/>
           </a:p>
         </p:txBody>
       </p:sp>
@@ -4662,7 +4607,6 @@
               <a:rPr lang="en-US" smtClean="0"/>
               <a:t>Click to edit Master text styles</a:t>
             </a:r>
-            <a:endParaRPr lang="en-US" smtClean="0"/>
           </a:p>
           <a:p>
             <a:pPr lvl="1"/>
@@ -4670,7 +4614,6 @@
               <a:rPr lang="en-US" smtClean="0"/>
               <a:t>Second level</a:t>
             </a:r>
-            <a:endParaRPr lang="en-US" smtClean="0"/>
           </a:p>
           <a:p>
             <a:pPr lvl="2"/>
@@ -4678,7 +4621,6 @@
               <a:rPr lang="en-US" smtClean="0"/>
               <a:t>Third level</a:t>
             </a:r>
-            <a:endParaRPr lang="en-US" smtClean="0"/>
           </a:p>
           <a:p>
             <a:pPr lvl="3"/>
@@ -4686,7 +4628,6 @@
               <a:rPr lang="en-US" smtClean="0"/>
               <a:t>Fourth level</a:t>
             </a:r>
-            <a:endParaRPr lang="en-US" smtClean="0"/>
           </a:p>
           <a:p>
             <a:pPr lvl="4"/>
@@ -4762,7 +4703,6 @@
               <a:rPr lang="en-US" smtClean="0"/>
               <a:t>Click to edit Master text styles</a:t>
             </a:r>
-            <a:endParaRPr lang="en-US" smtClean="0"/>
           </a:p>
         </p:txBody>
       </p:sp>
@@ -4793,7 +4733,6 @@
               <a:rPr lang="en-US" smtClean="0"/>
               <a:t>Click to edit Master text styles</a:t>
             </a:r>
-            <a:endParaRPr lang="en-US" smtClean="0"/>
           </a:p>
           <a:p>
             <a:pPr lvl="1"/>
@@ -4801,7 +4740,6 @@
               <a:rPr lang="en-US" smtClean="0"/>
               <a:t>Second level</a:t>
             </a:r>
-            <a:endParaRPr lang="en-US" smtClean="0"/>
           </a:p>
           <a:p>
             <a:pPr lvl="2"/>
@@ -4809,7 +4747,6 @@
               <a:rPr lang="en-US" smtClean="0"/>
               <a:t>Third level</a:t>
             </a:r>
-            <a:endParaRPr lang="en-US" smtClean="0"/>
           </a:p>
           <a:p>
             <a:pPr lvl="3"/>
@@ -4817,7 +4754,6 @@
               <a:rPr lang="en-US" smtClean="0"/>
               <a:t>Fourth level</a:t>
             </a:r>
-            <a:endParaRPr lang="en-US" smtClean="0"/>
           </a:p>
           <a:p>
             <a:pPr lvl="4"/>
@@ -4846,6 +4782,7 @@
           <a:p>
             <a:fld id="{25D01E33-0C9A-4836-B7F9-A2F0AFEB4BDE}" type="datetimeFigureOut">
               <a:rPr lang="en-US" smtClean="0"/>
+              <a:t>7/17/2018</a:t>
             </a:fld>
             <a:endParaRPr lang="en-US"/>
           </a:p>
@@ -4887,6 +4824,7 @@
           <a:p>
             <a:fld id="{A77B91C3-F7AF-4B70-A6AF-414F720DAC36}" type="slidenum">
               <a:rPr lang="en-US" smtClean="0"/>
+              <a:t>‹#›</a:t>
             </a:fld>
             <a:endParaRPr lang="en-US"/>
           </a:p>
@@ -4962,6 +4900,7 @@
           <a:p>
             <a:fld id="{25D01E33-0C9A-4836-B7F9-A2F0AFEB4BDE}" type="datetimeFigureOut">
               <a:rPr lang="en-US" smtClean="0"/>
+              <a:t>7/17/2018</a:t>
             </a:fld>
             <a:endParaRPr lang="en-US"/>
           </a:p>
@@ -5003,6 +4942,7 @@
           <a:p>
             <a:fld id="{A77B91C3-F7AF-4B70-A6AF-414F720DAC36}" type="slidenum">
               <a:rPr lang="en-US" smtClean="0"/>
+              <a:t>‹#›</a:t>
             </a:fld>
             <a:endParaRPr lang="en-US"/>
           </a:p>
@@ -5050,6 +4990,7 @@
           <a:p>
             <a:fld id="{25D01E33-0C9A-4836-B7F9-A2F0AFEB4BDE}" type="datetimeFigureOut">
               <a:rPr lang="en-US" smtClean="0"/>
+              <a:t>7/17/2018</a:t>
             </a:fld>
             <a:endParaRPr lang="en-US"/>
           </a:p>
@@ -5091,6 +5032,7 @@
           <a:p>
             <a:fld id="{A77B91C3-F7AF-4B70-A6AF-414F720DAC36}" type="slidenum">
               <a:rPr lang="en-US" smtClean="0"/>
+              <a:t>‹#›</a:t>
             </a:fld>
             <a:endParaRPr lang="en-US"/>
           </a:p>
@@ -5182,7 +5124,6 @@
               <a:rPr lang="en-US" smtClean="0"/>
               <a:t>Click to edit Master text styles</a:t>
             </a:r>
-            <a:endParaRPr lang="en-US" smtClean="0"/>
           </a:p>
           <a:p>
             <a:pPr lvl="1"/>
@@ -5190,7 +5131,6 @@
               <a:rPr lang="en-US" smtClean="0"/>
               <a:t>Second level</a:t>
             </a:r>
-            <a:endParaRPr lang="en-US" smtClean="0"/>
           </a:p>
           <a:p>
             <a:pPr lvl="2"/>
@@ -5198,7 +5138,6 @@
               <a:rPr lang="en-US" smtClean="0"/>
               <a:t>Third level</a:t>
             </a:r>
-            <a:endParaRPr lang="en-US" smtClean="0"/>
           </a:p>
           <a:p>
             <a:pPr lvl="3"/>
@@ -5206,7 +5145,6 @@
               <a:rPr lang="en-US" smtClean="0"/>
               <a:t>Fourth level</a:t>
             </a:r>
-            <a:endParaRPr lang="en-US" smtClean="0"/>
           </a:p>
           <a:p>
             <a:pPr lvl="4"/>
@@ -5282,7 +5220,6 @@
               <a:rPr lang="en-US" smtClean="0"/>
               <a:t>Click to edit Master text styles</a:t>
             </a:r>
-            <a:endParaRPr lang="en-US" smtClean="0"/>
           </a:p>
         </p:txBody>
       </p:sp>
@@ -5303,6 +5240,7 @@
           <a:p>
             <a:fld id="{25D01E33-0C9A-4836-B7F9-A2F0AFEB4BDE}" type="datetimeFigureOut">
               <a:rPr lang="en-US" smtClean="0"/>
+              <a:t>7/17/2018</a:t>
             </a:fld>
             <a:endParaRPr lang="en-US"/>
           </a:p>
@@ -5344,6 +5282,7 @@
           <a:p>
             <a:fld id="{A77B91C3-F7AF-4B70-A6AF-414F720DAC36}" type="slidenum">
               <a:rPr lang="en-US" smtClean="0"/>
+              <a:t>‹#›</a:t>
             </a:fld>
             <a:endParaRPr lang="en-US"/>
           </a:p>
@@ -5539,7 +5478,6 @@
               <a:rPr lang="en-US" smtClean="0"/>
               <a:t>Click to edit Master text styles</a:t>
             </a:r>
-            <a:endParaRPr lang="en-US" smtClean="0"/>
           </a:p>
         </p:txBody>
       </p:sp>
@@ -5579,6 +5517,7 @@
           <a:p>
             <a:fld id="{A77B91C3-F7AF-4B70-A6AF-414F720DAC36}" type="slidenum">
               <a:rPr lang="en-US" smtClean="0"/>
+              <a:t>‹#›</a:t>
             </a:fld>
             <a:endParaRPr lang="en-US"/>
           </a:p>
@@ -5601,6 +5540,7 @@
           <a:p>
             <a:fld id="{25D01E33-0C9A-4836-B7F9-A2F0AFEB4BDE}" type="datetimeFigureOut">
               <a:rPr lang="en-US" smtClean="0"/>
+              <a:t>7/17/2018</a:t>
             </a:fld>
             <a:endParaRPr lang="en-US"/>
           </a:p>
@@ -5784,7 +5724,6 @@
               <a:rPr lang="en-US" smtClean="0"/>
               <a:t>Click to edit Master text styles</a:t>
             </a:r>
-            <a:endParaRPr lang="en-US" smtClean="0"/>
           </a:p>
         </p:txBody>
       </p:sp>
@@ -5805,6 +5744,7 @@
           <a:p>
             <a:fld id="{25D01E33-0C9A-4836-B7F9-A2F0AFEB4BDE}" type="datetimeFigureOut">
               <a:rPr lang="en-US" smtClean="0"/>
+              <a:t>7/17/2018</a:t>
             </a:fld>
             <a:endParaRPr lang="en-US"/>
           </a:p>
@@ -5846,6 +5786,7 @@
           <a:p>
             <a:fld id="{A77B91C3-F7AF-4B70-A6AF-414F720DAC36}" type="slidenum">
               <a:rPr lang="en-US" smtClean="0"/>
+              <a:t>‹#›</a:t>
             </a:fld>
             <a:endParaRPr lang="en-US"/>
           </a:p>
@@ -5970,7 +5911,6 @@
               <a:rPr lang="en-US" smtClean="0"/>
               <a:t>Click to edit Master text styles</a:t>
             </a:r>
-            <a:endParaRPr lang="en-US" smtClean="0"/>
           </a:p>
         </p:txBody>
       </p:sp>
@@ -6093,7 +6033,6 @@
               <a:rPr lang="en-US" smtClean="0"/>
               <a:t>Click to edit Master text styles</a:t>
             </a:r>
-            <a:endParaRPr lang="en-US" smtClean="0"/>
           </a:p>
         </p:txBody>
       </p:sp>
@@ -6114,6 +6053,7 @@
           <a:p>
             <a:fld id="{25D01E33-0C9A-4836-B7F9-A2F0AFEB4BDE}" type="datetimeFigureOut">
               <a:rPr lang="en-US" smtClean="0"/>
+              <a:t>7/17/2018</a:t>
             </a:fld>
             <a:endParaRPr lang="en-US"/>
           </a:p>
@@ -6155,6 +6095,7 @@
           <a:p>
             <a:fld id="{A77B91C3-F7AF-4B70-A6AF-414F720DAC36}" type="slidenum">
               <a:rPr lang="en-US" smtClean="0"/>
+              <a:t>‹#›</a:t>
             </a:fld>
             <a:endParaRPr lang="en-US"/>
           </a:p>
@@ -6198,19 +6139,6 @@
               </a:rPr>
               <a:t>“</a:t>
             </a:r>
-            <a:endParaRPr lang="en-US" sz="8000" baseline="0" dirty="0">
-              <a:ln w="3175" cmpd="sng">
-                <a:noFill/>
-              </a:ln>
-              <a:solidFill>
-                <a:schemeClr val="accent1">
-                  <a:lumMod val="60000"/>
-                  <a:lumOff val="40000"/>
-                </a:schemeClr>
-              </a:solidFill>
-              <a:effectLst/>
-              <a:latin typeface="Arial" panose="020B0604020202020204"/>
-            </a:endParaRPr>
           </a:p>
         </p:txBody>
       </p:sp>
@@ -6252,19 +6180,6 @@
               </a:rPr>
               <a:t>”</a:t>
             </a:r>
-            <a:endParaRPr lang="en-US" sz="8000" baseline="0" dirty="0">
-              <a:ln w="3175" cmpd="sng">
-                <a:noFill/>
-              </a:ln>
-              <a:solidFill>
-                <a:schemeClr val="accent1">
-                  <a:lumMod val="60000"/>
-                  <a:lumOff val="40000"/>
-                </a:schemeClr>
-              </a:solidFill>
-              <a:effectLst/>
-              <a:latin typeface="Arial" panose="020B0604020202020204"/>
-            </a:endParaRPr>
           </a:p>
         </p:txBody>
       </p:sp>
@@ -6446,7 +6361,6 @@
               <a:rPr lang="en-US" smtClean="0"/>
               <a:t>Click to edit Master text styles</a:t>
             </a:r>
-            <a:endParaRPr lang="en-US" smtClean="0"/>
           </a:p>
         </p:txBody>
       </p:sp>
@@ -6467,6 +6381,7 @@
           <a:p>
             <a:fld id="{25D01E33-0C9A-4836-B7F9-A2F0AFEB4BDE}" type="datetimeFigureOut">
               <a:rPr lang="en-US" smtClean="0"/>
+              <a:t>7/17/2018</a:t>
             </a:fld>
             <a:endParaRPr lang="en-US"/>
           </a:p>
@@ -6508,6 +6423,7 @@
           <a:p>
             <a:fld id="{A77B91C3-F7AF-4B70-A6AF-414F720DAC36}" type="slidenum">
               <a:rPr lang="en-US" smtClean="0"/>
+              <a:t>‹#›</a:t>
             </a:fld>
             <a:endParaRPr lang="en-US"/>
           </a:p>
@@ -6632,7 +6548,6 @@
               <a:rPr lang="en-US" smtClean="0"/>
               <a:t>Click to edit Master text styles</a:t>
             </a:r>
-            <a:endParaRPr lang="en-US" smtClean="0"/>
           </a:p>
         </p:txBody>
       </p:sp>
@@ -6755,7 +6670,6 @@
               <a:rPr lang="en-US" smtClean="0"/>
               <a:t>Click to edit Master text styles</a:t>
             </a:r>
-            <a:endParaRPr lang="en-US" smtClean="0"/>
           </a:p>
         </p:txBody>
       </p:sp>
@@ -6776,6 +6690,7 @@
           <a:p>
             <a:fld id="{25D01E33-0C9A-4836-B7F9-A2F0AFEB4BDE}" type="datetimeFigureOut">
               <a:rPr lang="en-US" smtClean="0"/>
+              <a:t>7/17/2018</a:t>
             </a:fld>
             <a:endParaRPr lang="en-US"/>
           </a:p>
@@ -6817,6 +6732,7 @@
           <a:p>
             <a:fld id="{A77B91C3-F7AF-4B70-A6AF-414F720DAC36}" type="slidenum">
               <a:rPr lang="en-US" smtClean="0"/>
+              <a:t>‹#›</a:t>
             </a:fld>
             <a:endParaRPr lang="en-US"/>
           </a:p>
@@ -6860,19 +6776,6 @@
               </a:rPr>
               <a:t>“</a:t>
             </a:r>
-            <a:endParaRPr lang="en-US" sz="8000" baseline="0" dirty="0">
-              <a:ln w="3175" cmpd="sng">
-                <a:noFill/>
-              </a:ln>
-              <a:solidFill>
-                <a:schemeClr val="accent1">
-                  <a:lumMod val="60000"/>
-                  <a:lumOff val="40000"/>
-                </a:schemeClr>
-              </a:solidFill>
-              <a:effectLst/>
-              <a:latin typeface="Arial" panose="020B0604020202020204"/>
-            </a:endParaRPr>
           </a:p>
         </p:txBody>
       </p:sp>
@@ -6914,19 +6817,6 @@
               </a:rPr>
               <a:t>”</a:t>
             </a:r>
-            <a:endParaRPr lang="en-US" sz="8000" baseline="0" dirty="0">
-              <a:ln w="3175" cmpd="sng">
-                <a:noFill/>
-              </a:ln>
-              <a:solidFill>
-                <a:schemeClr val="accent1">
-                  <a:lumMod val="60000"/>
-                  <a:lumOff val="40000"/>
-                </a:schemeClr>
-              </a:solidFill>
-              <a:effectLst/>
-              <a:latin typeface="Arial" panose="020B0604020202020204"/>
-            </a:endParaRPr>
           </a:p>
         </p:txBody>
       </p:sp>
@@ -7104,7 +6994,6 @@
               <a:rPr lang="en-US" smtClean="0"/>
               <a:t>Click to edit Master text styles</a:t>
             </a:r>
-            <a:endParaRPr lang="en-US" smtClean="0"/>
           </a:p>
         </p:txBody>
       </p:sp>
@@ -7125,6 +7014,7 @@
           <a:p>
             <a:fld id="{25D01E33-0C9A-4836-B7F9-A2F0AFEB4BDE}" type="datetimeFigureOut">
               <a:rPr lang="en-US" smtClean="0"/>
+              <a:t>7/17/2018</a:t>
             </a:fld>
             <a:endParaRPr lang="en-US"/>
           </a:p>
@@ -7166,6 +7056,7 @@
           <a:p>
             <a:fld id="{A77B91C3-F7AF-4B70-A6AF-414F720DAC36}" type="slidenum">
               <a:rPr lang="en-US" smtClean="0"/>
+              <a:t>‹#›</a:t>
             </a:fld>
             <a:endParaRPr lang="en-US"/>
           </a:p>
@@ -7287,7 +7178,6 @@
               <a:rPr lang="en-US" smtClean="0"/>
               <a:t>Click to edit Master text styles</a:t>
             </a:r>
-            <a:endParaRPr lang="en-US" smtClean="0"/>
           </a:p>
         </p:txBody>
       </p:sp>
@@ -7410,7 +7300,6 @@
               <a:rPr lang="en-US" smtClean="0"/>
               <a:t>Click to edit Master text styles</a:t>
             </a:r>
-            <a:endParaRPr lang="en-US" smtClean="0"/>
           </a:p>
         </p:txBody>
       </p:sp>
@@ -7431,6 +7320,7 @@
           <a:p>
             <a:fld id="{25D01E33-0C9A-4836-B7F9-A2F0AFEB4BDE}" type="datetimeFigureOut">
               <a:rPr lang="en-US" smtClean="0"/>
+              <a:t>7/17/2018</a:t>
             </a:fld>
             <a:endParaRPr lang="en-US"/>
           </a:p>
@@ -7472,6 +7362,7 @@
           <a:p>
             <a:fld id="{A77B91C3-F7AF-4B70-A6AF-414F720DAC36}" type="slidenum">
               <a:rPr lang="en-US" smtClean="0"/>
+              <a:t>‹#›</a:t>
             </a:fld>
             <a:endParaRPr lang="en-US"/>
           </a:p>
@@ -7545,7 +7436,6 @@
               <a:rPr lang="en-US" smtClean="0"/>
               <a:t>Click to edit Master text styles</a:t>
             </a:r>
-            <a:endParaRPr lang="en-US" smtClean="0"/>
           </a:p>
           <a:p>
             <a:pPr lvl="1"/>
@@ -7553,7 +7443,6 @@
               <a:rPr lang="en-US" smtClean="0"/>
               <a:t>Second level</a:t>
             </a:r>
-            <a:endParaRPr lang="en-US" smtClean="0"/>
           </a:p>
           <a:p>
             <a:pPr lvl="2"/>
@@ -7561,7 +7450,6 @@
               <a:rPr lang="en-US" smtClean="0"/>
               <a:t>Third level</a:t>
             </a:r>
-            <a:endParaRPr lang="en-US" smtClean="0"/>
           </a:p>
           <a:p>
             <a:pPr lvl="3"/>
@@ -7569,7 +7457,6 @@
               <a:rPr lang="en-US" smtClean="0"/>
               <a:t>Fourth level</a:t>
             </a:r>
-            <a:endParaRPr lang="en-US" smtClean="0"/>
           </a:p>
           <a:p>
             <a:pPr lvl="4"/>
@@ -7598,6 +7485,7 @@
           <a:p>
             <a:fld id="{25D01E33-0C9A-4836-B7F9-A2F0AFEB4BDE}" type="datetimeFigureOut">
               <a:rPr lang="en-US" smtClean="0"/>
+              <a:t>7/17/2018</a:t>
             </a:fld>
             <a:endParaRPr lang="en-US"/>
           </a:p>
@@ -7639,6 +7527,7 @@
           <a:p>
             <a:fld id="{A77B91C3-F7AF-4B70-A6AF-414F720DAC36}" type="slidenum">
               <a:rPr lang="en-US" smtClean="0"/>
+              <a:t>‹#›</a:t>
             </a:fld>
             <a:endParaRPr lang="en-US"/>
           </a:p>
@@ -7722,7 +7611,6 @@
               <a:rPr lang="en-US" smtClean="0"/>
               <a:t>Click to edit Master text styles</a:t>
             </a:r>
-            <a:endParaRPr lang="en-US" smtClean="0"/>
           </a:p>
           <a:p>
             <a:pPr lvl="1"/>
@@ -7730,7 +7618,6 @@
               <a:rPr lang="en-US" smtClean="0"/>
               <a:t>Second level</a:t>
             </a:r>
-            <a:endParaRPr lang="en-US" smtClean="0"/>
           </a:p>
           <a:p>
             <a:pPr lvl="2"/>
@@ -7738,7 +7625,6 @@
               <a:rPr lang="en-US" smtClean="0"/>
               <a:t>Third level</a:t>
             </a:r>
-            <a:endParaRPr lang="en-US" smtClean="0"/>
           </a:p>
           <a:p>
             <a:pPr lvl="3"/>
@@ -7746,7 +7632,6 @@
               <a:rPr lang="en-US" smtClean="0"/>
               <a:t>Fourth level</a:t>
             </a:r>
-            <a:endParaRPr lang="en-US" smtClean="0"/>
           </a:p>
           <a:p>
             <a:pPr lvl="4"/>
@@ -7775,6 +7660,7 @@
           <a:p>
             <a:fld id="{25D01E33-0C9A-4836-B7F9-A2F0AFEB4BDE}" type="datetimeFigureOut">
               <a:rPr lang="en-US" smtClean="0"/>
+              <a:t>7/17/2018</a:t>
             </a:fld>
             <a:endParaRPr lang="en-US"/>
           </a:p>
@@ -7816,6 +7702,7 @@
           <a:p>
             <a:fld id="{A77B91C3-F7AF-4B70-A6AF-414F720DAC36}" type="slidenum">
               <a:rPr lang="en-US" smtClean="0"/>
+              <a:t>‹#›</a:t>
             </a:fld>
             <a:endParaRPr lang="en-US"/>
           </a:p>
@@ -7894,7 +7781,6 @@
               <a:rPr lang="en-US" smtClean="0"/>
               <a:t>Click to edit Master text styles</a:t>
             </a:r>
-            <a:endParaRPr lang="en-US" smtClean="0"/>
           </a:p>
           <a:p>
             <a:pPr lvl="1"/>
@@ -7902,7 +7788,6 @@
               <a:rPr lang="en-US" smtClean="0"/>
               <a:t>Second level</a:t>
             </a:r>
-            <a:endParaRPr lang="en-US" smtClean="0"/>
           </a:p>
           <a:p>
             <a:pPr lvl="2"/>
@@ -7910,7 +7795,6 @@
               <a:rPr lang="en-US" smtClean="0"/>
               <a:t>Third level</a:t>
             </a:r>
-            <a:endParaRPr lang="en-US" smtClean="0"/>
           </a:p>
           <a:p>
             <a:pPr lvl="3"/>
@@ -7918,7 +7802,6 @@
               <a:rPr lang="en-US" smtClean="0"/>
               <a:t>Fourth level</a:t>
             </a:r>
-            <a:endParaRPr lang="en-US" smtClean="0"/>
           </a:p>
           <a:p>
             <a:pPr lvl="4"/>
@@ -7955,7 +7838,6 @@
               <a:rPr lang="en-US" smtClean="0"/>
               <a:t>Click to edit Master text styles</a:t>
             </a:r>
-            <a:endParaRPr lang="en-US" smtClean="0"/>
           </a:p>
           <a:p>
             <a:pPr lvl="1"/>
@@ -7963,7 +7845,6 @@
               <a:rPr lang="en-US" smtClean="0"/>
               <a:t>Second level</a:t>
             </a:r>
-            <a:endParaRPr lang="en-US" smtClean="0"/>
           </a:p>
           <a:p>
             <a:pPr lvl="2"/>
@@ -7971,7 +7852,6 @@
               <a:rPr lang="en-US" smtClean="0"/>
               <a:t>Third level</a:t>
             </a:r>
-            <a:endParaRPr lang="en-US" smtClean="0"/>
           </a:p>
           <a:p>
             <a:pPr lvl="3"/>
@@ -7979,7 +7859,6 @@
               <a:rPr lang="en-US" smtClean="0"/>
               <a:t>Fourth level</a:t>
             </a:r>
-            <a:endParaRPr lang="en-US" smtClean="0"/>
           </a:p>
           <a:p>
             <a:pPr lvl="4"/>
@@ -8008,6 +7887,7 @@
           <a:p>
             <a:fld id="{25D01E33-0C9A-4836-B7F9-A2F0AFEB4BDE}" type="datetimeFigureOut">
               <a:rPr lang="en-US" smtClean="0"/>
+              <a:t>7/17/2018</a:t>
             </a:fld>
             <a:endParaRPr lang="en-US"/>
           </a:p>
@@ -8049,6 +7929,7 @@
           <a:p>
             <a:fld id="{A77B91C3-F7AF-4B70-A6AF-414F720DAC36}" type="slidenum">
               <a:rPr lang="en-US" smtClean="0"/>
+              <a:t>‹#›</a:t>
             </a:fld>
             <a:endParaRPr lang="en-US"/>
           </a:p>
@@ -8170,7 +8051,6 @@
               <a:rPr lang="en-US" smtClean="0"/>
               <a:t>Click to edit Master text styles</a:t>
             </a:r>
-            <a:endParaRPr lang="en-US" smtClean="0"/>
           </a:p>
         </p:txBody>
       </p:sp>
@@ -8201,7 +8081,6 @@
               <a:rPr lang="en-US" smtClean="0"/>
               <a:t>Click to edit Master text styles</a:t>
             </a:r>
-            <a:endParaRPr lang="en-US" smtClean="0"/>
           </a:p>
           <a:p>
             <a:pPr lvl="1"/>
@@ -8209,7 +8088,6 @@
               <a:rPr lang="en-US" smtClean="0"/>
               <a:t>Second level</a:t>
             </a:r>
-            <a:endParaRPr lang="en-US" smtClean="0"/>
           </a:p>
           <a:p>
             <a:pPr lvl="2"/>
@@ -8217,7 +8095,6 @@
               <a:rPr lang="en-US" smtClean="0"/>
               <a:t>Third level</a:t>
             </a:r>
-            <a:endParaRPr lang="en-US" smtClean="0"/>
           </a:p>
           <a:p>
             <a:pPr lvl="3"/>
@@ -8225,7 +8102,6 @@
               <a:rPr lang="en-US" smtClean="0"/>
               <a:t>Fourth level</a:t>
             </a:r>
-            <a:endParaRPr lang="en-US" smtClean="0"/>
           </a:p>
           <a:p>
             <a:pPr lvl="4"/>
@@ -8301,7 +8177,6 @@
               <a:rPr lang="en-US" smtClean="0"/>
               <a:t>Click to edit Master text styles</a:t>
             </a:r>
-            <a:endParaRPr lang="en-US" smtClean="0"/>
           </a:p>
         </p:txBody>
       </p:sp>
@@ -8332,7 +8207,6 @@
               <a:rPr lang="en-US" smtClean="0"/>
               <a:t>Click to edit Master text styles</a:t>
             </a:r>
-            <a:endParaRPr lang="en-US" smtClean="0"/>
           </a:p>
           <a:p>
             <a:pPr lvl="1"/>
@@ -8340,7 +8214,6 @@
               <a:rPr lang="en-US" smtClean="0"/>
               <a:t>Second level</a:t>
             </a:r>
-            <a:endParaRPr lang="en-US" smtClean="0"/>
           </a:p>
           <a:p>
             <a:pPr lvl="2"/>
@@ -8348,7 +8221,6 @@
               <a:rPr lang="en-US" smtClean="0"/>
               <a:t>Third level</a:t>
             </a:r>
-            <a:endParaRPr lang="en-US" smtClean="0"/>
           </a:p>
           <a:p>
             <a:pPr lvl="3"/>
@@ -8356,7 +8228,6 @@
               <a:rPr lang="en-US" smtClean="0"/>
               <a:t>Fourth level</a:t>
             </a:r>
-            <a:endParaRPr lang="en-US" smtClean="0"/>
           </a:p>
           <a:p>
             <a:pPr lvl="4"/>
@@ -8385,6 +8256,7 @@
           <a:p>
             <a:fld id="{25D01E33-0C9A-4836-B7F9-A2F0AFEB4BDE}" type="datetimeFigureOut">
               <a:rPr lang="en-US" smtClean="0"/>
+              <a:t>7/17/2018</a:t>
             </a:fld>
             <a:endParaRPr lang="en-US"/>
           </a:p>
@@ -8426,6 +8298,7 @@
           <a:p>
             <a:fld id="{A77B91C3-F7AF-4B70-A6AF-414F720DAC36}" type="slidenum">
               <a:rPr lang="en-US" smtClean="0"/>
+              <a:t>‹#›</a:t>
             </a:fld>
             <a:endParaRPr lang="en-US"/>
           </a:p>
@@ -8501,6 +8374,7 @@
           <a:p>
             <a:fld id="{25D01E33-0C9A-4836-B7F9-A2F0AFEB4BDE}" type="datetimeFigureOut">
               <a:rPr lang="en-US" smtClean="0"/>
+              <a:t>7/17/2018</a:t>
             </a:fld>
             <a:endParaRPr lang="en-US"/>
           </a:p>
@@ -8542,6 +8416,7 @@
           <a:p>
             <a:fld id="{A77B91C3-F7AF-4B70-A6AF-414F720DAC36}" type="slidenum">
               <a:rPr lang="en-US" smtClean="0"/>
+              <a:t>‹#›</a:t>
             </a:fld>
             <a:endParaRPr lang="en-US"/>
           </a:p>
@@ -8589,6 +8464,7 @@
           <a:p>
             <a:fld id="{25D01E33-0C9A-4836-B7F9-A2F0AFEB4BDE}" type="datetimeFigureOut">
               <a:rPr lang="en-US" smtClean="0"/>
+              <a:t>7/17/2018</a:t>
             </a:fld>
             <a:endParaRPr lang="en-US"/>
           </a:p>
@@ -8630,6 +8506,7 @@
           <a:p>
             <a:fld id="{A77B91C3-F7AF-4B70-A6AF-414F720DAC36}" type="slidenum">
               <a:rPr lang="en-US" smtClean="0"/>
+              <a:t>‹#›</a:t>
             </a:fld>
             <a:endParaRPr lang="en-US"/>
           </a:p>
@@ -8721,7 +8598,6 @@
               <a:rPr lang="en-US" smtClean="0"/>
               <a:t>Click to edit Master text styles</a:t>
             </a:r>
-            <a:endParaRPr lang="en-US" smtClean="0"/>
           </a:p>
           <a:p>
             <a:pPr lvl="1"/>
@@ -8729,7 +8605,6 @@
               <a:rPr lang="en-US" smtClean="0"/>
               <a:t>Second level</a:t>
             </a:r>
-            <a:endParaRPr lang="en-US" smtClean="0"/>
           </a:p>
           <a:p>
             <a:pPr lvl="2"/>
@@ -8737,7 +8612,6 @@
               <a:rPr lang="en-US" smtClean="0"/>
               <a:t>Third level</a:t>
             </a:r>
-            <a:endParaRPr lang="en-US" smtClean="0"/>
           </a:p>
           <a:p>
             <a:pPr lvl="3"/>
@@ -8745,7 +8619,6 @@
               <a:rPr lang="en-US" smtClean="0"/>
               <a:t>Fourth level</a:t>
             </a:r>
-            <a:endParaRPr lang="en-US" smtClean="0"/>
           </a:p>
           <a:p>
             <a:pPr lvl="4"/>
@@ -8821,7 +8694,6 @@
               <a:rPr lang="en-US" smtClean="0"/>
               <a:t>Click to edit Master text styles</a:t>
             </a:r>
-            <a:endParaRPr lang="en-US" smtClean="0"/>
           </a:p>
         </p:txBody>
       </p:sp>
@@ -8842,6 +8714,7 @@
           <a:p>
             <a:fld id="{25D01E33-0C9A-4836-B7F9-A2F0AFEB4BDE}" type="datetimeFigureOut">
               <a:rPr lang="en-US" smtClean="0"/>
+              <a:t>7/17/2018</a:t>
             </a:fld>
             <a:endParaRPr lang="en-US"/>
           </a:p>
@@ -8883,6 +8756,7 @@
           <a:p>
             <a:fld id="{A77B91C3-F7AF-4B70-A6AF-414F720DAC36}" type="slidenum">
               <a:rPr lang="en-US" smtClean="0"/>
+              <a:t>‹#›</a:t>
             </a:fld>
             <a:endParaRPr lang="en-US"/>
           </a:p>
@@ -9078,7 +8952,6 @@
               <a:rPr lang="en-US" smtClean="0"/>
               <a:t>Click to edit Master text styles</a:t>
             </a:r>
-            <a:endParaRPr lang="en-US" smtClean="0"/>
           </a:p>
         </p:txBody>
       </p:sp>
@@ -9118,6 +8991,7 @@
           <a:p>
             <a:fld id="{A77B91C3-F7AF-4B70-A6AF-414F720DAC36}" type="slidenum">
               <a:rPr lang="en-US" smtClean="0"/>
+              <a:t>‹#›</a:t>
             </a:fld>
             <a:endParaRPr lang="en-US"/>
           </a:p>
@@ -9140,6 +9014,7 @@
           <a:p>
             <a:fld id="{25D01E33-0C9A-4836-B7F9-A2F0AFEB4BDE}" type="datetimeFigureOut">
               <a:rPr lang="en-US" smtClean="0"/>
+              <a:t>7/17/2018</a:t>
             </a:fld>
             <a:endParaRPr lang="en-US"/>
           </a:p>
@@ -9769,7 +9644,6 @@
               <a:rPr lang="en-US" smtClean="0"/>
               <a:t>Click to edit Master text styles</a:t>
             </a:r>
-            <a:endParaRPr lang="en-US" smtClean="0"/>
           </a:p>
           <a:p>
             <a:pPr lvl="1"/>
@@ -9777,7 +9651,6 @@
               <a:rPr lang="en-US" smtClean="0"/>
               <a:t>Second level</a:t>
             </a:r>
-            <a:endParaRPr lang="en-US" smtClean="0"/>
           </a:p>
           <a:p>
             <a:pPr lvl="2"/>
@@ -9785,7 +9658,6 @@
               <a:rPr lang="en-US" smtClean="0"/>
               <a:t>Third level</a:t>
             </a:r>
-            <a:endParaRPr lang="en-US" smtClean="0"/>
           </a:p>
           <a:p>
             <a:pPr lvl="3"/>
@@ -9793,7 +9665,6 @@
               <a:rPr lang="en-US" smtClean="0"/>
               <a:t>Fourth level</a:t>
             </a:r>
-            <a:endParaRPr lang="en-US" smtClean="0"/>
           </a:p>
           <a:p>
             <a:pPr lvl="4"/>
@@ -9840,6 +9711,7 @@
           <a:p>
             <a:fld id="{25D01E33-0C9A-4836-B7F9-A2F0AFEB4BDE}" type="datetimeFigureOut">
               <a:rPr lang="en-US" smtClean="0"/>
+              <a:t>7/17/2018</a:t>
             </a:fld>
             <a:endParaRPr lang="en-US"/>
           </a:p>
@@ -9915,6 +9787,7 @@
           <a:p>
             <a:fld id="{A77B91C3-F7AF-4B70-A6AF-414F720DAC36}" type="slidenum">
               <a:rPr lang="en-US" smtClean="0"/>
+              <a:t>‹#›</a:t>
             </a:fld>
             <a:endParaRPr lang="en-US"/>
           </a:p>
@@ -10956,7 +10829,6 @@
               <a:rPr lang="en-US" smtClean="0"/>
               <a:t>Click to edit Master text styles</a:t>
             </a:r>
-            <a:endParaRPr lang="en-US" smtClean="0"/>
           </a:p>
           <a:p>
             <a:pPr lvl="1"/>
@@ -10964,7 +10836,6 @@
               <a:rPr lang="en-US" smtClean="0"/>
               <a:t>Second level</a:t>
             </a:r>
-            <a:endParaRPr lang="en-US" smtClean="0"/>
           </a:p>
           <a:p>
             <a:pPr lvl="2"/>
@@ -10972,7 +10843,6 @@
               <a:rPr lang="en-US" smtClean="0"/>
               <a:t>Third level</a:t>
             </a:r>
-            <a:endParaRPr lang="en-US" smtClean="0"/>
           </a:p>
           <a:p>
             <a:pPr lvl="3"/>
@@ -10980,7 +10850,6 @@
               <a:rPr lang="en-US" smtClean="0"/>
               <a:t>Fourth level</a:t>
             </a:r>
-            <a:endParaRPr lang="en-US" smtClean="0"/>
           </a:p>
           <a:p>
             <a:pPr lvl="4"/>
@@ -11027,6 +10896,7 @@
           <a:p>
             <a:fld id="{25D01E33-0C9A-4836-B7F9-A2F0AFEB4BDE}" type="datetimeFigureOut">
               <a:rPr lang="en-US" smtClean="0"/>
+              <a:t>7/17/2018</a:t>
             </a:fld>
             <a:endParaRPr lang="en-US"/>
           </a:p>
@@ -11102,6 +10972,7 @@
           <a:p>
             <a:fld id="{A77B91C3-F7AF-4B70-A6AF-414F720DAC36}" type="slidenum">
               <a:rPr lang="en-US" smtClean="0"/>
+              <a:t>‹#›</a:t>
             </a:fld>
             <a:endParaRPr lang="en-US"/>
           </a:p>
@@ -11705,7 +11576,7 @@
           <p:nvPr/>
         </p:nvPicPr>
         <p:blipFill>
-          <a:blip r:embed="rId1" cstate="print">
+          <a:blip r:embed="rId2" cstate="print">
             <a:extLst>
               <a:ext uri="{28A0092B-C50C-407E-A947-70E740481C1C}">
                 <a14:useLocalDpi xmlns:a14="http://schemas.microsoft.com/office/drawing/2010/main" val="0"/>
@@ -11734,96 +11605,9 @@
   <p:timing>
     <p:tnLst>
       <p:par>
-        <p:cTn id="1" dur="indefinite" restart="never" nodeType="tmRoot">
-          <p:childTnLst>
-            <p:seq concurrent="1" nextAc="seek">
-              <p:cTn id="2" dur="indefinite" nodeType="mainSeq">
-                <p:childTnLst>
-                  <p:par>
-                    <p:cTn id="3" fill="hold">
-                      <p:stCondLst>
-                        <p:cond delay="indefinite"/>
-                      </p:stCondLst>
-                      <p:childTnLst>
-                        <p:par>
-                          <p:cTn id="4" fill="hold">
-                            <p:stCondLst>
-                              <p:cond delay="0"/>
-                            </p:stCondLst>
-                            <p:childTnLst>
-                              <p:par>
-                                <p:cTn id="5" presetID="10" presetClass="entr" presetSubtype="0" fill="hold" grpId="0" nodeType="clickEffect">
-                                  <p:stCondLst>
-                                    <p:cond delay="0"/>
-                                  </p:stCondLst>
-                                  <p:childTnLst>
-                                    <p:set>
-                                      <p:cBhvr>
-                                        <p:cTn id="6" dur="1" fill="hold">
-                                          <p:stCondLst>
-                                            <p:cond delay="0"/>
-                                          </p:stCondLst>
-                                        </p:cTn>
-                                        <p:tgtEl>
-                                          <p:spTgt spid="3">
-                                            <p:txEl>
-                                              <p:pRg st="0" end="0"/>
-                                            </p:txEl>
-                                          </p:spTgt>
-                                        </p:tgtEl>
-                                        <p:attrNameLst>
-                                          <p:attrName>style.visibility</p:attrName>
-                                        </p:attrNameLst>
-                                      </p:cBhvr>
-                                      <p:to>
-                                        <p:strVal val="visible"/>
-                                      </p:to>
-                                    </p:set>
-                                    <p:animEffect transition="in" filter="fade">
-                                      <p:cBhvr>
-                                        <p:cTn id="7" dur="500"/>
-                                        <p:tgtEl>
-                                          <p:spTgt spid="3">
-                                            <p:txEl>
-                                              <p:pRg st="0" end="0"/>
-                                            </p:txEl>
-                                          </p:spTgt>
-                                        </p:tgtEl>
-                                      </p:cBhvr>
-                                    </p:animEffect>
-                                  </p:childTnLst>
-                                </p:cTn>
-                              </p:par>
-                            </p:childTnLst>
-                          </p:cTn>
-                        </p:par>
-                      </p:childTnLst>
-                    </p:cTn>
-                  </p:par>
-                </p:childTnLst>
-              </p:cTn>
-              <p:prevCondLst>
-                <p:cond evt="onPrev" delay="0">
-                  <p:tgtEl>
-                    <p:sldTgt/>
-                  </p:tgtEl>
-                </p:cond>
-              </p:prevCondLst>
-              <p:nextCondLst>
-                <p:cond evt="onNext" delay="0">
-                  <p:tgtEl>
-                    <p:sldTgt/>
-                  </p:tgtEl>
-                </p:cond>
-              </p:nextCondLst>
-            </p:seq>
-          </p:childTnLst>
-        </p:cTn>
+        <p:cTn id="1" dur="indefinite" restart="never" nodeType="tmRoot"/>
       </p:par>
     </p:tnLst>
-    <p:bldLst>
-      <p:bldP spid="3" grpId="0" build="p"/>
-    </p:bldLst>
   </p:timing>
 </p:sld>
 </file>
@@ -12727,7 +12511,6 @@
               <a:rPr lang="en-US" dirty="0" smtClean="0"/>
               <a:t>.</a:t>
             </a:r>
-            <a:endParaRPr lang="en-US" dirty="0" smtClean="0"/>
           </a:p>
           <a:p>
             <a:endParaRPr lang="en-US" dirty="0"/>
@@ -12743,7 +12526,7 @@
           <p:nvPr/>
         </p:nvPicPr>
         <p:blipFill>
-          <a:blip r:embed="rId1">
+          <a:blip r:embed="rId2">
             <a:extLst>
               <a:ext uri="{28A0092B-C50C-407E-A947-70E740481C1C}">
                 <a14:useLocalDpi xmlns:a14="http://schemas.microsoft.com/office/drawing/2010/main" val="0"/>
@@ -13073,7 +12856,6 @@
               <a:rPr lang="vi-VN" dirty="0"/>
               <a:t>Là một dependency injector, khác với các dependency injector dành cho việc triển khai ứng dụng Enterprise như Spring IoC hay JavaEE CDI. Dagger Được thiết kế cho các thiết bị low-end, nhỏ gọn nhưng vẫn đầy đủ tính năng.</a:t>
             </a:r>
-            <a:endParaRPr lang="vi-VN" dirty="0"/>
           </a:p>
           <a:p>
             <a:pPr fontAlgn="base"/>
@@ -13081,7 +12863,6 @@
               <a:rPr lang="vi-VN" dirty="0"/>
               <a:t>Hầu hết các dependency injector sử dụng reflection để tạo ra và inject các module. Reflection nhanh và thích hợp cho các version Android cũ nhưng reflection gây ra khó khăn rất lớn trong việc debug hay tracking khi gặp lỗi.</a:t>
             </a:r>
-            <a:endParaRPr lang="vi-VN" dirty="0"/>
           </a:p>
           <a:p>
             <a:pPr fontAlgn="base"/>
@@ -13089,7 +12870,6 @@
               <a:rPr lang="vi-VN" dirty="0"/>
               <a:t>Thay bằng việc sử dụng reflection Dagger sử dụng một trình biên dịch trước (pre-compiler), trình biên dịch này tạo ra tất cả các lớp, các module cần thiết để làm việc.</a:t>
             </a:r>
-            <a:endParaRPr lang="vi-VN" dirty="0"/>
           </a:p>
           <a:p>
             <a:pPr fontAlgn="base"/>
@@ -13097,7 +12877,6 @@
               <a:rPr lang="vi-VN" dirty="0"/>
               <a:t>Dagger ít mạnh mẽ so với các dependency injector khác nhưng thay vào đó Dagger lại nhẹ nhàng và dễ dàng sử dụng cũng như gần như bỏ đi được điểm yếu của dependency injector là khả năng tracking bug</a:t>
             </a:r>
-            <a:endParaRPr lang="vi-VN" dirty="0"/>
           </a:p>
           <a:p>
             <a:endParaRPr lang="en-US" dirty="0"/>
@@ -13691,7 +13470,6 @@
               <a:rPr lang="en-US" sz="2400" dirty="0" smtClean="0"/>
               <a:t>)</a:t>
             </a:r>
-            <a:endParaRPr lang="en-US" sz="2400" dirty="0" smtClean="0"/>
           </a:p>
           <a:p>
             <a:pPr marL="0" indent="0">
@@ -13787,9 +13565,6 @@
               </a:rPr>
               <a:t> Injection</a:t>
             </a:r>
-            <a:endParaRPr lang="en-US" sz="2400" dirty="0" smtClean="0">
-              <a:sym typeface="+mn-ea"/>
-            </a:endParaRPr>
           </a:p>
           <a:p>
             <a:pPr marL="0" indent="0">
@@ -14128,7 +13903,7 @@
           </p:nvPr>
         </p:nvPicPr>
         <p:blipFill>
-          <a:blip r:embed="rId1">
+          <a:blip r:embed="rId2">
             <a:extLst>
               <a:ext uri="{28A0092B-C50C-407E-A947-70E740481C1C}">
                 <a14:useLocalDpi xmlns:a14="http://schemas.microsoft.com/office/drawing/2010/main" val="0"/>
@@ -14155,7 +13930,129 @@
   <p:timing>
     <p:tnLst>
       <p:par>
-        <p:cTn id="1" dur="indefinite" restart="never" nodeType="tmRoot"/>
+        <p:cTn id="1" dur="indefinite" restart="never" nodeType="tmRoot">
+          <p:childTnLst>
+            <p:seq concurrent="1" nextAc="seek">
+              <p:cTn id="2" dur="indefinite" nodeType="mainSeq">
+                <p:childTnLst>
+                  <p:par>
+                    <p:cTn id="3" fill="hold">
+                      <p:stCondLst>
+                        <p:cond delay="indefinite"/>
+                      </p:stCondLst>
+                      <p:childTnLst>
+                        <p:par>
+                          <p:cTn id="4" fill="hold">
+                            <p:stCondLst>
+                              <p:cond delay="0"/>
+                            </p:stCondLst>
+                            <p:childTnLst>
+                              <p:par>
+                                <p:cTn id="5" presetID="42" presetClass="entr" presetSubtype="0" fill="hold" nodeType="clickEffect">
+                                  <p:stCondLst>
+                                    <p:cond delay="0"/>
+                                  </p:stCondLst>
+                                  <p:childTnLst>
+                                    <p:set>
+                                      <p:cBhvr>
+                                        <p:cTn id="6" dur="1" fill="hold">
+                                          <p:stCondLst>
+                                            <p:cond delay="0"/>
+                                          </p:stCondLst>
+                                        </p:cTn>
+                                        <p:tgtEl>
+                                          <p:spTgt spid="6"/>
+                                        </p:tgtEl>
+                                        <p:attrNameLst>
+                                          <p:attrName>style.visibility</p:attrName>
+                                        </p:attrNameLst>
+                                      </p:cBhvr>
+                                      <p:to>
+                                        <p:strVal val="visible"/>
+                                      </p:to>
+                                    </p:set>
+                                    <p:animEffect transition="in" filter="fade">
+                                      <p:cBhvr>
+                                        <p:cTn id="7" dur="1000"/>
+                                        <p:tgtEl>
+                                          <p:spTgt spid="6"/>
+                                        </p:tgtEl>
+                                      </p:cBhvr>
+                                    </p:animEffect>
+                                    <p:anim calcmode="lin" valueType="num">
+                                      <p:cBhvr>
+                                        <p:cTn id="8" dur="1000" fill="hold"/>
+                                        <p:tgtEl>
+                                          <p:spTgt spid="6"/>
+                                        </p:tgtEl>
+                                        <p:attrNameLst>
+                                          <p:attrName>ppt_x</p:attrName>
+                                        </p:attrNameLst>
+                                      </p:cBhvr>
+                                      <p:tavLst>
+                                        <p:tav tm="0">
+                                          <p:val>
+                                            <p:strVal val="#ppt_x"/>
+                                          </p:val>
+                                        </p:tav>
+                                        <p:tav tm="100000">
+                                          <p:val>
+                                            <p:strVal val="#ppt_x"/>
+                                          </p:val>
+                                        </p:tav>
+                                      </p:tavLst>
+                                    </p:anim>
+                                    <p:anim calcmode="lin" valueType="num">
+                                      <p:cBhvr>
+                                        <p:cTn id="9" dur="1000" fill="hold"/>
+                                        <p:tgtEl>
+                                          <p:spTgt spid="6"/>
+                                        </p:tgtEl>
+                                        <p:attrNameLst>
+                                          <p:attrName>ppt_y</p:attrName>
+                                        </p:attrNameLst>
+                                      </p:cBhvr>
+                                      <p:tavLst>
+                                        <p:tav tm="0">
+                                          <p:val>
+                                            <p:strVal val="#ppt_y+.1"/>
+                                          </p:val>
+                                        </p:tav>
+                                        <p:tav tm="100000">
+                                          <p:val>
+                                            <p:strVal val="#ppt_y"/>
+                                          </p:val>
+                                        </p:tav>
+                                      </p:tavLst>
+                                    </p:anim>
+                                  </p:childTnLst>
+                                </p:cTn>
+                              </p:par>
+                            </p:childTnLst>
+                          </p:cTn>
+                        </p:par>
+                      </p:childTnLst>
+                    </p:cTn>
+                  </p:par>
+                </p:childTnLst>
+              </p:cTn>
+              <p:prevCondLst>
+                <p:cond evt="onPrev" delay="0">
+                  <p:tgtEl>
+                    <p:sldTgt/>
+                  </p:tgtEl>
+                </p:cond>
+              </p:prevCondLst>
+              <p:nextCondLst>
+                <p:cond evt="onNext" delay="0">
+                  <p:tgtEl>
+                    <p:sldTgt/>
+                  </p:tgtEl>
+                </p:cond>
+              </p:nextCondLst>
+            </p:seq>
+          </p:childTnLst>
+        </p:cTn>
       </p:par>
     </p:tnLst>
   </p:timing>
@@ -14225,7 +14122,7 @@
           </p:nvPr>
         </p:nvPicPr>
         <p:blipFill>
-          <a:blip r:embed="rId1">
+          <a:blip r:embed="rId2">
             <a:extLst>
               <a:ext uri="{28A0092B-C50C-407E-A947-70E740481C1C}">
                 <a14:useLocalDpi xmlns:a14="http://schemas.microsoft.com/office/drawing/2010/main" val="0"/>
@@ -14307,13 +14204,6 @@
               </a:rPr>
               <a:t>Xử lý DI với Dagger 2</a:t>
             </a:r>
-            <a:endParaRPr lang="en-US" dirty="0">
-              <a:solidFill>
-                <a:schemeClr val="tx2">
-                  <a:lumMod val="50000"/>
-                </a:schemeClr>
-              </a:solidFill>
-            </a:endParaRPr>
           </a:p>
         </p:txBody>
       </p:sp>
@@ -14361,7 +14251,6 @@
               <a:rPr lang="en-US" dirty="0" smtClean="0"/>
               <a:t> Dagger</a:t>
             </a:r>
-            <a:endParaRPr lang="en-US" dirty="0" smtClean="0"/>
           </a:p>
           <a:p>
             <a:endParaRPr lang="en-US" dirty="0"/>
@@ -14395,7 +14284,6 @@
               <a:rPr lang="en-US" dirty="0" smtClean="0"/>
               <a:t> Component</a:t>
             </a:r>
-            <a:endParaRPr lang="en-US" dirty="0" smtClean="0"/>
           </a:p>
           <a:p>
             <a:endParaRPr lang="en-US" dirty="0" smtClean="0"/>
@@ -14421,7 +14309,7 @@
           <p:nvPr/>
         </p:nvPicPr>
         <p:blipFill>
-          <a:blip r:embed="rId1">
+          <a:blip r:embed="rId2">
             <a:extLst>
               <a:ext uri="{28A0092B-C50C-407E-A947-70E740481C1C}">
                 <a14:useLocalDpi xmlns:a14="http://schemas.microsoft.com/office/drawing/2010/main" val="0"/>
@@ -14451,7 +14339,7 @@
           <p:nvPr/>
         </p:nvPicPr>
         <p:blipFill>
-          <a:blip r:embed="rId2">
+          <a:blip r:embed="rId3">
             <a:extLst>
               <a:ext uri="{28A0092B-C50C-407E-A947-70E740481C1C}">
                 <a14:useLocalDpi xmlns:a14="http://schemas.microsoft.com/office/drawing/2010/main" val="0"/>
@@ -14564,7 +14452,6 @@
               <a:rPr lang="en-US" dirty="0" smtClean="0"/>
               <a:t> Modules</a:t>
             </a:r>
-            <a:endParaRPr lang="en-US" dirty="0" smtClean="0"/>
           </a:p>
           <a:p>
             <a:endParaRPr lang="en-US" dirty="0" smtClean="0"/>
@@ -14580,7 +14467,7 @@
           <p:nvPr/>
         </p:nvPicPr>
         <p:blipFill>
-          <a:blip r:embed="rId1">
+          <a:blip r:embed="rId2">
             <a:extLst>
               <a:ext uri="{28A0092B-C50C-407E-A947-70E740481C1C}">
                 <a14:useLocalDpi xmlns:a14="http://schemas.microsoft.com/office/drawing/2010/main" val="0"/>
@@ -14663,7 +14550,7 @@
           </p:nvPr>
         </p:nvPicPr>
         <p:blipFill>
-          <a:blip r:embed="rId1">
+          <a:blip r:embed="rId2">
             <a:extLst>
               <a:ext uri="{28A0092B-C50C-407E-A947-70E740481C1C}">
                 <a14:useLocalDpi xmlns:a14="http://schemas.microsoft.com/office/drawing/2010/main" val="0"/>
@@ -14690,7 +14577,7 @@
           <p:nvPr/>
         </p:nvPicPr>
         <p:blipFill>
-          <a:blip r:embed="rId2">
+          <a:blip r:embed="rId3">
             <a:extLst>
               <a:ext uri="{28A0092B-C50C-407E-A947-70E740481C1C}">
                 <a14:useLocalDpi xmlns:a14="http://schemas.microsoft.com/office/drawing/2010/main" val="0"/>
@@ -14773,7 +14660,7 @@
           </p:nvPr>
         </p:nvPicPr>
         <p:blipFill>
-          <a:blip r:embed="rId1">
+          <a:blip r:embed="rId2">
             <a:extLst>
               <a:ext uri="{28A0092B-C50C-407E-A947-70E740481C1C}">
                 <a14:useLocalDpi xmlns:a14="http://schemas.microsoft.com/office/drawing/2010/main" val="0"/>
@@ -14800,7 +14687,7 @@
           <p:nvPr/>
         </p:nvPicPr>
         <p:blipFill>
-          <a:blip r:embed="rId2">
+          <a:blip r:embed="rId3">
             <a:extLst>
               <a:ext uri="{28A0092B-C50C-407E-A947-70E740481C1C}">
                 <a14:useLocalDpi xmlns:a14="http://schemas.microsoft.com/office/drawing/2010/main" val="0"/>
@@ -14926,7 +14813,6 @@
               <a:rPr lang="en-US" dirty="0" smtClean="0"/>
               <a:t> Modules</a:t>
             </a:r>
-            <a:endParaRPr lang="en-US" dirty="0" smtClean="0"/>
           </a:p>
           <a:p>
             <a:pPr lvl="1"/>
@@ -15210,7 +15096,6 @@
               <a:rPr lang="en-US" dirty="0" smtClean="0"/>
               <a:t>:</a:t>
             </a:r>
-            <a:endParaRPr lang="en-US" dirty="0" smtClean="0"/>
           </a:p>
           <a:p>
             <a:pPr lvl="2"/>
@@ -15435,7 +15320,7 @@
           <p:nvPr/>
         </p:nvPicPr>
         <p:blipFill>
-          <a:blip r:embed="rId1">
+          <a:blip r:embed="rId2">
             <a:extLst>
               <a:ext uri="{28A0092B-C50C-407E-A947-70E740481C1C}">
                 <a14:useLocalDpi xmlns:a14="http://schemas.microsoft.com/office/drawing/2010/main" val="0"/>
@@ -16347,7 +16232,6 @@
               <a:rPr lang="vi-VN" dirty="0" smtClean="0"/>
               <a:t>Trong java, 1 lớp được coi là phụ thuộc vào lớp khác nếu nó sử dụng 1 thể hiện của lớp này.</a:t>
             </a:r>
-            <a:endParaRPr lang="vi-VN" dirty="0" smtClean="0"/>
           </a:p>
           <a:p>
             <a:r>
@@ -16366,7 +16250,6 @@
               <a:rPr lang="en-US" dirty="0" smtClean="0"/>
               <a:t>:</a:t>
             </a:r>
-            <a:endParaRPr lang="en-US" dirty="0" smtClean="0"/>
           </a:p>
           <a:p>
             <a:endParaRPr lang="en-US" dirty="0" smtClean="0"/>
@@ -16439,6 +16322,19 @@
               <a:buFontTx/>
               <a:buNone/>
             </a:pPr>
+            <a:r>
+              <a:rPr kumimoji="0" lang="en-US" altLang="en-US" sz="1500" b="0" i="0" u="none" strike="noStrike" cap="none" normalizeH="0" baseline="0" smtClean="0">
+                <a:ln>
+                  <a:noFill/>
+                </a:ln>
+                <a:solidFill>
+                  <a:schemeClr val="tx1"/>
+                </a:solidFill>
+                <a:effectLst/>
+                <a:latin typeface="medium-content-sans-serif-font"/>
+              </a:rPr>
+              <a:t/>
+            </a:r>
             <a:br>
               <a:rPr kumimoji="0" lang="en-US" altLang="en-US" sz="1500" b="0" i="0" u="none" strike="noStrike" cap="none" normalizeH="0" baseline="0" smtClean="0">
                 <a:ln>
@@ -16477,6 +16373,19 @@
               <a:buFontTx/>
               <a:buNone/>
             </a:pPr>
+            <a:r>
+              <a:rPr kumimoji="0" lang="en-US" altLang="en-US" sz="1800" b="0" i="0" u="none" strike="noStrike" cap="none" normalizeH="0" baseline="0" smtClean="0">
+                <a:ln>
+                  <a:noFill/>
+                </a:ln>
+                <a:solidFill>
+                  <a:schemeClr val="tx1"/>
+                </a:solidFill>
+                <a:effectLst/>
+                <a:latin typeface="Arial" panose="020B0604020202020204" pitchFamily="34" charset="0"/>
+              </a:rPr>
+              <a:t/>
+            </a:r>
             <a:br>
               <a:rPr kumimoji="0" lang="en-US" altLang="en-US" sz="1800" b="0" i="0" u="none" strike="noStrike" cap="none" normalizeH="0" baseline="0" smtClean="0">
                 <a:ln>
@@ -16511,7 +16420,7 @@
           <p:nvPr/>
         </p:nvPicPr>
         <p:blipFill>
-          <a:blip r:embed="rId1">
+          <a:blip r:embed="rId2">
             <a:extLst>
               <a:ext uri="{28A0092B-C50C-407E-A947-70E740481C1C}">
                 <a14:useLocalDpi xmlns:a14="http://schemas.microsoft.com/office/drawing/2010/main" val="0"/>
@@ -17029,7 +16938,7 @@
           <p:nvPr/>
         </p:nvPicPr>
         <p:blipFill>
-          <a:blip r:embed="rId1">
+          <a:blip r:embed="rId2">
             <a:extLst>
               <a:ext uri="{28A0092B-C50C-407E-A947-70E740481C1C}">
                 <a14:useLocalDpi xmlns:a14="http://schemas.microsoft.com/office/drawing/2010/main" val="0"/>
@@ -17059,7 +16968,7 @@
           <p:nvPr/>
         </p:nvPicPr>
         <p:blipFill>
-          <a:blip r:embed="rId2">
+          <a:blip r:embed="rId3">
             <a:extLst>
               <a:ext uri="{28A0092B-C50C-407E-A947-70E740481C1C}">
                 <a14:useLocalDpi xmlns:a14="http://schemas.microsoft.com/office/drawing/2010/main" val="0"/>
@@ -17175,7 +17084,6 @@
               <a:rPr lang="en-US" dirty="0" smtClean="0"/>
               <a:t> Component</a:t>
             </a:r>
-            <a:endParaRPr lang="en-US" dirty="0" smtClean="0"/>
           </a:p>
           <a:p>
             <a:pPr lvl="1"/>
@@ -17487,7 +17395,6 @@
               <a:rPr lang="en-US" dirty="0" smtClean="0"/>
               <a:t> Component</a:t>
             </a:r>
-            <a:endParaRPr lang="en-US" dirty="0" smtClean="0"/>
           </a:p>
           <a:p>
             <a:pPr lvl="1"/>
@@ -17504,7 +17411,7 @@
           <p:nvPr/>
         </p:nvPicPr>
         <p:blipFill>
-          <a:blip r:embed="rId1">
+          <a:blip r:embed="rId2">
             <a:extLst>
               <a:ext uri="{28A0092B-C50C-407E-A947-70E740481C1C}">
                 <a14:useLocalDpi xmlns:a14="http://schemas.microsoft.com/office/drawing/2010/main" val="0"/>
@@ -17534,7 +17441,7 @@
           <p:nvPr/>
         </p:nvPicPr>
         <p:blipFill>
-          <a:blip r:embed="rId2">
+          <a:blip r:embed="rId3">
             <a:extLst>
               <a:ext uri="{28A0092B-C50C-407E-A947-70E740481C1C}">
                 <a14:useLocalDpi xmlns:a14="http://schemas.microsoft.com/office/drawing/2010/main" val="0"/>
@@ -17678,7 +17585,7 @@
           <p:nvPr/>
         </p:nvPicPr>
         <p:blipFill>
-          <a:blip r:embed="rId1">
+          <a:blip r:embed="rId2">
             <a:extLst>
               <a:ext uri="{28A0092B-C50C-407E-A947-70E740481C1C}">
                 <a14:useLocalDpi xmlns:a14="http://schemas.microsoft.com/office/drawing/2010/main" val="0"/>
@@ -18210,7 +18117,6 @@
               <a:rPr lang="en-US" dirty="0"/>
               <a:t> singleton dependency</a:t>
             </a:r>
-            <a:endParaRPr lang="en-US" dirty="0"/>
           </a:p>
           <a:p>
             <a:pPr lvl="1"/>
@@ -18290,7 +18196,6 @@
               <a:rPr lang="en-US" dirty="0" smtClean="0"/>
               <a:t>Annotation</a:t>
             </a:r>
-            <a:endParaRPr lang="en-US" dirty="0" smtClean="0"/>
           </a:p>
           <a:p>
             <a:pPr lvl="1"/>
@@ -18422,7 +18327,7 @@
           <p:nvPr/>
         </p:nvPicPr>
         <p:blipFill>
-          <a:blip r:embed="rId1">
+          <a:blip r:embed="rId2">
             <a:extLst>
               <a:ext uri="{28A0092B-C50C-407E-A947-70E740481C1C}">
                 <a14:useLocalDpi xmlns:a14="http://schemas.microsoft.com/office/drawing/2010/main" val="0"/>
@@ -18995,7 +18900,7 @@
           </p:nvPr>
         </p:nvPicPr>
         <p:blipFill>
-          <a:blip r:embed="rId1">
+          <a:blip r:embed="rId2">
             <a:extLst>
               <a:ext uri="{28A0092B-C50C-407E-A947-70E740481C1C}">
                 <a14:useLocalDpi xmlns:a14="http://schemas.microsoft.com/office/drawing/2010/main" val="0"/>
@@ -19310,7 +19215,6 @@
               <a:rPr lang="en-US" dirty="0" smtClean="0"/>
               <a:t> Context</a:t>
             </a:r>
-            <a:endParaRPr lang="en-US" dirty="0" smtClean="0"/>
           </a:p>
           <a:p>
             <a:pPr lvl="1"/>
@@ -19571,7 +19475,7 @@
           <p:nvPr/>
         </p:nvPicPr>
         <p:blipFill>
-          <a:blip r:embed="rId1">
+          <a:blip r:embed="rId2">
             <a:extLst>
               <a:ext uri="{28A0092B-C50C-407E-A947-70E740481C1C}">
                 <a14:useLocalDpi xmlns:a14="http://schemas.microsoft.com/office/drawing/2010/main" val="0"/>
@@ -20120,7 +20024,6 @@
               <a:rPr lang="en-US" dirty="0" smtClean="0"/>
               <a:t> Context</a:t>
             </a:r>
-            <a:endParaRPr lang="en-US" dirty="0" smtClean="0"/>
           </a:p>
           <a:p>
             <a:endParaRPr lang="en-US" dirty="0"/>
@@ -20136,7 +20039,7 @@
           <p:nvPr/>
         </p:nvPicPr>
         <p:blipFill>
-          <a:blip r:embed="rId1">
+          <a:blip r:embed="rId2">
             <a:extLst>
               <a:ext uri="{28A0092B-C50C-407E-A947-70E740481C1C}">
                 <a14:useLocalDpi xmlns:a14="http://schemas.microsoft.com/office/drawing/2010/main" val="0"/>
@@ -20219,7 +20122,7 @@
           </p:nvPr>
         </p:nvPicPr>
         <p:blipFill>
-          <a:blip r:embed="rId1">
+          <a:blip r:embed="rId2">
             <a:extLst>
               <a:ext uri="{28A0092B-C50C-407E-A947-70E740481C1C}">
                 <a14:useLocalDpi xmlns:a14="http://schemas.microsoft.com/office/drawing/2010/main" val="0"/>
@@ -20246,7 +20149,7 @@
           <p:nvPr/>
         </p:nvPicPr>
         <p:blipFill>
-          <a:blip r:embed="rId2">
+          <a:blip r:embed="rId3">
             <a:extLst>
               <a:ext uri="{28A0092B-C50C-407E-A947-70E740481C1C}">
                 <a14:useLocalDpi xmlns:a14="http://schemas.microsoft.com/office/drawing/2010/main" val="0"/>
@@ -20459,7 +20362,7 @@
           <p:nvPr/>
         </p:nvPicPr>
         <p:blipFill>
-          <a:blip r:embed="rId1">
+          <a:blip r:embed="rId2">
             <a:extLst>
               <a:ext uri="{28A0092B-C50C-407E-A947-70E740481C1C}">
                 <a14:useLocalDpi xmlns:a14="http://schemas.microsoft.com/office/drawing/2010/main" val="0"/>
@@ -20489,7 +20392,7 @@
           <p:nvPr/>
         </p:nvPicPr>
         <p:blipFill>
-          <a:blip r:embed="rId2">
+          <a:blip r:embed="rId3">
             <a:extLst>
               <a:ext uri="{28A0092B-C50C-407E-A947-70E740481C1C}">
                 <a14:useLocalDpi xmlns:a14="http://schemas.microsoft.com/office/drawing/2010/main" val="0"/>
@@ -20572,7 +20475,7 @@
           </p:nvPr>
         </p:nvPicPr>
         <p:blipFill>
-          <a:blip r:embed="rId1">
+          <a:blip r:embed="rId2">
             <a:extLst>
               <a:ext uri="{28A0092B-C50C-407E-A947-70E740481C1C}">
                 <a14:useLocalDpi xmlns:a14="http://schemas.microsoft.com/office/drawing/2010/main" val="0"/>
@@ -20599,7 +20502,7 @@
           <p:nvPr/>
         </p:nvPicPr>
         <p:blipFill>
-          <a:blip r:embed="rId2">
+          <a:blip r:embed="rId3">
             <a:extLst>
               <a:ext uri="{28A0092B-C50C-407E-A947-70E740481C1C}">
                 <a14:useLocalDpi xmlns:a14="http://schemas.microsoft.com/office/drawing/2010/main" val="0"/>
@@ -20898,7 +20801,6 @@
               <a:rPr lang="en-US" sz="2000" dirty="0" smtClean="0"/>
               <a:t> Hard dependencies.</a:t>
             </a:r>
-            <a:endParaRPr lang="en-US" sz="2000" dirty="0" smtClean="0"/>
           </a:p>
           <a:p>
             <a:r>
@@ -20921,7 +20823,6 @@
               <a:rPr lang="en-US" sz="2000" dirty="0" smtClean="0"/>
               <a:t>:</a:t>
             </a:r>
-            <a:endParaRPr lang="en-US" sz="2000" dirty="0" smtClean="0"/>
           </a:p>
           <a:p>
             <a:pPr lvl="1"/>
@@ -20957,7 +20858,6 @@
               <a:rPr lang="en-US" sz="1800" dirty="0" smtClean="0"/>
               <a:t> reusability</a:t>
             </a:r>
-            <a:endParaRPr lang="en-US" sz="1800" dirty="0" smtClean="0"/>
           </a:p>
           <a:p>
             <a:pPr lvl="1"/>
@@ -21001,7 +20901,6 @@
               <a:rPr lang="en-US" sz="1800" dirty="0" smtClean="0"/>
               <a:t> testing</a:t>
             </a:r>
-            <a:endParaRPr lang="en-US" sz="1800" dirty="0" smtClean="0"/>
           </a:p>
           <a:p>
             <a:pPr lvl="1"/>
@@ -21608,7 +21507,14 @@
         <p:cNvGrpSpPr/>
         <p:nvPr/>
       </p:nvGrpSpPr>
-      <p:grpSpPr/>
+      <p:grpSpPr>
+        <a:xfrm>
+          <a:off x="0" y="0"/>
+          <a:ext cx="0" cy="0"/>
+          <a:chOff x="0" y="0"/>
+          <a:chExt cx="0" cy="0"/>
+        </a:xfrm>
+      </p:grpSpPr>
       <p:sp>
         <p:nvSpPr>
           <p:cNvPr id="2" name="Title 1"/>
@@ -21622,6 +21528,7 @@
         <p:spPr/>
         <p:txBody>
           <a:bodyPr/>
+          <a:lstStyle/>
           <a:p>
             <a:r>
               <a:rPr lang="en-US">
@@ -21633,13 +21540,6 @@
               </a:rPr>
               <a:t>Tạo multiple components</a:t>
             </a:r>
-            <a:endParaRPr lang="en-US">
-              <a:solidFill>
-                <a:schemeClr val="tx2">
-                  <a:lumMod val="50000"/>
-                </a:schemeClr>
-              </a:solidFill>
-            </a:endParaRPr>
           </a:p>
         </p:txBody>
       </p:sp>
@@ -21661,12 +21561,12 @@
         </p:spPr>
         <p:txBody>
           <a:bodyPr/>
+          <a:lstStyle/>
           <a:p>
             <a:r>
               <a:rPr lang="en-US"/>
               <a:t>Bước 1: Tạo Activity level scope</a:t>
             </a:r>
-            <a:endParaRPr lang="en-US"/>
           </a:p>
           <a:p>
             <a:endParaRPr lang="en-US"/>
@@ -21679,7 +21579,6 @@
               <a:rPr lang="en-US"/>
               <a:t>Bước 2: Tạo Component cho MainActivity</a:t>
             </a:r>
-            <a:endParaRPr lang="en-US"/>
           </a:p>
           <a:p>
             <a:endParaRPr lang="en-US"/>
@@ -21690,14 +21589,14 @@
         <p:nvPicPr>
           <p:cNvPr id="4" name="Content Placeholder 3" descr="Capture1"/>
           <p:cNvPicPr>
-            <a:picLocks noChangeAspect="1"/>
+            <a:picLocks noGrp="1" noChangeAspect="1"/>
           </p:cNvPicPr>
           <p:nvPr>
             <p:ph sz="half" idx="2"/>
           </p:nvPr>
         </p:nvPicPr>
         <p:blipFill>
-          <a:blip r:embed="rId1"/>
+          <a:blip r:embed="rId2"/>
           <a:stretch>
             <a:fillRect/>
           </a:stretch>
@@ -21721,7 +21620,7 @@
           <p:nvPr/>
         </p:nvPicPr>
         <p:blipFill>
-          <a:blip r:embed="rId2"/>
+          <a:blip r:embed="rId3"/>
           <a:stretch>
             <a:fillRect/>
           </a:stretch>
@@ -21741,6 +21640,13 @@
   <p:clrMapOvr>
     <a:masterClrMapping/>
   </p:clrMapOvr>
+  <p:timing>
+    <p:tnLst>
+      <p:par>
+        <p:cTn id="1" dur="indefinite" restart="never" nodeType="tmRoot"/>
+      </p:par>
+    </p:tnLst>
+  </p:timing>
 </p:sld>
 </file>
 
@@ -21753,7 +21659,14 @@
         <p:cNvGrpSpPr/>
         <p:nvPr/>
       </p:nvGrpSpPr>
-      <p:grpSpPr/>
+      <p:grpSpPr>
+        <a:xfrm>
+          <a:off x="0" y="0"/>
+          <a:ext cx="0" cy="0"/>
+          <a:chOff x="0" y="0"/>
+          <a:chExt cx="0" cy="0"/>
+        </a:xfrm>
+      </p:grpSpPr>
       <p:sp>
         <p:nvSpPr>
           <p:cNvPr id="2" name="Title 1"/>
@@ -21767,6 +21680,7 @@
         <p:spPr/>
         <p:txBody>
           <a:bodyPr/>
+          <a:lstStyle/>
           <a:p>
             <a:endParaRPr lang="en-US"/>
           </a:p>
@@ -21790,12 +21704,12 @@
         </p:spPr>
         <p:txBody>
           <a:bodyPr/>
+          <a:lstStyle/>
           <a:p>
             <a:r>
               <a:rPr lang="en-US"/>
               <a:t>Bước 3: Tạo Module cho MainActivity</a:t>
             </a:r>
-            <a:endParaRPr lang="en-US"/>
           </a:p>
         </p:txBody>
       </p:sp>
@@ -21808,7 +21722,7 @@
           <p:nvPr/>
         </p:nvPicPr>
         <p:blipFill>
-          <a:blip r:embed="rId1"/>
+          <a:blip r:embed="rId2"/>
           <a:stretch>
             <a:fillRect/>
           </a:stretch>
@@ -21826,7 +21740,9 @@
       <p:sp>
         <p:nvSpPr>
           <p:cNvPr id="7" name="Content Placeholder 6"/>
-          <p:cNvSpPr/>
+          <p:cNvSpPr>
+            <a:spLocks noGrp="1"/>
+          </p:cNvSpPr>
           <p:nvPr>
             <p:ph sz="half" idx="2"/>
           </p:nvPr>
@@ -21834,6 +21750,7 @@
         <p:spPr/>
         <p:txBody>
           <a:bodyPr/>
+          <a:lstStyle/>
           <a:p>
             <a:endParaRPr lang="en-US"/>
           </a:p>
@@ -21844,6 +21761,13 @@
   <p:clrMapOvr>
     <a:masterClrMapping/>
   </p:clrMapOvr>
+  <p:timing>
+    <p:tnLst>
+      <p:par>
+        <p:cTn id="1" dur="indefinite" restart="never" nodeType="tmRoot"/>
+      </p:par>
+    </p:tnLst>
+  </p:timing>
 </p:sld>
 </file>
 
@@ -21856,7 +21780,14 @@
         <p:cNvGrpSpPr/>
         <p:nvPr/>
       </p:nvGrpSpPr>
-      <p:grpSpPr/>
+      <p:grpSpPr>
+        <a:xfrm>
+          <a:off x="0" y="0"/>
+          <a:ext cx="0" cy="0"/>
+          <a:chOff x="0" y="0"/>
+          <a:chExt cx="0" cy="0"/>
+        </a:xfrm>
+      </p:grpSpPr>
       <p:sp>
         <p:nvSpPr>
           <p:cNvPr id="2" name="Title 1"/>
@@ -21870,6 +21801,7 @@
         <p:spPr/>
         <p:txBody>
           <a:bodyPr/>
+          <a:lstStyle/>
           <a:p>
             <a:endParaRPr lang="en-US"/>
           </a:p>
@@ -21879,14 +21811,14 @@
         <p:nvPicPr>
           <p:cNvPr id="5" name="Content Placeholder 4" descr="Capture4"/>
           <p:cNvPicPr>
-            <a:picLocks noChangeAspect="1"/>
+            <a:picLocks noGrp="1" noChangeAspect="1"/>
           </p:cNvPicPr>
           <p:nvPr>
             <p:ph sz="half" idx="1"/>
           </p:nvPr>
         </p:nvPicPr>
         <p:blipFill>
-          <a:blip r:embed="rId1"/>
+          <a:blip r:embed="rId2"/>
           <a:stretch>
             <a:fillRect/>
           </a:stretch>
@@ -21905,14 +21837,14 @@
         <p:nvPicPr>
           <p:cNvPr id="6" name="Content Placeholder 5" descr="Capture5"/>
           <p:cNvPicPr>
-            <a:picLocks noChangeAspect="1"/>
+            <a:picLocks noGrp="1" noChangeAspect="1"/>
           </p:cNvPicPr>
           <p:nvPr>
             <p:ph sz="half" idx="2"/>
           </p:nvPr>
         </p:nvPicPr>
         <p:blipFill>
-          <a:blip r:embed="rId2"/>
+          <a:blip r:embed="rId3"/>
           <a:stretch>
             <a:fillRect/>
           </a:stretch>
@@ -21932,6 +21864,13 @@
   <p:clrMapOvr>
     <a:masterClrMapping/>
   </p:clrMapOvr>
+  <p:timing>
+    <p:tnLst>
+      <p:par>
+        <p:cTn id="1" dur="indefinite" restart="never" nodeType="tmRoot"/>
+      </p:par>
+    </p:tnLst>
+  </p:timing>
 </p:sld>
 </file>
 
@@ -21944,7 +21883,14 @@
         <p:cNvGrpSpPr/>
         <p:nvPr/>
       </p:nvGrpSpPr>
-      <p:grpSpPr/>
+      <p:grpSpPr>
+        <a:xfrm>
+          <a:off x="0" y="0"/>
+          <a:ext cx="0" cy="0"/>
+          <a:chOff x="0" y="0"/>
+          <a:chExt cx="0" cy="0"/>
+        </a:xfrm>
+      </p:grpSpPr>
       <p:sp>
         <p:nvSpPr>
           <p:cNvPr id="2" name="Title 1"/>
@@ -21958,6 +21904,7 @@
         <p:spPr/>
         <p:txBody>
           <a:bodyPr/>
+          <a:lstStyle/>
           <a:p>
             <a:endParaRPr lang="en-US"/>
           </a:p>
@@ -21981,12 +21928,12 @@
         </p:spPr>
         <p:txBody>
           <a:bodyPr/>
+          <a:lstStyle/>
           <a:p>
             <a:r>
               <a:rPr lang="en-US"/>
               <a:t>Bước 4: Tạo lớp Application</a:t>
             </a:r>
-            <a:endParaRPr lang="en-US"/>
           </a:p>
         </p:txBody>
       </p:sp>
@@ -21994,14 +21941,14 @@
         <p:nvPicPr>
           <p:cNvPr id="5" name="Content Placeholder 4" descr="Capture6"/>
           <p:cNvPicPr>
-            <a:picLocks noChangeAspect="1"/>
+            <a:picLocks noGrp="1" noChangeAspect="1"/>
           </p:cNvPicPr>
           <p:nvPr>
             <p:ph sz="half" idx="2"/>
           </p:nvPr>
         </p:nvPicPr>
         <p:blipFill>
-          <a:blip r:embed="rId1"/>
+          <a:blip r:embed="rId2"/>
           <a:stretch>
             <a:fillRect/>
           </a:stretch>
@@ -22021,6 +21968,13 @@
   <p:clrMapOvr>
     <a:masterClrMapping/>
   </p:clrMapOvr>
+  <p:timing>
+    <p:tnLst>
+      <p:par>
+        <p:cTn id="1" dur="indefinite" restart="never" nodeType="tmRoot"/>
+      </p:par>
+    </p:tnLst>
+  </p:timing>
 </p:sld>
 </file>
 
@@ -22033,7 +21987,14 @@
         <p:cNvGrpSpPr/>
         <p:nvPr/>
       </p:nvGrpSpPr>
-      <p:grpSpPr/>
+      <p:grpSpPr>
+        <a:xfrm>
+          <a:off x="0" y="0"/>
+          <a:ext cx="0" cy="0"/>
+          <a:chOff x="0" y="0"/>
+          <a:chExt cx="0" cy="0"/>
+        </a:xfrm>
+      </p:grpSpPr>
       <p:sp>
         <p:nvSpPr>
           <p:cNvPr id="2" name="Title 1"/>
@@ -22047,6 +22008,7 @@
         <p:spPr/>
         <p:txBody>
           <a:bodyPr/>
+          <a:lstStyle/>
           <a:p>
             <a:endParaRPr lang="en-US"/>
           </a:p>
@@ -22070,46 +22032,149 @@
         </p:spPr>
         <p:txBody>
           <a:bodyPr/>
-          <a:p>
-            <a:r>
-              <a:rPr lang="en-US"/>
-              <a:t>Bước 5: Điều chỉnh MainActivity class</a:t>
-            </a:r>
-            <a:endParaRPr lang="en-US"/>
-          </a:p>
-          <a:p>
-            <a:endParaRPr lang="en-US"/>
-          </a:p>
-          <a:p>
-            <a:endParaRPr lang="en-US"/>
-          </a:p>
-          <a:p>
-            <a:endParaRPr lang="en-US"/>
-          </a:p>
-          <a:p>
-            <a:endParaRPr lang="en-US"/>
-          </a:p>
-          <a:p>
-            <a:endParaRPr lang="en-US"/>
-          </a:p>
-          <a:p>
-            <a:endParaRPr lang="en-US"/>
-          </a:p>
-          <a:p>
-            <a:endParaRPr lang="en-US"/>
-          </a:p>
-          <a:p>
-            <a:endParaRPr lang="en-US"/>
-          </a:p>
-          <a:p>
-            <a:endParaRPr lang="en-US"/>
-          </a:p>
-          <a:p>
-            <a:r>
-              <a:rPr lang="en-US"/>
-              <a:t>Nếu chúng ta có quá nhiều phụ thuộc ở trong Component thì sao?</a:t>
-            </a:r>
-            <a:endParaRPr lang="en-US"/>
+          <a:lstStyle/>
+          <a:p>
+            <a:r>
+              <a:rPr lang="en-US" dirty="0" err="1"/>
+              <a:t>Bước</a:t>
+            </a:r>
+            <a:r>
+              <a:rPr lang="en-US" dirty="0"/>
+              <a:t> 5: </a:t>
+            </a:r>
+            <a:r>
+              <a:rPr lang="en-US" dirty="0" err="1"/>
+              <a:t>Điều</a:t>
+            </a:r>
+            <a:r>
+              <a:rPr lang="en-US" dirty="0"/>
+              <a:t> </a:t>
+            </a:r>
+            <a:r>
+              <a:rPr lang="en-US" dirty="0" err="1"/>
+              <a:t>chỉnh</a:t>
+            </a:r>
+            <a:r>
+              <a:rPr lang="en-US" dirty="0"/>
+              <a:t> </a:t>
+            </a:r>
+            <a:r>
+              <a:rPr lang="en-US" dirty="0" err="1"/>
+              <a:t>MainActivity</a:t>
+            </a:r>
+            <a:r>
+              <a:rPr lang="en-US" dirty="0"/>
+              <a:t> class</a:t>
+            </a:r>
+          </a:p>
+          <a:p>
+            <a:endParaRPr lang="en-US" dirty="0"/>
+          </a:p>
+          <a:p>
+            <a:endParaRPr lang="en-US" dirty="0"/>
+          </a:p>
+          <a:p>
+            <a:endParaRPr lang="en-US" dirty="0"/>
+          </a:p>
+          <a:p>
+            <a:endParaRPr lang="en-US" dirty="0"/>
+          </a:p>
+          <a:p>
+            <a:endParaRPr lang="en-US" dirty="0"/>
+          </a:p>
+          <a:p>
+            <a:endParaRPr lang="en-US" dirty="0"/>
+          </a:p>
+          <a:p>
+            <a:endParaRPr lang="en-US" dirty="0"/>
+          </a:p>
+          <a:p>
+            <a:endParaRPr lang="en-US" dirty="0"/>
+          </a:p>
+          <a:p>
+            <a:endParaRPr lang="en-US" dirty="0"/>
+          </a:p>
+          <a:p>
+            <a:r>
+              <a:rPr lang="en-US" dirty="0" err="1"/>
+              <a:t>Nếu</a:t>
+            </a:r>
+            <a:r>
+              <a:rPr lang="en-US" dirty="0"/>
+              <a:t> </a:t>
+            </a:r>
+            <a:r>
+              <a:rPr lang="en-US" dirty="0" err="1"/>
+              <a:t>chúng</a:t>
+            </a:r>
+            <a:r>
+              <a:rPr lang="en-US" dirty="0"/>
+              <a:t> ta </a:t>
+            </a:r>
+            <a:r>
+              <a:rPr lang="en-US" dirty="0" err="1"/>
+              <a:t>có</a:t>
+            </a:r>
+            <a:r>
+              <a:rPr lang="en-US" dirty="0"/>
+              <a:t> </a:t>
+            </a:r>
+            <a:r>
+              <a:rPr lang="en-US" dirty="0" err="1"/>
+              <a:t>quá</a:t>
+            </a:r>
+            <a:r>
+              <a:rPr lang="en-US" dirty="0"/>
+              <a:t> </a:t>
+            </a:r>
+            <a:r>
+              <a:rPr lang="en-US" dirty="0" err="1"/>
+              <a:t>nhiều</a:t>
+            </a:r>
+            <a:r>
+              <a:rPr lang="en-US" dirty="0"/>
+              <a:t> </a:t>
+            </a:r>
+            <a:r>
+              <a:rPr lang="en-US" dirty="0" err="1"/>
+              <a:t>phụ</a:t>
+            </a:r>
+            <a:r>
+              <a:rPr lang="en-US" dirty="0"/>
+              <a:t> </a:t>
+            </a:r>
+            <a:r>
+              <a:rPr lang="en-US" dirty="0" err="1"/>
+              <a:t>thuộc</a:t>
+            </a:r>
+            <a:r>
+              <a:rPr lang="en-US" dirty="0"/>
+              <a:t> ở </a:t>
+            </a:r>
+            <a:r>
+              <a:rPr lang="en-US" dirty="0" err="1"/>
+              <a:t>trong</a:t>
+            </a:r>
+            <a:r>
+              <a:rPr lang="en-US" dirty="0"/>
+              <a:t> Component </a:t>
+            </a:r>
+            <a:r>
+              <a:rPr lang="en-US" dirty="0" err="1"/>
+              <a:t>thì</a:t>
+            </a:r>
+            <a:r>
+              <a:rPr lang="en-US" dirty="0"/>
+              <a:t> </a:t>
+            </a:r>
+            <a:r>
+              <a:rPr lang="en-US" dirty="0" err="1"/>
+              <a:t>sao</a:t>
+            </a:r>
+            <a:r>
+              <a:rPr lang="en-US" dirty="0"/>
+              <a:t>?</a:t>
+            </a:r>
           </a:p>
         </p:txBody>
       </p:sp>
@@ -22117,14 +22182,14 @@
         <p:nvPicPr>
           <p:cNvPr id="5" name="Content Placeholder 4" descr="Capture7"/>
           <p:cNvPicPr>
-            <a:picLocks noChangeAspect="1"/>
+            <a:picLocks noGrp="1" noChangeAspect="1"/>
           </p:cNvPicPr>
           <p:nvPr>
             <p:ph sz="half" idx="2"/>
           </p:nvPr>
         </p:nvPicPr>
         <p:blipFill>
-          <a:blip r:embed="rId1"/>
+          <a:blip r:embed="rId2"/>
           <a:stretch>
             <a:fillRect/>
           </a:stretch>
@@ -22144,6 +22209,151 @@
   <p:clrMapOvr>
     <a:masterClrMapping/>
   </p:clrMapOvr>
+  <p:timing>
+    <p:tnLst>
+      <p:par>
+        <p:cTn id="1" dur="indefinite" restart="never" nodeType="tmRoot">
+          <p:childTnLst>
+            <p:seq concurrent="1" nextAc="seek">
+              <p:cTn id="2" dur="indefinite" nodeType="mainSeq">
+                <p:childTnLst>
+                  <p:par>
+                    <p:cTn id="3" fill="hold">
+                      <p:stCondLst>
+                        <p:cond delay="indefinite"/>
+                      </p:stCondLst>
+                      <p:childTnLst>
+                        <p:par>
+                          <p:cTn id="4" fill="hold">
+                            <p:stCondLst>
+                              <p:cond delay="0"/>
+                            </p:stCondLst>
+                            <p:childTnLst>
+                              <p:par>
+                                <p:cTn id="5" presetID="42" presetClass="entr" presetSubtype="0" fill="hold" nodeType="clickEffect">
+                                  <p:stCondLst>
+                                    <p:cond delay="0"/>
+                                  </p:stCondLst>
+                                  <p:childTnLst>
+                                    <p:set>
+                                      <p:cBhvr>
+                                        <p:cTn id="6" dur="1" fill="hold">
+                                          <p:stCondLst>
+                                            <p:cond delay="0"/>
+                                          </p:stCondLst>
+                                        </p:cTn>
+                                        <p:tgtEl>
+                                          <p:spTgt spid="3">
+                                            <p:txEl>
+                                              <p:pRg st="10" end="10"/>
+                                            </p:txEl>
+                                          </p:spTgt>
+                                        </p:tgtEl>
+                                        <p:attrNameLst>
+                                          <p:attrName>style.visibility</p:attrName>
+                                        </p:attrNameLst>
+                                      </p:cBhvr>
+                                      <p:to>
+                                        <p:strVal val="visible"/>
+                                      </p:to>
+                                    </p:set>
+                                    <p:animEffect transition="in" filter="fade">
+                                      <p:cBhvr>
+                                        <p:cTn id="7" dur="1000"/>
+                                        <p:tgtEl>
+                                          <p:spTgt spid="3">
+                                            <p:txEl>
+                                              <p:pRg st="10" end="10"/>
+                                            </p:txEl>
+                                          </p:spTgt>
+                                        </p:tgtEl>
+                                      </p:cBhvr>
+                                    </p:animEffect>
+                                    <p:anim calcmode="lin" valueType="num">
+                                      <p:cBhvr>
+                                        <p:cTn id="8" dur="1000" fill="hold"/>
+                                        <p:tgtEl>
+                                          <p:spTgt spid="3">
+                                            <p:txEl>
+                                              <p:pRg st="10" end="10"/>
+                                            </p:txEl>
+                                          </p:spTgt>
+                                        </p:tgtEl>
+                                        <p:attrNameLst>
+                                          <p:attrName>ppt_x</p:attrName>
+                                        </p:attrNameLst>
+                                      </p:cBhvr>
+                                      <p:tavLst>
+                                        <p:tav tm="0">
+                                          <p:val>
+                                            <p:strVal val="#ppt_x"/>
+                                          </p:val>
+                                        </p:tav>
+                                        <p:tav tm="100000">
+                                          <p:val>
+                                            <p:strVal val="#ppt_x"/>
+                                          </p:val>
+                                        </p:tav>
+                                      </p:tavLst>
+                                    </p:anim>
+                                    <p:anim calcmode="lin" valueType="num">
+                                      <p:cBhvr>
+                                        <p:cTn id="9" dur="1000" fill="hold"/>
+                                        <p:tgtEl>
+                                          <p:spTgt spid="3">
+                                            <p:txEl>
+                                              <p:pRg st="10" end="10"/>
+                                            </p:txEl>
+                                          </p:spTgt>
+                                        </p:tgtEl>
+                                        <p:attrNameLst>
+                                          <p:attrName>ppt_y</p:attrName>
+                                        </p:attrNameLst>
+                                      </p:cBhvr>
+                                      <p:tavLst>
+                                        <p:tav tm="0">
+                                          <p:val>
+                                            <p:strVal val="#ppt_y+.1"/>
+                                          </p:val>
+                                        </p:tav>
+                                        <p:tav tm="100000">
+                                          <p:val>
+                                            <p:strVal val="#ppt_y"/>
+                                          </p:val>
+                                        </p:tav>
+                                      </p:tavLst>
+                                    </p:anim>
+                                  </p:childTnLst>
+                                </p:cTn>
+                              </p:par>
+                            </p:childTnLst>
+                          </p:cTn>
+                        </p:par>
+                      </p:childTnLst>
+                    </p:cTn>
+                  </p:par>
+                </p:childTnLst>
+              </p:cTn>
+              <p:prevCondLst>
+                <p:cond evt="onPrev" delay="0">
+                  <p:tgtEl>
+                    <p:sldTgt/>
+                  </p:tgtEl>
+                </p:cond>
+              </p:prevCondLst>
+              <p:nextCondLst>
+                <p:cond evt="onNext" delay="0">
+                  <p:tgtEl>
+                    <p:sldTgt/>
+                  </p:tgtEl>
+                </p:cond>
+              </p:nextCondLst>
+            </p:seq>
+          </p:childTnLst>
+        </p:cTn>
+      </p:par>
+    </p:tnLst>
+  </p:timing>
 </p:sld>
 </file>
 
@@ -22156,7 +22366,14 @@
         <p:cNvGrpSpPr/>
         <p:nvPr/>
       </p:nvGrpSpPr>
-      <p:grpSpPr/>
+      <p:grpSpPr>
+        <a:xfrm>
+          <a:off x="0" y="0"/>
+          <a:ext cx="0" cy="0"/>
+          <a:chOff x="0" y="0"/>
+          <a:chExt cx="0" cy="0"/>
+        </a:xfrm>
+      </p:grpSpPr>
       <p:sp>
         <p:nvSpPr>
           <p:cNvPr id="2" name="Title 1"/>
@@ -22175,6 +22392,7 @@
         </p:spPr>
         <p:txBody>
           <a:bodyPr/>
+          <a:lstStyle/>
           <a:p>
             <a:r>
               <a:rPr lang="en-US">
@@ -22186,13 +22404,6 @@
               </a:rPr>
               <a:t>Sử dụng @Inject Annotation</a:t>
             </a:r>
-            <a:endParaRPr lang="en-US">
-              <a:solidFill>
-                <a:schemeClr val="tx2">
-                  <a:lumMod val="50000"/>
-                </a:schemeClr>
-              </a:solidFill>
-            </a:endParaRPr>
           </a:p>
         </p:txBody>
       </p:sp>
@@ -22200,14 +22411,14 @@
         <p:nvPicPr>
           <p:cNvPr id="5" name="Content Placeholder 4" descr="Capture8"/>
           <p:cNvPicPr>
-            <a:picLocks noChangeAspect="1"/>
+            <a:picLocks noGrp="1" noChangeAspect="1"/>
           </p:cNvPicPr>
           <p:nvPr>
             <p:ph sz="half" idx="1"/>
           </p:nvPr>
         </p:nvPicPr>
         <p:blipFill>
-          <a:blip r:embed="rId1"/>
+          <a:blip r:embed="rId2"/>
           <a:stretch>
             <a:fillRect/>
           </a:stretch>
@@ -22226,14 +22437,14 @@
         <p:nvPicPr>
           <p:cNvPr id="6" name="Content Placeholder 5" descr="Capture9"/>
           <p:cNvPicPr>
-            <a:picLocks noChangeAspect="1"/>
+            <a:picLocks noGrp="1" noChangeAspect="1"/>
           </p:cNvPicPr>
           <p:nvPr>
             <p:ph sz="half" idx="2"/>
           </p:nvPr>
         </p:nvPicPr>
         <p:blipFill>
-          <a:blip r:embed="rId2"/>
+          <a:blip r:embed="rId3"/>
           <a:stretch>
             <a:fillRect/>
           </a:stretch>
@@ -22253,6 +22464,13 @@
   <p:clrMapOvr>
     <a:masterClrMapping/>
   </p:clrMapOvr>
+  <p:timing>
+    <p:tnLst>
+      <p:par>
+        <p:cTn id="1" dur="indefinite" restart="never" nodeType="tmRoot"/>
+      </p:par>
+    </p:tnLst>
+  </p:timing>
 </p:sld>
 </file>
 
@@ -22595,7 +22813,6 @@
               <a:rPr lang="en-US" sz="2400" dirty="0" smtClean="0"/>
               <a:t> Dependency Injection (DI).</a:t>
             </a:r>
-            <a:endParaRPr lang="en-US" sz="2400" dirty="0" smtClean="0"/>
           </a:p>
           <a:p>
             <a:r>
@@ -23426,7 +23643,7 @@
           </p:nvPr>
         </p:nvPicPr>
         <p:blipFill>
-          <a:blip r:embed="rId1">
+          <a:blip r:embed="rId2">
             <a:extLst>
               <a:ext uri="{28A0092B-C50C-407E-A947-70E740481C1C}">
                 <a14:useLocalDpi xmlns:a14="http://schemas.microsoft.com/office/drawing/2010/main" val="0"/>
@@ -23756,7 +23973,7 @@
           </p:nvPr>
         </p:nvPicPr>
         <p:blipFill>
-          <a:blip r:embed="rId1">
+          <a:blip r:embed="rId2">
             <a:extLst>
               <a:ext uri="{28A0092B-C50C-407E-A947-70E740481C1C}">
                 <a14:useLocalDpi xmlns:a14="http://schemas.microsoft.com/office/drawing/2010/main" val="0"/>
@@ -23783,7 +24000,7 @@
           <p:nvPr/>
         </p:nvPicPr>
         <p:blipFill>
-          <a:blip r:embed="rId2">
+          <a:blip r:embed="rId3">
             <a:extLst>
               <a:ext uri="{28A0092B-C50C-407E-A947-70E740481C1C}">
                 <a14:useLocalDpi xmlns:a14="http://schemas.microsoft.com/office/drawing/2010/main" val="0"/>
@@ -24493,7 +24710,6 @@
               <a:rPr lang="en-US" sz="2400" dirty="0" smtClean="0"/>
               <a:t> DI</a:t>
             </a:r>
-            <a:endParaRPr lang="en-US" sz="2400" dirty="0" smtClean="0"/>
           </a:p>
           <a:p>
             <a:endParaRPr lang="en-US" dirty="0"/>
@@ -24509,7 +24725,7 @@
           <p:nvPr/>
         </p:nvPicPr>
         <p:blipFill>
-          <a:blip r:embed="rId1">
+          <a:blip r:embed="rId2">
             <a:extLst>
               <a:ext uri="{28A0092B-C50C-407E-A947-70E740481C1C}">
                 <a14:useLocalDpi xmlns:a14="http://schemas.microsoft.com/office/drawing/2010/main" val="0"/>
@@ -24733,7 +24949,6 @@
               <a:rPr lang="en-US" sz="2400" dirty="0" smtClean="0"/>
               <a:t> DI</a:t>
             </a:r>
-            <a:endParaRPr lang="en-US" sz="2400" dirty="0" smtClean="0"/>
           </a:p>
           <a:p>
             <a:endParaRPr lang="en-US" sz="2400" dirty="0"/>
@@ -24749,7 +24964,7 @@
           <p:nvPr/>
         </p:nvPicPr>
         <p:blipFill>
-          <a:blip r:embed="rId1">
+          <a:blip r:embed="rId2">
             <a:extLst>
               <a:ext uri="{28A0092B-C50C-407E-A947-70E740481C1C}">
                 <a14:useLocalDpi xmlns:a14="http://schemas.microsoft.com/office/drawing/2010/main" val="0"/>
@@ -25164,7 +25379,7 @@
           </p:nvPr>
         </p:nvPicPr>
         <p:blipFill>
-          <a:blip r:embed="rId1">
+          <a:blip r:embed="rId2">
             <a:extLst>
               <a:ext uri="{28A0092B-C50C-407E-A947-70E740481C1C}">
                 <a14:useLocalDpi xmlns:a14="http://schemas.microsoft.com/office/drawing/2010/main" val="0"/>
@@ -25444,6 +25659,8 @@
       </a:bgFillStyleLst>
     </a:fmtScheme>
   </a:themeElements>
+  <a:objectDefaults/>
+  <a:extraClrSchemeLst/>
   <a:extLst>
     <a:ext uri="{05A4C25C-085E-4340-85A3-A5531E510DB2}">
       <thm15:themeFamily xmlns:thm15="http://schemas.microsoft.com/office/thememl/2012/main" name="Office Theme" id="{62F939B6-93AF-4DB8-9C6B-D6C7DFDC589F}" vid="{4A3C46E8-61CC-4603-A589-7422A47A8E4A}"/>
@@ -25699,6 +25916,8 @@
       </a:bgFillStyleLst>
     </a:fmtScheme>
   </a:themeElements>
+  <a:objectDefaults/>
+  <a:extraClrSchemeLst/>
   <a:extLst>
     <a:ext uri="{05A4C25C-085E-4340-85A3-A5531E510DB2}">
       <thm15:themeFamily xmlns:thm15="http://schemas.microsoft.com/office/thememl/2012/main" name="Office Theme" id="{62F939B6-93AF-4DB8-9C6B-D6C7DFDC589F}" vid="{4A3C46E8-61CC-4603-A589-7422A47A8E4A}"/>

--- a/Dagger2-Report.pptx
+++ b/Dagger2-Report.pptx
@@ -41,7 +41,8 @@
     <p:sldId id="294" r:id="rId35"/>
     <p:sldId id="295" r:id="rId36"/>
     <p:sldId id="296" r:id="rId37"/>
-    <p:sldId id="290" r:id="rId38"/>
+    <p:sldId id="297" r:id="rId38"/>
+    <p:sldId id="290" r:id="rId39"/>
   </p:sldIdLst>
   <p:sldSz cx="12192000" cy="6858000"/>
   <p:notesSz cx="6858000" cy="9144000"/>
@@ -11642,11 +11643,13 @@
         <p:spPr>
           <a:xfrm>
             <a:off x="677334" y="609600"/>
-            <a:ext cx="8596668" cy="914400"/>
+            <a:ext cx="8596668" cy="605983"/>
           </a:xfrm>
         </p:spPr>
         <p:txBody>
-          <a:bodyPr/>
+          <a:bodyPr>
+            <a:normAutofit fontScale="90000"/>
+          </a:bodyPr>
           <a:lstStyle/>
           <a:p>
             <a:r>
@@ -11751,8 +11754,8 @@
         </p:nvSpPr>
         <p:spPr>
           <a:xfrm>
-            <a:off x="677334" y="1524001"/>
-            <a:ext cx="8596668" cy="4517362"/>
+            <a:off x="677334" y="1153297"/>
+            <a:ext cx="8596668" cy="4888066"/>
           </a:xfrm>
         </p:spPr>
         <p:txBody>
@@ -12539,8 +12542,8 @@
         </p:blipFill>
         <p:spPr>
           <a:xfrm>
-            <a:off x="1015085" y="3549040"/>
-            <a:ext cx="8258917" cy="2800741"/>
+            <a:off x="1015085" y="3229232"/>
+            <a:ext cx="8258917" cy="3120549"/>
           </a:xfrm>
           <a:prstGeom prst="rect">
             <a:avLst/>
@@ -12809,7 +12812,12 @@
             <p:ph type="title"/>
           </p:nvPr>
         </p:nvSpPr>
-        <p:spPr/>
+        <p:spPr>
+          <a:xfrm>
+            <a:off x="677334" y="609600"/>
+            <a:ext cx="8596668" cy="914400"/>
+          </a:xfrm>
+        </p:spPr>
         <p:txBody>
           <a:bodyPr/>
           <a:lstStyle/>
@@ -12844,7 +12852,12 @@
             <p:ph idx="1"/>
           </p:nvPr>
         </p:nvSpPr>
-        <p:spPr/>
+        <p:spPr>
+          <a:xfrm>
+            <a:off x="677334" y="1524001"/>
+            <a:ext cx="8596668" cy="4517362"/>
+          </a:xfrm>
+        </p:spPr>
         <p:txBody>
           <a:bodyPr>
             <a:normAutofit/>
@@ -13917,7 +13930,7 @@
         <p:spPr>
           <a:xfrm>
             <a:off x="677545" y="969010"/>
-            <a:ext cx="6464935" cy="5357495"/>
+            <a:ext cx="8596457" cy="5629498"/>
           </a:xfrm>
         </p:spPr>
       </p:pic>
@@ -14135,8 +14148,8 @@
         </p:blipFill>
         <p:spPr>
           <a:xfrm>
-            <a:off x="677334" y="1839312"/>
-            <a:ext cx="6225974" cy="4421445"/>
+            <a:off x="677333" y="1839312"/>
+            <a:ext cx="6983855" cy="4421445"/>
           </a:xfrm>
         </p:spPr>
       </p:pic>
@@ -14268,13 +14281,23 @@
             <a:endParaRPr lang="en-US" dirty="0"/>
           </a:p>
           <a:p>
+            <a:endParaRPr lang="en-US" dirty="0" smtClean="0"/>
+          </a:p>
+          <a:p>
+            <a:endParaRPr lang="en-US" dirty="0" smtClean="0"/>
+          </a:p>
+          <a:p>
             <a:r>
               <a:rPr lang="en-US" dirty="0" err="1" smtClean="0"/>
               <a:t>Bước</a:t>
             </a:r>
             <a:r>
               <a:rPr lang="en-US" dirty="0" smtClean="0"/>
-              <a:t> 2: </a:t>
+              <a:t> </a:t>
+            </a:r>
+            <a:r>
+              <a:rPr lang="en-US" dirty="0" smtClean="0"/>
+              <a:t>2: </a:t>
             </a:r>
             <a:r>
               <a:rPr lang="en-US" dirty="0" err="1" smtClean="0"/>
@@ -14323,7 +14346,7 @@
         <p:spPr>
           <a:xfrm>
             <a:off x="677334" y="1876104"/>
-            <a:ext cx="6773220" cy="914528"/>
+            <a:ext cx="6773220" cy="1377842"/>
           </a:xfrm>
           <a:prstGeom prst="rect">
             <a:avLst/>
@@ -14352,8 +14375,8 @@
         </p:blipFill>
         <p:spPr>
           <a:xfrm>
-            <a:off x="677334" y="3683828"/>
-            <a:ext cx="6763694" cy="1133633"/>
+            <a:off x="686860" y="4375807"/>
+            <a:ext cx="6763694" cy="1555436"/>
           </a:xfrm>
           <a:prstGeom prst="rect">
             <a:avLst/>
@@ -14481,7 +14504,7 @@
         <p:spPr>
           <a:xfrm>
             <a:off x="677334" y="1095632"/>
-            <a:ext cx="7296893" cy="5379309"/>
+            <a:ext cx="8596668" cy="5486400"/>
           </a:xfrm>
           <a:prstGeom prst="rect">
             <a:avLst/>
@@ -14563,8 +14586,8 @@
         </p:blipFill>
         <p:spPr>
           <a:xfrm>
-            <a:off x="677334" y="609600"/>
-            <a:ext cx="6300115" cy="5717059"/>
+            <a:off x="677334" y="420130"/>
+            <a:ext cx="7504253" cy="5906529"/>
           </a:xfrm>
         </p:spPr>
       </p:pic>
@@ -14590,7 +14613,7 @@
         </p:blipFill>
         <p:spPr>
           <a:xfrm>
-            <a:off x="6977449" y="4623604"/>
+            <a:off x="8181587" y="4565940"/>
             <a:ext cx="1092415" cy="147205"/>
           </a:xfrm>
           <a:prstGeom prst="rect">
@@ -14674,7 +14697,7 @@
         <p:spPr>
           <a:xfrm>
             <a:off x="677334" y="537816"/>
-            <a:ext cx="6716062" cy="3419952"/>
+            <a:ext cx="8596668" cy="3419952"/>
           </a:xfrm>
         </p:spPr>
       </p:pic>
@@ -14701,7 +14724,7 @@
         <p:spPr>
           <a:xfrm>
             <a:off x="677334" y="4104840"/>
-            <a:ext cx="6744641" cy="2553056"/>
+            <a:ext cx="8596668" cy="2553056"/>
           </a:xfrm>
           <a:prstGeom prst="rect">
             <a:avLst/>
@@ -16952,7 +16975,7 @@
         <p:spPr>
           <a:xfrm>
             <a:off x="2122359" y="1196724"/>
-            <a:ext cx="6134956" cy="2981741"/>
+            <a:ext cx="6134956" cy="2463057"/>
           </a:xfrm>
           <a:prstGeom prst="rect">
             <a:avLst/>
@@ -16981,8 +17004,8 @@
         </p:blipFill>
         <p:spPr>
           <a:xfrm>
-            <a:off x="677334" y="4178465"/>
-            <a:ext cx="6849431" cy="2381582"/>
+            <a:off x="677334" y="3659781"/>
+            <a:ext cx="8596668" cy="2900266"/>
           </a:xfrm>
           <a:prstGeom prst="rect">
             <a:avLst/>
@@ -17323,6 +17346,10 @@
           </a:p>
           <a:p>
             <a:pPr lvl="1"/>
+            <a:endParaRPr lang="en-US" dirty="0" smtClean="0"/>
+          </a:p>
+          <a:p>
+            <a:pPr lvl="1"/>
             <a:r>
               <a:rPr lang="en-US" dirty="0" err="1" smtClean="0"/>
               <a:t>Và</a:t>
@@ -17424,8 +17451,8 @@
         </p:blipFill>
         <p:spPr>
           <a:xfrm>
-            <a:off x="1178831" y="1802079"/>
-            <a:ext cx="7042531" cy="1095528"/>
+            <a:off x="1178831" y="1802078"/>
+            <a:ext cx="8095171" cy="1509533"/>
           </a:xfrm>
           <a:prstGeom prst="rect">
             <a:avLst/>
@@ -17454,8 +17481,8 @@
         </p:blipFill>
         <p:spPr>
           <a:xfrm>
-            <a:off x="2364615" y="3680569"/>
-            <a:ext cx="5963482" cy="2857899"/>
+            <a:off x="2364615" y="3995351"/>
+            <a:ext cx="5963482" cy="2543117"/>
           </a:xfrm>
           <a:prstGeom prst="rect">
             <a:avLst/>
@@ -17599,7 +17626,7 @@
         <p:spPr>
           <a:xfrm>
             <a:off x="977648" y="1301136"/>
-            <a:ext cx="6815347" cy="4613631"/>
+            <a:ext cx="8296354" cy="5157329"/>
           </a:xfrm>
           <a:prstGeom prst="rect">
             <a:avLst/>
@@ -18341,7 +18368,7 @@
         <p:spPr>
           <a:xfrm>
             <a:off x="1169304" y="3767056"/>
-            <a:ext cx="6846111" cy="1431019"/>
+            <a:ext cx="8104698" cy="1925290"/>
           </a:xfrm>
           <a:prstGeom prst="rect">
             <a:avLst/>
@@ -18914,7 +18941,7 @@
         <p:spPr>
           <a:xfrm>
             <a:off x="677333" y="609600"/>
-            <a:ext cx="6687293" cy="5522831"/>
+            <a:ext cx="8596669" cy="5988908"/>
           </a:xfrm>
         </p:spPr>
       </p:pic>
@@ -19489,7 +19516,7 @@
         <p:spPr>
           <a:xfrm>
             <a:off x="1090400" y="2046394"/>
-            <a:ext cx="7163913" cy="2937498"/>
+            <a:ext cx="8183602" cy="2937498"/>
           </a:xfrm>
           <a:prstGeom prst="rect">
             <a:avLst/>
@@ -20053,7 +20080,7 @@
         <p:spPr>
           <a:xfrm>
             <a:off x="923458" y="1371862"/>
-            <a:ext cx="7355569" cy="4567619"/>
+            <a:ext cx="8350544" cy="4855943"/>
           </a:xfrm>
           <a:prstGeom prst="rect">
             <a:avLst/>
@@ -20135,8 +20162,8 @@
         </p:blipFill>
         <p:spPr>
           <a:xfrm>
-            <a:off x="677334" y="609600"/>
-            <a:ext cx="5104853" cy="5066270"/>
+            <a:off x="677334" y="609599"/>
+            <a:ext cx="7879201" cy="5634681"/>
           </a:xfrm>
         </p:spPr>
       </p:pic>
@@ -20162,7 +20189,7 @@
         </p:blipFill>
         <p:spPr>
           <a:xfrm>
-            <a:off x="5782187" y="4410157"/>
+            <a:off x="8556535" y="4854512"/>
             <a:ext cx="717467" cy="1183821"/>
           </a:xfrm>
           <a:prstGeom prst="rect">
@@ -20375,8 +20402,8 @@
         </p:blipFill>
         <p:spPr>
           <a:xfrm>
-            <a:off x="984714" y="1624776"/>
-            <a:ext cx="6744641" cy="476316"/>
+            <a:off x="984714" y="1633014"/>
+            <a:ext cx="8289288" cy="945430"/>
           </a:xfrm>
           <a:prstGeom prst="rect">
             <a:avLst/>
@@ -20405,8 +20432,8 @@
         </p:blipFill>
         <p:spPr>
           <a:xfrm>
-            <a:off x="1051398" y="2748100"/>
-            <a:ext cx="6677957" cy="1724266"/>
+            <a:off x="984714" y="3251731"/>
+            <a:ext cx="8289288" cy="2116344"/>
           </a:xfrm>
           <a:prstGeom prst="rect">
             <a:avLst/>
@@ -20488,8 +20515,8 @@
         </p:blipFill>
         <p:spPr>
           <a:xfrm>
-            <a:off x="677334" y="609600"/>
-            <a:ext cx="6036504" cy="5025081"/>
+            <a:off x="677333" y="609600"/>
+            <a:ext cx="8444247" cy="5840627"/>
           </a:xfrm>
         </p:spPr>
       </p:pic>
@@ -20515,7 +20542,7 @@
         </p:blipFill>
         <p:spPr>
           <a:xfrm>
-            <a:off x="6713838" y="4200895"/>
+            <a:off x="9121581" y="4810495"/>
             <a:ext cx="152421" cy="219106"/>
           </a:xfrm>
           <a:prstGeom prst="rect">
@@ -21564,24 +21591,71 @@
           <a:lstStyle/>
           <a:p>
             <a:r>
-              <a:rPr lang="en-US"/>
-              <a:t>Bước 1: Tạo Activity level scope</a:t>
-            </a:r>
-          </a:p>
-          <a:p>
-            <a:endParaRPr lang="en-US"/>
-          </a:p>
-          <a:p>
-            <a:endParaRPr lang="en-US"/>
-          </a:p>
-          <a:p>
-            <a:r>
-              <a:rPr lang="en-US"/>
-              <a:t>Bước 2: Tạo Component cho MainActivity</a:t>
-            </a:r>
-          </a:p>
-          <a:p>
-            <a:endParaRPr lang="en-US"/>
+              <a:rPr lang="en-US" dirty="0" err="1"/>
+              <a:t>Bước</a:t>
+            </a:r>
+            <a:r>
+              <a:rPr lang="en-US" dirty="0"/>
+              <a:t> 1: </a:t>
+            </a:r>
+            <a:r>
+              <a:rPr lang="en-US" dirty="0" err="1"/>
+              <a:t>Tạo</a:t>
+            </a:r>
+            <a:r>
+              <a:rPr lang="en-US" dirty="0"/>
+              <a:t> Activity level scope</a:t>
+            </a:r>
+          </a:p>
+          <a:p>
+            <a:endParaRPr lang="en-US" dirty="0"/>
+          </a:p>
+          <a:p>
+            <a:endParaRPr lang="en-US" dirty="0"/>
+          </a:p>
+          <a:p>
+            <a:endParaRPr lang="en-US" dirty="0" smtClean="0"/>
+          </a:p>
+          <a:p>
+            <a:endParaRPr lang="en-US" dirty="0" smtClean="0"/>
+          </a:p>
+          <a:p>
+            <a:r>
+              <a:rPr lang="en-US" dirty="0" err="1" smtClean="0"/>
+              <a:t>Bước</a:t>
+            </a:r>
+            <a:r>
+              <a:rPr lang="en-US" dirty="0" smtClean="0"/>
+              <a:t> </a:t>
+            </a:r>
+            <a:r>
+              <a:rPr lang="en-US" dirty="0"/>
+              <a:t>2: </a:t>
+            </a:r>
+            <a:r>
+              <a:rPr lang="en-US" dirty="0" err="1"/>
+              <a:t>Tạo</a:t>
+            </a:r>
+            <a:r>
+              <a:rPr lang="en-US" dirty="0"/>
+              <a:t> Component </a:t>
+            </a:r>
+            <a:r>
+              <a:rPr lang="en-US" dirty="0" err="1"/>
+              <a:t>cho</a:t>
+            </a:r>
+            <a:r>
+              <a:rPr lang="en-US" dirty="0"/>
+              <a:t> </a:t>
+            </a:r>
+            <a:r>
+              <a:rPr lang="en-US" dirty="0" err="1"/>
+              <a:t>MainActivity</a:t>
+            </a:r>
+            <a:endParaRPr lang="en-US" dirty="0"/>
+          </a:p>
+          <a:p>
+            <a:endParaRPr lang="en-US" dirty="0"/>
           </a:p>
         </p:txBody>
       </p:sp>
@@ -21604,7 +21678,7 @@
         <p:spPr>
           <a:xfrm>
             <a:off x="1090295" y="1930400"/>
-            <a:ext cx="6706235" cy="601980"/>
+            <a:ext cx="6706235" cy="1109362"/>
           </a:xfrm>
           <a:prstGeom prst="rect">
             <a:avLst/>
@@ -21627,7 +21701,7 @@
         </p:blipFill>
         <p:spPr>
           <a:xfrm>
-            <a:off x="1090295" y="3435985"/>
+            <a:off x="1090294" y="3996690"/>
             <a:ext cx="6706235" cy="2252345"/>
           </a:xfrm>
           <a:prstGeom prst="rect">
@@ -21730,7 +21804,7 @@
         <p:spPr>
           <a:xfrm>
             <a:off x="1034415" y="1148080"/>
-            <a:ext cx="8239760" cy="4561840"/>
+            <a:ext cx="8239760" cy="5137390"/>
           </a:xfrm>
           <a:prstGeom prst="rect">
             <a:avLst/>
@@ -21826,7 +21900,7 @@
         <p:spPr>
           <a:xfrm>
             <a:off x="570865" y="609600"/>
-            <a:ext cx="8703310" cy="1704975"/>
+            <a:ext cx="8703310" cy="2084173"/>
           </a:xfrm>
           <a:prstGeom prst="rect">
             <a:avLst/>
@@ -21955,8 +22029,8 @@
         </p:blipFill>
         <p:spPr>
           <a:xfrm>
-            <a:off x="1102995" y="1304925"/>
-            <a:ext cx="8169910" cy="4538345"/>
+            <a:off x="1102995" y="1304924"/>
+            <a:ext cx="8169910" cy="5079399"/>
           </a:xfrm>
           <a:prstGeom prst="rect">
             <a:avLst/>
@@ -22095,12 +22169,18 @@
             <a:endParaRPr lang="en-US" dirty="0"/>
           </a:p>
           <a:p>
-            <a:r>
-              <a:rPr lang="en-US" dirty="0" err="1"/>
+            <a:endParaRPr lang="en-US" dirty="0" smtClean="0"/>
+          </a:p>
+          <a:p>
+            <a:endParaRPr lang="en-US" dirty="0"/>
+          </a:p>
+          <a:p>
+            <a:r>
+              <a:rPr lang="en-US" dirty="0" err="1" smtClean="0"/>
               <a:t>Nếu</a:t>
             </a:r>
             <a:r>
-              <a:rPr lang="en-US" dirty="0"/>
+              <a:rPr lang="en-US" dirty="0" smtClean="0"/>
               <a:t> </a:t>
             </a:r>
             <a:r>
@@ -22197,7 +22277,7 @@
         <p:spPr>
           <a:xfrm>
             <a:off x="1062990" y="1185545"/>
-            <a:ext cx="8210550" cy="2879725"/>
+            <a:ext cx="8210550" cy="3864250"/>
           </a:xfrm>
           <a:prstGeom prst="rect">
             <a:avLst/>
@@ -22245,7 +22325,7 @@
                                         <p:tgtEl>
                                           <p:spTgt spid="3">
                                             <p:txEl>
-                                              <p:pRg st="10" end="10"/>
+                                              <p:pRg st="12" end="12"/>
                                             </p:txEl>
                                           </p:spTgt>
                                         </p:tgtEl>
@@ -22263,7 +22343,7 @@
                                         <p:tgtEl>
                                           <p:spTgt spid="3">
                                             <p:txEl>
-                                              <p:pRg st="10" end="10"/>
+                                              <p:pRg st="12" end="12"/>
                                             </p:txEl>
                                           </p:spTgt>
                                         </p:tgtEl>
@@ -22275,7 +22355,7 @@
                                         <p:tgtEl>
                                           <p:spTgt spid="3">
                                             <p:txEl>
-                                              <p:pRg st="10" end="10"/>
+                                              <p:pRg st="12" end="12"/>
                                             </p:txEl>
                                           </p:spTgt>
                                         </p:tgtEl>
@@ -22302,7 +22382,7 @@
                                         <p:tgtEl>
                                           <p:spTgt spid="3">
                                             <p:txEl>
-                                              <p:pRg st="10" end="10"/>
+                                              <p:pRg st="12" end="12"/>
                                             </p:txEl>
                                           </p:spTgt>
                                         </p:tgtEl>
@@ -22425,40 +22505,33 @@
         </p:blipFill>
         <p:spPr>
           <a:xfrm>
-            <a:off x="677545" y="1452245"/>
-            <a:ext cx="8595995" cy="1512570"/>
+            <a:off x="678009" y="2160589"/>
+            <a:ext cx="8595995" cy="2370111"/>
           </a:xfrm>
           <a:prstGeom prst="rect">
             <a:avLst/>
           </a:prstGeom>
         </p:spPr>
       </p:pic>
-      <p:pic>
-        <p:nvPicPr>
-          <p:cNvPr id="6" name="Content Placeholder 5" descr="Capture9"/>
-          <p:cNvPicPr>
-            <a:picLocks noGrp="1" noChangeAspect="1"/>
-          </p:cNvPicPr>
+      <p:sp>
+        <p:nvSpPr>
+          <p:cNvPr id="4" name="Content Placeholder 3"/>
+          <p:cNvSpPr>
+            <a:spLocks noGrp="1"/>
+          </p:cNvSpPr>
           <p:nvPr>
             <p:ph sz="half" idx="2"/>
           </p:nvPr>
-        </p:nvPicPr>
-        <p:blipFill>
-          <a:blip r:embed="rId3"/>
-          <a:stretch>
-            <a:fillRect/>
-          </a:stretch>
-        </p:blipFill>
-        <p:spPr>
-          <a:xfrm>
-            <a:off x="677545" y="3150870"/>
-            <a:ext cx="8595995" cy="3215005"/>
-          </a:xfrm>
-          <a:prstGeom prst="rect">
-            <a:avLst/>
-          </a:prstGeom>
-        </p:spPr>
-      </p:pic>
+        </p:nvSpPr>
+        <p:spPr/>
+        <p:txBody>
+          <a:bodyPr/>
+          <a:lstStyle/>
+          <a:p>
+            <a:endParaRPr lang="en-US"/>
+          </a:p>
+        </p:txBody>
+      </p:sp>
     </p:spTree>
   </p:cSld>
   <p:clrMapOvr>
@@ -22475,6 +22548,100 @@
 </file>
 
 <file path=ppt/slides/slide36.xml><?xml version="1.0" encoding="utf-8"?>
+<p:sld xmlns:a="http://schemas.openxmlformats.org/drawingml/2006/main" xmlns:r="http://schemas.openxmlformats.org/officeDocument/2006/relationships" xmlns:p="http://schemas.openxmlformats.org/presentationml/2006/main">
+  <p:cSld>
+    <p:spTree>
+      <p:nvGrpSpPr>
+        <p:cNvPr id="1" name=""/>
+        <p:cNvGrpSpPr/>
+        <p:nvPr/>
+      </p:nvGrpSpPr>
+      <p:grpSpPr>
+        <a:xfrm>
+          <a:off x="0" y="0"/>
+          <a:ext cx="0" cy="0"/>
+          <a:chOff x="0" y="0"/>
+          <a:chExt cx="0" cy="0"/>
+        </a:xfrm>
+      </p:grpSpPr>
+      <p:sp>
+        <p:nvSpPr>
+          <p:cNvPr id="2" name="Title 1"/>
+          <p:cNvSpPr>
+            <a:spLocks noGrp="1"/>
+          </p:cNvSpPr>
+          <p:nvPr>
+            <p:ph type="title"/>
+          </p:nvPr>
+        </p:nvSpPr>
+        <p:spPr/>
+        <p:txBody>
+          <a:bodyPr/>
+          <a:lstStyle/>
+          <a:p>
+            <a:endParaRPr lang="en-US"/>
+          </a:p>
+        </p:txBody>
+      </p:sp>
+      <p:sp>
+        <p:nvSpPr>
+          <p:cNvPr id="4" name="Content Placeholder 3"/>
+          <p:cNvSpPr>
+            <a:spLocks noGrp="1"/>
+          </p:cNvSpPr>
+          <p:nvPr>
+            <p:ph sz="half" idx="2"/>
+          </p:nvPr>
+        </p:nvSpPr>
+        <p:spPr/>
+        <p:txBody>
+          <a:bodyPr/>
+          <a:lstStyle/>
+          <a:p>
+            <a:endParaRPr lang="en-US"/>
+          </a:p>
+        </p:txBody>
+      </p:sp>
+      <p:pic>
+        <p:nvPicPr>
+          <p:cNvPr id="5" name="Content Placeholder 5" descr="Capture9"/>
+          <p:cNvPicPr>
+            <a:picLocks noGrp="1" noChangeAspect="1"/>
+          </p:cNvPicPr>
+          <p:nvPr>
+            <p:ph sz="half" idx="1"/>
+          </p:nvPr>
+        </p:nvPicPr>
+        <p:blipFill>
+          <a:blip r:embed="rId2"/>
+          <a:stretch>
+            <a:fillRect/>
+          </a:stretch>
+        </p:blipFill>
+        <p:spPr>
+          <a:xfrm>
+            <a:off x="677333" y="748093"/>
+            <a:ext cx="8895035" cy="5718610"/>
+          </a:xfrm>
+          <a:prstGeom prst="rect">
+            <a:avLst/>
+          </a:prstGeom>
+        </p:spPr>
+      </p:pic>
+    </p:spTree>
+    <p:extLst>
+      <p:ext uri="{BB962C8B-B14F-4D97-AF65-F5344CB8AC3E}">
+        <p14:creationId xmlns:p14="http://schemas.microsoft.com/office/powerpoint/2010/main" val="2407475938"/>
+      </p:ext>
+    </p:extLst>
+  </p:cSld>
+  <p:clrMapOvr>
+    <a:masterClrMapping/>
+  </p:clrMapOvr>
+</p:sld>
+</file>
+
+<file path=ppt/slides/slide37.xml><?xml version="1.0" encoding="utf-8"?>
 <p:sld xmlns:a="http://schemas.openxmlformats.org/drawingml/2006/main" xmlns:r="http://schemas.openxmlformats.org/officeDocument/2006/relationships" xmlns:p="http://schemas.openxmlformats.org/presentationml/2006/main">
   <p:cSld>
     <p:spTree>
@@ -23656,8 +23823,8 @@
         </p:blipFill>
         <p:spPr>
           <a:xfrm>
-            <a:off x="1551303" y="3305858"/>
-            <a:ext cx="6849431" cy="1590897"/>
+            <a:off x="677334" y="2506788"/>
+            <a:ext cx="8714207" cy="2559482"/>
           </a:xfrm>
         </p:spPr>
       </p:pic>
@@ -24284,7 +24451,12 @@
             <p:ph type="title"/>
           </p:nvPr>
         </p:nvSpPr>
-        <p:spPr/>
+        <p:spPr>
+          <a:xfrm>
+            <a:off x="677334" y="609600"/>
+            <a:ext cx="8596668" cy="947351"/>
+          </a:xfrm>
+        </p:spPr>
         <p:txBody>
           <a:bodyPr>
             <a:normAutofit fontScale="90000"/>
@@ -24292,7 +24464,7 @@
           <a:lstStyle/>
           <a:p>
             <a:r>
-              <a:rPr lang="en-US" dirty="0" err="1" smtClean="0">
+              <a:rPr lang="en-US" sz="2400" dirty="0" err="1" smtClean="0">
                 <a:solidFill>
                   <a:schemeClr val="accent2">
                     <a:lumMod val="50000"/>
@@ -24302,7 +24474,7 @@
               <a:t>Bây</a:t>
             </a:r>
             <a:r>
-              <a:rPr lang="en-US" dirty="0" smtClean="0">
+              <a:rPr lang="en-US" sz="2400" dirty="0" smtClean="0">
                 <a:solidFill>
                   <a:schemeClr val="accent2">
                     <a:lumMod val="50000"/>
@@ -24312,7 +24484,7 @@
               <a:t> </a:t>
             </a:r>
             <a:r>
-              <a:rPr lang="en-US" dirty="0" err="1" smtClean="0">
+              <a:rPr lang="en-US" sz="2400" dirty="0" err="1" smtClean="0">
                 <a:solidFill>
                   <a:schemeClr val="accent2">
                     <a:lumMod val="50000"/>
@@ -24322,7 +24494,7 @@
               <a:t>giờ</a:t>
             </a:r>
             <a:r>
-              <a:rPr lang="en-US" dirty="0" smtClean="0">
+              <a:rPr lang="en-US" sz="2400" dirty="0" smtClean="0">
                 <a:solidFill>
                   <a:schemeClr val="accent2">
                     <a:lumMod val="50000"/>
@@ -24332,7 +24504,7 @@
               <a:t> </a:t>
             </a:r>
             <a:r>
-              <a:rPr lang="en-US" dirty="0" err="1" smtClean="0">
+              <a:rPr lang="en-US" sz="2400" dirty="0" err="1" smtClean="0">
                 <a:solidFill>
                   <a:schemeClr val="accent2">
                     <a:lumMod val="50000"/>
@@ -24342,7 +24514,7 @@
               <a:t>chúng</a:t>
             </a:r>
             <a:r>
-              <a:rPr lang="en-US" dirty="0" smtClean="0">
+              <a:rPr lang="en-US" sz="2400" dirty="0" smtClean="0">
                 <a:solidFill>
                   <a:schemeClr val="accent2">
                     <a:lumMod val="50000"/>
@@ -24352,7 +24524,7 @@
               <a:t> ta </a:t>
             </a:r>
             <a:r>
-              <a:rPr lang="en-US" dirty="0" err="1" smtClean="0">
+              <a:rPr lang="en-US" sz="2400" dirty="0" err="1" smtClean="0">
                 <a:solidFill>
                   <a:schemeClr val="accent2">
                     <a:lumMod val="50000"/>
@@ -24362,7 +24534,7 @@
               <a:t>sẽ</a:t>
             </a:r>
             <a:r>
-              <a:rPr lang="en-US" dirty="0" smtClean="0">
+              <a:rPr lang="en-US" sz="2400" dirty="0" smtClean="0">
                 <a:solidFill>
                   <a:schemeClr val="accent2">
                     <a:lumMod val="50000"/>
@@ -24372,7 +24544,7 @@
               <a:t> </a:t>
             </a:r>
             <a:r>
-              <a:rPr lang="en-US" dirty="0" err="1" smtClean="0">
+              <a:rPr lang="en-US" sz="2400" dirty="0" err="1" smtClean="0">
                 <a:solidFill>
                   <a:schemeClr val="accent2">
                     <a:lumMod val="50000"/>
@@ -24382,7 +24554,7 @@
               <a:t>tạo</a:t>
             </a:r>
             <a:r>
-              <a:rPr lang="en-US" dirty="0" smtClean="0">
+              <a:rPr lang="en-US" sz="2400" dirty="0" smtClean="0">
                 <a:solidFill>
                   <a:schemeClr val="accent2">
                     <a:lumMod val="50000"/>
@@ -24392,7 +24564,7 @@
               <a:t> class War </a:t>
             </a:r>
             <a:r>
-              <a:rPr lang="en-US" dirty="0" err="1" smtClean="0">
+              <a:rPr lang="en-US" sz="2400" dirty="0" err="1" smtClean="0">
                 <a:solidFill>
                   <a:schemeClr val="accent2">
                     <a:lumMod val="50000"/>
@@ -24402,7 +24574,7 @@
               <a:t>mà</a:t>
             </a:r>
             <a:r>
-              <a:rPr lang="en-US" dirty="0" smtClean="0">
+              <a:rPr lang="en-US" sz="2400" dirty="0" smtClean="0">
                 <a:solidFill>
                   <a:schemeClr val="accent2">
                     <a:lumMod val="50000"/>
@@ -24412,7 +24584,7 @@
               <a:t> </a:t>
             </a:r>
             <a:r>
-              <a:rPr lang="en-US" dirty="0" err="1" smtClean="0">
+              <a:rPr lang="en-US" sz="2400" dirty="0" err="1" smtClean="0">
                 <a:solidFill>
                   <a:schemeClr val="accent2">
                     <a:lumMod val="50000"/>
@@ -24422,7 +24594,7 @@
               <a:t>trong</a:t>
             </a:r>
             <a:r>
-              <a:rPr lang="en-US" dirty="0" smtClean="0">
+              <a:rPr lang="en-US" sz="2400" dirty="0" smtClean="0">
                 <a:solidFill>
                   <a:schemeClr val="accent2">
                     <a:lumMod val="50000"/>
@@ -24432,7 +24604,7 @@
               <a:t> </a:t>
             </a:r>
             <a:r>
-              <a:rPr lang="en-US" dirty="0" err="1" smtClean="0">
+              <a:rPr lang="en-US" sz="2400" dirty="0" err="1" smtClean="0">
                 <a:solidFill>
                   <a:schemeClr val="accent2">
                     <a:lumMod val="50000"/>
@@ -24442,7 +24614,7 @@
               <a:t>đó</a:t>
             </a:r>
             <a:r>
-              <a:rPr lang="en-US" dirty="0" smtClean="0">
+              <a:rPr lang="en-US" sz="2400" dirty="0" smtClean="0">
                 <a:solidFill>
                   <a:schemeClr val="accent2">
                     <a:lumMod val="50000"/>
@@ -24452,7 +24624,7 @@
               <a:t> </a:t>
             </a:r>
             <a:r>
-              <a:rPr lang="en-US" dirty="0" err="1" smtClean="0">
+              <a:rPr lang="en-US" sz="2400" dirty="0" err="1" smtClean="0">
                 <a:solidFill>
                   <a:schemeClr val="accent2">
                     <a:lumMod val="50000"/>
@@ -24462,7 +24634,7 @@
               <a:t>bao</a:t>
             </a:r>
             <a:r>
-              <a:rPr lang="en-US" dirty="0" smtClean="0">
+              <a:rPr lang="en-US" sz="2400" dirty="0" smtClean="0">
                 <a:solidFill>
                   <a:schemeClr val="accent2">
                     <a:lumMod val="50000"/>
@@ -24472,7 +24644,7 @@
               <a:t> </a:t>
             </a:r>
             <a:r>
-              <a:rPr lang="en-US" dirty="0" err="1" smtClean="0">
+              <a:rPr lang="en-US" sz="2400" dirty="0" err="1" smtClean="0">
                 <a:solidFill>
                   <a:schemeClr val="accent2">
                     <a:lumMod val="50000"/>
@@ -24482,7 +24654,7 @@
               <a:t>gồm</a:t>
             </a:r>
             <a:r>
-              <a:rPr lang="en-US" dirty="0" smtClean="0">
+              <a:rPr lang="en-US" sz="2400" dirty="0" smtClean="0">
                 <a:solidFill>
                   <a:schemeClr val="accent2">
                     <a:lumMod val="50000"/>
@@ -24492,7 +24664,7 @@
               <a:t> việc khởi tạo class Stark </a:t>
             </a:r>
             <a:r>
-              <a:rPr lang="en-US" dirty="0" err="1" smtClean="0">
+              <a:rPr lang="en-US" sz="2400" dirty="0" err="1" smtClean="0">
                 <a:solidFill>
                   <a:schemeClr val="accent2">
                     <a:lumMod val="50000"/>
@@ -24502,7 +24674,7 @@
               <a:t>và</a:t>
             </a:r>
             <a:r>
-              <a:rPr lang="en-US" dirty="0" smtClean="0">
+              <a:rPr lang="en-US" sz="2400" dirty="0" smtClean="0">
                 <a:solidFill>
                   <a:schemeClr val="accent2">
                     <a:lumMod val="50000"/>
@@ -24512,7 +24684,7 @@
               <a:t> </a:t>
             </a:r>
             <a:r>
-              <a:rPr lang="en-US" dirty="0" err="1" smtClean="0">
+              <a:rPr lang="en-US" sz="2400" dirty="0" err="1" smtClean="0">
                 <a:solidFill>
                   <a:schemeClr val="accent2">
                     <a:lumMod val="50000"/>
@@ -24522,7 +24694,7 @@
               <a:t>Boltons</a:t>
             </a:r>
             <a:r>
-              <a:rPr lang="en-US" dirty="0" smtClean="0">
+              <a:rPr lang="en-US" sz="2400" dirty="0" smtClean="0">
                 <a:solidFill>
                   <a:schemeClr val="accent2">
                     <a:lumMod val="50000"/>
@@ -24532,7 +24704,7 @@
               <a:t> </a:t>
             </a:r>
             <a:r>
-              <a:rPr lang="en-US" dirty="0" err="1" smtClean="0">
+              <a:rPr lang="en-US" sz="2400" dirty="0" err="1" smtClean="0">
                 <a:solidFill>
                   <a:schemeClr val="accent2">
                     <a:lumMod val="50000"/>
@@ -24542,7 +24714,7 @@
               <a:t>cùng</a:t>
             </a:r>
             <a:r>
-              <a:rPr lang="en-US" dirty="0" smtClean="0">
+              <a:rPr lang="en-US" sz="2400" dirty="0" smtClean="0">
                 <a:solidFill>
                   <a:schemeClr val="accent2">
                     <a:lumMod val="50000"/>
@@ -24552,7 +24724,7 @@
               <a:t> </a:t>
             </a:r>
             <a:r>
-              <a:rPr lang="en-US" dirty="0" err="1" smtClean="0">
+              <a:rPr lang="en-US" sz="2400" dirty="0" err="1" smtClean="0">
                 <a:solidFill>
                   <a:schemeClr val="accent2">
                     <a:lumMod val="50000"/>
@@ -24562,7 +24734,7 @@
               <a:t>với</a:t>
             </a:r>
             <a:r>
-              <a:rPr lang="en-US" dirty="0" smtClean="0">
+              <a:rPr lang="en-US" sz="2400" dirty="0" smtClean="0">
                 <a:solidFill>
                   <a:schemeClr val="accent2">
                     <a:lumMod val="50000"/>
@@ -24572,7 +24744,7 @@
               <a:t> </a:t>
             </a:r>
             <a:r>
-              <a:rPr lang="en-US" dirty="0" err="1" smtClean="0">
+              <a:rPr lang="en-US" sz="2400" dirty="0" err="1" smtClean="0">
                 <a:solidFill>
                   <a:schemeClr val="accent2">
                     <a:lumMod val="50000"/>
@@ -24582,7 +24754,7 @@
               <a:t>các</a:t>
             </a:r>
             <a:r>
-              <a:rPr lang="en-US" dirty="0" smtClean="0">
+              <a:rPr lang="en-US" sz="2400" dirty="0" smtClean="0">
                 <a:solidFill>
                   <a:schemeClr val="accent2">
                     <a:lumMod val="50000"/>
@@ -24592,7 +24764,7 @@
               <a:t> </a:t>
             </a:r>
             <a:r>
-              <a:rPr lang="en-US" dirty="0" err="1" smtClean="0">
+              <a:rPr lang="en-US" sz="2400" dirty="0" err="1" smtClean="0">
                 <a:solidFill>
                   <a:schemeClr val="accent2">
                     <a:lumMod val="50000"/>
@@ -24602,7 +24774,7 @@
               <a:t>phương</a:t>
             </a:r>
             <a:r>
-              <a:rPr lang="en-US" dirty="0" smtClean="0">
+              <a:rPr lang="en-US" sz="2400" dirty="0" smtClean="0">
                 <a:solidFill>
                   <a:schemeClr val="accent2">
                     <a:lumMod val="50000"/>
@@ -24612,7 +24784,7 @@
               <a:t> </a:t>
             </a:r>
             <a:r>
-              <a:rPr lang="en-US" dirty="0" err="1" smtClean="0">
+              <a:rPr lang="en-US" sz="2400" dirty="0" err="1" smtClean="0">
                 <a:solidFill>
                   <a:schemeClr val="accent2">
                     <a:lumMod val="50000"/>
@@ -24622,7 +24794,7 @@
               <a:t>thức</a:t>
             </a:r>
             <a:r>
-              <a:rPr lang="en-US" dirty="0" smtClean="0">
+              <a:rPr lang="en-US" sz="2400" dirty="0" smtClean="0">
                 <a:solidFill>
                   <a:schemeClr val="accent2">
                     <a:lumMod val="50000"/>
@@ -24632,7 +24804,7 @@
               <a:t> </a:t>
             </a:r>
             <a:r>
-              <a:rPr lang="en-US" dirty="0" err="1" smtClean="0">
+              <a:rPr lang="en-US" sz="2400" dirty="0" err="1" smtClean="0">
                 <a:solidFill>
                   <a:schemeClr val="accent2">
                     <a:lumMod val="50000"/>
@@ -24642,7 +24814,7 @@
               <a:t>của</a:t>
             </a:r>
             <a:r>
-              <a:rPr lang="en-US" dirty="0" smtClean="0">
+              <a:rPr lang="en-US" sz="2400" dirty="0" smtClean="0">
                 <a:solidFill>
                   <a:schemeClr val="accent2">
                     <a:lumMod val="50000"/>
@@ -24652,7 +24824,7 @@
               <a:t> </a:t>
             </a:r>
             <a:r>
-              <a:rPr lang="en-US" dirty="0" err="1" smtClean="0">
+              <a:rPr lang="en-US" sz="2400" dirty="0" err="1" smtClean="0">
                 <a:solidFill>
                   <a:schemeClr val="accent2">
                     <a:lumMod val="50000"/>
@@ -24661,7 +24833,7 @@
               </a:rPr>
               <a:t>chúng</a:t>
             </a:r>
-            <a:endParaRPr lang="en-US" dirty="0">
+            <a:endParaRPr lang="en-US" sz="2400" dirty="0">
               <a:solidFill>
                 <a:schemeClr val="accent2">
                   <a:lumMod val="50000"/>
@@ -24681,7 +24853,12 @@
             <p:ph idx="1"/>
           </p:nvPr>
         </p:nvSpPr>
-        <p:spPr/>
+        <p:spPr>
+          <a:xfrm>
+            <a:off x="677334" y="1556951"/>
+            <a:ext cx="8596668" cy="4484411"/>
+          </a:xfrm>
+        </p:spPr>
         <p:txBody>
           <a:bodyPr/>
           <a:lstStyle/>
@@ -24738,8 +24915,8 @@
         </p:blipFill>
         <p:spPr>
           <a:xfrm>
-            <a:off x="677334" y="2784388"/>
-            <a:ext cx="8596668" cy="3624650"/>
+            <a:off x="677334" y="2051222"/>
+            <a:ext cx="8596668" cy="4357816"/>
           </a:xfrm>
           <a:prstGeom prst="rect">
             <a:avLst/>
@@ -24907,7 +25084,7 @@
           <a:bodyPr/>
           <a:lstStyle/>
           <a:p>
-            <a:endParaRPr lang="en-US"/>
+            <a:endParaRPr lang="en-US" dirty="0"/>
           </a:p>
         </p:txBody>
       </p:sp>
@@ -24977,8 +25154,8 @@
         </p:blipFill>
         <p:spPr>
           <a:xfrm>
-            <a:off x="677334" y="1449859"/>
-            <a:ext cx="8596668" cy="4876802"/>
+            <a:off x="677334" y="1112108"/>
+            <a:ext cx="8596668" cy="5214553"/>
           </a:xfrm>
           <a:prstGeom prst="rect">
             <a:avLst/>
@@ -25392,8 +25569,8 @@
         </p:blipFill>
         <p:spPr>
           <a:xfrm>
-            <a:off x="1579882" y="2796199"/>
-            <a:ext cx="6792273" cy="2610214"/>
+            <a:off x="677334" y="1930398"/>
+            <a:ext cx="8596668" cy="3770185"/>
           </a:xfrm>
         </p:spPr>
       </p:pic>
